--- a/presentation/tech-writing/tech-writing-azure-static-web-apps.pptx
+++ b/presentation/tech-writing/tech-writing-azure-static-web-apps.pptx
@@ -5,18 +5,21 @@
     <p:sldMasterId id="2147483672" r:id="rId1"/>
   </p:sldMasterIdLst>
   <p:notesMasterIdLst>
-    <p:notesMasterId r:id="rId8"/>
+    <p:notesMasterId r:id="rId11"/>
   </p:notesMasterIdLst>
   <p:handoutMasterIdLst>
-    <p:handoutMasterId r:id="rId9"/>
+    <p:handoutMasterId r:id="rId12"/>
   </p:handoutMasterIdLst>
   <p:sldIdLst>
     <p:sldId id="256" r:id="rId2"/>
     <p:sldId id="281" r:id="rId3"/>
     <p:sldId id="287" r:id="rId4"/>
-    <p:sldId id="296" r:id="rId5"/>
-    <p:sldId id="280" r:id="rId6"/>
-    <p:sldId id="272" r:id="rId7"/>
+    <p:sldId id="297" r:id="rId5"/>
+    <p:sldId id="298" r:id="rId6"/>
+    <p:sldId id="299" r:id="rId7"/>
+    <p:sldId id="296" r:id="rId8"/>
+    <p:sldId id="280" r:id="rId9"/>
+    <p:sldId id="272" r:id="rId10"/>
   </p:sldIdLst>
   <p:sldSz cx="12192000" cy="6858000"/>
   <p:notesSz cx="6858000" cy="9144000"/>
@@ -2115,7 +2118,7 @@
     <p:bg>
       <p:bgPr>
         <a:solidFill>
-          <a:schemeClr val="lt1"/>
+          <a:srgbClr val="FFFFFF"/>
         </a:solidFill>
         <a:effectLst/>
       </p:bgPr>
@@ -3788,7 +3791,7 @@
                 </a:solidFill>
                 <a:latin typeface="+mj-lt"/>
               </a:rPr>
-              <a:t>Google tech writing course</a:t>
+              <a:t>Tech writing course by Google</a:t>
             </a:r>
           </a:p>
           <a:p>
@@ -3904,75 +3907,186 @@
           <a:chExt cx="0" cy="0"/>
         </a:xfrm>
       </p:grpSpPr>
-      <p:sp>
-        <p:nvSpPr>
-          <p:cNvPr id="2" name="Title 1">
+      <p:pic>
+        <p:nvPicPr>
+          <p:cNvPr id="5" name="Picture 2">
             <a:extLst>
               <a:ext uri="{FF2B5EF4-FFF2-40B4-BE49-F238E27FC236}">
-                <a16:creationId xmlns:a16="http://schemas.microsoft.com/office/drawing/2014/main" id="{D398BFED-2F7F-49BD-B480-56FC297B15A8}"/>
-              </a:ext>
-            </a:extLst>
-          </p:cNvPr>
-          <p:cNvSpPr>
-            <a:spLocks noGrp="1"/>
-          </p:cNvSpPr>
-          <p:nvPr>
-            <p:ph type="title"/>
-          </p:nvPr>
-        </p:nvSpPr>
-        <p:spPr>
-          <a:xfrm>
-            <a:off x="609600" y="0"/>
-            <a:ext cx="10972800" cy="1143000"/>
-          </a:xfrm>
-        </p:spPr>
-        <p:txBody>
-          <a:bodyPr anchor="ctr"/>
-          <a:lstStyle/>
-          <a:p>
-            <a:pPr algn="ctr"/>
-            <a:r>
-              <a:rPr lang="en-US" dirty="0">
-                <a:solidFill>
-                  <a:schemeClr val="tx1"/>
-                </a:solidFill>
-                <a:latin typeface="+mj-lt"/>
-              </a:rPr>
-              <a:t>Technical writing</a:t>
-            </a:r>
-          </a:p>
-        </p:txBody>
-      </p:sp>
-      <p:pic>
-        <p:nvPicPr>
-          <p:cNvPr id="4" name="Picture 3">
-            <a:extLst>
-              <a:ext uri="{FF2B5EF4-FFF2-40B4-BE49-F238E27FC236}">
-                <a16:creationId xmlns:a16="http://schemas.microsoft.com/office/drawing/2014/main" id="{EAD9C481-E811-41AA-A936-6EECA420880B}"/>
+                <a16:creationId xmlns:a16="http://schemas.microsoft.com/office/drawing/2014/main" id="{034F12E2-5B0F-40D7-8F8B-7258322C3D45}"/>
               </a:ext>
             </a:extLst>
           </p:cNvPr>
           <p:cNvPicPr>
-            <a:picLocks noChangeAspect="1"/>
+            <a:picLocks noChangeAspect="1" noChangeArrowheads="1"/>
           </p:cNvPicPr>
           <p:nvPr/>
         </p:nvPicPr>
         <p:blipFill>
-          <a:blip r:embed="rId2"/>
+          <a:blip r:embed="rId2">
+            <a:extLst>
+              <a:ext uri="{28A0092B-C50C-407E-A947-70E740481C1C}">
+                <a14:useLocalDpi xmlns:a14="http://schemas.microsoft.com/office/drawing/2010/main" val="0"/>
+              </a:ext>
+            </a:extLst>
+          </a:blip>
+          <a:srcRect/>
           <a:stretch>
             <a:fillRect/>
           </a:stretch>
         </p:blipFill>
-        <p:spPr>
+        <p:spPr bwMode="auto">
           <a:xfrm>
-            <a:off x="0" y="6270273"/>
-            <a:ext cx="1129537" cy="587727"/>
+            <a:off x="1129537" y="1273320"/>
+            <a:ext cx="4572000" cy="4581525"/>
           </a:xfrm>
           <a:prstGeom prst="rect">
             <a:avLst/>
           </a:prstGeom>
+          <a:noFill/>
+          <a:extLst>
+            <a:ext uri="{909E8E84-426E-40DD-AFC4-6F175D3DCCD1}">
+              <a14:hiddenFill xmlns:a14="http://schemas.microsoft.com/office/drawing/2010/main">
+                <a:solidFill>
+                  <a:srgbClr val="FFFFFF"/>
+                </a:solidFill>
+              </a14:hiddenFill>
+            </a:ext>
+          </a:extLst>
         </p:spPr>
       </p:pic>
+      <p:sp>
+        <p:nvSpPr>
+          <p:cNvPr id="11" name="TextBox 10">
+            <a:extLst>
+              <a:ext uri="{FF2B5EF4-FFF2-40B4-BE49-F238E27FC236}">
+                <a16:creationId xmlns:a16="http://schemas.microsoft.com/office/drawing/2014/main" id="{6DE1B819-801D-4139-91A2-AB5D0A22A5C2}"/>
+              </a:ext>
+            </a:extLst>
+          </p:cNvPr>
+          <p:cNvSpPr txBox="1"/>
+          <p:nvPr/>
+        </p:nvSpPr>
+        <p:spPr>
+          <a:xfrm>
+            <a:off x="9391233" y="6611779"/>
+            <a:ext cx="2800767" cy="246221"/>
+          </a:xfrm>
+          <a:prstGeom prst="rect">
+            <a:avLst/>
+          </a:prstGeom>
+          <a:noFill/>
+        </p:spPr>
+        <p:txBody>
+          <a:bodyPr wrap="none" rtlCol="0">
+            <a:spAutoFit/>
+          </a:bodyPr>
+          <a:lstStyle/>
+          <a:p>
+            <a:r>
+              <a:rPr lang="en-US" sz="1000" dirty="0">
+                <a:latin typeface="+mn-lt"/>
+                <a:hlinkClick r:id="rId3"/>
+              </a:rPr>
+              <a:t>developers.google.com/tech-writing</a:t>
+            </a:r>
+            <a:endParaRPr lang="en-US" sz="1000" dirty="0">
+              <a:latin typeface="+mn-lt"/>
+            </a:endParaRPr>
+          </a:p>
+        </p:txBody>
+      </p:sp>
+      <p:sp>
+        <p:nvSpPr>
+          <p:cNvPr id="10" name="TextBox 9">
+            <a:extLst>
+              <a:ext uri="{FF2B5EF4-FFF2-40B4-BE49-F238E27FC236}">
+                <a16:creationId xmlns:a16="http://schemas.microsoft.com/office/drawing/2014/main" id="{5B1ADD6B-BEFE-4B93-883F-81037C852E1B}"/>
+              </a:ext>
+            </a:extLst>
+          </p:cNvPr>
+          <p:cNvSpPr txBox="1"/>
+          <p:nvPr/>
+        </p:nvSpPr>
+        <p:spPr>
+          <a:xfrm>
+            <a:off x="5701538" y="2105561"/>
+            <a:ext cx="4678980" cy="2246769"/>
+          </a:xfrm>
+          <a:prstGeom prst="rect">
+            <a:avLst/>
+          </a:prstGeom>
+          <a:noFill/>
+        </p:spPr>
+        <p:txBody>
+          <a:bodyPr wrap="square" rtlCol="0">
+            <a:spAutoFit/>
+          </a:bodyPr>
+          <a:lstStyle/>
+          <a:p>
+            <a:pPr marL="285750" indent="-285750">
+              <a:buFont typeface="Arial" panose="020B0604020202020204" pitchFamily="34" charset="0"/>
+              <a:buChar char="•"/>
+            </a:pPr>
+            <a:r>
+              <a:rPr lang="en-US" sz="2000" dirty="0">
+                <a:latin typeface="+mn-lt"/>
+              </a:rPr>
+              <a:t>Technical writing courses by Google</a:t>
+            </a:r>
+          </a:p>
+          <a:p>
+            <a:pPr marL="285750" indent="-285750">
+              <a:buFont typeface="Arial" panose="020B0604020202020204" pitchFamily="34" charset="0"/>
+              <a:buChar char="•"/>
+            </a:pPr>
+            <a:endParaRPr lang="en-US" sz="2000" dirty="0">
+              <a:latin typeface="+mn-lt"/>
+            </a:endParaRPr>
+          </a:p>
+          <a:p>
+            <a:pPr marL="285750" indent="-285750">
+              <a:buFont typeface="Arial" panose="020B0604020202020204" pitchFamily="34" charset="0"/>
+              <a:buChar char="•"/>
+            </a:pPr>
+            <a:r>
+              <a:rPr lang="en-US" sz="2000" dirty="0">
+                <a:latin typeface="+mn-lt"/>
+              </a:rPr>
+              <a:t>Two parts 3 hours total</a:t>
+            </a:r>
+          </a:p>
+          <a:p>
+            <a:pPr marL="285750" indent="-285750">
+              <a:buFont typeface="Arial" panose="020B0604020202020204" pitchFamily="34" charset="0"/>
+              <a:buChar char="•"/>
+            </a:pPr>
+            <a:endParaRPr lang="en-US" sz="2000" dirty="0">
+              <a:latin typeface="+mn-lt"/>
+            </a:endParaRPr>
+          </a:p>
+          <a:p>
+            <a:pPr marL="285750" indent="-285750">
+              <a:buFont typeface="Arial" panose="020B0604020202020204" pitchFamily="34" charset="0"/>
+              <a:buChar char="•"/>
+            </a:pPr>
+            <a:r>
+              <a:rPr lang="en-US" sz="2000" dirty="0">
+                <a:latin typeface="+mn-lt"/>
+              </a:rPr>
+              <a:t>Pre-class and in-class</a:t>
+            </a:r>
+          </a:p>
+          <a:p>
+            <a:pPr marL="285750" indent="-285750">
+              <a:buFont typeface="Arial" panose="020B0604020202020204" pitchFamily="34" charset="0"/>
+              <a:buChar char="•"/>
+            </a:pPr>
+            <a:endParaRPr lang="en-US" sz="2000" dirty="0">
+              <a:latin typeface="+mn-lt"/>
+            </a:endParaRPr>
+          </a:p>
+        </p:txBody>
+      </p:sp>
     </p:spTree>
     <p:extLst>
       <p:ext uri="{BB962C8B-B14F-4D97-AF65-F5344CB8AC3E}">
@@ -4021,6 +4135,493 @@
         </p:nvSpPr>
         <p:spPr>
           <a:xfrm>
+            <a:off x="609600" y="0"/>
+            <a:ext cx="10972800" cy="1143000"/>
+          </a:xfrm>
+        </p:spPr>
+        <p:txBody>
+          <a:bodyPr anchor="ctr"/>
+          <a:lstStyle/>
+          <a:p>
+            <a:pPr algn="ctr"/>
+            <a:r>
+              <a:rPr lang="en-US" dirty="0">
+                <a:solidFill>
+                  <a:schemeClr val="tx1"/>
+                </a:solidFill>
+                <a:latin typeface="+mj-lt"/>
+              </a:rPr>
+              <a:t>Requirements</a:t>
+            </a:r>
+          </a:p>
+        </p:txBody>
+      </p:sp>
+      <p:sp>
+        <p:nvSpPr>
+          <p:cNvPr id="3" name="TextBox 2">
+            <a:extLst>
+              <a:ext uri="{FF2B5EF4-FFF2-40B4-BE49-F238E27FC236}">
+                <a16:creationId xmlns:a16="http://schemas.microsoft.com/office/drawing/2014/main" id="{152EED49-F37E-453A-9CB2-5DB8C63E8280}"/>
+              </a:ext>
+            </a:extLst>
+          </p:cNvPr>
+          <p:cNvSpPr txBox="1"/>
+          <p:nvPr/>
+        </p:nvSpPr>
+        <p:spPr>
+          <a:xfrm>
+            <a:off x="702260" y="1143000"/>
+            <a:ext cx="10787480" cy="1323439"/>
+          </a:xfrm>
+          <a:prstGeom prst="rect">
+            <a:avLst/>
+          </a:prstGeom>
+          <a:noFill/>
+        </p:spPr>
+        <p:txBody>
+          <a:bodyPr wrap="square" rtlCol="0">
+            <a:spAutoFit/>
+          </a:bodyPr>
+          <a:lstStyle/>
+          <a:p>
+            <a:endParaRPr lang="en-US" sz="2000" dirty="0">
+              <a:latin typeface="+mn-lt"/>
+              <a:hlinkClick r:id="rId2"/>
+            </a:endParaRPr>
+          </a:p>
+          <a:p>
+            <a:endParaRPr lang="en-US" sz="2000" dirty="0">
+              <a:latin typeface="+mn-lt"/>
+              <a:hlinkClick r:id="rId2"/>
+            </a:endParaRPr>
+          </a:p>
+          <a:p>
+            <a:endParaRPr lang="en-US" sz="2000" dirty="0">
+              <a:latin typeface="+mn-lt"/>
+              <a:hlinkClick r:id="rId2"/>
+            </a:endParaRPr>
+          </a:p>
+          <a:p>
+            <a:endParaRPr lang="en-US" sz="2000" dirty="0">
+              <a:latin typeface="+mn-lt"/>
+            </a:endParaRPr>
+          </a:p>
+        </p:txBody>
+      </p:sp>
+      <p:sp>
+        <p:nvSpPr>
+          <p:cNvPr id="4" name="TextBox 3">
+            <a:extLst>
+              <a:ext uri="{FF2B5EF4-FFF2-40B4-BE49-F238E27FC236}">
+                <a16:creationId xmlns:a16="http://schemas.microsoft.com/office/drawing/2014/main" id="{39631D5A-6305-4840-BFDB-56E44EED0462}"/>
+              </a:ext>
+            </a:extLst>
+          </p:cNvPr>
+          <p:cNvSpPr txBox="1"/>
+          <p:nvPr/>
+        </p:nvSpPr>
+        <p:spPr>
+          <a:xfrm>
+            <a:off x="5701538" y="2105561"/>
+            <a:ext cx="4678980" cy="2554545"/>
+          </a:xfrm>
+          <a:prstGeom prst="rect">
+            <a:avLst/>
+          </a:prstGeom>
+          <a:noFill/>
+        </p:spPr>
+        <p:txBody>
+          <a:bodyPr wrap="square" rtlCol="0">
+            <a:spAutoFit/>
+          </a:bodyPr>
+          <a:lstStyle/>
+          <a:p>
+            <a:pPr marL="285750" indent="-285750">
+              <a:buFont typeface="Arial" panose="020B0604020202020204" pitchFamily="34" charset="0"/>
+              <a:buChar char="•"/>
+            </a:pPr>
+            <a:r>
+              <a:rPr lang="en-US" sz="2000" dirty="0">
+                <a:latin typeface="+mn-lt"/>
+              </a:rPr>
+              <a:t>Technical writing courses by Google</a:t>
+            </a:r>
+          </a:p>
+          <a:p>
+            <a:pPr marL="285750" indent="-285750">
+              <a:buFont typeface="Arial" panose="020B0604020202020204" pitchFamily="34" charset="0"/>
+              <a:buChar char="•"/>
+            </a:pPr>
+            <a:endParaRPr lang="en-US" sz="2000" dirty="0">
+              <a:latin typeface="+mn-lt"/>
+            </a:endParaRPr>
+          </a:p>
+          <a:p>
+            <a:pPr marL="285750" indent="-285750">
+              <a:buFont typeface="Arial" panose="020B0604020202020204" pitchFamily="34" charset="0"/>
+              <a:buChar char="•"/>
+            </a:pPr>
+            <a:r>
+              <a:rPr lang="en-US" sz="2000" dirty="0">
+                <a:latin typeface="+mn-lt"/>
+              </a:rPr>
+              <a:t>Two parts 3 hours total</a:t>
+            </a:r>
+          </a:p>
+          <a:p>
+            <a:pPr marL="285750" indent="-285750">
+              <a:buFont typeface="Arial" panose="020B0604020202020204" pitchFamily="34" charset="0"/>
+              <a:buChar char="•"/>
+            </a:pPr>
+            <a:endParaRPr lang="en-US" sz="2000" dirty="0">
+              <a:latin typeface="+mn-lt"/>
+            </a:endParaRPr>
+          </a:p>
+          <a:p>
+            <a:pPr marL="285750" indent="-285750">
+              <a:buFont typeface="Arial" panose="020B0604020202020204" pitchFamily="34" charset="0"/>
+              <a:buChar char="•"/>
+            </a:pPr>
+            <a:r>
+              <a:rPr lang="en-US" sz="2000" dirty="0">
+                <a:latin typeface="+mn-lt"/>
+              </a:rPr>
+              <a:t>Pre-class and in-class with a facilitator and students</a:t>
+            </a:r>
+          </a:p>
+          <a:p>
+            <a:pPr marL="285750" indent="-285750">
+              <a:buFont typeface="Arial" panose="020B0604020202020204" pitchFamily="34" charset="0"/>
+              <a:buChar char="•"/>
+            </a:pPr>
+            <a:endParaRPr lang="en-US" sz="2000" dirty="0">
+              <a:latin typeface="+mn-lt"/>
+            </a:endParaRPr>
+          </a:p>
+        </p:txBody>
+      </p:sp>
+    </p:spTree>
+    <p:extLst>
+      <p:ext uri="{BB962C8B-B14F-4D97-AF65-F5344CB8AC3E}">
+        <p14:creationId xmlns:p14="http://schemas.microsoft.com/office/powerpoint/2010/main" val="3394368255"/>
+      </p:ext>
+    </p:extLst>
+  </p:cSld>
+  <p:clrMapOvr>
+    <a:masterClrMapping/>
+  </p:clrMapOvr>
+</p:sld>
+</file>
+
+<file path=ppt/slides/slide5.xml><?xml version="1.0" encoding="utf-8"?>
+<p:sld xmlns:a="http://schemas.openxmlformats.org/drawingml/2006/main" xmlns:r="http://schemas.openxmlformats.org/officeDocument/2006/relationships" xmlns:p="http://schemas.openxmlformats.org/presentationml/2006/main">
+  <p:cSld>
+    <p:spTree>
+      <p:nvGrpSpPr>
+        <p:cNvPr id="1" name=""/>
+        <p:cNvGrpSpPr/>
+        <p:nvPr/>
+      </p:nvGrpSpPr>
+      <p:grpSpPr>
+        <a:xfrm>
+          <a:off x="0" y="0"/>
+          <a:ext cx="0" cy="0"/>
+          <a:chOff x="0" y="0"/>
+          <a:chExt cx="0" cy="0"/>
+        </a:xfrm>
+      </p:grpSpPr>
+      <p:sp>
+        <p:nvSpPr>
+          <p:cNvPr id="2" name="Title 1">
+            <a:extLst>
+              <a:ext uri="{FF2B5EF4-FFF2-40B4-BE49-F238E27FC236}">
+                <a16:creationId xmlns:a16="http://schemas.microsoft.com/office/drawing/2014/main" id="{E355E0FD-58C5-49E7-AB2A-46560FD288CA}"/>
+              </a:ext>
+            </a:extLst>
+          </p:cNvPr>
+          <p:cNvSpPr>
+            <a:spLocks noGrp="1"/>
+          </p:cNvSpPr>
+          <p:nvPr>
+            <p:ph type="title"/>
+          </p:nvPr>
+        </p:nvSpPr>
+        <p:spPr>
+          <a:xfrm>
+            <a:off x="609600" y="290224"/>
+            <a:ext cx="10972800" cy="722890"/>
+          </a:xfrm>
+        </p:spPr>
+        <p:txBody>
+          <a:bodyPr/>
+          <a:lstStyle/>
+          <a:p>
+            <a:pPr algn="ctr"/>
+            <a:r>
+              <a:rPr lang="en-US" dirty="0">
+                <a:solidFill>
+                  <a:schemeClr val="tx1"/>
+                </a:solidFill>
+                <a:latin typeface="+mj-lt"/>
+              </a:rPr>
+              <a:t>Requirements</a:t>
+            </a:r>
+            <a:endParaRPr lang="en-US" dirty="0"/>
+          </a:p>
+        </p:txBody>
+      </p:sp>
+      <p:sp>
+        <p:nvSpPr>
+          <p:cNvPr id="3" name="Text Placeholder 2">
+            <a:extLst>
+              <a:ext uri="{FF2B5EF4-FFF2-40B4-BE49-F238E27FC236}">
+                <a16:creationId xmlns:a16="http://schemas.microsoft.com/office/drawing/2014/main" id="{43AFD2A3-EAC6-41C7-ADB2-686CA9A4F95C}"/>
+              </a:ext>
+            </a:extLst>
+          </p:cNvPr>
+          <p:cNvSpPr>
+            <a:spLocks noGrp="1"/>
+          </p:cNvSpPr>
+          <p:nvPr>
+            <p:ph type="body" idx="1"/>
+          </p:nvPr>
+        </p:nvSpPr>
+        <p:spPr>
+          <a:xfrm>
+            <a:off x="609600" y="1600201"/>
+            <a:ext cx="10972800" cy="4967575"/>
+          </a:xfrm>
+        </p:spPr>
+        <p:txBody>
+          <a:bodyPr/>
+          <a:lstStyle/>
+          <a:p>
+            <a:r>
+              <a:rPr lang="en-US" dirty="0">
+                <a:latin typeface="+mn-lt"/>
+              </a:rPr>
+              <a:t>Professional software engineers</a:t>
+            </a:r>
+          </a:p>
+          <a:p>
+            <a:r>
+              <a:rPr lang="en-US" dirty="0">
+                <a:latin typeface="+mn-lt"/>
+              </a:rPr>
+              <a:t>Computer science students</a:t>
+            </a:r>
+          </a:p>
+          <a:p>
+            <a:r>
+              <a:rPr lang="en-US" dirty="0">
+                <a:latin typeface="+mn-lt"/>
+              </a:rPr>
+              <a:t>Engineering-adjacent roles, such as product managers</a:t>
+            </a:r>
+          </a:p>
+          <a:p>
+            <a:r>
+              <a:rPr lang="en-US" dirty="0">
+                <a:latin typeface="+mn-lt"/>
+              </a:rPr>
+              <a:t>B1+ writing</a:t>
+            </a:r>
+          </a:p>
+          <a:p>
+            <a:r>
+              <a:rPr lang="en-US" dirty="0">
+                <a:latin typeface="+mn-lt"/>
+              </a:rPr>
+              <a:t>Background in coding</a:t>
+            </a:r>
+          </a:p>
+        </p:txBody>
+      </p:sp>
+    </p:spTree>
+    <p:extLst>
+      <p:ext uri="{BB962C8B-B14F-4D97-AF65-F5344CB8AC3E}">
+        <p14:creationId xmlns:p14="http://schemas.microsoft.com/office/powerpoint/2010/main" val="885685478"/>
+      </p:ext>
+    </p:extLst>
+  </p:cSld>
+  <p:clrMapOvr>
+    <a:masterClrMapping/>
+  </p:clrMapOvr>
+</p:sld>
+</file>
+
+<file path=ppt/slides/slide6.xml><?xml version="1.0" encoding="utf-8"?>
+<p:sld xmlns:a="http://schemas.openxmlformats.org/drawingml/2006/main" xmlns:r="http://schemas.openxmlformats.org/officeDocument/2006/relationships" xmlns:p="http://schemas.openxmlformats.org/presentationml/2006/main">
+  <p:cSld>
+    <p:spTree>
+      <p:nvGrpSpPr>
+        <p:cNvPr id="1" name=""/>
+        <p:cNvGrpSpPr/>
+        <p:nvPr/>
+      </p:nvGrpSpPr>
+      <p:grpSpPr>
+        <a:xfrm>
+          <a:off x="0" y="0"/>
+          <a:ext cx="0" cy="0"/>
+          <a:chOff x="0" y="0"/>
+          <a:chExt cx="0" cy="0"/>
+        </a:xfrm>
+      </p:grpSpPr>
+      <p:sp>
+        <p:nvSpPr>
+          <p:cNvPr id="2" name="Title 1">
+            <a:extLst>
+              <a:ext uri="{FF2B5EF4-FFF2-40B4-BE49-F238E27FC236}">
+                <a16:creationId xmlns:a16="http://schemas.microsoft.com/office/drawing/2014/main" id="{E355E0FD-58C5-49E7-AB2A-46560FD288CA}"/>
+              </a:ext>
+            </a:extLst>
+          </p:cNvPr>
+          <p:cNvSpPr>
+            <a:spLocks noGrp="1"/>
+          </p:cNvSpPr>
+          <p:nvPr>
+            <p:ph type="title"/>
+          </p:nvPr>
+        </p:nvSpPr>
+        <p:spPr>
+          <a:xfrm>
+            <a:off x="609600" y="290224"/>
+            <a:ext cx="10972800" cy="722890"/>
+          </a:xfrm>
+        </p:spPr>
+        <p:txBody>
+          <a:bodyPr/>
+          <a:lstStyle/>
+          <a:p>
+            <a:pPr algn="ctr"/>
+            <a:r>
+              <a:rPr lang="en-US" dirty="0">
+                <a:solidFill>
+                  <a:schemeClr val="tx1"/>
+                </a:solidFill>
+                <a:latin typeface="+mj-lt"/>
+              </a:rPr>
+              <a:t>Requirements</a:t>
+            </a:r>
+            <a:endParaRPr lang="en-US" dirty="0"/>
+          </a:p>
+        </p:txBody>
+      </p:sp>
+      <p:sp>
+        <p:nvSpPr>
+          <p:cNvPr id="3" name="Text Placeholder 2">
+            <a:extLst>
+              <a:ext uri="{FF2B5EF4-FFF2-40B4-BE49-F238E27FC236}">
+                <a16:creationId xmlns:a16="http://schemas.microsoft.com/office/drawing/2014/main" id="{43AFD2A3-EAC6-41C7-ADB2-686CA9A4F95C}"/>
+              </a:ext>
+            </a:extLst>
+          </p:cNvPr>
+          <p:cNvSpPr>
+            <a:spLocks noGrp="1"/>
+          </p:cNvSpPr>
+          <p:nvPr>
+            <p:ph type="body" idx="1"/>
+          </p:nvPr>
+        </p:nvSpPr>
+        <p:spPr>
+          <a:xfrm>
+            <a:off x="609600" y="1600201"/>
+            <a:ext cx="10972800" cy="4967575"/>
+          </a:xfrm>
+        </p:spPr>
+        <p:txBody>
+          <a:bodyPr/>
+          <a:lstStyle/>
+          <a:p>
+            <a:r>
+              <a:rPr lang="en-US" dirty="0">
+                <a:latin typeface="+mn-lt"/>
+              </a:rPr>
+              <a:t>Professional software engineers</a:t>
+            </a:r>
+          </a:p>
+          <a:p>
+            <a:r>
+              <a:rPr lang="en-US" dirty="0">
+                <a:latin typeface="+mn-lt"/>
+              </a:rPr>
+              <a:t>Computer science students</a:t>
+            </a:r>
+          </a:p>
+          <a:p>
+            <a:r>
+              <a:rPr lang="en-US" dirty="0">
+                <a:latin typeface="+mn-lt"/>
+              </a:rPr>
+              <a:t>Engineering-adjacent roles, such as product managers</a:t>
+            </a:r>
+          </a:p>
+          <a:p>
+            <a:r>
+              <a:rPr lang="en-US" dirty="0">
+                <a:latin typeface="+mn-lt"/>
+              </a:rPr>
+              <a:t>B1+ writing</a:t>
+            </a:r>
+          </a:p>
+          <a:p>
+            <a:r>
+              <a:rPr lang="en-US" dirty="0">
+                <a:latin typeface="+mn-lt"/>
+              </a:rPr>
+              <a:t>Background in coding</a:t>
+            </a:r>
+          </a:p>
+        </p:txBody>
+      </p:sp>
+    </p:spTree>
+    <p:extLst>
+      <p:ext uri="{BB962C8B-B14F-4D97-AF65-F5344CB8AC3E}">
+        <p14:creationId xmlns:p14="http://schemas.microsoft.com/office/powerpoint/2010/main" val="3366623376"/>
+      </p:ext>
+    </p:extLst>
+  </p:cSld>
+  <p:clrMapOvr>
+    <a:masterClrMapping/>
+  </p:clrMapOvr>
+</p:sld>
+</file>
+
+<file path=ppt/slides/slide7.xml><?xml version="1.0" encoding="utf-8"?>
+<p:sld xmlns:a="http://schemas.openxmlformats.org/drawingml/2006/main" xmlns:r="http://schemas.openxmlformats.org/officeDocument/2006/relationships" xmlns:p="http://schemas.openxmlformats.org/presentationml/2006/main">
+  <p:cSld>
+    <p:spTree>
+      <p:nvGrpSpPr>
+        <p:cNvPr id="1" name=""/>
+        <p:cNvGrpSpPr/>
+        <p:nvPr/>
+      </p:nvGrpSpPr>
+      <p:grpSpPr>
+        <a:xfrm>
+          <a:off x="0" y="0"/>
+          <a:ext cx="0" cy="0"/>
+          <a:chOff x="0" y="0"/>
+          <a:chExt cx="0" cy="0"/>
+        </a:xfrm>
+      </p:grpSpPr>
+      <p:sp>
+        <p:nvSpPr>
+          <p:cNvPr id="2" name="Title 1">
+            <a:extLst>
+              <a:ext uri="{FF2B5EF4-FFF2-40B4-BE49-F238E27FC236}">
+                <a16:creationId xmlns:a16="http://schemas.microsoft.com/office/drawing/2014/main" id="{D398BFED-2F7F-49BD-B480-56FC297B15A8}"/>
+              </a:ext>
+            </a:extLst>
+          </p:cNvPr>
+          <p:cNvSpPr>
+            <a:spLocks noGrp="1"/>
+          </p:cNvSpPr>
+          <p:nvPr>
+            <p:ph type="title"/>
+          </p:nvPr>
+        </p:nvSpPr>
+        <p:spPr>
+          <a:xfrm>
             <a:off x="609600" y="2857500"/>
             <a:ext cx="10972800" cy="1143000"/>
           </a:xfrm>
@@ -4042,36 +4643,6 @@
           </a:p>
         </p:txBody>
       </p:sp>
-      <p:pic>
-        <p:nvPicPr>
-          <p:cNvPr id="4" name="Picture 3">
-            <a:extLst>
-              <a:ext uri="{FF2B5EF4-FFF2-40B4-BE49-F238E27FC236}">
-                <a16:creationId xmlns:a16="http://schemas.microsoft.com/office/drawing/2014/main" id="{EAD9C481-E811-41AA-A936-6EECA420880B}"/>
-              </a:ext>
-            </a:extLst>
-          </p:cNvPr>
-          <p:cNvPicPr>
-            <a:picLocks noChangeAspect="1"/>
-          </p:cNvPicPr>
-          <p:nvPr/>
-        </p:nvPicPr>
-        <p:blipFill>
-          <a:blip r:embed="rId2"/>
-          <a:stretch>
-            <a:fillRect/>
-          </a:stretch>
-        </p:blipFill>
-        <p:spPr>
-          <a:xfrm>
-            <a:off x="0" y="6270273"/>
-            <a:ext cx="1129537" cy="587727"/>
-          </a:xfrm>
-          <a:prstGeom prst="rect">
-            <a:avLst/>
-          </a:prstGeom>
-        </p:spPr>
-      </p:pic>
     </p:spTree>
     <p:extLst>
       <p:ext uri="{BB962C8B-B14F-4D97-AF65-F5344CB8AC3E}">
@@ -4085,7 +4656,7 @@
 </p:sld>
 </file>
 
-<file path=ppt/slides/slide5.xml><?xml version="1.0" encoding="utf-8"?>
+<file path=ppt/slides/slide8.xml><?xml version="1.0" encoding="utf-8"?>
 <p:sld xmlns:a="http://schemas.openxmlformats.org/drawingml/2006/main" xmlns:r="http://schemas.openxmlformats.org/officeDocument/2006/relationships" xmlns:p="http://schemas.openxmlformats.org/presentationml/2006/main">
   <p:cSld>
     <p:spTree>
@@ -4141,36 +4712,6 @@
           </a:p>
         </p:txBody>
       </p:sp>
-      <p:pic>
-        <p:nvPicPr>
-          <p:cNvPr id="4" name="Picture 3">
-            <a:extLst>
-              <a:ext uri="{FF2B5EF4-FFF2-40B4-BE49-F238E27FC236}">
-                <a16:creationId xmlns:a16="http://schemas.microsoft.com/office/drawing/2014/main" id="{EAD9C481-E811-41AA-A936-6EECA420880B}"/>
-              </a:ext>
-            </a:extLst>
-          </p:cNvPr>
-          <p:cNvPicPr>
-            <a:picLocks noChangeAspect="1"/>
-          </p:cNvPicPr>
-          <p:nvPr/>
-        </p:nvPicPr>
-        <p:blipFill>
-          <a:blip r:embed="rId2"/>
-          <a:stretch>
-            <a:fillRect/>
-          </a:stretch>
-        </p:blipFill>
-        <p:spPr>
-          <a:xfrm>
-            <a:off x="0" y="6270273"/>
-            <a:ext cx="1129537" cy="587727"/>
-          </a:xfrm>
-          <a:prstGeom prst="rect">
-            <a:avLst/>
-          </a:prstGeom>
-        </p:spPr>
-      </p:pic>
       <p:sp>
         <p:nvSpPr>
           <p:cNvPr id="3" name="TextBox 2">
@@ -4201,19 +4742,19 @@
           <a:p>
             <a:endParaRPr lang="en-US" sz="2000" dirty="0">
               <a:latin typeface="+mn-lt"/>
-              <a:hlinkClick r:id="rId3"/>
+              <a:hlinkClick r:id="rId2"/>
             </a:endParaRPr>
           </a:p>
           <a:p>
             <a:endParaRPr lang="en-US" sz="2000" dirty="0">
               <a:latin typeface="+mn-lt"/>
-              <a:hlinkClick r:id="rId3"/>
+              <a:hlinkClick r:id="rId2"/>
             </a:endParaRPr>
           </a:p>
           <a:p>
             <a:endParaRPr lang="en-US" sz="2000" dirty="0">
               <a:latin typeface="+mn-lt"/>
-              <a:hlinkClick r:id="rId3"/>
+              <a:hlinkClick r:id="rId2"/>
             </a:endParaRPr>
           </a:p>
           <a:p>
@@ -4236,7 +4777,7 @@
 </p:sld>
 </file>
 
-<file path=ppt/slides/slide6.xml><?xml version="1.0" encoding="utf-8"?>
+<file path=ppt/slides/slide9.xml><?xml version="1.0" encoding="utf-8"?>
 <p:sld xmlns:a="http://schemas.openxmlformats.org/drawingml/2006/main" xmlns:r="http://schemas.openxmlformats.org/officeDocument/2006/relationships" xmlns:p="http://schemas.openxmlformats.org/presentationml/2006/main">
   <p:cSld>
     <p:spTree>
@@ -4292,36 +4833,6 @@
           </a:p>
         </p:txBody>
       </p:sp>
-      <p:pic>
-        <p:nvPicPr>
-          <p:cNvPr id="4" name="Picture 3">
-            <a:extLst>
-              <a:ext uri="{FF2B5EF4-FFF2-40B4-BE49-F238E27FC236}">
-                <a16:creationId xmlns:a16="http://schemas.microsoft.com/office/drawing/2014/main" id="{EAD9C481-E811-41AA-A936-6EECA420880B}"/>
-              </a:ext>
-            </a:extLst>
-          </p:cNvPr>
-          <p:cNvPicPr>
-            <a:picLocks noChangeAspect="1"/>
-          </p:cNvPicPr>
-          <p:nvPr/>
-        </p:nvPicPr>
-        <p:blipFill>
-          <a:blip r:embed="rId2"/>
-          <a:stretch>
-            <a:fillRect/>
-          </a:stretch>
-        </p:blipFill>
-        <p:spPr>
-          <a:xfrm>
-            <a:off x="0" y="6270273"/>
-            <a:ext cx="1129537" cy="587727"/>
-          </a:xfrm>
-          <a:prstGeom prst="rect">
-            <a:avLst/>
-          </a:prstGeom>
-        </p:spPr>
-      </p:pic>
     </p:spTree>
     <p:extLst>
       <p:ext uri="{BB962C8B-B14F-4D97-AF65-F5344CB8AC3E}">

--- a/presentation/tech-writing/tech-writing-azure-static-web-apps.pptx
+++ b/presentation/tech-writing/tech-writing-azure-static-web-apps.pptx
@@ -5,21 +5,25 @@
     <p:sldMasterId id="2147483672" r:id="rId1"/>
   </p:sldMasterIdLst>
   <p:notesMasterIdLst>
-    <p:notesMasterId r:id="rId11"/>
+    <p:notesMasterId r:id="rId15"/>
   </p:notesMasterIdLst>
   <p:handoutMasterIdLst>
-    <p:handoutMasterId r:id="rId12"/>
+    <p:handoutMasterId r:id="rId16"/>
   </p:handoutMasterIdLst>
   <p:sldIdLst>
     <p:sldId id="256" r:id="rId2"/>
     <p:sldId id="281" r:id="rId3"/>
     <p:sldId id="287" r:id="rId4"/>
-    <p:sldId id="297" r:id="rId5"/>
-    <p:sldId id="298" r:id="rId6"/>
-    <p:sldId id="299" r:id="rId7"/>
-    <p:sldId id="296" r:id="rId8"/>
-    <p:sldId id="280" r:id="rId9"/>
-    <p:sldId id="272" r:id="rId10"/>
+    <p:sldId id="299" r:id="rId5"/>
+    <p:sldId id="300" r:id="rId6"/>
+    <p:sldId id="301" r:id="rId7"/>
+    <p:sldId id="302" r:id="rId8"/>
+    <p:sldId id="303" r:id="rId9"/>
+    <p:sldId id="304" r:id="rId10"/>
+    <p:sldId id="305" r:id="rId11"/>
+    <p:sldId id="296" r:id="rId12"/>
+    <p:sldId id="280" r:id="rId13"/>
+    <p:sldId id="272" r:id="rId14"/>
   </p:sldIdLst>
   <p:sldSz cx="12192000" cy="6858000"/>
   <p:notesSz cx="6858000" cy="9144000"/>
@@ -3671,6 +3675,1334 @@
 </p:sld>
 </file>
 
+<file path=ppt/slides/slide10.xml><?xml version="1.0" encoding="utf-8"?>
+<p:sld xmlns:a="http://schemas.openxmlformats.org/drawingml/2006/main" xmlns:r="http://schemas.openxmlformats.org/officeDocument/2006/relationships" xmlns:p="http://schemas.openxmlformats.org/presentationml/2006/main">
+  <p:cSld>
+    <p:spTree>
+      <p:nvGrpSpPr>
+        <p:cNvPr id="1" name=""/>
+        <p:cNvGrpSpPr/>
+        <p:nvPr/>
+      </p:nvGrpSpPr>
+      <p:grpSpPr>
+        <a:xfrm>
+          <a:off x="0" y="0"/>
+          <a:ext cx="0" cy="0"/>
+          <a:chOff x="0" y="0"/>
+          <a:chExt cx="0" cy="0"/>
+        </a:xfrm>
+      </p:grpSpPr>
+      <p:sp>
+        <p:nvSpPr>
+          <p:cNvPr id="2" name="Title 1">
+            <a:extLst>
+              <a:ext uri="{FF2B5EF4-FFF2-40B4-BE49-F238E27FC236}">
+                <a16:creationId xmlns:a16="http://schemas.microsoft.com/office/drawing/2014/main" id="{E355E0FD-58C5-49E7-AB2A-46560FD288CA}"/>
+              </a:ext>
+            </a:extLst>
+          </p:cNvPr>
+          <p:cNvSpPr>
+            <a:spLocks noGrp="1"/>
+          </p:cNvSpPr>
+          <p:nvPr>
+            <p:ph type="title"/>
+          </p:nvPr>
+        </p:nvSpPr>
+        <p:spPr>
+          <a:xfrm>
+            <a:off x="609600" y="290224"/>
+            <a:ext cx="10972800" cy="722890"/>
+          </a:xfrm>
+        </p:spPr>
+        <p:txBody>
+          <a:bodyPr/>
+          <a:lstStyle/>
+          <a:p>
+            <a:pPr algn="ctr"/>
+            <a:r>
+              <a:rPr lang="en-US" dirty="0">
+                <a:solidFill>
+                  <a:schemeClr val="tx1"/>
+                </a:solidFill>
+                <a:latin typeface="+mj-lt"/>
+              </a:rPr>
+              <a:t>Active voice</a:t>
+            </a:r>
+            <a:endParaRPr lang="en-US" dirty="0"/>
+          </a:p>
+        </p:txBody>
+      </p:sp>
+      <p:sp>
+        <p:nvSpPr>
+          <p:cNvPr id="4" name="Text Placeholder 2">
+            <a:extLst>
+              <a:ext uri="{FF2B5EF4-FFF2-40B4-BE49-F238E27FC236}">
+                <a16:creationId xmlns:a16="http://schemas.microsoft.com/office/drawing/2014/main" id="{B8AD014B-AF53-4C8E-8088-EF45C0C66DBD}"/>
+              </a:ext>
+            </a:extLst>
+          </p:cNvPr>
+          <p:cNvSpPr txBox="1">
+            <a:spLocks/>
+          </p:cNvSpPr>
+          <p:nvPr/>
+        </p:nvSpPr>
+        <p:spPr>
+          <a:xfrm>
+            <a:off x="707571" y="1120490"/>
+            <a:ext cx="10972800" cy="1883967"/>
+          </a:xfrm>
+          <a:prstGeom prst="rect">
+            <a:avLst/>
+          </a:prstGeom>
+          <a:noFill/>
+          <a:ln>
+            <a:noFill/>
+          </a:ln>
+        </p:spPr>
+        <p:txBody>
+          <a:bodyPr spcFirstLastPara="1" wrap="square" lIns="91425" tIns="91425" rIns="91425" bIns="91425" anchor="t" anchorCtr="0">
+            <a:noAutofit/>
+          </a:bodyPr>
+          <a:lstStyle>
+            <a:defPPr marR="0" lvl="0" algn="l" rtl="0">
+              <a:lnSpc>
+                <a:spcPct val="100000"/>
+              </a:lnSpc>
+              <a:spcBef>
+                <a:spcPts val="0"/>
+              </a:spcBef>
+              <a:spcAft>
+                <a:spcPts val="0"/>
+              </a:spcAft>
+            </a:defPPr>
+            <a:lvl1pPr marL="609585" marR="0" lvl="0" indent="-558786" algn="l" rtl="0" eaLnBrk="1" hangingPunct="1">
+              <a:lnSpc>
+                <a:spcPct val="100000"/>
+              </a:lnSpc>
+              <a:spcBef>
+                <a:spcPts val="800"/>
+              </a:spcBef>
+              <a:spcAft>
+                <a:spcPts val="0"/>
+              </a:spcAft>
+              <a:buClr>
+                <a:schemeClr val="dk1"/>
+              </a:buClr>
+              <a:buSzPts val="3000"/>
+              <a:buFont typeface="Arial"/>
+              <a:buChar char="●"/>
+              <a:defRPr sz="3000" b="0" i="0" u="none" strike="noStrike" cap="none">
+                <a:solidFill>
+                  <a:schemeClr val="dk1"/>
+                </a:solidFill>
+                <a:latin typeface="Arial"/>
+                <a:ea typeface="Arial"/>
+                <a:cs typeface="Arial"/>
+                <a:sym typeface="Arial"/>
+              </a:defRPr>
+            </a:lvl1pPr>
+            <a:lvl2pPr marL="1219170" marR="0" lvl="1" indent="-507987" algn="l" rtl="0" eaLnBrk="1" hangingPunct="1">
+              <a:lnSpc>
+                <a:spcPct val="100000"/>
+              </a:lnSpc>
+              <a:spcBef>
+                <a:spcPts val="0"/>
+              </a:spcBef>
+              <a:spcAft>
+                <a:spcPts val="0"/>
+              </a:spcAft>
+              <a:buClr>
+                <a:schemeClr val="dk1"/>
+              </a:buClr>
+              <a:buSzPts val="2400"/>
+              <a:buFont typeface="Arial"/>
+              <a:buChar char="○"/>
+              <a:defRPr sz="2400" b="0" i="0" u="none" strike="noStrike" cap="none">
+                <a:solidFill>
+                  <a:schemeClr val="dk1"/>
+                </a:solidFill>
+                <a:latin typeface="Arial"/>
+                <a:ea typeface="Arial"/>
+                <a:cs typeface="Arial"/>
+                <a:sym typeface="Arial"/>
+              </a:defRPr>
+            </a:lvl2pPr>
+            <a:lvl3pPr marL="1828754" marR="0" lvl="2" indent="-507987" algn="l" rtl="0" eaLnBrk="1" hangingPunct="1">
+              <a:lnSpc>
+                <a:spcPct val="100000"/>
+              </a:lnSpc>
+              <a:spcBef>
+                <a:spcPts val="0"/>
+              </a:spcBef>
+              <a:spcAft>
+                <a:spcPts val="0"/>
+              </a:spcAft>
+              <a:buClr>
+                <a:schemeClr val="dk1"/>
+              </a:buClr>
+              <a:buSzPts val="2400"/>
+              <a:buFont typeface="Arial"/>
+              <a:buChar char="■"/>
+              <a:defRPr sz="2400" b="0" i="0" u="none" strike="noStrike" cap="none">
+                <a:solidFill>
+                  <a:schemeClr val="dk1"/>
+                </a:solidFill>
+                <a:latin typeface="Arial"/>
+                <a:ea typeface="Arial"/>
+                <a:cs typeface="Arial"/>
+                <a:sym typeface="Arial"/>
+              </a:defRPr>
+            </a:lvl3pPr>
+            <a:lvl4pPr marL="2438339" marR="0" lvl="3" indent="-457189" algn="l" rtl="0" eaLnBrk="1" hangingPunct="1">
+              <a:lnSpc>
+                <a:spcPct val="100000"/>
+              </a:lnSpc>
+              <a:spcBef>
+                <a:spcPts val="0"/>
+              </a:spcBef>
+              <a:spcAft>
+                <a:spcPts val="0"/>
+              </a:spcAft>
+              <a:buClr>
+                <a:schemeClr val="dk1"/>
+              </a:buClr>
+              <a:buSzPts val="1800"/>
+              <a:buFont typeface="Arial"/>
+              <a:buChar char="●"/>
+              <a:defRPr sz="1800" b="0" i="0" u="none" strike="noStrike" cap="none">
+                <a:solidFill>
+                  <a:schemeClr val="dk1"/>
+                </a:solidFill>
+                <a:latin typeface="Arial"/>
+                <a:ea typeface="Arial"/>
+                <a:cs typeface="Arial"/>
+                <a:sym typeface="Arial"/>
+              </a:defRPr>
+            </a:lvl4pPr>
+            <a:lvl5pPr marL="3047924" marR="0" lvl="4" indent="-457189" algn="l" rtl="0" eaLnBrk="1" hangingPunct="1">
+              <a:lnSpc>
+                <a:spcPct val="100000"/>
+              </a:lnSpc>
+              <a:spcBef>
+                <a:spcPts val="0"/>
+              </a:spcBef>
+              <a:spcAft>
+                <a:spcPts val="0"/>
+              </a:spcAft>
+              <a:buClr>
+                <a:schemeClr val="dk1"/>
+              </a:buClr>
+              <a:buSzPts val="1800"/>
+              <a:buFont typeface="Arial"/>
+              <a:buChar char="○"/>
+              <a:defRPr sz="1800" b="0" i="0" u="none" strike="noStrike" cap="none">
+                <a:solidFill>
+                  <a:schemeClr val="dk1"/>
+                </a:solidFill>
+                <a:latin typeface="Arial"/>
+                <a:ea typeface="Arial"/>
+                <a:cs typeface="Arial"/>
+                <a:sym typeface="Arial"/>
+              </a:defRPr>
+            </a:lvl5pPr>
+            <a:lvl6pPr marL="3657509" marR="0" lvl="5" indent="-457189" algn="l" rtl="0" eaLnBrk="1" hangingPunct="1">
+              <a:lnSpc>
+                <a:spcPct val="100000"/>
+              </a:lnSpc>
+              <a:spcBef>
+                <a:spcPts val="0"/>
+              </a:spcBef>
+              <a:spcAft>
+                <a:spcPts val="0"/>
+              </a:spcAft>
+              <a:buClr>
+                <a:schemeClr val="dk1"/>
+              </a:buClr>
+              <a:buSzPts val="1800"/>
+              <a:buFont typeface="Arial"/>
+              <a:buChar char="■"/>
+              <a:defRPr sz="1800" b="0" i="0" u="none" strike="noStrike" cap="none">
+                <a:solidFill>
+                  <a:schemeClr val="dk1"/>
+                </a:solidFill>
+                <a:latin typeface="Arial"/>
+                <a:ea typeface="Arial"/>
+                <a:cs typeface="Arial"/>
+                <a:sym typeface="Arial"/>
+              </a:defRPr>
+            </a:lvl6pPr>
+            <a:lvl7pPr marL="4267093" marR="0" lvl="6" indent="-457189" algn="l" rtl="0" eaLnBrk="1" hangingPunct="1">
+              <a:lnSpc>
+                <a:spcPct val="100000"/>
+              </a:lnSpc>
+              <a:spcBef>
+                <a:spcPts val="0"/>
+              </a:spcBef>
+              <a:spcAft>
+                <a:spcPts val="0"/>
+              </a:spcAft>
+              <a:buClr>
+                <a:schemeClr val="dk1"/>
+              </a:buClr>
+              <a:buSzPts val="1800"/>
+              <a:buFont typeface="Arial"/>
+              <a:buChar char="●"/>
+              <a:defRPr sz="1800" b="0" i="0" u="none" strike="noStrike" cap="none">
+                <a:solidFill>
+                  <a:schemeClr val="dk1"/>
+                </a:solidFill>
+                <a:latin typeface="Arial"/>
+                <a:ea typeface="Arial"/>
+                <a:cs typeface="Arial"/>
+                <a:sym typeface="Arial"/>
+              </a:defRPr>
+            </a:lvl7pPr>
+            <a:lvl8pPr marL="4876678" marR="0" lvl="7" indent="-457189" algn="l" rtl="0" eaLnBrk="1" hangingPunct="1">
+              <a:lnSpc>
+                <a:spcPct val="100000"/>
+              </a:lnSpc>
+              <a:spcBef>
+                <a:spcPts val="0"/>
+              </a:spcBef>
+              <a:spcAft>
+                <a:spcPts val="0"/>
+              </a:spcAft>
+              <a:buClr>
+                <a:schemeClr val="dk1"/>
+              </a:buClr>
+              <a:buSzPts val="1800"/>
+              <a:buFont typeface="Arial"/>
+              <a:buChar char="○"/>
+              <a:defRPr sz="1800" b="0" i="0" u="none" strike="noStrike" cap="none">
+                <a:solidFill>
+                  <a:schemeClr val="dk1"/>
+                </a:solidFill>
+                <a:latin typeface="Arial"/>
+                <a:ea typeface="Arial"/>
+                <a:cs typeface="Arial"/>
+                <a:sym typeface="Arial"/>
+              </a:defRPr>
+            </a:lvl8pPr>
+            <a:lvl9pPr marL="5486263" marR="0" lvl="8" indent="-457189" algn="l" rtl="0" eaLnBrk="1" hangingPunct="1">
+              <a:lnSpc>
+                <a:spcPct val="100000"/>
+              </a:lnSpc>
+              <a:spcBef>
+                <a:spcPts val="0"/>
+              </a:spcBef>
+              <a:spcAft>
+                <a:spcPts val="0"/>
+              </a:spcAft>
+              <a:buClr>
+                <a:schemeClr val="dk1"/>
+              </a:buClr>
+              <a:buSzPts val="1800"/>
+              <a:buFont typeface="Arial"/>
+              <a:buChar char="■"/>
+              <a:defRPr sz="1800" b="0" i="0" u="none" strike="noStrike" cap="none">
+                <a:solidFill>
+                  <a:schemeClr val="dk1"/>
+                </a:solidFill>
+                <a:latin typeface="Arial"/>
+                <a:ea typeface="Arial"/>
+                <a:cs typeface="Arial"/>
+                <a:sym typeface="Arial"/>
+              </a:defRPr>
+            </a:lvl9pPr>
+          </a:lstStyle>
+          <a:p>
+            <a:pPr marL="50799" indent="0">
+              <a:buFont typeface="Arial"/>
+              <a:buNone/>
+            </a:pPr>
+            <a:r>
+              <a:rPr lang="en-US" sz="2400" u="sng" dirty="0">
+                <a:latin typeface="+mn-lt"/>
+              </a:rPr>
+              <a:t>Exercise:</a:t>
+            </a:r>
+          </a:p>
+          <a:p>
+            <a:pPr marL="50799" indent="0">
+              <a:buFont typeface="Arial"/>
+              <a:buNone/>
+            </a:pPr>
+            <a:r>
+              <a:rPr lang="en-US" sz="2400" dirty="0">
+                <a:latin typeface="+mn-lt"/>
+              </a:rPr>
+              <a:t>Rewrite the following passive voice sentences as active voice. Only part of certain sentences are in passive voice; ensure that all parts end up as active voice:</a:t>
+            </a:r>
+          </a:p>
+        </p:txBody>
+      </p:sp>
+      <p:sp>
+        <p:nvSpPr>
+          <p:cNvPr id="7" name="Text Placeholder 2">
+            <a:extLst>
+              <a:ext uri="{FF2B5EF4-FFF2-40B4-BE49-F238E27FC236}">
+                <a16:creationId xmlns:a16="http://schemas.microsoft.com/office/drawing/2014/main" id="{61061C07-19D4-4F1D-9DC7-00D86DAE9F78}"/>
+              </a:ext>
+            </a:extLst>
+          </p:cNvPr>
+          <p:cNvSpPr txBox="1">
+            <a:spLocks/>
+          </p:cNvSpPr>
+          <p:nvPr/>
+        </p:nvSpPr>
+        <p:spPr>
+          <a:xfrm>
+            <a:off x="707571" y="3429001"/>
+            <a:ext cx="10972800" cy="696686"/>
+          </a:xfrm>
+          <a:prstGeom prst="rect">
+            <a:avLst/>
+          </a:prstGeom>
+          <a:solidFill>
+            <a:schemeClr val="bg1">
+              <a:lumMod val="40000"/>
+              <a:lumOff val="60000"/>
+            </a:schemeClr>
+          </a:solidFill>
+          <a:ln>
+            <a:noFill/>
+          </a:ln>
+        </p:spPr>
+        <p:txBody>
+          <a:bodyPr spcFirstLastPara="1" wrap="square" lIns="91425" tIns="91425" rIns="91425" bIns="91425" anchor="t" anchorCtr="0">
+            <a:noAutofit/>
+          </a:bodyPr>
+          <a:lstStyle>
+            <a:defPPr marR="0" lvl="0" algn="l" rtl="0">
+              <a:lnSpc>
+                <a:spcPct val="100000"/>
+              </a:lnSpc>
+              <a:spcBef>
+                <a:spcPts val="0"/>
+              </a:spcBef>
+              <a:spcAft>
+                <a:spcPts val="0"/>
+              </a:spcAft>
+            </a:defPPr>
+            <a:lvl1pPr marL="609585" marR="0" lvl="0" indent="-558786" algn="l" rtl="0" eaLnBrk="1" hangingPunct="1">
+              <a:lnSpc>
+                <a:spcPct val="100000"/>
+              </a:lnSpc>
+              <a:spcBef>
+                <a:spcPts val="800"/>
+              </a:spcBef>
+              <a:spcAft>
+                <a:spcPts val="0"/>
+              </a:spcAft>
+              <a:buClr>
+                <a:schemeClr val="dk1"/>
+              </a:buClr>
+              <a:buSzPts val="3000"/>
+              <a:buFont typeface="Arial"/>
+              <a:buChar char="●"/>
+              <a:defRPr sz="3000" b="0" i="0" u="none" strike="noStrike" cap="none">
+                <a:solidFill>
+                  <a:schemeClr val="dk1"/>
+                </a:solidFill>
+                <a:latin typeface="Arial"/>
+                <a:ea typeface="Arial"/>
+                <a:cs typeface="Arial"/>
+                <a:sym typeface="Arial"/>
+              </a:defRPr>
+            </a:lvl1pPr>
+            <a:lvl2pPr marL="1219170" marR="0" lvl="1" indent="-507987" algn="l" rtl="0" eaLnBrk="1" hangingPunct="1">
+              <a:lnSpc>
+                <a:spcPct val="100000"/>
+              </a:lnSpc>
+              <a:spcBef>
+                <a:spcPts val="0"/>
+              </a:spcBef>
+              <a:spcAft>
+                <a:spcPts val="0"/>
+              </a:spcAft>
+              <a:buClr>
+                <a:schemeClr val="dk1"/>
+              </a:buClr>
+              <a:buSzPts val="2400"/>
+              <a:buFont typeface="Arial"/>
+              <a:buChar char="○"/>
+              <a:defRPr sz="2400" b="0" i="0" u="none" strike="noStrike" cap="none">
+                <a:solidFill>
+                  <a:schemeClr val="dk1"/>
+                </a:solidFill>
+                <a:latin typeface="Arial"/>
+                <a:ea typeface="Arial"/>
+                <a:cs typeface="Arial"/>
+                <a:sym typeface="Arial"/>
+              </a:defRPr>
+            </a:lvl2pPr>
+            <a:lvl3pPr marL="1828754" marR="0" lvl="2" indent="-507987" algn="l" rtl="0" eaLnBrk="1" hangingPunct="1">
+              <a:lnSpc>
+                <a:spcPct val="100000"/>
+              </a:lnSpc>
+              <a:spcBef>
+                <a:spcPts val="0"/>
+              </a:spcBef>
+              <a:spcAft>
+                <a:spcPts val="0"/>
+              </a:spcAft>
+              <a:buClr>
+                <a:schemeClr val="dk1"/>
+              </a:buClr>
+              <a:buSzPts val="2400"/>
+              <a:buFont typeface="Arial"/>
+              <a:buChar char="■"/>
+              <a:defRPr sz="2400" b="0" i="0" u="none" strike="noStrike" cap="none">
+                <a:solidFill>
+                  <a:schemeClr val="dk1"/>
+                </a:solidFill>
+                <a:latin typeface="Arial"/>
+                <a:ea typeface="Arial"/>
+                <a:cs typeface="Arial"/>
+                <a:sym typeface="Arial"/>
+              </a:defRPr>
+            </a:lvl3pPr>
+            <a:lvl4pPr marL="2438339" marR="0" lvl="3" indent="-457189" algn="l" rtl="0" eaLnBrk="1" hangingPunct="1">
+              <a:lnSpc>
+                <a:spcPct val="100000"/>
+              </a:lnSpc>
+              <a:spcBef>
+                <a:spcPts val="0"/>
+              </a:spcBef>
+              <a:spcAft>
+                <a:spcPts val="0"/>
+              </a:spcAft>
+              <a:buClr>
+                <a:schemeClr val="dk1"/>
+              </a:buClr>
+              <a:buSzPts val="1800"/>
+              <a:buFont typeface="Arial"/>
+              <a:buChar char="●"/>
+              <a:defRPr sz="1800" b="0" i="0" u="none" strike="noStrike" cap="none">
+                <a:solidFill>
+                  <a:schemeClr val="dk1"/>
+                </a:solidFill>
+                <a:latin typeface="Arial"/>
+                <a:ea typeface="Arial"/>
+                <a:cs typeface="Arial"/>
+                <a:sym typeface="Arial"/>
+              </a:defRPr>
+            </a:lvl4pPr>
+            <a:lvl5pPr marL="3047924" marR="0" lvl="4" indent="-457189" algn="l" rtl="0" eaLnBrk="1" hangingPunct="1">
+              <a:lnSpc>
+                <a:spcPct val="100000"/>
+              </a:lnSpc>
+              <a:spcBef>
+                <a:spcPts val="0"/>
+              </a:spcBef>
+              <a:spcAft>
+                <a:spcPts val="0"/>
+              </a:spcAft>
+              <a:buClr>
+                <a:schemeClr val="dk1"/>
+              </a:buClr>
+              <a:buSzPts val="1800"/>
+              <a:buFont typeface="Arial"/>
+              <a:buChar char="○"/>
+              <a:defRPr sz="1800" b="0" i="0" u="none" strike="noStrike" cap="none">
+                <a:solidFill>
+                  <a:schemeClr val="dk1"/>
+                </a:solidFill>
+                <a:latin typeface="Arial"/>
+                <a:ea typeface="Arial"/>
+                <a:cs typeface="Arial"/>
+                <a:sym typeface="Arial"/>
+              </a:defRPr>
+            </a:lvl5pPr>
+            <a:lvl6pPr marL="3657509" marR="0" lvl="5" indent="-457189" algn="l" rtl="0" eaLnBrk="1" hangingPunct="1">
+              <a:lnSpc>
+                <a:spcPct val="100000"/>
+              </a:lnSpc>
+              <a:spcBef>
+                <a:spcPts val="0"/>
+              </a:spcBef>
+              <a:spcAft>
+                <a:spcPts val="0"/>
+              </a:spcAft>
+              <a:buClr>
+                <a:schemeClr val="dk1"/>
+              </a:buClr>
+              <a:buSzPts val="1800"/>
+              <a:buFont typeface="Arial"/>
+              <a:buChar char="■"/>
+              <a:defRPr sz="1800" b="0" i="0" u="none" strike="noStrike" cap="none">
+                <a:solidFill>
+                  <a:schemeClr val="dk1"/>
+                </a:solidFill>
+                <a:latin typeface="Arial"/>
+                <a:ea typeface="Arial"/>
+                <a:cs typeface="Arial"/>
+                <a:sym typeface="Arial"/>
+              </a:defRPr>
+            </a:lvl6pPr>
+            <a:lvl7pPr marL="4267093" marR="0" lvl="6" indent="-457189" algn="l" rtl="0" eaLnBrk="1" hangingPunct="1">
+              <a:lnSpc>
+                <a:spcPct val="100000"/>
+              </a:lnSpc>
+              <a:spcBef>
+                <a:spcPts val="0"/>
+              </a:spcBef>
+              <a:spcAft>
+                <a:spcPts val="0"/>
+              </a:spcAft>
+              <a:buClr>
+                <a:schemeClr val="dk1"/>
+              </a:buClr>
+              <a:buSzPts val="1800"/>
+              <a:buFont typeface="Arial"/>
+              <a:buChar char="●"/>
+              <a:defRPr sz="1800" b="0" i="0" u="none" strike="noStrike" cap="none">
+                <a:solidFill>
+                  <a:schemeClr val="dk1"/>
+                </a:solidFill>
+                <a:latin typeface="Arial"/>
+                <a:ea typeface="Arial"/>
+                <a:cs typeface="Arial"/>
+                <a:sym typeface="Arial"/>
+              </a:defRPr>
+            </a:lvl7pPr>
+            <a:lvl8pPr marL="4876678" marR="0" lvl="7" indent="-457189" algn="l" rtl="0" eaLnBrk="1" hangingPunct="1">
+              <a:lnSpc>
+                <a:spcPct val="100000"/>
+              </a:lnSpc>
+              <a:spcBef>
+                <a:spcPts val="0"/>
+              </a:spcBef>
+              <a:spcAft>
+                <a:spcPts val="0"/>
+              </a:spcAft>
+              <a:buClr>
+                <a:schemeClr val="dk1"/>
+              </a:buClr>
+              <a:buSzPts val="1800"/>
+              <a:buFont typeface="Arial"/>
+              <a:buChar char="○"/>
+              <a:defRPr sz="1800" b="0" i="0" u="none" strike="noStrike" cap="none">
+                <a:solidFill>
+                  <a:schemeClr val="dk1"/>
+                </a:solidFill>
+                <a:latin typeface="Arial"/>
+                <a:ea typeface="Arial"/>
+                <a:cs typeface="Arial"/>
+                <a:sym typeface="Arial"/>
+              </a:defRPr>
+            </a:lvl8pPr>
+            <a:lvl9pPr marL="5486263" marR="0" lvl="8" indent="-457189" algn="l" rtl="0" eaLnBrk="1" hangingPunct="1">
+              <a:lnSpc>
+                <a:spcPct val="100000"/>
+              </a:lnSpc>
+              <a:spcBef>
+                <a:spcPts val="0"/>
+              </a:spcBef>
+              <a:spcAft>
+                <a:spcPts val="0"/>
+              </a:spcAft>
+              <a:buClr>
+                <a:schemeClr val="dk1"/>
+              </a:buClr>
+              <a:buSzPts val="1800"/>
+              <a:buFont typeface="Arial"/>
+              <a:buChar char="■"/>
+              <a:defRPr sz="1800" b="0" i="0" u="none" strike="noStrike" cap="none">
+                <a:solidFill>
+                  <a:schemeClr val="dk1"/>
+                </a:solidFill>
+                <a:latin typeface="Arial"/>
+                <a:ea typeface="Arial"/>
+                <a:cs typeface="Arial"/>
+                <a:sym typeface="Arial"/>
+              </a:defRPr>
+            </a:lvl9pPr>
+          </a:lstStyle>
+          <a:p>
+            <a:pPr marL="50799" indent="0">
+              <a:buFont typeface="Arial"/>
+              <a:buNone/>
+            </a:pPr>
+            <a:r>
+              <a:rPr lang="en-US" sz="1800" dirty="0">
+                <a:latin typeface="+mn-lt"/>
+              </a:rPr>
+              <a:t>The flags were not parsed by the </a:t>
+            </a:r>
+            <a:r>
+              <a:rPr lang="en-US" sz="1800" dirty="0" err="1">
+                <a:latin typeface="+mn-lt"/>
+              </a:rPr>
+              <a:t>Mungifier</a:t>
+            </a:r>
+            <a:r>
+              <a:rPr lang="en-US" sz="1800" dirty="0">
+                <a:latin typeface="+mn-lt"/>
+              </a:rPr>
+              <a:t>.</a:t>
+            </a:r>
+          </a:p>
+        </p:txBody>
+      </p:sp>
+      <p:sp>
+        <p:nvSpPr>
+          <p:cNvPr id="8" name="Text Placeholder 2">
+            <a:extLst>
+              <a:ext uri="{FF2B5EF4-FFF2-40B4-BE49-F238E27FC236}">
+                <a16:creationId xmlns:a16="http://schemas.microsoft.com/office/drawing/2014/main" id="{3431D547-3EAD-49CB-B483-E64707FA8B26}"/>
+              </a:ext>
+            </a:extLst>
+          </p:cNvPr>
+          <p:cNvSpPr txBox="1">
+            <a:spLocks/>
+          </p:cNvSpPr>
+          <p:nvPr/>
+        </p:nvSpPr>
+        <p:spPr>
+          <a:xfrm>
+            <a:off x="707571" y="4788972"/>
+            <a:ext cx="10972800" cy="696686"/>
+          </a:xfrm>
+          <a:prstGeom prst="rect">
+            <a:avLst/>
+          </a:prstGeom>
+          <a:solidFill>
+            <a:schemeClr val="bg1">
+              <a:lumMod val="40000"/>
+              <a:lumOff val="60000"/>
+            </a:schemeClr>
+          </a:solidFill>
+          <a:ln>
+            <a:noFill/>
+          </a:ln>
+        </p:spPr>
+        <p:txBody>
+          <a:bodyPr spcFirstLastPara="1" wrap="square" lIns="91425" tIns="91425" rIns="91425" bIns="91425" anchor="t" anchorCtr="0">
+            <a:noAutofit/>
+          </a:bodyPr>
+          <a:lstStyle>
+            <a:defPPr marR="0" lvl="0" algn="l" rtl="0">
+              <a:lnSpc>
+                <a:spcPct val="100000"/>
+              </a:lnSpc>
+              <a:spcBef>
+                <a:spcPts val="0"/>
+              </a:spcBef>
+              <a:spcAft>
+                <a:spcPts val="0"/>
+              </a:spcAft>
+            </a:defPPr>
+            <a:lvl1pPr marL="609585" marR="0" lvl="0" indent="-558786" algn="l" rtl="0" eaLnBrk="1" hangingPunct="1">
+              <a:lnSpc>
+                <a:spcPct val="100000"/>
+              </a:lnSpc>
+              <a:spcBef>
+                <a:spcPts val="800"/>
+              </a:spcBef>
+              <a:spcAft>
+                <a:spcPts val="0"/>
+              </a:spcAft>
+              <a:buClr>
+                <a:schemeClr val="dk1"/>
+              </a:buClr>
+              <a:buSzPts val="3000"/>
+              <a:buFont typeface="Arial"/>
+              <a:buChar char="●"/>
+              <a:defRPr sz="3000" b="0" i="0" u="none" strike="noStrike" cap="none">
+                <a:solidFill>
+                  <a:schemeClr val="dk1"/>
+                </a:solidFill>
+                <a:latin typeface="Arial"/>
+                <a:ea typeface="Arial"/>
+                <a:cs typeface="Arial"/>
+                <a:sym typeface="Arial"/>
+              </a:defRPr>
+            </a:lvl1pPr>
+            <a:lvl2pPr marL="1219170" marR="0" lvl="1" indent="-507987" algn="l" rtl="0" eaLnBrk="1" hangingPunct="1">
+              <a:lnSpc>
+                <a:spcPct val="100000"/>
+              </a:lnSpc>
+              <a:spcBef>
+                <a:spcPts val="0"/>
+              </a:spcBef>
+              <a:spcAft>
+                <a:spcPts val="0"/>
+              </a:spcAft>
+              <a:buClr>
+                <a:schemeClr val="dk1"/>
+              </a:buClr>
+              <a:buSzPts val="2400"/>
+              <a:buFont typeface="Arial"/>
+              <a:buChar char="○"/>
+              <a:defRPr sz="2400" b="0" i="0" u="none" strike="noStrike" cap="none">
+                <a:solidFill>
+                  <a:schemeClr val="dk1"/>
+                </a:solidFill>
+                <a:latin typeface="Arial"/>
+                <a:ea typeface="Arial"/>
+                <a:cs typeface="Arial"/>
+                <a:sym typeface="Arial"/>
+              </a:defRPr>
+            </a:lvl2pPr>
+            <a:lvl3pPr marL="1828754" marR="0" lvl="2" indent="-507987" algn="l" rtl="0" eaLnBrk="1" hangingPunct="1">
+              <a:lnSpc>
+                <a:spcPct val="100000"/>
+              </a:lnSpc>
+              <a:spcBef>
+                <a:spcPts val="0"/>
+              </a:spcBef>
+              <a:spcAft>
+                <a:spcPts val="0"/>
+              </a:spcAft>
+              <a:buClr>
+                <a:schemeClr val="dk1"/>
+              </a:buClr>
+              <a:buSzPts val="2400"/>
+              <a:buFont typeface="Arial"/>
+              <a:buChar char="■"/>
+              <a:defRPr sz="2400" b="0" i="0" u="none" strike="noStrike" cap="none">
+                <a:solidFill>
+                  <a:schemeClr val="dk1"/>
+                </a:solidFill>
+                <a:latin typeface="Arial"/>
+                <a:ea typeface="Arial"/>
+                <a:cs typeface="Arial"/>
+                <a:sym typeface="Arial"/>
+              </a:defRPr>
+            </a:lvl3pPr>
+            <a:lvl4pPr marL="2438339" marR="0" lvl="3" indent="-457189" algn="l" rtl="0" eaLnBrk="1" hangingPunct="1">
+              <a:lnSpc>
+                <a:spcPct val="100000"/>
+              </a:lnSpc>
+              <a:spcBef>
+                <a:spcPts val="0"/>
+              </a:spcBef>
+              <a:spcAft>
+                <a:spcPts val="0"/>
+              </a:spcAft>
+              <a:buClr>
+                <a:schemeClr val="dk1"/>
+              </a:buClr>
+              <a:buSzPts val="1800"/>
+              <a:buFont typeface="Arial"/>
+              <a:buChar char="●"/>
+              <a:defRPr sz="1800" b="0" i="0" u="none" strike="noStrike" cap="none">
+                <a:solidFill>
+                  <a:schemeClr val="dk1"/>
+                </a:solidFill>
+                <a:latin typeface="Arial"/>
+                <a:ea typeface="Arial"/>
+                <a:cs typeface="Arial"/>
+                <a:sym typeface="Arial"/>
+              </a:defRPr>
+            </a:lvl4pPr>
+            <a:lvl5pPr marL="3047924" marR="0" lvl="4" indent="-457189" algn="l" rtl="0" eaLnBrk="1" hangingPunct="1">
+              <a:lnSpc>
+                <a:spcPct val="100000"/>
+              </a:lnSpc>
+              <a:spcBef>
+                <a:spcPts val="0"/>
+              </a:spcBef>
+              <a:spcAft>
+                <a:spcPts val="0"/>
+              </a:spcAft>
+              <a:buClr>
+                <a:schemeClr val="dk1"/>
+              </a:buClr>
+              <a:buSzPts val="1800"/>
+              <a:buFont typeface="Arial"/>
+              <a:buChar char="○"/>
+              <a:defRPr sz="1800" b="0" i="0" u="none" strike="noStrike" cap="none">
+                <a:solidFill>
+                  <a:schemeClr val="dk1"/>
+                </a:solidFill>
+                <a:latin typeface="Arial"/>
+                <a:ea typeface="Arial"/>
+                <a:cs typeface="Arial"/>
+                <a:sym typeface="Arial"/>
+              </a:defRPr>
+            </a:lvl5pPr>
+            <a:lvl6pPr marL="3657509" marR="0" lvl="5" indent="-457189" algn="l" rtl="0" eaLnBrk="1" hangingPunct="1">
+              <a:lnSpc>
+                <a:spcPct val="100000"/>
+              </a:lnSpc>
+              <a:spcBef>
+                <a:spcPts val="0"/>
+              </a:spcBef>
+              <a:spcAft>
+                <a:spcPts val="0"/>
+              </a:spcAft>
+              <a:buClr>
+                <a:schemeClr val="dk1"/>
+              </a:buClr>
+              <a:buSzPts val="1800"/>
+              <a:buFont typeface="Arial"/>
+              <a:buChar char="■"/>
+              <a:defRPr sz="1800" b="0" i="0" u="none" strike="noStrike" cap="none">
+                <a:solidFill>
+                  <a:schemeClr val="dk1"/>
+                </a:solidFill>
+                <a:latin typeface="Arial"/>
+                <a:ea typeface="Arial"/>
+                <a:cs typeface="Arial"/>
+                <a:sym typeface="Arial"/>
+              </a:defRPr>
+            </a:lvl6pPr>
+            <a:lvl7pPr marL="4267093" marR="0" lvl="6" indent="-457189" algn="l" rtl="0" eaLnBrk="1" hangingPunct="1">
+              <a:lnSpc>
+                <a:spcPct val="100000"/>
+              </a:lnSpc>
+              <a:spcBef>
+                <a:spcPts val="0"/>
+              </a:spcBef>
+              <a:spcAft>
+                <a:spcPts val="0"/>
+              </a:spcAft>
+              <a:buClr>
+                <a:schemeClr val="dk1"/>
+              </a:buClr>
+              <a:buSzPts val="1800"/>
+              <a:buFont typeface="Arial"/>
+              <a:buChar char="●"/>
+              <a:defRPr sz="1800" b="0" i="0" u="none" strike="noStrike" cap="none">
+                <a:solidFill>
+                  <a:schemeClr val="dk1"/>
+                </a:solidFill>
+                <a:latin typeface="Arial"/>
+                <a:ea typeface="Arial"/>
+                <a:cs typeface="Arial"/>
+                <a:sym typeface="Arial"/>
+              </a:defRPr>
+            </a:lvl7pPr>
+            <a:lvl8pPr marL="4876678" marR="0" lvl="7" indent="-457189" algn="l" rtl="0" eaLnBrk="1" hangingPunct="1">
+              <a:lnSpc>
+                <a:spcPct val="100000"/>
+              </a:lnSpc>
+              <a:spcBef>
+                <a:spcPts val="0"/>
+              </a:spcBef>
+              <a:spcAft>
+                <a:spcPts val="0"/>
+              </a:spcAft>
+              <a:buClr>
+                <a:schemeClr val="dk1"/>
+              </a:buClr>
+              <a:buSzPts val="1800"/>
+              <a:buFont typeface="Arial"/>
+              <a:buChar char="○"/>
+              <a:defRPr sz="1800" b="0" i="0" u="none" strike="noStrike" cap="none">
+                <a:solidFill>
+                  <a:schemeClr val="dk1"/>
+                </a:solidFill>
+                <a:latin typeface="Arial"/>
+                <a:ea typeface="Arial"/>
+                <a:cs typeface="Arial"/>
+                <a:sym typeface="Arial"/>
+              </a:defRPr>
+            </a:lvl8pPr>
+            <a:lvl9pPr marL="5486263" marR="0" lvl="8" indent="-457189" algn="l" rtl="0" eaLnBrk="1" hangingPunct="1">
+              <a:lnSpc>
+                <a:spcPct val="100000"/>
+              </a:lnSpc>
+              <a:spcBef>
+                <a:spcPts val="0"/>
+              </a:spcBef>
+              <a:spcAft>
+                <a:spcPts val="0"/>
+              </a:spcAft>
+              <a:buClr>
+                <a:schemeClr val="dk1"/>
+              </a:buClr>
+              <a:buSzPts val="1800"/>
+              <a:buFont typeface="Arial"/>
+              <a:buChar char="■"/>
+              <a:defRPr sz="1800" b="0" i="0" u="none" strike="noStrike" cap="none">
+                <a:solidFill>
+                  <a:schemeClr val="dk1"/>
+                </a:solidFill>
+                <a:latin typeface="Arial"/>
+                <a:ea typeface="Arial"/>
+                <a:cs typeface="Arial"/>
+                <a:sym typeface="Arial"/>
+              </a:defRPr>
+            </a:lvl9pPr>
+          </a:lstStyle>
+          <a:p>
+            <a:pPr marL="50799" indent="0">
+              <a:buNone/>
+            </a:pPr>
+            <a:r>
+              <a:rPr lang="en-US" sz="1800" dirty="0">
+                <a:latin typeface="+mn-lt"/>
+              </a:rPr>
+              <a:t>The </a:t>
+            </a:r>
+            <a:r>
+              <a:rPr lang="en-US" sz="1800" dirty="0" err="1">
+                <a:latin typeface="+mn-lt"/>
+              </a:rPr>
+              <a:t>Mungifier</a:t>
+            </a:r>
+            <a:r>
+              <a:rPr lang="en-US" sz="1800" dirty="0">
+                <a:latin typeface="+mn-lt"/>
+              </a:rPr>
+              <a:t> did not parse the flags.</a:t>
+            </a:r>
+          </a:p>
+        </p:txBody>
+      </p:sp>
+    </p:spTree>
+    <p:extLst>
+      <p:ext uri="{BB962C8B-B14F-4D97-AF65-F5344CB8AC3E}">
+        <p14:creationId xmlns:p14="http://schemas.microsoft.com/office/powerpoint/2010/main" val="2627824877"/>
+      </p:ext>
+    </p:extLst>
+  </p:cSld>
+  <p:clrMapOvr>
+    <a:masterClrMapping/>
+  </p:clrMapOvr>
+  <p:timing>
+    <p:tnLst>
+      <p:par>
+        <p:cTn id="1" dur="indefinite" restart="never" nodeType="tmRoot">
+          <p:childTnLst>
+            <p:seq concurrent="1" nextAc="seek">
+              <p:cTn id="2" dur="indefinite" nodeType="mainSeq">
+                <p:childTnLst>
+                  <p:par>
+                    <p:cTn id="3" fill="hold">
+                      <p:stCondLst>
+                        <p:cond delay="indefinite"/>
+                      </p:stCondLst>
+                      <p:childTnLst>
+                        <p:par>
+                          <p:cTn id="4" fill="hold">
+                            <p:stCondLst>
+                              <p:cond delay="0"/>
+                            </p:stCondLst>
+                            <p:childTnLst>
+                              <p:par>
+                                <p:cTn id="5" presetID="1" presetClass="entr" presetSubtype="0" fill="hold" grpId="0" nodeType="clickEffect">
+                                  <p:stCondLst>
+                                    <p:cond delay="0"/>
+                                  </p:stCondLst>
+                                  <p:childTnLst>
+                                    <p:set>
+                                      <p:cBhvr>
+                                        <p:cTn id="6" dur="1" fill="hold">
+                                          <p:stCondLst>
+                                            <p:cond delay="0"/>
+                                          </p:stCondLst>
+                                        </p:cTn>
+                                        <p:tgtEl>
+                                          <p:spTgt spid="8"/>
+                                        </p:tgtEl>
+                                        <p:attrNameLst>
+                                          <p:attrName>style.visibility</p:attrName>
+                                        </p:attrNameLst>
+                                      </p:cBhvr>
+                                      <p:to>
+                                        <p:strVal val="visible"/>
+                                      </p:to>
+                                    </p:set>
+                                  </p:childTnLst>
+                                </p:cTn>
+                              </p:par>
+                            </p:childTnLst>
+                          </p:cTn>
+                        </p:par>
+                      </p:childTnLst>
+                    </p:cTn>
+                  </p:par>
+                </p:childTnLst>
+              </p:cTn>
+              <p:prevCondLst>
+                <p:cond evt="onPrev" delay="0">
+                  <p:tgtEl>
+                    <p:sldTgt/>
+                  </p:tgtEl>
+                </p:cond>
+              </p:prevCondLst>
+              <p:nextCondLst>
+                <p:cond evt="onNext" delay="0">
+                  <p:tgtEl>
+                    <p:sldTgt/>
+                  </p:tgtEl>
+                </p:cond>
+              </p:nextCondLst>
+            </p:seq>
+          </p:childTnLst>
+        </p:cTn>
+      </p:par>
+    </p:tnLst>
+    <p:bldLst>
+      <p:bldP spid="8" grpId="0" animBg="1"/>
+    </p:bldLst>
+  </p:timing>
+</p:sld>
+</file>
+
+<file path=ppt/slides/slide11.xml><?xml version="1.0" encoding="utf-8"?>
+<p:sld xmlns:a="http://schemas.openxmlformats.org/drawingml/2006/main" xmlns:r="http://schemas.openxmlformats.org/officeDocument/2006/relationships" xmlns:p="http://schemas.openxmlformats.org/presentationml/2006/main">
+  <p:cSld>
+    <p:spTree>
+      <p:nvGrpSpPr>
+        <p:cNvPr id="1" name=""/>
+        <p:cNvGrpSpPr/>
+        <p:nvPr/>
+      </p:nvGrpSpPr>
+      <p:grpSpPr>
+        <a:xfrm>
+          <a:off x="0" y="0"/>
+          <a:ext cx="0" cy="0"/>
+          <a:chOff x="0" y="0"/>
+          <a:chExt cx="0" cy="0"/>
+        </a:xfrm>
+      </p:grpSpPr>
+      <p:sp>
+        <p:nvSpPr>
+          <p:cNvPr id="2" name="Title 1">
+            <a:extLst>
+              <a:ext uri="{FF2B5EF4-FFF2-40B4-BE49-F238E27FC236}">
+                <a16:creationId xmlns:a16="http://schemas.microsoft.com/office/drawing/2014/main" id="{D398BFED-2F7F-49BD-B480-56FC297B15A8}"/>
+              </a:ext>
+            </a:extLst>
+          </p:cNvPr>
+          <p:cNvSpPr>
+            <a:spLocks noGrp="1"/>
+          </p:cNvSpPr>
+          <p:nvPr>
+            <p:ph type="title"/>
+          </p:nvPr>
+        </p:nvSpPr>
+        <p:spPr>
+          <a:xfrm>
+            <a:off x="609600" y="2857500"/>
+            <a:ext cx="10972800" cy="1143000"/>
+          </a:xfrm>
+        </p:spPr>
+        <p:txBody>
+          <a:bodyPr anchor="ctr"/>
+          <a:lstStyle/>
+          <a:p>
+            <a:pPr algn="ctr"/>
+            <a:r>
+              <a:rPr lang="en-US" dirty="0">
+                <a:solidFill>
+                  <a:schemeClr val="tx1"/>
+                </a:solidFill>
+                <a:latin typeface="+mj-lt"/>
+              </a:rPr>
+              <a:t>DEMO</a:t>
+            </a:r>
+          </a:p>
+        </p:txBody>
+      </p:sp>
+    </p:spTree>
+    <p:extLst>
+      <p:ext uri="{BB962C8B-B14F-4D97-AF65-F5344CB8AC3E}">
+        <p14:creationId xmlns:p14="http://schemas.microsoft.com/office/powerpoint/2010/main" val="1463979579"/>
+      </p:ext>
+    </p:extLst>
+  </p:cSld>
+  <p:clrMapOvr>
+    <a:masterClrMapping/>
+  </p:clrMapOvr>
+</p:sld>
+</file>
+
+<file path=ppt/slides/slide12.xml><?xml version="1.0" encoding="utf-8"?>
+<p:sld xmlns:a="http://schemas.openxmlformats.org/drawingml/2006/main" xmlns:r="http://schemas.openxmlformats.org/officeDocument/2006/relationships" xmlns:p="http://schemas.openxmlformats.org/presentationml/2006/main">
+  <p:cSld>
+    <p:spTree>
+      <p:nvGrpSpPr>
+        <p:cNvPr id="1" name=""/>
+        <p:cNvGrpSpPr/>
+        <p:nvPr/>
+      </p:nvGrpSpPr>
+      <p:grpSpPr>
+        <a:xfrm>
+          <a:off x="0" y="0"/>
+          <a:ext cx="0" cy="0"/>
+          <a:chOff x="0" y="0"/>
+          <a:chExt cx="0" cy="0"/>
+        </a:xfrm>
+      </p:grpSpPr>
+      <p:sp>
+        <p:nvSpPr>
+          <p:cNvPr id="2" name="Title 1">
+            <a:extLst>
+              <a:ext uri="{FF2B5EF4-FFF2-40B4-BE49-F238E27FC236}">
+                <a16:creationId xmlns:a16="http://schemas.microsoft.com/office/drawing/2014/main" id="{D398BFED-2F7F-49BD-B480-56FC297B15A8}"/>
+              </a:ext>
+            </a:extLst>
+          </p:cNvPr>
+          <p:cNvSpPr>
+            <a:spLocks noGrp="1"/>
+          </p:cNvSpPr>
+          <p:nvPr>
+            <p:ph type="title"/>
+          </p:nvPr>
+        </p:nvSpPr>
+        <p:spPr>
+          <a:xfrm>
+            <a:off x="609600" y="0"/>
+            <a:ext cx="10972800" cy="1143000"/>
+          </a:xfrm>
+        </p:spPr>
+        <p:txBody>
+          <a:bodyPr anchor="ctr"/>
+          <a:lstStyle/>
+          <a:p>
+            <a:pPr algn="ctr"/>
+            <a:r>
+              <a:rPr lang="en-US" dirty="0">
+                <a:solidFill>
+                  <a:schemeClr val="tx1"/>
+                </a:solidFill>
+                <a:latin typeface="+mj-lt"/>
+              </a:rPr>
+              <a:t>Links</a:t>
+            </a:r>
+          </a:p>
+        </p:txBody>
+      </p:sp>
+      <p:sp>
+        <p:nvSpPr>
+          <p:cNvPr id="3" name="TextBox 2">
+            <a:extLst>
+              <a:ext uri="{FF2B5EF4-FFF2-40B4-BE49-F238E27FC236}">
+                <a16:creationId xmlns:a16="http://schemas.microsoft.com/office/drawing/2014/main" id="{152EED49-F37E-453A-9CB2-5DB8C63E8280}"/>
+              </a:ext>
+            </a:extLst>
+          </p:cNvPr>
+          <p:cNvSpPr txBox="1"/>
+          <p:nvPr/>
+        </p:nvSpPr>
+        <p:spPr>
+          <a:xfrm>
+            <a:off x="702260" y="1143000"/>
+            <a:ext cx="10787480" cy="1323439"/>
+          </a:xfrm>
+          <a:prstGeom prst="rect">
+            <a:avLst/>
+          </a:prstGeom>
+          <a:noFill/>
+        </p:spPr>
+        <p:txBody>
+          <a:bodyPr wrap="square" rtlCol="0">
+            <a:spAutoFit/>
+          </a:bodyPr>
+          <a:lstStyle/>
+          <a:p>
+            <a:endParaRPr lang="en-US" sz="2000" dirty="0">
+              <a:latin typeface="+mn-lt"/>
+              <a:hlinkClick r:id="rId2"/>
+            </a:endParaRPr>
+          </a:p>
+          <a:p>
+            <a:endParaRPr lang="en-US" sz="2000" dirty="0">
+              <a:latin typeface="+mn-lt"/>
+              <a:hlinkClick r:id="rId2"/>
+            </a:endParaRPr>
+          </a:p>
+          <a:p>
+            <a:endParaRPr lang="en-US" sz="2000" dirty="0">
+              <a:latin typeface="+mn-lt"/>
+              <a:hlinkClick r:id="rId2"/>
+            </a:endParaRPr>
+          </a:p>
+          <a:p>
+            <a:endParaRPr lang="en-US" sz="2000" dirty="0">
+              <a:latin typeface="+mn-lt"/>
+            </a:endParaRPr>
+          </a:p>
+        </p:txBody>
+      </p:sp>
+    </p:spTree>
+    <p:extLst>
+      <p:ext uri="{BB962C8B-B14F-4D97-AF65-F5344CB8AC3E}">
+        <p14:creationId xmlns:p14="http://schemas.microsoft.com/office/powerpoint/2010/main" val="4169196528"/>
+      </p:ext>
+    </p:extLst>
+  </p:cSld>
+  <p:clrMapOvr>
+    <a:masterClrMapping/>
+  </p:clrMapOvr>
+</p:sld>
+</file>
+
+<file path=ppt/slides/slide13.xml><?xml version="1.0" encoding="utf-8"?>
+<p:sld xmlns:a="http://schemas.openxmlformats.org/drawingml/2006/main" xmlns:r="http://schemas.openxmlformats.org/officeDocument/2006/relationships" xmlns:p="http://schemas.openxmlformats.org/presentationml/2006/main">
+  <p:cSld>
+    <p:spTree>
+      <p:nvGrpSpPr>
+        <p:cNvPr id="1" name=""/>
+        <p:cNvGrpSpPr/>
+        <p:nvPr/>
+      </p:nvGrpSpPr>
+      <p:grpSpPr>
+        <a:xfrm>
+          <a:off x="0" y="0"/>
+          <a:ext cx="0" cy="0"/>
+          <a:chOff x="0" y="0"/>
+          <a:chExt cx="0" cy="0"/>
+        </a:xfrm>
+      </p:grpSpPr>
+      <p:sp>
+        <p:nvSpPr>
+          <p:cNvPr id="2" name="Title 1">
+            <a:extLst>
+              <a:ext uri="{FF2B5EF4-FFF2-40B4-BE49-F238E27FC236}">
+                <a16:creationId xmlns:a16="http://schemas.microsoft.com/office/drawing/2014/main" id="{D398BFED-2F7F-49BD-B480-56FC297B15A8}"/>
+              </a:ext>
+            </a:extLst>
+          </p:cNvPr>
+          <p:cNvSpPr>
+            <a:spLocks noGrp="1"/>
+          </p:cNvSpPr>
+          <p:nvPr>
+            <p:ph type="title"/>
+          </p:nvPr>
+        </p:nvSpPr>
+        <p:spPr>
+          <a:xfrm>
+            <a:off x="609600" y="2857500"/>
+            <a:ext cx="10972800" cy="1143000"/>
+          </a:xfrm>
+        </p:spPr>
+        <p:txBody>
+          <a:bodyPr anchor="ctr"/>
+          <a:lstStyle/>
+          <a:p>
+            <a:pPr algn="ctr"/>
+            <a:r>
+              <a:rPr lang="en-US" dirty="0">
+                <a:solidFill>
+                  <a:schemeClr val="tx1"/>
+                </a:solidFill>
+                <a:latin typeface="+mj-lt"/>
+              </a:rPr>
+              <a:t>Q&amp;A</a:t>
+            </a:r>
+          </a:p>
+        </p:txBody>
+      </p:sp>
+    </p:spTree>
+    <p:extLst>
+      <p:ext uri="{BB962C8B-B14F-4D97-AF65-F5344CB8AC3E}">
+        <p14:creationId xmlns:p14="http://schemas.microsoft.com/office/powerpoint/2010/main" val="1333271734"/>
+      </p:ext>
+    </p:extLst>
+  </p:cSld>
+  <p:clrMapOvr>
+    <a:masterClrMapping/>
+  </p:clrMapOvr>
+</p:sld>
+</file>
+
 <file path=ppt/slides/slide2.xml><?xml version="1.0" encoding="utf-8"?>
 <p:sld xmlns:a="http://schemas.openxmlformats.org/drawingml/2006/main" xmlns:r="http://schemas.openxmlformats.org/officeDocument/2006/relationships" xmlns:p="http://schemas.openxmlformats.org/presentationml/2006/main">
   <p:cSld>
@@ -4122,7 +5454,7 @@
           <p:cNvPr id="2" name="Title 1">
             <a:extLst>
               <a:ext uri="{FF2B5EF4-FFF2-40B4-BE49-F238E27FC236}">
-                <a16:creationId xmlns:a16="http://schemas.microsoft.com/office/drawing/2014/main" id="{D398BFED-2F7F-49BD-B480-56FC297B15A8}"/>
+                <a16:creationId xmlns:a16="http://schemas.microsoft.com/office/drawing/2014/main" id="{E355E0FD-58C5-49E7-AB2A-46560FD288CA}"/>
               </a:ext>
             </a:extLst>
           </p:cNvPr>
@@ -4135,12 +5467,12 @@
         </p:nvSpPr>
         <p:spPr>
           <a:xfrm>
-            <a:off x="609600" y="0"/>
-            <a:ext cx="10972800" cy="1143000"/>
+            <a:off x="609600" y="290224"/>
+            <a:ext cx="10972800" cy="722890"/>
           </a:xfrm>
         </p:spPr>
         <p:txBody>
-          <a:bodyPr anchor="ctr"/>
+          <a:bodyPr/>
           <a:lstStyle/>
           <a:p>
             <a:pPr algn="ctr"/>
@@ -4153,157 +5485,81 @@
               </a:rPr>
               <a:t>Requirements</a:t>
             </a:r>
+            <a:endParaRPr lang="en-US" dirty="0"/>
           </a:p>
         </p:txBody>
       </p:sp>
       <p:sp>
         <p:nvSpPr>
-          <p:cNvPr id="3" name="TextBox 2">
+          <p:cNvPr id="3" name="Text Placeholder 2">
             <a:extLst>
               <a:ext uri="{FF2B5EF4-FFF2-40B4-BE49-F238E27FC236}">
-                <a16:creationId xmlns:a16="http://schemas.microsoft.com/office/drawing/2014/main" id="{152EED49-F37E-453A-9CB2-5DB8C63E8280}"/>
+                <a16:creationId xmlns:a16="http://schemas.microsoft.com/office/drawing/2014/main" id="{43AFD2A3-EAC6-41C7-ADB2-686CA9A4F95C}"/>
               </a:ext>
             </a:extLst>
           </p:cNvPr>
-          <p:cNvSpPr txBox="1"/>
-          <p:nvPr/>
+          <p:cNvSpPr>
+            <a:spLocks noGrp="1"/>
+          </p:cNvSpPr>
+          <p:nvPr>
+            <p:ph type="body" idx="1"/>
+          </p:nvPr>
         </p:nvSpPr>
         <p:spPr>
           <a:xfrm>
-            <a:off x="702260" y="1143000"/>
-            <a:ext cx="10787480" cy="1323439"/>
+            <a:off x="609600" y="1600201"/>
+            <a:ext cx="10972800" cy="4967575"/>
           </a:xfrm>
-          <a:prstGeom prst="rect">
-            <a:avLst/>
-          </a:prstGeom>
-          <a:noFill/>
         </p:spPr>
         <p:txBody>
-          <a:bodyPr wrap="square" rtlCol="0">
-            <a:spAutoFit/>
-          </a:bodyPr>
+          <a:bodyPr/>
           <a:lstStyle/>
           <a:p>
-            <a:endParaRPr lang="en-US" sz="2000" dirty="0">
-              <a:latin typeface="+mn-lt"/>
-              <a:hlinkClick r:id="rId2"/>
-            </a:endParaRPr>
-          </a:p>
-          <a:p>
-            <a:endParaRPr lang="en-US" sz="2000" dirty="0">
-              <a:latin typeface="+mn-lt"/>
-              <a:hlinkClick r:id="rId2"/>
-            </a:endParaRPr>
-          </a:p>
-          <a:p>
-            <a:endParaRPr lang="en-US" sz="2000" dirty="0">
-              <a:latin typeface="+mn-lt"/>
-              <a:hlinkClick r:id="rId2"/>
-            </a:endParaRPr>
-          </a:p>
-          <a:p>
-            <a:endParaRPr lang="en-US" sz="2000" dirty="0">
-              <a:latin typeface="+mn-lt"/>
-            </a:endParaRPr>
-          </a:p>
-        </p:txBody>
-      </p:sp>
-      <p:sp>
-        <p:nvSpPr>
-          <p:cNvPr id="4" name="TextBox 3">
-            <a:extLst>
-              <a:ext uri="{FF2B5EF4-FFF2-40B4-BE49-F238E27FC236}">
-                <a16:creationId xmlns:a16="http://schemas.microsoft.com/office/drawing/2014/main" id="{39631D5A-6305-4840-BFDB-56E44EED0462}"/>
-              </a:ext>
-            </a:extLst>
-          </p:cNvPr>
-          <p:cNvSpPr txBox="1"/>
-          <p:nvPr/>
-        </p:nvSpPr>
-        <p:spPr>
-          <a:xfrm>
-            <a:off x="5701538" y="2105561"/>
-            <a:ext cx="4678980" cy="2554545"/>
-          </a:xfrm>
-          <a:prstGeom prst="rect">
-            <a:avLst/>
-          </a:prstGeom>
-          <a:noFill/>
-        </p:spPr>
-        <p:txBody>
-          <a:bodyPr wrap="square" rtlCol="0">
-            <a:spAutoFit/>
-          </a:bodyPr>
-          <a:lstStyle/>
-          <a:p>
-            <a:pPr marL="285750" indent="-285750">
-              <a:buFont typeface="Arial" panose="020B0604020202020204" pitchFamily="34" charset="0"/>
-              <a:buChar char="•"/>
-            </a:pPr>
             <a:r>
-              <a:rPr lang="en-US" sz="2000" dirty="0">
+              <a:rPr lang="en-US" dirty="0">
                 <a:latin typeface="+mn-lt"/>
               </a:rPr>
-              <a:t>Technical writing courses by Google</a:t>
+              <a:t>Professional software engineers</a:t>
             </a:r>
           </a:p>
           <a:p>
-            <a:pPr marL="285750" indent="-285750">
-              <a:buFont typeface="Arial" panose="020B0604020202020204" pitchFamily="34" charset="0"/>
-              <a:buChar char="•"/>
-            </a:pPr>
-            <a:endParaRPr lang="en-US" sz="2000" dirty="0">
-              <a:latin typeface="+mn-lt"/>
-            </a:endParaRPr>
-          </a:p>
-          <a:p>
-            <a:pPr marL="285750" indent="-285750">
-              <a:buFont typeface="Arial" panose="020B0604020202020204" pitchFamily="34" charset="0"/>
-              <a:buChar char="•"/>
-            </a:pPr>
             <a:r>
-              <a:rPr lang="en-US" sz="2000" dirty="0">
+              <a:rPr lang="en-US" dirty="0">
                 <a:latin typeface="+mn-lt"/>
               </a:rPr>
-              <a:t>Two parts 3 hours total</a:t>
+              <a:t>Computer science students</a:t>
             </a:r>
           </a:p>
           <a:p>
-            <a:pPr marL="285750" indent="-285750">
-              <a:buFont typeface="Arial" panose="020B0604020202020204" pitchFamily="34" charset="0"/>
-              <a:buChar char="•"/>
-            </a:pPr>
-            <a:endParaRPr lang="en-US" sz="2000" dirty="0">
-              <a:latin typeface="+mn-lt"/>
-            </a:endParaRPr>
-          </a:p>
-          <a:p>
-            <a:pPr marL="285750" indent="-285750">
-              <a:buFont typeface="Arial" panose="020B0604020202020204" pitchFamily="34" charset="0"/>
-              <a:buChar char="•"/>
-            </a:pPr>
             <a:r>
-              <a:rPr lang="en-US" sz="2000" dirty="0">
+              <a:rPr lang="en-US" dirty="0">
                 <a:latin typeface="+mn-lt"/>
               </a:rPr>
-              <a:t>Pre-class and in-class with a facilitator and students</a:t>
+              <a:t>Engineering-adjacent roles, such as product managers</a:t>
             </a:r>
           </a:p>
           <a:p>
-            <a:pPr marL="285750" indent="-285750">
-              <a:buFont typeface="Arial" panose="020B0604020202020204" pitchFamily="34" charset="0"/>
-              <a:buChar char="•"/>
-            </a:pPr>
-            <a:endParaRPr lang="en-US" sz="2000" dirty="0">
-              <a:latin typeface="+mn-lt"/>
-            </a:endParaRPr>
+            <a:r>
+              <a:rPr lang="en-US" dirty="0">
+                <a:latin typeface="+mn-lt"/>
+              </a:rPr>
+              <a:t>B1+ writing</a:t>
+            </a:r>
+          </a:p>
+          <a:p>
+            <a:r>
+              <a:rPr lang="en-US" dirty="0">
+                <a:latin typeface="+mn-lt"/>
+              </a:rPr>
+              <a:t>Background in coding</a:t>
+            </a:r>
           </a:p>
         </p:txBody>
       </p:sp>
     </p:spTree>
     <p:extLst>
       <p:ext uri="{BB962C8B-B14F-4D97-AF65-F5344CB8AC3E}">
-        <p14:creationId xmlns:p14="http://schemas.microsoft.com/office/powerpoint/2010/main" val="3394368255"/>
+        <p14:creationId xmlns:p14="http://schemas.microsoft.com/office/powerpoint/2010/main" val="3366623376"/>
       </p:ext>
     </p:extLst>
   </p:cSld>
@@ -4364,7 +5620,7 @@
                 </a:solidFill>
                 <a:latin typeface="+mj-lt"/>
               </a:rPr>
-              <a:t>Requirements</a:t>
+              <a:t>Objectives</a:t>
             </a:r>
             <a:endParaRPr lang="en-US" dirty="0"/>
           </a:p>
@@ -4397,42 +5653,74 @@
           <a:lstStyle/>
           <a:p>
             <a:r>
-              <a:rPr lang="en-US" dirty="0">
+              <a:rPr lang="en-US" sz="2000" dirty="0">
                 <a:latin typeface="+mn-lt"/>
               </a:rPr>
-              <a:t>Professional software engineers</a:t>
+              <a:t>Use terminology—including abbreviations and acronyms—consistently</a:t>
             </a:r>
           </a:p>
           <a:p>
             <a:r>
-              <a:rPr lang="en-US" dirty="0">
+              <a:rPr lang="en-US" sz="2000" dirty="0">
                 <a:latin typeface="+mn-lt"/>
               </a:rPr>
-              <a:t>Computer science students</a:t>
+              <a:t>Recognize and disambiguate pesky pronouns</a:t>
             </a:r>
           </a:p>
           <a:p>
             <a:r>
-              <a:rPr lang="en-US" dirty="0">
+              <a:rPr lang="en-US" sz="2000" dirty="0">
                 <a:latin typeface="+mn-lt"/>
               </a:rPr>
-              <a:t>Engineering-adjacent roles, such as product managers</a:t>
+              <a:t>Distinguish active voice from passive voice</a:t>
             </a:r>
           </a:p>
           <a:p>
             <a:r>
-              <a:rPr lang="en-US" dirty="0">
+              <a:rPr lang="en-US" sz="2000" dirty="0">
                 <a:latin typeface="+mn-lt"/>
               </a:rPr>
-              <a:t>B1+ writing</a:t>
+              <a:t>Convert passive voice sentences to active voice</a:t>
             </a:r>
           </a:p>
           <a:p>
             <a:r>
-              <a:rPr lang="en-US" dirty="0">
+              <a:rPr lang="en-US" sz="2000" dirty="0">
                 <a:latin typeface="+mn-lt"/>
               </a:rPr>
-              <a:t>Background in coding</a:t>
+              <a:t>Identify three ways in which active voice is superior to passive voice</a:t>
+            </a:r>
+          </a:p>
+          <a:p>
+            <a:r>
+              <a:rPr lang="en-US" sz="2000" dirty="0">
+                <a:latin typeface="+mn-lt"/>
+              </a:rPr>
+              <a:t>Develop at least three strategies to make sentences clearer and more engaging</a:t>
+            </a:r>
+          </a:p>
+          <a:p>
+            <a:r>
+              <a:rPr lang="en-US" sz="2000" dirty="0">
+                <a:latin typeface="+mn-lt"/>
+              </a:rPr>
+              <a:t>Develop at least four strategies to shorten sentences</a:t>
+            </a:r>
+          </a:p>
+          <a:p>
+            <a:r>
+              <a:rPr lang="en-US" sz="2000" dirty="0">
+                <a:latin typeface="+mn-lt"/>
+              </a:rPr>
+              <a:t>Understand the difference between bulleted lists and numbered lists</a:t>
+            </a:r>
+          </a:p>
+          <a:p>
+            <a:r>
+              <a:rPr lang="en-US" sz="2000" dirty="0">
+                <a:latin typeface="+mn-lt"/>
+              </a:rPr>
+              <a:t>Create helpful lists</a:t>
             </a:r>
           </a:p>
         </p:txBody>
@@ -4440,13 +5728,184 @@
     </p:spTree>
     <p:extLst>
       <p:ext uri="{BB962C8B-B14F-4D97-AF65-F5344CB8AC3E}">
-        <p14:creationId xmlns:p14="http://schemas.microsoft.com/office/powerpoint/2010/main" val="885685478"/>
+        <p14:creationId xmlns:p14="http://schemas.microsoft.com/office/powerpoint/2010/main" val="3308943058"/>
       </p:ext>
     </p:extLst>
   </p:cSld>
   <p:clrMapOvr>
     <a:masterClrMapping/>
   </p:clrMapOvr>
+  <p:timing>
+    <p:tnLst>
+      <p:par>
+        <p:cTn id="1" dur="indefinite" restart="never" nodeType="tmRoot">
+          <p:childTnLst>
+            <p:seq concurrent="1" nextAc="seek">
+              <p:cTn id="2" dur="indefinite" nodeType="mainSeq">
+                <p:childTnLst>
+                  <p:par>
+                    <p:cTn id="3" fill="hold">
+                      <p:stCondLst>
+                        <p:cond delay="indefinite"/>
+                      </p:stCondLst>
+                      <p:childTnLst>
+                        <p:par>
+                          <p:cTn id="4" fill="hold">
+                            <p:stCondLst>
+                              <p:cond delay="0"/>
+                            </p:stCondLst>
+                            <p:childTnLst>
+                              <p:par>
+                                <p:cTn id="5" presetID="15" presetClass="emph" presetSubtype="0" grpId="0" nodeType="clickEffect">
+                                  <p:stCondLst>
+                                    <p:cond delay="0"/>
+                                  </p:stCondLst>
+                                  <p:iterate type="lt">
+                                    <p:tmAbs val="25"/>
+                                  </p:iterate>
+                                  <p:childTnLst>
+                                    <p:set>
+                                      <p:cBhvr override="childStyle">
+                                        <p:cTn id="6" dur="indefinite"/>
+                                        <p:tgtEl>
+                                          <p:spTgt spid="3">
+                                            <p:txEl>
+                                              <p:pRg st="0" end="0"/>
+                                            </p:txEl>
+                                          </p:spTgt>
+                                        </p:tgtEl>
+                                        <p:attrNameLst>
+                                          <p:attrName>style.fontWeight</p:attrName>
+                                        </p:attrNameLst>
+                                      </p:cBhvr>
+                                      <p:to>
+                                        <p:strVal val="bold"/>
+                                      </p:to>
+                                    </p:set>
+                                  </p:childTnLst>
+                                </p:cTn>
+                              </p:par>
+                              <p:par>
+                                <p:cTn id="7" presetID="15" presetClass="emph" presetSubtype="0" grpId="0" nodeType="withEffect">
+                                  <p:stCondLst>
+                                    <p:cond delay="0"/>
+                                  </p:stCondLst>
+                                  <p:iterate type="lt">
+                                    <p:tmAbs val="25"/>
+                                  </p:iterate>
+                                  <p:childTnLst>
+                                    <p:set>
+                                      <p:cBhvr override="childStyle">
+                                        <p:cTn id="8" dur="indefinite"/>
+                                        <p:tgtEl>
+                                          <p:spTgt spid="3">
+                                            <p:txEl>
+                                              <p:pRg st="5" end="5"/>
+                                            </p:txEl>
+                                          </p:spTgt>
+                                        </p:tgtEl>
+                                        <p:attrNameLst>
+                                          <p:attrName>style.fontWeight</p:attrName>
+                                        </p:attrNameLst>
+                                      </p:cBhvr>
+                                      <p:to>
+                                        <p:strVal val="bold"/>
+                                      </p:to>
+                                    </p:set>
+                                  </p:childTnLst>
+                                </p:cTn>
+                              </p:par>
+                              <p:par>
+                                <p:cTn id="9" presetID="15" presetClass="emph" presetSubtype="0" grpId="0" nodeType="withEffect">
+                                  <p:stCondLst>
+                                    <p:cond delay="0"/>
+                                  </p:stCondLst>
+                                  <p:iterate type="lt">
+                                    <p:tmAbs val="25"/>
+                                  </p:iterate>
+                                  <p:childTnLst>
+                                    <p:set>
+                                      <p:cBhvr override="childStyle">
+                                        <p:cTn id="10" dur="indefinite"/>
+                                        <p:tgtEl>
+                                          <p:spTgt spid="3">
+                                            <p:txEl>
+                                              <p:pRg st="6" end="6"/>
+                                            </p:txEl>
+                                          </p:spTgt>
+                                        </p:tgtEl>
+                                        <p:attrNameLst>
+                                          <p:attrName>style.fontWeight</p:attrName>
+                                        </p:attrNameLst>
+                                      </p:cBhvr>
+                                      <p:to>
+                                        <p:strVal val="bold"/>
+                                      </p:to>
+                                    </p:set>
+                                  </p:childTnLst>
+                                </p:cTn>
+                              </p:par>
+                              <p:par>
+                                <p:cTn id="11" presetID="15" presetClass="emph" presetSubtype="0" grpId="0" nodeType="withEffect">
+                                  <p:stCondLst>
+                                    <p:cond delay="0"/>
+                                  </p:stCondLst>
+                                  <p:iterate type="lt">
+                                    <p:tmAbs val="25"/>
+                                  </p:iterate>
+                                  <p:childTnLst>
+                                    <p:set>
+                                      <p:cBhvr override="childStyle">
+                                        <p:cTn id="12" dur="indefinite"/>
+                                        <p:tgtEl>
+                                          <p:spTgt spid="3">
+                                            <p:txEl>
+                                              <p:pRg st="7" end="7"/>
+                                            </p:txEl>
+                                          </p:spTgt>
+                                        </p:tgtEl>
+                                        <p:attrNameLst>
+                                          <p:attrName>style.fontWeight</p:attrName>
+                                        </p:attrNameLst>
+                                      </p:cBhvr>
+                                      <p:to>
+                                        <p:strVal val="bold"/>
+                                      </p:to>
+                                    </p:set>
+                                  </p:childTnLst>
+                                </p:cTn>
+                              </p:par>
+                            </p:childTnLst>
+                          </p:cTn>
+                        </p:par>
+                      </p:childTnLst>
+                    </p:cTn>
+                  </p:par>
+                </p:childTnLst>
+              </p:cTn>
+              <p:prevCondLst>
+                <p:cond evt="onPrev" delay="0">
+                  <p:tgtEl>
+                    <p:sldTgt/>
+                  </p:tgtEl>
+                </p:cond>
+              </p:prevCondLst>
+              <p:nextCondLst>
+                <p:cond evt="onNext" delay="0">
+                  <p:tgtEl>
+                    <p:sldTgt/>
+                  </p:tgtEl>
+                </p:cond>
+              </p:nextCondLst>
+            </p:seq>
+          </p:childTnLst>
+        </p:cTn>
+      </p:par>
+    </p:tnLst>
+    <p:bldLst>
+      <p:bldP spid="3" grpId="0" uiExpand="1" build="allAtOnce"/>
+    </p:bldLst>
+  </p:timing>
 </p:sld>
 </file>
 
@@ -4501,7 +5960,7 @@
                 </a:solidFill>
                 <a:latin typeface="+mj-lt"/>
               </a:rPr>
-              <a:t>Requirements</a:t>
+              <a:t>Objectives</a:t>
             </a:r>
             <a:endParaRPr lang="en-US" dirty="0"/>
           </a:p>
@@ -4534,42 +5993,82 @@
           <a:lstStyle/>
           <a:p>
             <a:r>
-              <a:rPr lang="en-US" dirty="0">
+              <a:rPr lang="en-US" sz="2000" dirty="0">
                 <a:latin typeface="+mn-lt"/>
               </a:rPr>
-              <a:t>Professional software engineers</a:t>
+              <a:t>Create effective lead sentences for paragraphs</a:t>
             </a:r>
           </a:p>
           <a:p>
             <a:r>
-              <a:rPr lang="en-US" dirty="0">
+              <a:rPr lang="en-US" sz="2000" dirty="0">
                 <a:latin typeface="+mn-lt"/>
               </a:rPr>
-              <a:t>Computer science students</a:t>
+              <a:t>Focus each paragraph on a single topic</a:t>
             </a:r>
           </a:p>
           <a:p>
             <a:r>
-              <a:rPr lang="en-US" dirty="0">
+              <a:rPr lang="en-US" sz="2000" dirty="0">
                 <a:latin typeface="+mn-lt"/>
               </a:rPr>
-              <a:t>Engineering-adjacent roles, such as product managers</a:t>
+              <a:t>State key points at the start of each document</a:t>
             </a:r>
           </a:p>
           <a:p>
             <a:r>
-              <a:rPr lang="en-US" dirty="0">
+              <a:rPr lang="en-US" sz="2000" dirty="0">
                 <a:latin typeface="+mn-lt"/>
               </a:rPr>
-              <a:t>B1+ writing</a:t>
+              <a:t>Identify your target audience</a:t>
             </a:r>
           </a:p>
           <a:p>
             <a:r>
-              <a:rPr lang="en-US" dirty="0">
+              <a:rPr lang="en-US" sz="2000" dirty="0">
                 <a:latin typeface="+mn-lt"/>
               </a:rPr>
-              <a:t>Background in coding</a:t>
+              <a:t>Determine what your target audience already knows and what your target audience needs to learn</a:t>
+            </a:r>
+          </a:p>
+          <a:p>
+            <a:r>
+              <a:rPr lang="en-US" sz="2000" dirty="0">
+                <a:latin typeface="+mn-lt"/>
+              </a:rPr>
+              <a:t>Understand the curse of knowledge</a:t>
+            </a:r>
+          </a:p>
+          <a:p>
+            <a:r>
+              <a:rPr lang="en-US" sz="2000" dirty="0">
+                <a:latin typeface="+mn-lt"/>
+              </a:rPr>
+              <a:t>Identify and revise idioms</a:t>
+            </a:r>
+          </a:p>
+          <a:p>
+            <a:r>
+              <a:rPr lang="en-US" sz="2000" dirty="0">
+                <a:latin typeface="+mn-lt"/>
+              </a:rPr>
+              <a:t>State your document's scope (goals) and audience</a:t>
+            </a:r>
+          </a:p>
+          <a:p>
+            <a:r>
+              <a:rPr lang="en-US" sz="2000" dirty="0">
+                <a:latin typeface="+mn-lt"/>
+              </a:rPr>
+              <a:t>Break long topics into appropriate sections</a:t>
+            </a:r>
+          </a:p>
+          <a:p>
+            <a:r>
+              <a:rPr lang="en-US" sz="2000" dirty="0">
+                <a:latin typeface="+mn-lt"/>
+              </a:rPr>
+              <a:t>Develop beginner competency in Markdown</a:t>
             </a:r>
           </a:p>
         </p:txBody>
@@ -4577,13 +6076,154 @@
     </p:spTree>
     <p:extLst>
       <p:ext uri="{BB962C8B-B14F-4D97-AF65-F5344CB8AC3E}">
-        <p14:creationId xmlns:p14="http://schemas.microsoft.com/office/powerpoint/2010/main" val="3366623376"/>
+        <p14:creationId xmlns:p14="http://schemas.microsoft.com/office/powerpoint/2010/main" val="314964254"/>
       </p:ext>
     </p:extLst>
   </p:cSld>
   <p:clrMapOvr>
     <a:masterClrMapping/>
   </p:clrMapOvr>
+  <p:timing>
+    <p:tnLst>
+      <p:par>
+        <p:cTn id="1" dur="indefinite" restart="never" nodeType="tmRoot">
+          <p:childTnLst>
+            <p:seq concurrent="1" nextAc="seek">
+              <p:cTn id="2" dur="indefinite" nodeType="mainSeq">
+                <p:childTnLst>
+                  <p:par>
+                    <p:cTn id="3" fill="hold">
+                      <p:stCondLst>
+                        <p:cond delay="indefinite"/>
+                      </p:stCondLst>
+                      <p:childTnLst>
+                        <p:par>
+                          <p:cTn id="4" fill="hold">
+                            <p:stCondLst>
+                              <p:cond delay="0"/>
+                            </p:stCondLst>
+                            <p:childTnLst>
+                              <p:par>
+                                <p:cTn id="5" presetID="15" presetClass="emph" presetSubtype="0" grpId="0" nodeType="clickEffect">
+                                  <p:stCondLst>
+                                    <p:cond delay="0"/>
+                                  </p:stCondLst>
+                                  <p:iterate type="lt">
+                                    <p:tmAbs val="25"/>
+                                  </p:iterate>
+                                  <p:childTnLst>
+                                    <p:set>
+                                      <p:cBhvr override="childStyle">
+                                        <p:cTn id="6" dur="indefinite"/>
+                                        <p:tgtEl>
+                                          <p:spTgt spid="3">
+                                            <p:txEl>
+                                              <p:pRg st="2" end="2"/>
+                                            </p:txEl>
+                                          </p:spTgt>
+                                        </p:tgtEl>
+                                        <p:attrNameLst>
+                                          <p:attrName>style.fontWeight</p:attrName>
+                                        </p:attrNameLst>
+                                      </p:cBhvr>
+                                      <p:to>
+                                        <p:strVal val="bold"/>
+                                      </p:to>
+                                    </p:set>
+                                  </p:childTnLst>
+                                </p:cTn>
+                              </p:par>
+                              <p:par>
+                                <p:cTn id="7" presetID="15" presetClass="emph" presetSubtype="0" grpId="0" nodeType="withEffect">
+                                  <p:stCondLst>
+                                    <p:cond delay="0"/>
+                                  </p:stCondLst>
+                                  <p:iterate type="lt">
+                                    <p:tmAbs val="25"/>
+                                  </p:iterate>
+                                  <p:childTnLst>
+                                    <p:set>
+                                      <p:cBhvr override="childStyle">
+                                        <p:cTn id="8" dur="indefinite"/>
+                                        <p:tgtEl>
+                                          <p:spTgt spid="3">
+                                            <p:txEl>
+                                              <p:pRg st="8" end="8"/>
+                                            </p:txEl>
+                                          </p:spTgt>
+                                        </p:tgtEl>
+                                        <p:attrNameLst>
+                                          <p:attrName>style.fontWeight</p:attrName>
+                                        </p:attrNameLst>
+                                      </p:cBhvr>
+                                      <p:to>
+                                        <p:strVal val="bold"/>
+                                      </p:to>
+                                    </p:set>
+                                  </p:childTnLst>
+                                </p:cTn>
+                              </p:par>
+                              <p:par>
+                                <p:cTn id="9" presetID="15" presetClass="emph" presetSubtype="0" grpId="0" nodeType="withEffect">
+                                  <p:stCondLst>
+                                    <p:cond delay="0"/>
+                                  </p:stCondLst>
+                                  <p:iterate type="lt">
+                                    <p:tmAbs val="25"/>
+                                  </p:iterate>
+                                  <p:childTnLst>
+                                    <p:set>
+                                      <p:cBhvr override="childStyle">
+                                        <p:cTn id="10" dur="indefinite"/>
+                                        <p:tgtEl>
+                                          <p:spTgt spid="3">
+                                            <p:txEl>
+                                              <p:pRg st="9" end="9"/>
+                                            </p:txEl>
+                                          </p:spTgt>
+                                        </p:tgtEl>
+                                        <p:attrNameLst>
+                                          <p:attrName>style.fontWeight</p:attrName>
+                                        </p:attrNameLst>
+                                      </p:cBhvr>
+                                      <p:to>
+                                        <p:strVal val="bold"/>
+                                      </p:to>
+                                    </p:set>
+                                  </p:childTnLst>
+                                </p:cTn>
+                              </p:par>
+                            </p:childTnLst>
+                          </p:cTn>
+                        </p:par>
+                      </p:childTnLst>
+                    </p:cTn>
+                  </p:par>
+                </p:childTnLst>
+              </p:cTn>
+              <p:prevCondLst>
+                <p:cond evt="onPrev" delay="0">
+                  <p:tgtEl>
+                    <p:sldTgt/>
+                  </p:tgtEl>
+                </p:cond>
+              </p:prevCondLst>
+              <p:nextCondLst>
+                <p:cond evt="onNext" delay="0">
+                  <p:tgtEl>
+                    <p:sldTgt/>
+                  </p:tgtEl>
+                </p:cond>
+              </p:nextCondLst>
+            </p:seq>
+          </p:childTnLst>
+        </p:cTn>
+      </p:par>
+    </p:tnLst>
+    <p:bldLst>
+      <p:bldP spid="3" grpId="0" uiExpand="1" build="allAtOnce"/>
+    </p:bldLst>
+  </p:timing>
 </p:sld>
 </file>
 
@@ -4609,7 +6249,7 @@
           <p:cNvPr id="2" name="Title 1">
             <a:extLst>
               <a:ext uri="{FF2B5EF4-FFF2-40B4-BE49-F238E27FC236}">
-                <a16:creationId xmlns:a16="http://schemas.microsoft.com/office/drawing/2014/main" id="{D398BFED-2F7F-49BD-B480-56FC297B15A8}"/>
+                <a16:creationId xmlns:a16="http://schemas.microsoft.com/office/drawing/2014/main" id="{E355E0FD-58C5-49E7-AB2A-46560FD288CA}"/>
               </a:ext>
             </a:extLst>
           </p:cNvPr>
@@ -4622,12 +6262,12 @@
         </p:nvSpPr>
         <p:spPr>
           <a:xfrm>
-            <a:off x="609600" y="2857500"/>
-            <a:ext cx="10972800" cy="1143000"/>
+            <a:off x="609600" y="290224"/>
+            <a:ext cx="10972800" cy="722890"/>
           </a:xfrm>
         </p:spPr>
         <p:txBody>
-          <a:bodyPr anchor="ctr"/>
+          <a:bodyPr/>
           <a:lstStyle/>
           <a:p>
             <a:pPr algn="ctr"/>
@@ -4638,7 +6278,1019 @@
                 </a:solidFill>
                 <a:latin typeface="+mj-lt"/>
               </a:rPr>
-              <a:t>DEMO</a:t>
+              <a:t>Just enough grammar</a:t>
+            </a:r>
+            <a:endParaRPr lang="en-US" dirty="0"/>
+          </a:p>
+        </p:txBody>
+      </p:sp>
+      <p:sp>
+        <p:nvSpPr>
+          <p:cNvPr id="3" name="Text Placeholder 2">
+            <a:extLst>
+              <a:ext uri="{FF2B5EF4-FFF2-40B4-BE49-F238E27FC236}">
+                <a16:creationId xmlns:a16="http://schemas.microsoft.com/office/drawing/2014/main" id="{43AFD2A3-EAC6-41C7-ADB2-686CA9A4F95C}"/>
+              </a:ext>
+            </a:extLst>
+          </p:cNvPr>
+          <p:cNvSpPr>
+            <a:spLocks noGrp="1"/>
+          </p:cNvSpPr>
+          <p:nvPr>
+            <p:ph type="body" idx="1"/>
+          </p:nvPr>
+        </p:nvSpPr>
+        <p:spPr>
+          <a:xfrm>
+            <a:off x="609600" y="1230829"/>
+            <a:ext cx="10972800" cy="1284513"/>
+          </a:xfrm>
+        </p:spPr>
+        <p:txBody>
+          <a:bodyPr/>
+          <a:lstStyle/>
+          <a:p>
+            <a:pPr marL="50799" indent="0">
+              <a:buNone/>
+            </a:pPr>
+            <a:r>
+              <a:rPr lang="en-US" dirty="0">
+                <a:latin typeface="+mn-lt"/>
+              </a:rPr>
+              <a:t>Unit provides just enough grammar to understand the remainder of the course.</a:t>
+            </a:r>
+          </a:p>
+        </p:txBody>
+      </p:sp>
+      <p:sp>
+        <p:nvSpPr>
+          <p:cNvPr id="4" name="Text Placeholder 2">
+            <a:extLst>
+              <a:ext uri="{FF2B5EF4-FFF2-40B4-BE49-F238E27FC236}">
+                <a16:creationId xmlns:a16="http://schemas.microsoft.com/office/drawing/2014/main" id="{B8AD014B-AF53-4C8E-8088-EF45C0C66DBD}"/>
+              </a:ext>
+            </a:extLst>
+          </p:cNvPr>
+          <p:cNvSpPr txBox="1">
+            <a:spLocks/>
+          </p:cNvSpPr>
+          <p:nvPr/>
+        </p:nvSpPr>
+        <p:spPr>
+          <a:xfrm>
+            <a:off x="609600" y="2733057"/>
+            <a:ext cx="10972800" cy="1284513"/>
+          </a:xfrm>
+          <a:prstGeom prst="rect">
+            <a:avLst/>
+          </a:prstGeom>
+          <a:noFill/>
+          <a:ln>
+            <a:noFill/>
+          </a:ln>
+        </p:spPr>
+        <p:txBody>
+          <a:bodyPr spcFirstLastPara="1" wrap="square" lIns="91425" tIns="91425" rIns="91425" bIns="91425" anchor="t" anchorCtr="0">
+            <a:noAutofit/>
+          </a:bodyPr>
+          <a:lstStyle>
+            <a:defPPr marR="0" lvl="0" algn="l" rtl="0">
+              <a:lnSpc>
+                <a:spcPct val="100000"/>
+              </a:lnSpc>
+              <a:spcBef>
+                <a:spcPts val="0"/>
+              </a:spcBef>
+              <a:spcAft>
+                <a:spcPts val="0"/>
+              </a:spcAft>
+            </a:defPPr>
+            <a:lvl1pPr marL="609585" marR="0" lvl="0" indent="-558786" algn="l" rtl="0" eaLnBrk="1" hangingPunct="1">
+              <a:lnSpc>
+                <a:spcPct val="100000"/>
+              </a:lnSpc>
+              <a:spcBef>
+                <a:spcPts val="800"/>
+              </a:spcBef>
+              <a:spcAft>
+                <a:spcPts val="0"/>
+              </a:spcAft>
+              <a:buClr>
+                <a:schemeClr val="dk1"/>
+              </a:buClr>
+              <a:buSzPts val="3000"/>
+              <a:buFont typeface="Arial"/>
+              <a:buChar char="●"/>
+              <a:defRPr sz="3000" b="0" i="0" u="none" strike="noStrike" cap="none">
+                <a:solidFill>
+                  <a:schemeClr val="dk1"/>
+                </a:solidFill>
+                <a:latin typeface="Arial"/>
+                <a:ea typeface="Arial"/>
+                <a:cs typeface="Arial"/>
+                <a:sym typeface="Arial"/>
+              </a:defRPr>
+            </a:lvl1pPr>
+            <a:lvl2pPr marL="1219170" marR="0" lvl="1" indent="-507987" algn="l" rtl="0" eaLnBrk="1" hangingPunct="1">
+              <a:lnSpc>
+                <a:spcPct val="100000"/>
+              </a:lnSpc>
+              <a:spcBef>
+                <a:spcPts val="0"/>
+              </a:spcBef>
+              <a:spcAft>
+                <a:spcPts val="0"/>
+              </a:spcAft>
+              <a:buClr>
+                <a:schemeClr val="dk1"/>
+              </a:buClr>
+              <a:buSzPts val="2400"/>
+              <a:buFont typeface="Arial"/>
+              <a:buChar char="○"/>
+              <a:defRPr sz="2400" b="0" i="0" u="none" strike="noStrike" cap="none">
+                <a:solidFill>
+                  <a:schemeClr val="dk1"/>
+                </a:solidFill>
+                <a:latin typeface="Arial"/>
+                <a:ea typeface="Arial"/>
+                <a:cs typeface="Arial"/>
+                <a:sym typeface="Arial"/>
+              </a:defRPr>
+            </a:lvl2pPr>
+            <a:lvl3pPr marL="1828754" marR="0" lvl="2" indent="-507987" algn="l" rtl="0" eaLnBrk="1" hangingPunct="1">
+              <a:lnSpc>
+                <a:spcPct val="100000"/>
+              </a:lnSpc>
+              <a:spcBef>
+                <a:spcPts val="0"/>
+              </a:spcBef>
+              <a:spcAft>
+                <a:spcPts val="0"/>
+              </a:spcAft>
+              <a:buClr>
+                <a:schemeClr val="dk1"/>
+              </a:buClr>
+              <a:buSzPts val="2400"/>
+              <a:buFont typeface="Arial"/>
+              <a:buChar char="■"/>
+              <a:defRPr sz="2400" b="0" i="0" u="none" strike="noStrike" cap="none">
+                <a:solidFill>
+                  <a:schemeClr val="dk1"/>
+                </a:solidFill>
+                <a:latin typeface="Arial"/>
+                <a:ea typeface="Arial"/>
+                <a:cs typeface="Arial"/>
+                <a:sym typeface="Arial"/>
+              </a:defRPr>
+            </a:lvl3pPr>
+            <a:lvl4pPr marL="2438339" marR="0" lvl="3" indent="-457189" algn="l" rtl="0" eaLnBrk="1" hangingPunct="1">
+              <a:lnSpc>
+                <a:spcPct val="100000"/>
+              </a:lnSpc>
+              <a:spcBef>
+                <a:spcPts val="0"/>
+              </a:spcBef>
+              <a:spcAft>
+                <a:spcPts val="0"/>
+              </a:spcAft>
+              <a:buClr>
+                <a:schemeClr val="dk1"/>
+              </a:buClr>
+              <a:buSzPts val="1800"/>
+              <a:buFont typeface="Arial"/>
+              <a:buChar char="●"/>
+              <a:defRPr sz="1800" b="0" i="0" u="none" strike="noStrike" cap="none">
+                <a:solidFill>
+                  <a:schemeClr val="dk1"/>
+                </a:solidFill>
+                <a:latin typeface="Arial"/>
+                <a:ea typeface="Arial"/>
+                <a:cs typeface="Arial"/>
+                <a:sym typeface="Arial"/>
+              </a:defRPr>
+            </a:lvl4pPr>
+            <a:lvl5pPr marL="3047924" marR="0" lvl="4" indent="-457189" algn="l" rtl="0" eaLnBrk="1" hangingPunct="1">
+              <a:lnSpc>
+                <a:spcPct val="100000"/>
+              </a:lnSpc>
+              <a:spcBef>
+                <a:spcPts val="0"/>
+              </a:spcBef>
+              <a:spcAft>
+                <a:spcPts val="0"/>
+              </a:spcAft>
+              <a:buClr>
+                <a:schemeClr val="dk1"/>
+              </a:buClr>
+              <a:buSzPts val="1800"/>
+              <a:buFont typeface="Arial"/>
+              <a:buChar char="○"/>
+              <a:defRPr sz="1800" b="0" i="0" u="none" strike="noStrike" cap="none">
+                <a:solidFill>
+                  <a:schemeClr val="dk1"/>
+                </a:solidFill>
+                <a:latin typeface="Arial"/>
+                <a:ea typeface="Arial"/>
+                <a:cs typeface="Arial"/>
+                <a:sym typeface="Arial"/>
+              </a:defRPr>
+            </a:lvl5pPr>
+            <a:lvl6pPr marL="3657509" marR="0" lvl="5" indent="-457189" algn="l" rtl="0" eaLnBrk="1" hangingPunct="1">
+              <a:lnSpc>
+                <a:spcPct val="100000"/>
+              </a:lnSpc>
+              <a:spcBef>
+                <a:spcPts val="0"/>
+              </a:spcBef>
+              <a:spcAft>
+                <a:spcPts val="0"/>
+              </a:spcAft>
+              <a:buClr>
+                <a:schemeClr val="dk1"/>
+              </a:buClr>
+              <a:buSzPts val="1800"/>
+              <a:buFont typeface="Arial"/>
+              <a:buChar char="■"/>
+              <a:defRPr sz="1800" b="0" i="0" u="none" strike="noStrike" cap="none">
+                <a:solidFill>
+                  <a:schemeClr val="dk1"/>
+                </a:solidFill>
+                <a:latin typeface="Arial"/>
+                <a:ea typeface="Arial"/>
+                <a:cs typeface="Arial"/>
+                <a:sym typeface="Arial"/>
+              </a:defRPr>
+            </a:lvl6pPr>
+            <a:lvl7pPr marL="4267093" marR="0" lvl="6" indent="-457189" algn="l" rtl="0" eaLnBrk="1" hangingPunct="1">
+              <a:lnSpc>
+                <a:spcPct val="100000"/>
+              </a:lnSpc>
+              <a:spcBef>
+                <a:spcPts val="0"/>
+              </a:spcBef>
+              <a:spcAft>
+                <a:spcPts val="0"/>
+              </a:spcAft>
+              <a:buClr>
+                <a:schemeClr val="dk1"/>
+              </a:buClr>
+              <a:buSzPts val="1800"/>
+              <a:buFont typeface="Arial"/>
+              <a:buChar char="●"/>
+              <a:defRPr sz="1800" b="0" i="0" u="none" strike="noStrike" cap="none">
+                <a:solidFill>
+                  <a:schemeClr val="dk1"/>
+                </a:solidFill>
+                <a:latin typeface="Arial"/>
+                <a:ea typeface="Arial"/>
+                <a:cs typeface="Arial"/>
+                <a:sym typeface="Arial"/>
+              </a:defRPr>
+            </a:lvl7pPr>
+            <a:lvl8pPr marL="4876678" marR="0" lvl="7" indent="-457189" algn="l" rtl="0" eaLnBrk="1" hangingPunct="1">
+              <a:lnSpc>
+                <a:spcPct val="100000"/>
+              </a:lnSpc>
+              <a:spcBef>
+                <a:spcPts val="0"/>
+              </a:spcBef>
+              <a:spcAft>
+                <a:spcPts val="0"/>
+              </a:spcAft>
+              <a:buClr>
+                <a:schemeClr val="dk1"/>
+              </a:buClr>
+              <a:buSzPts val="1800"/>
+              <a:buFont typeface="Arial"/>
+              <a:buChar char="○"/>
+              <a:defRPr sz="1800" b="0" i="0" u="none" strike="noStrike" cap="none">
+                <a:solidFill>
+                  <a:schemeClr val="dk1"/>
+                </a:solidFill>
+                <a:latin typeface="Arial"/>
+                <a:ea typeface="Arial"/>
+                <a:cs typeface="Arial"/>
+                <a:sym typeface="Arial"/>
+              </a:defRPr>
+            </a:lvl8pPr>
+            <a:lvl9pPr marL="5486263" marR="0" lvl="8" indent="-457189" algn="l" rtl="0" eaLnBrk="1" hangingPunct="1">
+              <a:lnSpc>
+                <a:spcPct val="100000"/>
+              </a:lnSpc>
+              <a:spcBef>
+                <a:spcPts val="0"/>
+              </a:spcBef>
+              <a:spcAft>
+                <a:spcPts val="0"/>
+              </a:spcAft>
+              <a:buClr>
+                <a:schemeClr val="dk1"/>
+              </a:buClr>
+              <a:buSzPts val="1800"/>
+              <a:buFont typeface="Arial"/>
+              <a:buChar char="■"/>
+              <a:defRPr sz="1800" b="0" i="0" u="none" strike="noStrike" cap="none">
+                <a:solidFill>
+                  <a:schemeClr val="dk1"/>
+                </a:solidFill>
+                <a:latin typeface="Arial"/>
+                <a:ea typeface="Arial"/>
+                <a:cs typeface="Arial"/>
+                <a:sym typeface="Arial"/>
+              </a:defRPr>
+            </a:lvl9pPr>
+          </a:lstStyle>
+          <a:p>
+            <a:pPr marL="50799" indent="0">
+              <a:buFont typeface="Arial"/>
+              <a:buNone/>
+            </a:pPr>
+            <a:r>
+              <a:rPr lang="en-US" sz="2400" u="sng" dirty="0">
+                <a:latin typeface="+mn-lt"/>
+              </a:rPr>
+              <a:t>Exercise:</a:t>
+            </a:r>
+          </a:p>
+          <a:p>
+            <a:pPr marL="50799" indent="0">
+              <a:buFont typeface="Arial"/>
+              <a:buNone/>
+            </a:pPr>
+            <a:r>
+              <a:rPr lang="en-US" sz="2400" u="sng" dirty="0">
+                <a:latin typeface="+mn-lt"/>
+              </a:rPr>
+              <a:t>Identify the six nouns in the following passage:</a:t>
+            </a:r>
+          </a:p>
+          <a:p>
+            <a:pPr marL="50799" indent="0">
+              <a:buFont typeface="Arial"/>
+              <a:buNone/>
+            </a:pPr>
+            <a:endParaRPr lang="en-US" sz="2000" dirty="0">
+              <a:latin typeface="+mn-lt"/>
+            </a:endParaRPr>
+          </a:p>
+        </p:txBody>
+      </p:sp>
+      <p:sp>
+        <p:nvSpPr>
+          <p:cNvPr id="7" name="Text Placeholder 2">
+            <a:extLst>
+              <a:ext uri="{FF2B5EF4-FFF2-40B4-BE49-F238E27FC236}">
+                <a16:creationId xmlns:a16="http://schemas.microsoft.com/office/drawing/2014/main" id="{61061C07-19D4-4F1D-9DC7-00D86DAE9F78}"/>
+              </a:ext>
+            </a:extLst>
+          </p:cNvPr>
+          <p:cNvSpPr txBox="1">
+            <a:spLocks/>
+          </p:cNvSpPr>
+          <p:nvPr/>
+        </p:nvSpPr>
+        <p:spPr>
+          <a:xfrm>
+            <a:off x="707571" y="4235284"/>
+            <a:ext cx="10972800" cy="935429"/>
+          </a:xfrm>
+          <a:prstGeom prst="rect">
+            <a:avLst/>
+          </a:prstGeom>
+          <a:solidFill>
+            <a:schemeClr val="bg1">
+              <a:lumMod val="40000"/>
+              <a:lumOff val="60000"/>
+            </a:schemeClr>
+          </a:solidFill>
+          <a:ln>
+            <a:noFill/>
+          </a:ln>
+        </p:spPr>
+        <p:txBody>
+          <a:bodyPr spcFirstLastPara="1" wrap="square" lIns="91425" tIns="91425" rIns="91425" bIns="91425" anchor="t" anchorCtr="0">
+            <a:noAutofit/>
+          </a:bodyPr>
+          <a:lstStyle>
+            <a:defPPr marR="0" lvl="0" algn="l" rtl="0">
+              <a:lnSpc>
+                <a:spcPct val="100000"/>
+              </a:lnSpc>
+              <a:spcBef>
+                <a:spcPts val="0"/>
+              </a:spcBef>
+              <a:spcAft>
+                <a:spcPts val="0"/>
+              </a:spcAft>
+            </a:defPPr>
+            <a:lvl1pPr marL="609585" marR="0" lvl="0" indent="-558786" algn="l" rtl="0" eaLnBrk="1" hangingPunct="1">
+              <a:lnSpc>
+                <a:spcPct val="100000"/>
+              </a:lnSpc>
+              <a:spcBef>
+                <a:spcPts val="800"/>
+              </a:spcBef>
+              <a:spcAft>
+                <a:spcPts val="0"/>
+              </a:spcAft>
+              <a:buClr>
+                <a:schemeClr val="dk1"/>
+              </a:buClr>
+              <a:buSzPts val="3000"/>
+              <a:buFont typeface="Arial"/>
+              <a:buChar char="●"/>
+              <a:defRPr sz="3000" b="0" i="0" u="none" strike="noStrike" cap="none">
+                <a:solidFill>
+                  <a:schemeClr val="dk1"/>
+                </a:solidFill>
+                <a:latin typeface="Arial"/>
+                <a:ea typeface="Arial"/>
+                <a:cs typeface="Arial"/>
+                <a:sym typeface="Arial"/>
+              </a:defRPr>
+            </a:lvl1pPr>
+            <a:lvl2pPr marL="1219170" marR="0" lvl="1" indent="-507987" algn="l" rtl="0" eaLnBrk="1" hangingPunct="1">
+              <a:lnSpc>
+                <a:spcPct val="100000"/>
+              </a:lnSpc>
+              <a:spcBef>
+                <a:spcPts val="0"/>
+              </a:spcBef>
+              <a:spcAft>
+                <a:spcPts val="0"/>
+              </a:spcAft>
+              <a:buClr>
+                <a:schemeClr val="dk1"/>
+              </a:buClr>
+              <a:buSzPts val="2400"/>
+              <a:buFont typeface="Arial"/>
+              <a:buChar char="○"/>
+              <a:defRPr sz="2400" b="0" i="0" u="none" strike="noStrike" cap="none">
+                <a:solidFill>
+                  <a:schemeClr val="dk1"/>
+                </a:solidFill>
+                <a:latin typeface="Arial"/>
+                <a:ea typeface="Arial"/>
+                <a:cs typeface="Arial"/>
+                <a:sym typeface="Arial"/>
+              </a:defRPr>
+            </a:lvl2pPr>
+            <a:lvl3pPr marL="1828754" marR="0" lvl="2" indent="-507987" algn="l" rtl="0" eaLnBrk="1" hangingPunct="1">
+              <a:lnSpc>
+                <a:spcPct val="100000"/>
+              </a:lnSpc>
+              <a:spcBef>
+                <a:spcPts val="0"/>
+              </a:spcBef>
+              <a:spcAft>
+                <a:spcPts val="0"/>
+              </a:spcAft>
+              <a:buClr>
+                <a:schemeClr val="dk1"/>
+              </a:buClr>
+              <a:buSzPts val="2400"/>
+              <a:buFont typeface="Arial"/>
+              <a:buChar char="■"/>
+              <a:defRPr sz="2400" b="0" i="0" u="none" strike="noStrike" cap="none">
+                <a:solidFill>
+                  <a:schemeClr val="dk1"/>
+                </a:solidFill>
+                <a:latin typeface="Arial"/>
+                <a:ea typeface="Arial"/>
+                <a:cs typeface="Arial"/>
+                <a:sym typeface="Arial"/>
+              </a:defRPr>
+            </a:lvl3pPr>
+            <a:lvl4pPr marL="2438339" marR="0" lvl="3" indent="-457189" algn="l" rtl="0" eaLnBrk="1" hangingPunct="1">
+              <a:lnSpc>
+                <a:spcPct val="100000"/>
+              </a:lnSpc>
+              <a:spcBef>
+                <a:spcPts val="0"/>
+              </a:spcBef>
+              <a:spcAft>
+                <a:spcPts val="0"/>
+              </a:spcAft>
+              <a:buClr>
+                <a:schemeClr val="dk1"/>
+              </a:buClr>
+              <a:buSzPts val="1800"/>
+              <a:buFont typeface="Arial"/>
+              <a:buChar char="●"/>
+              <a:defRPr sz="1800" b="0" i="0" u="none" strike="noStrike" cap="none">
+                <a:solidFill>
+                  <a:schemeClr val="dk1"/>
+                </a:solidFill>
+                <a:latin typeface="Arial"/>
+                <a:ea typeface="Arial"/>
+                <a:cs typeface="Arial"/>
+                <a:sym typeface="Arial"/>
+              </a:defRPr>
+            </a:lvl4pPr>
+            <a:lvl5pPr marL="3047924" marR="0" lvl="4" indent="-457189" algn="l" rtl="0" eaLnBrk="1" hangingPunct="1">
+              <a:lnSpc>
+                <a:spcPct val="100000"/>
+              </a:lnSpc>
+              <a:spcBef>
+                <a:spcPts val="0"/>
+              </a:spcBef>
+              <a:spcAft>
+                <a:spcPts val="0"/>
+              </a:spcAft>
+              <a:buClr>
+                <a:schemeClr val="dk1"/>
+              </a:buClr>
+              <a:buSzPts val="1800"/>
+              <a:buFont typeface="Arial"/>
+              <a:buChar char="○"/>
+              <a:defRPr sz="1800" b="0" i="0" u="none" strike="noStrike" cap="none">
+                <a:solidFill>
+                  <a:schemeClr val="dk1"/>
+                </a:solidFill>
+                <a:latin typeface="Arial"/>
+                <a:ea typeface="Arial"/>
+                <a:cs typeface="Arial"/>
+                <a:sym typeface="Arial"/>
+              </a:defRPr>
+            </a:lvl5pPr>
+            <a:lvl6pPr marL="3657509" marR="0" lvl="5" indent="-457189" algn="l" rtl="0" eaLnBrk="1" hangingPunct="1">
+              <a:lnSpc>
+                <a:spcPct val="100000"/>
+              </a:lnSpc>
+              <a:spcBef>
+                <a:spcPts val="0"/>
+              </a:spcBef>
+              <a:spcAft>
+                <a:spcPts val="0"/>
+              </a:spcAft>
+              <a:buClr>
+                <a:schemeClr val="dk1"/>
+              </a:buClr>
+              <a:buSzPts val="1800"/>
+              <a:buFont typeface="Arial"/>
+              <a:buChar char="■"/>
+              <a:defRPr sz="1800" b="0" i="0" u="none" strike="noStrike" cap="none">
+                <a:solidFill>
+                  <a:schemeClr val="dk1"/>
+                </a:solidFill>
+                <a:latin typeface="Arial"/>
+                <a:ea typeface="Arial"/>
+                <a:cs typeface="Arial"/>
+                <a:sym typeface="Arial"/>
+              </a:defRPr>
+            </a:lvl6pPr>
+            <a:lvl7pPr marL="4267093" marR="0" lvl="6" indent="-457189" algn="l" rtl="0" eaLnBrk="1" hangingPunct="1">
+              <a:lnSpc>
+                <a:spcPct val="100000"/>
+              </a:lnSpc>
+              <a:spcBef>
+                <a:spcPts val="0"/>
+              </a:spcBef>
+              <a:spcAft>
+                <a:spcPts val="0"/>
+              </a:spcAft>
+              <a:buClr>
+                <a:schemeClr val="dk1"/>
+              </a:buClr>
+              <a:buSzPts val="1800"/>
+              <a:buFont typeface="Arial"/>
+              <a:buChar char="●"/>
+              <a:defRPr sz="1800" b="0" i="0" u="none" strike="noStrike" cap="none">
+                <a:solidFill>
+                  <a:schemeClr val="dk1"/>
+                </a:solidFill>
+                <a:latin typeface="Arial"/>
+                <a:ea typeface="Arial"/>
+                <a:cs typeface="Arial"/>
+                <a:sym typeface="Arial"/>
+              </a:defRPr>
+            </a:lvl7pPr>
+            <a:lvl8pPr marL="4876678" marR="0" lvl="7" indent="-457189" algn="l" rtl="0" eaLnBrk="1" hangingPunct="1">
+              <a:lnSpc>
+                <a:spcPct val="100000"/>
+              </a:lnSpc>
+              <a:spcBef>
+                <a:spcPts val="0"/>
+              </a:spcBef>
+              <a:spcAft>
+                <a:spcPts val="0"/>
+              </a:spcAft>
+              <a:buClr>
+                <a:schemeClr val="dk1"/>
+              </a:buClr>
+              <a:buSzPts val="1800"/>
+              <a:buFont typeface="Arial"/>
+              <a:buChar char="○"/>
+              <a:defRPr sz="1800" b="0" i="0" u="none" strike="noStrike" cap="none">
+                <a:solidFill>
+                  <a:schemeClr val="dk1"/>
+                </a:solidFill>
+                <a:latin typeface="Arial"/>
+                <a:ea typeface="Arial"/>
+                <a:cs typeface="Arial"/>
+                <a:sym typeface="Arial"/>
+              </a:defRPr>
+            </a:lvl8pPr>
+            <a:lvl9pPr marL="5486263" marR="0" lvl="8" indent="-457189" algn="l" rtl="0" eaLnBrk="1" hangingPunct="1">
+              <a:lnSpc>
+                <a:spcPct val="100000"/>
+              </a:lnSpc>
+              <a:spcBef>
+                <a:spcPts val="0"/>
+              </a:spcBef>
+              <a:spcAft>
+                <a:spcPts val="0"/>
+              </a:spcAft>
+              <a:buClr>
+                <a:schemeClr val="dk1"/>
+              </a:buClr>
+              <a:buSzPts val="1800"/>
+              <a:buFont typeface="Arial"/>
+              <a:buChar char="■"/>
+              <a:defRPr sz="1800" b="0" i="0" u="none" strike="noStrike" cap="none">
+                <a:solidFill>
+                  <a:schemeClr val="dk1"/>
+                </a:solidFill>
+                <a:latin typeface="Arial"/>
+                <a:ea typeface="Arial"/>
+                <a:cs typeface="Arial"/>
+                <a:sym typeface="Arial"/>
+              </a:defRPr>
+            </a:lvl9pPr>
+          </a:lstStyle>
+          <a:p>
+            <a:pPr marL="50799" indent="0">
+              <a:buFont typeface="Arial"/>
+              <a:buNone/>
+            </a:pPr>
+            <a:r>
+              <a:rPr lang="en-US" sz="1800" dirty="0">
+                <a:latin typeface="+mn-lt"/>
+              </a:rPr>
+              <a:t>C enables programmers to control pointers and memory. Great power brings great responsibility.</a:t>
+            </a:r>
+          </a:p>
+        </p:txBody>
+      </p:sp>
+      <p:sp>
+        <p:nvSpPr>
+          <p:cNvPr id="8" name="Text Placeholder 2">
+            <a:extLst>
+              <a:ext uri="{FF2B5EF4-FFF2-40B4-BE49-F238E27FC236}">
+                <a16:creationId xmlns:a16="http://schemas.microsoft.com/office/drawing/2014/main" id="{3431D547-3EAD-49CB-B483-E64707FA8B26}"/>
+              </a:ext>
+            </a:extLst>
+          </p:cNvPr>
+          <p:cNvSpPr txBox="1">
+            <a:spLocks/>
+          </p:cNvSpPr>
+          <p:nvPr/>
+        </p:nvSpPr>
+        <p:spPr>
+          <a:xfrm>
+            <a:off x="707571" y="4235283"/>
+            <a:ext cx="10972800" cy="935429"/>
+          </a:xfrm>
+          <a:prstGeom prst="rect">
+            <a:avLst/>
+          </a:prstGeom>
+          <a:solidFill>
+            <a:schemeClr val="bg1">
+              <a:lumMod val="40000"/>
+              <a:lumOff val="60000"/>
+            </a:schemeClr>
+          </a:solidFill>
+          <a:ln>
+            <a:noFill/>
+          </a:ln>
+        </p:spPr>
+        <p:txBody>
+          <a:bodyPr spcFirstLastPara="1" wrap="square" lIns="91425" tIns="91425" rIns="91425" bIns="91425" anchor="t" anchorCtr="0">
+            <a:noAutofit/>
+          </a:bodyPr>
+          <a:lstStyle>
+            <a:defPPr marR="0" lvl="0" algn="l" rtl="0">
+              <a:lnSpc>
+                <a:spcPct val="100000"/>
+              </a:lnSpc>
+              <a:spcBef>
+                <a:spcPts val="0"/>
+              </a:spcBef>
+              <a:spcAft>
+                <a:spcPts val="0"/>
+              </a:spcAft>
+            </a:defPPr>
+            <a:lvl1pPr marL="609585" marR="0" lvl="0" indent="-558786" algn="l" rtl="0" eaLnBrk="1" hangingPunct="1">
+              <a:lnSpc>
+                <a:spcPct val="100000"/>
+              </a:lnSpc>
+              <a:spcBef>
+                <a:spcPts val="800"/>
+              </a:spcBef>
+              <a:spcAft>
+                <a:spcPts val="0"/>
+              </a:spcAft>
+              <a:buClr>
+                <a:schemeClr val="dk1"/>
+              </a:buClr>
+              <a:buSzPts val="3000"/>
+              <a:buFont typeface="Arial"/>
+              <a:buChar char="●"/>
+              <a:defRPr sz="3000" b="0" i="0" u="none" strike="noStrike" cap="none">
+                <a:solidFill>
+                  <a:schemeClr val="dk1"/>
+                </a:solidFill>
+                <a:latin typeface="Arial"/>
+                <a:ea typeface="Arial"/>
+                <a:cs typeface="Arial"/>
+                <a:sym typeface="Arial"/>
+              </a:defRPr>
+            </a:lvl1pPr>
+            <a:lvl2pPr marL="1219170" marR="0" lvl="1" indent="-507987" algn="l" rtl="0" eaLnBrk="1" hangingPunct="1">
+              <a:lnSpc>
+                <a:spcPct val="100000"/>
+              </a:lnSpc>
+              <a:spcBef>
+                <a:spcPts val="0"/>
+              </a:spcBef>
+              <a:spcAft>
+                <a:spcPts val="0"/>
+              </a:spcAft>
+              <a:buClr>
+                <a:schemeClr val="dk1"/>
+              </a:buClr>
+              <a:buSzPts val="2400"/>
+              <a:buFont typeface="Arial"/>
+              <a:buChar char="○"/>
+              <a:defRPr sz="2400" b="0" i="0" u="none" strike="noStrike" cap="none">
+                <a:solidFill>
+                  <a:schemeClr val="dk1"/>
+                </a:solidFill>
+                <a:latin typeface="Arial"/>
+                <a:ea typeface="Arial"/>
+                <a:cs typeface="Arial"/>
+                <a:sym typeface="Arial"/>
+              </a:defRPr>
+            </a:lvl2pPr>
+            <a:lvl3pPr marL="1828754" marR="0" lvl="2" indent="-507987" algn="l" rtl="0" eaLnBrk="1" hangingPunct="1">
+              <a:lnSpc>
+                <a:spcPct val="100000"/>
+              </a:lnSpc>
+              <a:spcBef>
+                <a:spcPts val="0"/>
+              </a:spcBef>
+              <a:spcAft>
+                <a:spcPts val="0"/>
+              </a:spcAft>
+              <a:buClr>
+                <a:schemeClr val="dk1"/>
+              </a:buClr>
+              <a:buSzPts val="2400"/>
+              <a:buFont typeface="Arial"/>
+              <a:buChar char="■"/>
+              <a:defRPr sz="2400" b="0" i="0" u="none" strike="noStrike" cap="none">
+                <a:solidFill>
+                  <a:schemeClr val="dk1"/>
+                </a:solidFill>
+                <a:latin typeface="Arial"/>
+                <a:ea typeface="Arial"/>
+                <a:cs typeface="Arial"/>
+                <a:sym typeface="Arial"/>
+              </a:defRPr>
+            </a:lvl3pPr>
+            <a:lvl4pPr marL="2438339" marR="0" lvl="3" indent="-457189" algn="l" rtl="0" eaLnBrk="1" hangingPunct="1">
+              <a:lnSpc>
+                <a:spcPct val="100000"/>
+              </a:lnSpc>
+              <a:spcBef>
+                <a:spcPts val="0"/>
+              </a:spcBef>
+              <a:spcAft>
+                <a:spcPts val="0"/>
+              </a:spcAft>
+              <a:buClr>
+                <a:schemeClr val="dk1"/>
+              </a:buClr>
+              <a:buSzPts val="1800"/>
+              <a:buFont typeface="Arial"/>
+              <a:buChar char="●"/>
+              <a:defRPr sz="1800" b="0" i="0" u="none" strike="noStrike" cap="none">
+                <a:solidFill>
+                  <a:schemeClr val="dk1"/>
+                </a:solidFill>
+                <a:latin typeface="Arial"/>
+                <a:ea typeface="Arial"/>
+                <a:cs typeface="Arial"/>
+                <a:sym typeface="Arial"/>
+              </a:defRPr>
+            </a:lvl4pPr>
+            <a:lvl5pPr marL="3047924" marR="0" lvl="4" indent="-457189" algn="l" rtl="0" eaLnBrk="1" hangingPunct="1">
+              <a:lnSpc>
+                <a:spcPct val="100000"/>
+              </a:lnSpc>
+              <a:spcBef>
+                <a:spcPts val="0"/>
+              </a:spcBef>
+              <a:spcAft>
+                <a:spcPts val="0"/>
+              </a:spcAft>
+              <a:buClr>
+                <a:schemeClr val="dk1"/>
+              </a:buClr>
+              <a:buSzPts val="1800"/>
+              <a:buFont typeface="Arial"/>
+              <a:buChar char="○"/>
+              <a:defRPr sz="1800" b="0" i="0" u="none" strike="noStrike" cap="none">
+                <a:solidFill>
+                  <a:schemeClr val="dk1"/>
+                </a:solidFill>
+                <a:latin typeface="Arial"/>
+                <a:ea typeface="Arial"/>
+                <a:cs typeface="Arial"/>
+                <a:sym typeface="Arial"/>
+              </a:defRPr>
+            </a:lvl5pPr>
+            <a:lvl6pPr marL="3657509" marR="0" lvl="5" indent="-457189" algn="l" rtl="0" eaLnBrk="1" hangingPunct="1">
+              <a:lnSpc>
+                <a:spcPct val="100000"/>
+              </a:lnSpc>
+              <a:spcBef>
+                <a:spcPts val="0"/>
+              </a:spcBef>
+              <a:spcAft>
+                <a:spcPts val="0"/>
+              </a:spcAft>
+              <a:buClr>
+                <a:schemeClr val="dk1"/>
+              </a:buClr>
+              <a:buSzPts val="1800"/>
+              <a:buFont typeface="Arial"/>
+              <a:buChar char="■"/>
+              <a:defRPr sz="1800" b="0" i="0" u="none" strike="noStrike" cap="none">
+                <a:solidFill>
+                  <a:schemeClr val="dk1"/>
+                </a:solidFill>
+                <a:latin typeface="Arial"/>
+                <a:ea typeface="Arial"/>
+                <a:cs typeface="Arial"/>
+                <a:sym typeface="Arial"/>
+              </a:defRPr>
+            </a:lvl6pPr>
+            <a:lvl7pPr marL="4267093" marR="0" lvl="6" indent="-457189" algn="l" rtl="0" eaLnBrk="1" hangingPunct="1">
+              <a:lnSpc>
+                <a:spcPct val="100000"/>
+              </a:lnSpc>
+              <a:spcBef>
+                <a:spcPts val="0"/>
+              </a:spcBef>
+              <a:spcAft>
+                <a:spcPts val="0"/>
+              </a:spcAft>
+              <a:buClr>
+                <a:schemeClr val="dk1"/>
+              </a:buClr>
+              <a:buSzPts val="1800"/>
+              <a:buFont typeface="Arial"/>
+              <a:buChar char="●"/>
+              <a:defRPr sz="1800" b="0" i="0" u="none" strike="noStrike" cap="none">
+                <a:solidFill>
+                  <a:schemeClr val="dk1"/>
+                </a:solidFill>
+                <a:latin typeface="Arial"/>
+                <a:ea typeface="Arial"/>
+                <a:cs typeface="Arial"/>
+                <a:sym typeface="Arial"/>
+              </a:defRPr>
+            </a:lvl7pPr>
+            <a:lvl8pPr marL="4876678" marR="0" lvl="7" indent="-457189" algn="l" rtl="0" eaLnBrk="1" hangingPunct="1">
+              <a:lnSpc>
+                <a:spcPct val="100000"/>
+              </a:lnSpc>
+              <a:spcBef>
+                <a:spcPts val="0"/>
+              </a:spcBef>
+              <a:spcAft>
+                <a:spcPts val="0"/>
+              </a:spcAft>
+              <a:buClr>
+                <a:schemeClr val="dk1"/>
+              </a:buClr>
+              <a:buSzPts val="1800"/>
+              <a:buFont typeface="Arial"/>
+              <a:buChar char="○"/>
+              <a:defRPr sz="1800" b="0" i="0" u="none" strike="noStrike" cap="none">
+                <a:solidFill>
+                  <a:schemeClr val="dk1"/>
+                </a:solidFill>
+                <a:latin typeface="Arial"/>
+                <a:ea typeface="Arial"/>
+                <a:cs typeface="Arial"/>
+                <a:sym typeface="Arial"/>
+              </a:defRPr>
+            </a:lvl8pPr>
+            <a:lvl9pPr marL="5486263" marR="0" lvl="8" indent="-457189" algn="l" rtl="0" eaLnBrk="1" hangingPunct="1">
+              <a:lnSpc>
+                <a:spcPct val="100000"/>
+              </a:lnSpc>
+              <a:spcBef>
+                <a:spcPts val="0"/>
+              </a:spcBef>
+              <a:spcAft>
+                <a:spcPts val="0"/>
+              </a:spcAft>
+              <a:buClr>
+                <a:schemeClr val="dk1"/>
+              </a:buClr>
+              <a:buSzPts val="1800"/>
+              <a:buFont typeface="Arial"/>
+              <a:buChar char="■"/>
+              <a:defRPr sz="1800" b="0" i="0" u="none" strike="noStrike" cap="none">
+                <a:solidFill>
+                  <a:schemeClr val="dk1"/>
+                </a:solidFill>
+                <a:latin typeface="Arial"/>
+                <a:ea typeface="Arial"/>
+                <a:cs typeface="Arial"/>
+                <a:sym typeface="Arial"/>
+              </a:defRPr>
+            </a:lvl9pPr>
+          </a:lstStyle>
+          <a:p>
+            <a:pPr marL="50799" indent="0">
+              <a:buFont typeface="Arial"/>
+              <a:buNone/>
+            </a:pPr>
+            <a:r>
+              <a:rPr lang="en-US" sz="1800" b="1" dirty="0">
+                <a:latin typeface="+mn-lt"/>
+              </a:rPr>
+              <a:t>C</a:t>
+            </a:r>
+            <a:r>
+              <a:rPr lang="en-US" sz="1800" dirty="0">
+                <a:latin typeface="+mn-lt"/>
+              </a:rPr>
+              <a:t> enables </a:t>
+            </a:r>
+            <a:r>
+              <a:rPr lang="en-US" sz="1800" b="1" dirty="0">
+                <a:latin typeface="+mn-lt"/>
+              </a:rPr>
+              <a:t>programmers</a:t>
+            </a:r>
+            <a:r>
+              <a:rPr lang="en-US" sz="1800" dirty="0">
+                <a:latin typeface="+mn-lt"/>
+              </a:rPr>
+              <a:t> to control </a:t>
+            </a:r>
+            <a:r>
+              <a:rPr lang="en-US" sz="1800" b="1" dirty="0">
+                <a:latin typeface="+mn-lt"/>
+              </a:rPr>
+              <a:t>pointers</a:t>
+            </a:r>
+            <a:r>
+              <a:rPr lang="en-US" sz="1800" dirty="0">
+                <a:latin typeface="+mn-lt"/>
+              </a:rPr>
+              <a:t> and </a:t>
+            </a:r>
+            <a:r>
+              <a:rPr lang="en-US" sz="1800" b="1" dirty="0">
+                <a:latin typeface="+mn-lt"/>
+              </a:rPr>
+              <a:t>memory</a:t>
+            </a:r>
+            <a:r>
+              <a:rPr lang="en-US" sz="1800" dirty="0">
+                <a:latin typeface="+mn-lt"/>
+              </a:rPr>
+              <a:t>. Great </a:t>
+            </a:r>
+            <a:r>
+              <a:rPr lang="en-US" sz="1800" b="1" dirty="0">
+                <a:latin typeface="+mn-lt"/>
+              </a:rPr>
+              <a:t>power</a:t>
+            </a:r>
+            <a:r>
+              <a:rPr lang="en-US" sz="1800" dirty="0">
+                <a:latin typeface="+mn-lt"/>
+              </a:rPr>
+              <a:t> brings great </a:t>
+            </a:r>
+            <a:r>
+              <a:rPr lang="en-US" sz="1800" b="1" dirty="0">
+                <a:latin typeface="+mn-lt"/>
+              </a:rPr>
+              <a:t>responsibility</a:t>
+            </a:r>
+            <a:r>
+              <a:rPr lang="en-US" sz="1800" dirty="0">
+                <a:latin typeface="+mn-lt"/>
+              </a:rPr>
+              <a:t>.</a:t>
             </a:r>
           </a:p>
         </p:txBody>
@@ -4646,13 +7298,91 @@
     </p:spTree>
     <p:extLst>
       <p:ext uri="{BB962C8B-B14F-4D97-AF65-F5344CB8AC3E}">
-        <p14:creationId xmlns:p14="http://schemas.microsoft.com/office/powerpoint/2010/main" val="1463979579"/>
+        <p14:creationId xmlns:p14="http://schemas.microsoft.com/office/powerpoint/2010/main" val="135022780"/>
       </p:ext>
     </p:extLst>
   </p:cSld>
   <p:clrMapOvr>
     <a:masterClrMapping/>
   </p:clrMapOvr>
+  <p:timing>
+    <p:tnLst>
+      <p:par>
+        <p:cTn id="1" dur="indefinite" restart="never" nodeType="tmRoot">
+          <p:childTnLst>
+            <p:seq concurrent="1" nextAc="seek">
+              <p:cTn id="2" dur="indefinite" nodeType="mainSeq">
+                <p:childTnLst>
+                  <p:par>
+                    <p:cTn id="3" fill="hold">
+                      <p:stCondLst>
+                        <p:cond delay="indefinite"/>
+                      </p:stCondLst>
+                      <p:childTnLst>
+                        <p:par>
+                          <p:cTn id="4" fill="hold">
+                            <p:stCondLst>
+                              <p:cond delay="0"/>
+                            </p:stCondLst>
+                            <p:childTnLst>
+                              <p:par>
+                                <p:cTn id="5" presetID="1" presetClass="entr" presetSubtype="0" fill="hold" grpId="0" nodeType="clickEffect">
+                                  <p:stCondLst>
+                                    <p:cond delay="0"/>
+                                  </p:stCondLst>
+                                  <p:childTnLst>
+                                    <p:set>
+                                      <p:cBhvr>
+                                        <p:cTn id="6" dur="1" fill="hold">
+                                          <p:stCondLst>
+                                            <p:cond delay="0"/>
+                                          </p:stCondLst>
+                                        </p:cTn>
+                                        <p:tgtEl>
+                                          <p:spTgt spid="8"/>
+                                        </p:tgtEl>
+                                        <p:attrNameLst>
+                                          <p:attrName>style.visibility</p:attrName>
+                                        </p:attrNameLst>
+                                      </p:cBhvr>
+                                      <p:to>
+                                        <p:strVal val="visible"/>
+                                      </p:to>
+                                    </p:set>
+                                  </p:childTnLst>
+                                </p:cTn>
+                              </p:par>
+                            </p:childTnLst>
+                          </p:cTn>
+                        </p:par>
+                      </p:childTnLst>
+                    </p:cTn>
+                  </p:par>
+                </p:childTnLst>
+              </p:cTn>
+              <p:prevCondLst>
+                <p:cond evt="onPrev" delay="0">
+                  <p:tgtEl>
+                    <p:sldTgt/>
+                  </p:tgtEl>
+                </p:cond>
+              </p:prevCondLst>
+              <p:nextCondLst>
+                <p:cond evt="onNext" delay="0">
+                  <p:tgtEl>
+                    <p:sldTgt/>
+                  </p:tgtEl>
+                </p:cond>
+              </p:nextCondLst>
+            </p:seq>
+          </p:childTnLst>
+        </p:cTn>
+      </p:par>
+    </p:tnLst>
+    <p:bldLst>
+      <p:bldP spid="8" grpId="0" animBg="1"/>
+    </p:bldLst>
+  </p:timing>
 </p:sld>
 </file>
 
@@ -4678,7 +7408,7 @@
           <p:cNvPr id="2" name="Title 1">
             <a:extLst>
               <a:ext uri="{FF2B5EF4-FFF2-40B4-BE49-F238E27FC236}">
-                <a16:creationId xmlns:a16="http://schemas.microsoft.com/office/drawing/2014/main" id="{D398BFED-2F7F-49BD-B480-56FC297B15A8}"/>
+                <a16:creationId xmlns:a16="http://schemas.microsoft.com/office/drawing/2014/main" id="{E355E0FD-58C5-49E7-AB2A-46560FD288CA}"/>
               </a:ext>
             </a:extLst>
           </p:cNvPr>
@@ -4691,12 +7421,12 @@
         </p:nvSpPr>
         <p:spPr>
           <a:xfrm>
-            <a:off x="609600" y="0"/>
-            <a:ext cx="10972800" cy="1143000"/>
+            <a:off x="609600" y="290224"/>
+            <a:ext cx="10972800" cy="722890"/>
           </a:xfrm>
         </p:spPr>
         <p:txBody>
-          <a:bodyPr anchor="ctr"/>
+          <a:bodyPr/>
           <a:lstStyle/>
           <a:p>
             <a:pPr algn="ctr"/>
@@ -4707,73 +7437,1371 @@
                 </a:solidFill>
                 <a:latin typeface="+mj-lt"/>
               </a:rPr>
-              <a:t>Links</a:t>
+              <a:t>Words</a:t>
             </a:r>
+            <a:endParaRPr lang="en-US" dirty="0"/>
           </a:p>
         </p:txBody>
       </p:sp>
       <p:sp>
         <p:nvSpPr>
-          <p:cNvPr id="3" name="TextBox 2">
+          <p:cNvPr id="3" name="Text Placeholder 2">
             <a:extLst>
               <a:ext uri="{FF2B5EF4-FFF2-40B4-BE49-F238E27FC236}">
-                <a16:creationId xmlns:a16="http://schemas.microsoft.com/office/drawing/2014/main" id="{152EED49-F37E-453A-9CB2-5DB8C63E8280}"/>
+                <a16:creationId xmlns:a16="http://schemas.microsoft.com/office/drawing/2014/main" id="{43AFD2A3-EAC6-41C7-ADB2-686CA9A4F95C}"/>
               </a:ext>
             </a:extLst>
           </p:cNvPr>
-          <p:cNvSpPr txBox="1"/>
+          <p:cNvSpPr>
+            <a:spLocks noGrp="1"/>
+          </p:cNvSpPr>
+          <p:nvPr>
+            <p:ph type="body" idx="1"/>
+          </p:nvPr>
+        </p:nvSpPr>
+        <p:spPr>
+          <a:xfrm>
+            <a:off x="609600" y="1230829"/>
+            <a:ext cx="5486400" cy="1284513"/>
+          </a:xfrm>
+        </p:spPr>
+        <p:txBody>
+          <a:bodyPr/>
+          <a:lstStyle/>
+          <a:p>
+            <a:r>
+              <a:rPr lang="en-US" sz="2000" dirty="0">
+                <a:latin typeface="+mn-lt"/>
+              </a:rPr>
+              <a:t>Define new or unfamiliar terms</a:t>
+            </a:r>
+          </a:p>
+          <a:p>
+            <a:r>
+              <a:rPr lang="en-US" sz="2000" dirty="0">
+                <a:latin typeface="+mn-lt"/>
+              </a:rPr>
+              <a:t>Use terms consistently</a:t>
+            </a:r>
+          </a:p>
+          <a:p>
+            <a:endParaRPr lang="en-US" sz="2000" dirty="0">
+              <a:latin typeface="+mn-lt"/>
+            </a:endParaRPr>
+          </a:p>
+        </p:txBody>
+      </p:sp>
+      <p:sp>
+        <p:nvSpPr>
+          <p:cNvPr id="4" name="Text Placeholder 2">
+            <a:extLst>
+              <a:ext uri="{FF2B5EF4-FFF2-40B4-BE49-F238E27FC236}">
+                <a16:creationId xmlns:a16="http://schemas.microsoft.com/office/drawing/2014/main" id="{B8AD014B-AF53-4C8E-8088-EF45C0C66DBD}"/>
+              </a:ext>
+            </a:extLst>
+          </p:cNvPr>
+          <p:cNvSpPr txBox="1">
+            <a:spLocks/>
+          </p:cNvSpPr>
           <p:nvPr/>
         </p:nvSpPr>
         <p:spPr>
           <a:xfrm>
-            <a:off x="702260" y="1143000"/>
-            <a:ext cx="10787480" cy="1323439"/>
+            <a:off x="609600" y="2733057"/>
+            <a:ext cx="10972800" cy="695943"/>
           </a:xfrm>
           <a:prstGeom prst="rect">
             <a:avLst/>
           </a:prstGeom>
           <a:noFill/>
+          <a:ln>
+            <a:noFill/>
+          </a:ln>
         </p:spPr>
         <p:txBody>
-          <a:bodyPr wrap="square" rtlCol="0">
-            <a:spAutoFit/>
+          <a:bodyPr spcFirstLastPara="1" wrap="square" lIns="91425" tIns="91425" rIns="91425" bIns="91425" anchor="t" anchorCtr="0">
+            <a:noAutofit/>
           </a:bodyPr>
-          <a:lstStyle/>
-          <a:p>
-            <a:endParaRPr lang="en-US" sz="2000" dirty="0">
-              <a:latin typeface="+mn-lt"/>
-              <a:hlinkClick r:id="rId2"/>
-            </a:endParaRPr>
-          </a:p>
-          <a:p>
-            <a:endParaRPr lang="en-US" sz="2000" dirty="0">
-              <a:latin typeface="+mn-lt"/>
-              <a:hlinkClick r:id="rId2"/>
-            </a:endParaRPr>
-          </a:p>
-          <a:p>
-            <a:endParaRPr lang="en-US" sz="2000" dirty="0">
-              <a:latin typeface="+mn-lt"/>
-              <a:hlinkClick r:id="rId2"/>
-            </a:endParaRPr>
-          </a:p>
-          <a:p>
-            <a:endParaRPr lang="en-US" sz="2000" dirty="0">
-              <a:latin typeface="+mn-lt"/>
-            </a:endParaRPr>
+          <a:lstStyle>
+            <a:defPPr marR="0" lvl="0" algn="l" rtl="0">
+              <a:lnSpc>
+                <a:spcPct val="100000"/>
+              </a:lnSpc>
+              <a:spcBef>
+                <a:spcPts val="0"/>
+              </a:spcBef>
+              <a:spcAft>
+                <a:spcPts val="0"/>
+              </a:spcAft>
+            </a:defPPr>
+            <a:lvl1pPr marL="609585" marR="0" lvl="0" indent="-558786" algn="l" rtl="0" eaLnBrk="1" hangingPunct="1">
+              <a:lnSpc>
+                <a:spcPct val="100000"/>
+              </a:lnSpc>
+              <a:spcBef>
+                <a:spcPts val="800"/>
+              </a:spcBef>
+              <a:spcAft>
+                <a:spcPts val="0"/>
+              </a:spcAft>
+              <a:buClr>
+                <a:schemeClr val="dk1"/>
+              </a:buClr>
+              <a:buSzPts val="3000"/>
+              <a:buFont typeface="Arial"/>
+              <a:buChar char="●"/>
+              <a:defRPr sz="3000" b="0" i="0" u="none" strike="noStrike" cap="none">
+                <a:solidFill>
+                  <a:schemeClr val="dk1"/>
+                </a:solidFill>
+                <a:latin typeface="Arial"/>
+                <a:ea typeface="Arial"/>
+                <a:cs typeface="Arial"/>
+                <a:sym typeface="Arial"/>
+              </a:defRPr>
+            </a:lvl1pPr>
+            <a:lvl2pPr marL="1219170" marR="0" lvl="1" indent="-507987" algn="l" rtl="0" eaLnBrk="1" hangingPunct="1">
+              <a:lnSpc>
+                <a:spcPct val="100000"/>
+              </a:lnSpc>
+              <a:spcBef>
+                <a:spcPts val="0"/>
+              </a:spcBef>
+              <a:spcAft>
+                <a:spcPts val="0"/>
+              </a:spcAft>
+              <a:buClr>
+                <a:schemeClr val="dk1"/>
+              </a:buClr>
+              <a:buSzPts val="2400"/>
+              <a:buFont typeface="Arial"/>
+              <a:buChar char="○"/>
+              <a:defRPr sz="2400" b="0" i="0" u="none" strike="noStrike" cap="none">
+                <a:solidFill>
+                  <a:schemeClr val="dk1"/>
+                </a:solidFill>
+                <a:latin typeface="Arial"/>
+                <a:ea typeface="Arial"/>
+                <a:cs typeface="Arial"/>
+                <a:sym typeface="Arial"/>
+              </a:defRPr>
+            </a:lvl2pPr>
+            <a:lvl3pPr marL="1828754" marR="0" lvl="2" indent="-507987" algn="l" rtl="0" eaLnBrk="1" hangingPunct="1">
+              <a:lnSpc>
+                <a:spcPct val="100000"/>
+              </a:lnSpc>
+              <a:spcBef>
+                <a:spcPts val="0"/>
+              </a:spcBef>
+              <a:spcAft>
+                <a:spcPts val="0"/>
+              </a:spcAft>
+              <a:buClr>
+                <a:schemeClr val="dk1"/>
+              </a:buClr>
+              <a:buSzPts val="2400"/>
+              <a:buFont typeface="Arial"/>
+              <a:buChar char="■"/>
+              <a:defRPr sz="2400" b="0" i="0" u="none" strike="noStrike" cap="none">
+                <a:solidFill>
+                  <a:schemeClr val="dk1"/>
+                </a:solidFill>
+                <a:latin typeface="Arial"/>
+                <a:ea typeface="Arial"/>
+                <a:cs typeface="Arial"/>
+                <a:sym typeface="Arial"/>
+              </a:defRPr>
+            </a:lvl3pPr>
+            <a:lvl4pPr marL="2438339" marR="0" lvl="3" indent="-457189" algn="l" rtl="0" eaLnBrk="1" hangingPunct="1">
+              <a:lnSpc>
+                <a:spcPct val="100000"/>
+              </a:lnSpc>
+              <a:spcBef>
+                <a:spcPts val="0"/>
+              </a:spcBef>
+              <a:spcAft>
+                <a:spcPts val="0"/>
+              </a:spcAft>
+              <a:buClr>
+                <a:schemeClr val="dk1"/>
+              </a:buClr>
+              <a:buSzPts val="1800"/>
+              <a:buFont typeface="Arial"/>
+              <a:buChar char="●"/>
+              <a:defRPr sz="1800" b="0" i="0" u="none" strike="noStrike" cap="none">
+                <a:solidFill>
+                  <a:schemeClr val="dk1"/>
+                </a:solidFill>
+                <a:latin typeface="Arial"/>
+                <a:ea typeface="Arial"/>
+                <a:cs typeface="Arial"/>
+                <a:sym typeface="Arial"/>
+              </a:defRPr>
+            </a:lvl4pPr>
+            <a:lvl5pPr marL="3047924" marR="0" lvl="4" indent="-457189" algn="l" rtl="0" eaLnBrk="1" hangingPunct="1">
+              <a:lnSpc>
+                <a:spcPct val="100000"/>
+              </a:lnSpc>
+              <a:spcBef>
+                <a:spcPts val="0"/>
+              </a:spcBef>
+              <a:spcAft>
+                <a:spcPts val="0"/>
+              </a:spcAft>
+              <a:buClr>
+                <a:schemeClr val="dk1"/>
+              </a:buClr>
+              <a:buSzPts val="1800"/>
+              <a:buFont typeface="Arial"/>
+              <a:buChar char="○"/>
+              <a:defRPr sz="1800" b="0" i="0" u="none" strike="noStrike" cap="none">
+                <a:solidFill>
+                  <a:schemeClr val="dk1"/>
+                </a:solidFill>
+                <a:latin typeface="Arial"/>
+                <a:ea typeface="Arial"/>
+                <a:cs typeface="Arial"/>
+                <a:sym typeface="Arial"/>
+              </a:defRPr>
+            </a:lvl5pPr>
+            <a:lvl6pPr marL="3657509" marR="0" lvl="5" indent="-457189" algn="l" rtl="0" eaLnBrk="1" hangingPunct="1">
+              <a:lnSpc>
+                <a:spcPct val="100000"/>
+              </a:lnSpc>
+              <a:spcBef>
+                <a:spcPts val="0"/>
+              </a:spcBef>
+              <a:spcAft>
+                <a:spcPts val="0"/>
+              </a:spcAft>
+              <a:buClr>
+                <a:schemeClr val="dk1"/>
+              </a:buClr>
+              <a:buSzPts val="1800"/>
+              <a:buFont typeface="Arial"/>
+              <a:buChar char="■"/>
+              <a:defRPr sz="1800" b="0" i="0" u="none" strike="noStrike" cap="none">
+                <a:solidFill>
+                  <a:schemeClr val="dk1"/>
+                </a:solidFill>
+                <a:latin typeface="Arial"/>
+                <a:ea typeface="Arial"/>
+                <a:cs typeface="Arial"/>
+                <a:sym typeface="Arial"/>
+              </a:defRPr>
+            </a:lvl6pPr>
+            <a:lvl7pPr marL="4267093" marR="0" lvl="6" indent="-457189" algn="l" rtl="0" eaLnBrk="1" hangingPunct="1">
+              <a:lnSpc>
+                <a:spcPct val="100000"/>
+              </a:lnSpc>
+              <a:spcBef>
+                <a:spcPts val="0"/>
+              </a:spcBef>
+              <a:spcAft>
+                <a:spcPts val="0"/>
+              </a:spcAft>
+              <a:buClr>
+                <a:schemeClr val="dk1"/>
+              </a:buClr>
+              <a:buSzPts val="1800"/>
+              <a:buFont typeface="Arial"/>
+              <a:buChar char="●"/>
+              <a:defRPr sz="1800" b="0" i="0" u="none" strike="noStrike" cap="none">
+                <a:solidFill>
+                  <a:schemeClr val="dk1"/>
+                </a:solidFill>
+                <a:latin typeface="Arial"/>
+                <a:ea typeface="Arial"/>
+                <a:cs typeface="Arial"/>
+                <a:sym typeface="Arial"/>
+              </a:defRPr>
+            </a:lvl7pPr>
+            <a:lvl8pPr marL="4876678" marR="0" lvl="7" indent="-457189" algn="l" rtl="0" eaLnBrk="1" hangingPunct="1">
+              <a:lnSpc>
+                <a:spcPct val="100000"/>
+              </a:lnSpc>
+              <a:spcBef>
+                <a:spcPts val="0"/>
+              </a:spcBef>
+              <a:spcAft>
+                <a:spcPts val="0"/>
+              </a:spcAft>
+              <a:buClr>
+                <a:schemeClr val="dk1"/>
+              </a:buClr>
+              <a:buSzPts val="1800"/>
+              <a:buFont typeface="Arial"/>
+              <a:buChar char="○"/>
+              <a:defRPr sz="1800" b="0" i="0" u="none" strike="noStrike" cap="none">
+                <a:solidFill>
+                  <a:schemeClr val="dk1"/>
+                </a:solidFill>
+                <a:latin typeface="Arial"/>
+                <a:ea typeface="Arial"/>
+                <a:cs typeface="Arial"/>
+                <a:sym typeface="Arial"/>
+              </a:defRPr>
+            </a:lvl8pPr>
+            <a:lvl9pPr marL="5486263" marR="0" lvl="8" indent="-457189" algn="l" rtl="0" eaLnBrk="1" hangingPunct="1">
+              <a:lnSpc>
+                <a:spcPct val="100000"/>
+              </a:lnSpc>
+              <a:spcBef>
+                <a:spcPts val="0"/>
+              </a:spcBef>
+              <a:spcAft>
+                <a:spcPts val="0"/>
+              </a:spcAft>
+              <a:buClr>
+                <a:schemeClr val="dk1"/>
+              </a:buClr>
+              <a:buSzPts val="1800"/>
+              <a:buFont typeface="Arial"/>
+              <a:buChar char="■"/>
+              <a:defRPr sz="1800" b="0" i="0" u="none" strike="noStrike" cap="none">
+                <a:solidFill>
+                  <a:schemeClr val="dk1"/>
+                </a:solidFill>
+                <a:latin typeface="Arial"/>
+                <a:ea typeface="Arial"/>
+                <a:cs typeface="Arial"/>
+                <a:sym typeface="Arial"/>
+              </a:defRPr>
+            </a:lvl9pPr>
+          </a:lstStyle>
+          <a:p>
+            <a:pPr marL="50799" indent="0">
+              <a:buFont typeface="Arial"/>
+              <a:buNone/>
+            </a:pPr>
+            <a:r>
+              <a:rPr lang="en-US" sz="2400" u="sng" dirty="0">
+                <a:latin typeface="+mn-lt"/>
+              </a:rPr>
+              <a:t>Exercise:</a:t>
+            </a:r>
+          </a:p>
+        </p:txBody>
+      </p:sp>
+      <p:sp>
+        <p:nvSpPr>
+          <p:cNvPr id="7" name="Text Placeholder 2">
+            <a:extLst>
+              <a:ext uri="{FF2B5EF4-FFF2-40B4-BE49-F238E27FC236}">
+                <a16:creationId xmlns:a16="http://schemas.microsoft.com/office/drawing/2014/main" id="{61061C07-19D4-4F1D-9DC7-00D86DAE9F78}"/>
+              </a:ext>
+            </a:extLst>
+          </p:cNvPr>
+          <p:cNvSpPr txBox="1">
+            <a:spLocks/>
+          </p:cNvSpPr>
+          <p:nvPr/>
+        </p:nvSpPr>
+        <p:spPr>
+          <a:xfrm>
+            <a:off x="707571" y="3767569"/>
+            <a:ext cx="10972800" cy="935429"/>
+          </a:xfrm>
+          <a:prstGeom prst="rect">
+            <a:avLst/>
+          </a:prstGeom>
+          <a:solidFill>
+            <a:schemeClr val="bg1">
+              <a:lumMod val="40000"/>
+              <a:lumOff val="60000"/>
+            </a:schemeClr>
+          </a:solidFill>
+          <a:ln>
+            <a:noFill/>
+          </a:ln>
+        </p:spPr>
+        <p:txBody>
+          <a:bodyPr spcFirstLastPara="1" wrap="square" lIns="91425" tIns="91425" rIns="91425" bIns="91425" anchor="t" anchorCtr="0">
+            <a:noAutofit/>
+          </a:bodyPr>
+          <a:lstStyle>
+            <a:defPPr marR="0" lvl="0" algn="l" rtl="0">
+              <a:lnSpc>
+                <a:spcPct val="100000"/>
+              </a:lnSpc>
+              <a:spcBef>
+                <a:spcPts val="0"/>
+              </a:spcBef>
+              <a:spcAft>
+                <a:spcPts val="0"/>
+              </a:spcAft>
+            </a:defPPr>
+            <a:lvl1pPr marL="609585" marR="0" lvl="0" indent="-558786" algn="l" rtl="0" eaLnBrk="1" hangingPunct="1">
+              <a:lnSpc>
+                <a:spcPct val="100000"/>
+              </a:lnSpc>
+              <a:spcBef>
+                <a:spcPts val="800"/>
+              </a:spcBef>
+              <a:spcAft>
+                <a:spcPts val="0"/>
+              </a:spcAft>
+              <a:buClr>
+                <a:schemeClr val="dk1"/>
+              </a:buClr>
+              <a:buSzPts val="3000"/>
+              <a:buFont typeface="Arial"/>
+              <a:buChar char="●"/>
+              <a:defRPr sz="3000" b="0" i="0" u="none" strike="noStrike" cap="none">
+                <a:solidFill>
+                  <a:schemeClr val="dk1"/>
+                </a:solidFill>
+                <a:latin typeface="Arial"/>
+                <a:ea typeface="Arial"/>
+                <a:cs typeface="Arial"/>
+                <a:sym typeface="Arial"/>
+              </a:defRPr>
+            </a:lvl1pPr>
+            <a:lvl2pPr marL="1219170" marR="0" lvl="1" indent="-507987" algn="l" rtl="0" eaLnBrk="1" hangingPunct="1">
+              <a:lnSpc>
+                <a:spcPct val="100000"/>
+              </a:lnSpc>
+              <a:spcBef>
+                <a:spcPts val="0"/>
+              </a:spcBef>
+              <a:spcAft>
+                <a:spcPts val="0"/>
+              </a:spcAft>
+              <a:buClr>
+                <a:schemeClr val="dk1"/>
+              </a:buClr>
+              <a:buSzPts val="2400"/>
+              <a:buFont typeface="Arial"/>
+              <a:buChar char="○"/>
+              <a:defRPr sz="2400" b="0" i="0" u="none" strike="noStrike" cap="none">
+                <a:solidFill>
+                  <a:schemeClr val="dk1"/>
+                </a:solidFill>
+                <a:latin typeface="Arial"/>
+                <a:ea typeface="Arial"/>
+                <a:cs typeface="Arial"/>
+                <a:sym typeface="Arial"/>
+              </a:defRPr>
+            </a:lvl2pPr>
+            <a:lvl3pPr marL="1828754" marR="0" lvl="2" indent="-507987" algn="l" rtl="0" eaLnBrk="1" hangingPunct="1">
+              <a:lnSpc>
+                <a:spcPct val="100000"/>
+              </a:lnSpc>
+              <a:spcBef>
+                <a:spcPts val="0"/>
+              </a:spcBef>
+              <a:spcAft>
+                <a:spcPts val="0"/>
+              </a:spcAft>
+              <a:buClr>
+                <a:schemeClr val="dk1"/>
+              </a:buClr>
+              <a:buSzPts val="2400"/>
+              <a:buFont typeface="Arial"/>
+              <a:buChar char="■"/>
+              <a:defRPr sz="2400" b="0" i="0" u="none" strike="noStrike" cap="none">
+                <a:solidFill>
+                  <a:schemeClr val="dk1"/>
+                </a:solidFill>
+                <a:latin typeface="Arial"/>
+                <a:ea typeface="Arial"/>
+                <a:cs typeface="Arial"/>
+                <a:sym typeface="Arial"/>
+              </a:defRPr>
+            </a:lvl3pPr>
+            <a:lvl4pPr marL="2438339" marR="0" lvl="3" indent="-457189" algn="l" rtl="0" eaLnBrk="1" hangingPunct="1">
+              <a:lnSpc>
+                <a:spcPct val="100000"/>
+              </a:lnSpc>
+              <a:spcBef>
+                <a:spcPts val="0"/>
+              </a:spcBef>
+              <a:spcAft>
+                <a:spcPts val="0"/>
+              </a:spcAft>
+              <a:buClr>
+                <a:schemeClr val="dk1"/>
+              </a:buClr>
+              <a:buSzPts val="1800"/>
+              <a:buFont typeface="Arial"/>
+              <a:buChar char="●"/>
+              <a:defRPr sz="1800" b="0" i="0" u="none" strike="noStrike" cap="none">
+                <a:solidFill>
+                  <a:schemeClr val="dk1"/>
+                </a:solidFill>
+                <a:latin typeface="Arial"/>
+                <a:ea typeface="Arial"/>
+                <a:cs typeface="Arial"/>
+                <a:sym typeface="Arial"/>
+              </a:defRPr>
+            </a:lvl4pPr>
+            <a:lvl5pPr marL="3047924" marR="0" lvl="4" indent="-457189" algn="l" rtl="0" eaLnBrk="1" hangingPunct="1">
+              <a:lnSpc>
+                <a:spcPct val="100000"/>
+              </a:lnSpc>
+              <a:spcBef>
+                <a:spcPts val="0"/>
+              </a:spcBef>
+              <a:spcAft>
+                <a:spcPts val="0"/>
+              </a:spcAft>
+              <a:buClr>
+                <a:schemeClr val="dk1"/>
+              </a:buClr>
+              <a:buSzPts val="1800"/>
+              <a:buFont typeface="Arial"/>
+              <a:buChar char="○"/>
+              <a:defRPr sz="1800" b="0" i="0" u="none" strike="noStrike" cap="none">
+                <a:solidFill>
+                  <a:schemeClr val="dk1"/>
+                </a:solidFill>
+                <a:latin typeface="Arial"/>
+                <a:ea typeface="Arial"/>
+                <a:cs typeface="Arial"/>
+                <a:sym typeface="Arial"/>
+              </a:defRPr>
+            </a:lvl5pPr>
+            <a:lvl6pPr marL="3657509" marR="0" lvl="5" indent="-457189" algn="l" rtl="0" eaLnBrk="1" hangingPunct="1">
+              <a:lnSpc>
+                <a:spcPct val="100000"/>
+              </a:lnSpc>
+              <a:spcBef>
+                <a:spcPts val="0"/>
+              </a:spcBef>
+              <a:spcAft>
+                <a:spcPts val="0"/>
+              </a:spcAft>
+              <a:buClr>
+                <a:schemeClr val="dk1"/>
+              </a:buClr>
+              <a:buSzPts val="1800"/>
+              <a:buFont typeface="Arial"/>
+              <a:buChar char="■"/>
+              <a:defRPr sz="1800" b="0" i="0" u="none" strike="noStrike" cap="none">
+                <a:solidFill>
+                  <a:schemeClr val="dk1"/>
+                </a:solidFill>
+                <a:latin typeface="Arial"/>
+                <a:ea typeface="Arial"/>
+                <a:cs typeface="Arial"/>
+                <a:sym typeface="Arial"/>
+              </a:defRPr>
+            </a:lvl6pPr>
+            <a:lvl7pPr marL="4267093" marR="0" lvl="6" indent="-457189" algn="l" rtl="0" eaLnBrk="1" hangingPunct="1">
+              <a:lnSpc>
+                <a:spcPct val="100000"/>
+              </a:lnSpc>
+              <a:spcBef>
+                <a:spcPts val="0"/>
+              </a:spcBef>
+              <a:spcAft>
+                <a:spcPts val="0"/>
+              </a:spcAft>
+              <a:buClr>
+                <a:schemeClr val="dk1"/>
+              </a:buClr>
+              <a:buSzPts val="1800"/>
+              <a:buFont typeface="Arial"/>
+              <a:buChar char="●"/>
+              <a:defRPr sz="1800" b="0" i="0" u="none" strike="noStrike" cap="none">
+                <a:solidFill>
+                  <a:schemeClr val="dk1"/>
+                </a:solidFill>
+                <a:latin typeface="Arial"/>
+                <a:ea typeface="Arial"/>
+                <a:cs typeface="Arial"/>
+                <a:sym typeface="Arial"/>
+              </a:defRPr>
+            </a:lvl7pPr>
+            <a:lvl8pPr marL="4876678" marR="0" lvl="7" indent="-457189" algn="l" rtl="0" eaLnBrk="1" hangingPunct="1">
+              <a:lnSpc>
+                <a:spcPct val="100000"/>
+              </a:lnSpc>
+              <a:spcBef>
+                <a:spcPts val="0"/>
+              </a:spcBef>
+              <a:spcAft>
+                <a:spcPts val="0"/>
+              </a:spcAft>
+              <a:buClr>
+                <a:schemeClr val="dk1"/>
+              </a:buClr>
+              <a:buSzPts val="1800"/>
+              <a:buFont typeface="Arial"/>
+              <a:buChar char="○"/>
+              <a:defRPr sz="1800" b="0" i="0" u="none" strike="noStrike" cap="none">
+                <a:solidFill>
+                  <a:schemeClr val="dk1"/>
+                </a:solidFill>
+                <a:latin typeface="Arial"/>
+                <a:ea typeface="Arial"/>
+                <a:cs typeface="Arial"/>
+                <a:sym typeface="Arial"/>
+              </a:defRPr>
+            </a:lvl8pPr>
+            <a:lvl9pPr marL="5486263" marR="0" lvl="8" indent="-457189" algn="l" rtl="0" eaLnBrk="1" hangingPunct="1">
+              <a:lnSpc>
+                <a:spcPct val="100000"/>
+              </a:lnSpc>
+              <a:spcBef>
+                <a:spcPts val="0"/>
+              </a:spcBef>
+              <a:spcAft>
+                <a:spcPts val="0"/>
+              </a:spcAft>
+              <a:buClr>
+                <a:schemeClr val="dk1"/>
+              </a:buClr>
+              <a:buSzPts val="1800"/>
+              <a:buFont typeface="Arial"/>
+              <a:buChar char="■"/>
+              <a:defRPr sz="1800" b="0" i="0" u="none" strike="noStrike" cap="none">
+                <a:solidFill>
+                  <a:schemeClr val="dk1"/>
+                </a:solidFill>
+                <a:latin typeface="Arial"/>
+                <a:ea typeface="Arial"/>
+                <a:cs typeface="Arial"/>
+                <a:sym typeface="Arial"/>
+              </a:defRPr>
+            </a:lvl9pPr>
+          </a:lstStyle>
+          <a:p>
+            <a:pPr marL="50799" indent="0">
+              <a:buFont typeface="Arial"/>
+              <a:buNone/>
+            </a:pPr>
+            <a:r>
+              <a:rPr lang="en-US" sz="1800" dirty="0">
+                <a:latin typeface="+mn-lt"/>
+              </a:rPr>
+              <a:t>Protocol Buffers provide their own definition language. Blah, blah, blah. And that's why </a:t>
+            </a:r>
+            <a:r>
+              <a:rPr lang="en-US" sz="1800" dirty="0" err="1">
+                <a:latin typeface="+mn-lt"/>
+              </a:rPr>
+              <a:t>protobufs</a:t>
+            </a:r>
+            <a:r>
+              <a:rPr lang="en-US" sz="1800" dirty="0">
+                <a:latin typeface="+mn-lt"/>
+              </a:rPr>
+              <a:t> have won so many county fairs.</a:t>
+            </a:r>
+          </a:p>
+        </p:txBody>
+      </p:sp>
+      <p:sp>
+        <p:nvSpPr>
+          <p:cNvPr id="8" name="Text Placeholder 2">
+            <a:extLst>
+              <a:ext uri="{FF2B5EF4-FFF2-40B4-BE49-F238E27FC236}">
+                <a16:creationId xmlns:a16="http://schemas.microsoft.com/office/drawing/2014/main" id="{3431D547-3EAD-49CB-B483-E64707FA8B26}"/>
+              </a:ext>
+            </a:extLst>
+          </p:cNvPr>
+          <p:cNvSpPr txBox="1">
+            <a:spLocks/>
+          </p:cNvSpPr>
+          <p:nvPr/>
+        </p:nvSpPr>
+        <p:spPr>
+          <a:xfrm>
+            <a:off x="707571" y="5041567"/>
+            <a:ext cx="10972800" cy="1141888"/>
+          </a:xfrm>
+          <a:prstGeom prst="rect">
+            <a:avLst/>
+          </a:prstGeom>
+          <a:solidFill>
+            <a:schemeClr val="bg1">
+              <a:lumMod val="40000"/>
+              <a:lumOff val="60000"/>
+            </a:schemeClr>
+          </a:solidFill>
+          <a:ln>
+            <a:noFill/>
+          </a:ln>
+        </p:spPr>
+        <p:txBody>
+          <a:bodyPr spcFirstLastPara="1" wrap="square" lIns="91425" tIns="91425" rIns="91425" bIns="91425" anchor="t" anchorCtr="0">
+            <a:noAutofit/>
+          </a:bodyPr>
+          <a:lstStyle>
+            <a:defPPr marR="0" lvl="0" algn="l" rtl="0">
+              <a:lnSpc>
+                <a:spcPct val="100000"/>
+              </a:lnSpc>
+              <a:spcBef>
+                <a:spcPts val="0"/>
+              </a:spcBef>
+              <a:spcAft>
+                <a:spcPts val="0"/>
+              </a:spcAft>
+            </a:defPPr>
+            <a:lvl1pPr marL="609585" marR="0" lvl="0" indent="-558786" algn="l" rtl="0" eaLnBrk="1" hangingPunct="1">
+              <a:lnSpc>
+                <a:spcPct val="100000"/>
+              </a:lnSpc>
+              <a:spcBef>
+                <a:spcPts val="800"/>
+              </a:spcBef>
+              <a:spcAft>
+                <a:spcPts val="0"/>
+              </a:spcAft>
+              <a:buClr>
+                <a:schemeClr val="dk1"/>
+              </a:buClr>
+              <a:buSzPts val="3000"/>
+              <a:buFont typeface="Arial"/>
+              <a:buChar char="●"/>
+              <a:defRPr sz="3000" b="0" i="0" u="none" strike="noStrike" cap="none">
+                <a:solidFill>
+                  <a:schemeClr val="dk1"/>
+                </a:solidFill>
+                <a:latin typeface="Arial"/>
+                <a:ea typeface="Arial"/>
+                <a:cs typeface="Arial"/>
+                <a:sym typeface="Arial"/>
+              </a:defRPr>
+            </a:lvl1pPr>
+            <a:lvl2pPr marL="1219170" marR="0" lvl="1" indent="-507987" algn="l" rtl="0" eaLnBrk="1" hangingPunct="1">
+              <a:lnSpc>
+                <a:spcPct val="100000"/>
+              </a:lnSpc>
+              <a:spcBef>
+                <a:spcPts val="0"/>
+              </a:spcBef>
+              <a:spcAft>
+                <a:spcPts val="0"/>
+              </a:spcAft>
+              <a:buClr>
+                <a:schemeClr val="dk1"/>
+              </a:buClr>
+              <a:buSzPts val="2400"/>
+              <a:buFont typeface="Arial"/>
+              <a:buChar char="○"/>
+              <a:defRPr sz="2400" b="0" i="0" u="none" strike="noStrike" cap="none">
+                <a:solidFill>
+                  <a:schemeClr val="dk1"/>
+                </a:solidFill>
+                <a:latin typeface="Arial"/>
+                <a:ea typeface="Arial"/>
+                <a:cs typeface="Arial"/>
+                <a:sym typeface="Arial"/>
+              </a:defRPr>
+            </a:lvl2pPr>
+            <a:lvl3pPr marL="1828754" marR="0" lvl="2" indent="-507987" algn="l" rtl="0" eaLnBrk="1" hangingPunct="1">
+              <a:lnSpc>
+                <a:spcPct val="100000"/>
+              </a:lnSpc>
+              <a:spcBef>
+                <a:spcPts val="0"/>
+              </a:spcBef>
+              <a:spcAft>
+                <a:spcPts val="0"/>
+              </a:spcAft>
+              <a:buClr>
+                <a:schemeClr val="dk1"/>
+              </a:buClr>
+              <a:buSzPts val="2400"/>
+              <a:buFont typeface="Arial"/>
+              <a:buChar char="■"/>
+              <a:defRPr sz="2400" b="0" i="0" u="none" strike="noStrike" cap="none">
+                <a:solidFill>
+                  <a:schemeClr val="dk1"/>
+                </a:solidFill>
+                <a:latin typeface="Arial"/>
+                <a:ea typeface="Arial"/>
+                <a:cs typeface="Arial"/>
+                <a:sym typeface="Arial"/>
+              </a:defRPr>
+            </a:lvl3pPr>
+            <a:lvl4pPr marL="2438339" marR="0" lvl="3" indent="-457189" algn="l" rtl="0" eaLnBrk="1" hangingPunct="1">
+              <a:lnSpc>
+                <a:spcPct val="100000"/>
+              </a:lnSpc>
+              <a:spcBef>
+                <a:spcPts val="0"/>
+              </a:spcBef>
+              <a:spcAft>
+                <a:spcPts val="0"/>
+              </a:spcAft>
+              <a:buClr>
+                <a:schemeClr val="dk1"/>
+              </a:buClr>
+              <a:buSzPts val="1800"/>
+              <a:buFont typeface="Arial"/>
+              <a:buChar char="●"/>
+              <a:defRPr sz="1800" b="0" i="0" u="none" strike="noStrike" cap="none">
+                <a:solidFill>
+                  <a:schemeClr val="dk1"/>
+                </a:solidFill>
+                <a:latin typeface="Arial"/>
+                <a:ea typeface="Arial"/>
+                <a:cs typeface="Arial"/>
+                <a:sym typeface="Arial"/>
+              </a:defRPr>
+            </a:lvl4pPr>
+            <a:lvl5pPr marL="3047924" marR="0" lvl="4" indent="-457189" algn="l" rtl="0" eaLnBrk="1" hangingPunct="1">
+              <a:lnSpc>
+                <a:spcPct val="100000"/>
+              </a:lnSpc>
+              <a:spcBef>
+                <a:spcPts val="0"/>
+              </a:spcBef>
+              <a:spcAft>
+                <a:spcPts val="0"/>
+              </a:spcAft>
+              <a:buClr>
+                <a:schemeClr val="dk1"/>
+              </a:buClr>
+              <a:buSzPts val="1800"/>
+              <a:buFont typeface="Arial"/>
+              <a:buChar char="○"/>
+              <a:defRPr sz="1800" b="0" i="0" u="none" strike="noStrike" cap="none">
+                <a:solidFill>
+                  <a:schemeClr val="dk1"/>
+                </a:solidFill>
+                <a:latin typeface="Arial"/>
+                <a:ea typeface="Arial"/>
+                <a:cs typeface="Arial"/>
+                <a:sym typeface="Arial"/>
+              </a:defRPr>
+            </a:lvl5pPr>
+            <a:lvl6pPr marL="3657509" marR="0" lvl="5" indent="-457189" algn="l" rtl="0" eaLnBrk="1" hangingPunct="1">
+              <a:lnSpc>
+                <a:spcPct val="100000"/>
+              </a:lnSpc>
+              <a:spcBef>
+                <a:spcPts val="0"/>
+              </a:spcBef>
+              <a:spcAft>
+                <a:spcPts val="0"/>
+              </a:spcAft>
+              <a:buClr>
+                <a:schemeClr val="dk1"/>
+              </a:buClr>
+              <a:buSzPts val="1800"/>
+              <a:buFont typeface="Arial"/>
+              <a:buChar char="■"/>
+              <a:defRPr sz="1800" b="0" i="0" u="none" strike="noStrike" cap="none">
+                <a:solidFill>
+                  <a:schemeClr val="dk1"/>
+                </a:solidFill>
+                <a:latin typeface="Arial"/>
+                <a:ea typeface="Arial"/>
+                <a:cs typeface="Arial"/>
+                <a:sym typeface="Arial"/>
+              </a:defRPr>
+            </a:lvl6pPr>
+            <a:lvl7pPr marL="4267093" marR="0" lvl="6" indent="-457189" algn="l" rtl="0" eaLnBrk="1" hangingPunct="1">
+              <a:lnSpc>
+                <a:spcPct val="100000"/>
+              </a:lnSpc>
+              <a:spcBef>
+                <a:spcPts val="0"/>
+              </a:spcBef>
+              <a:spcAft>
+                <a:spcPts val="0"/>
+              </a:spcAft>
+              <a:buClr>
+                <a:schemeClr val="dk1"/>
+              </a:buClr>
+              <a:buSzPts val="1800"/>
+              <a:buFont typeface="Arial"/>
+              <a:buChar char="●"/>
+              <a:defRPr sz="1800" b="0" i="0" u="none" strike="noStrike" cap="none">
+                <a:solidFill>
+                  <a:schemeClr val="dk1"/>
+                </a:solidFill>
+                <a:latin typeface="Arial"/>
+                <a:ea typeface="Arial"/>
+                <a:cs typeface="Arial"/>
+                <a:sym typeface="Arial"/>
+              </a:defRPr>
+            </a:lvl7pPr>
+            <a:lvl8pPr marL="4876678" marR="0" lvl="7" indent="-457189" algn="l" rtl="0" eaLnBrk="1" hangingPunct="1">
+              <a:lnSpc>
+                <a:spcPct val="100000"/>
+              </a:lnSpc>
+              <a:spcBef>
+                <a:spcPts val="0"/>
+              </a:spcBef>
+              <a:spcAft>
+                <a:spcPts val="0"/>
+              </a:spcAft>
+              <a:buClr>
+                <a:schemeClr val="dk1"/>
+              </a:buClr>
+              <a:buSzPts val="1800"/>
+              <a:buFont typeface="Arial"/>
+              <a:buChar char="○"/>
+              <a:defRPr sz="1800" b="0" i="0" u="none" strike="noStrike" cap="none">
+                <a:solidFill>
+                  <a:schemeClr val="dk1"/>
+                </a:solidFill>
+                <a:latin typeface="Arial"/>
+                <a:ea typeface="Arial"/>
+                <a:cs typeface="Arial"/>
+                <a:sym typeface="Arial"/>
+              </a:defRPr>
+            </a:lvl8pPr>
+            <a:lvl9pPr marL="5486263" marR="0" lvl="8" indent="-457189" algn="l" rtl="0" eaLnBrk="1" hangingPunct="1">
+              <a:lnSpc>
+                <a:spcPct val="100000"/>
+              </a:lnSpc>
+              <a:spcBef>
+                <a:spcPts val="0"/>
+              </a:spcBef>
+              <a:spcAft>
+                <a:spcPts val="0"/>
+              </a:spcAft>
+              <a:buClr>
+                <a:schemeClr val="dk1"/>
+              </a:buClr>
+              <a:buSzPts val="1800"/>
+              <a:buFont typeface="Arial"/>
+              <a:buChar char="■"/>
+              <a:defRPr sz="1800" b="0" i="0" u="none" strike="noStrike" cap="none">
+                <a:solidFill>
+                  <a:schemeClr val="dk1"/>
+                </a:solidFill>
+                <a:latin typeface="Arial"/>
+                <a:ea typeface="Arial"/>
+                <a:cs typeface="Arial"/>
+                <a:sym typeface="Arial"/>
+              </a:defRPr>
+            </a:lvl9pPr>
+          </a:lstStyle>
+          <a:p>
+            <a:pPr marL="50799" indent="0">
+              <a:buNone/>
+            </a:pPr>
+            <a:r>
+              <a:rPr lang="en-US" sz="1800" b="1" dirty="0">
+                <a:latin typeface="+mn-lt"/>
+              </a:rPr>
+              <a:t>Protocol Buffers </a:t>
+            </a:r>
+            <a:r>
+              <a:rPr lang="en-US" sz="1800" dirty="0">
+                <a:latin typeface="+mn-lt"/>
+              </a:rPr>
+              <a:t>(or </a:t>
+            </a:r>
+            <a:r>
+              <a:rPr lang="en-US" sz="1800" b="1" dirty="0" err="1">
+                <a:latin typeface="+mn-lt"/>
+              </a:rPr>
+              <a:t>protobufs</a:t>
+            </a:r>
+            <a:r>
+              <a:rPr lang="en-US" sz="1800" dirty="0">
+                <a:latin typeface="+mn-lt"/>
+              </a:rPr>
+              <a:t> for short) provide their own definition language. Blah, blah, blah. And that's why </a:t>
+            </a:r>
+            <a:r>
+              <a:rPr lang="en-US" sz="1800" dirty="0" err="1">
+                <a:latin typeface="+mn-lt"/>
+              </a:rPr>
+              <a:t>protobufs</a:t>
+            </a:r>
+            <a:r>
+              <a:rPr lang="en-US" sz="1800" dirty="0">
+                <a:latin typeface="+mn-lt"/>
+              </a:rPr>
+              <a:t> have won so many county fairs.</a:t>
+            </a:r>
+          </a:p>
+        </p:txBody>
+      </p:sp>
+      <p:sp>
+        <p:nvSpPr>
+          <p:cNvPr id="9" name="Text Placeholder 2">
+            <a:extLst>
+              <a:ext uri="{FF2B5EF4-FFF2-40B4-BE49-F238E27FC236}">
+                <a16:creationId xmlns:a16="http://schemas.microsoft.com/office/drawing/2014/main" id="{76E9A62D-2B7E-496E-97A3-20F5A74F096D}"/>
+              </a:ext>
+            </a:extLst>
+          </p:cNvPr>
+          <p:cNvSpPr txBox="1">
+            <a:spLocks/>
+          </p:cNvSpPr>
+          <p:nvPr/>
+        </p:nvSpPr>
+        <p:spPr>
+          <a:xfrm>
+            <a:off x="6096000" y="1220684"/>
+            <a:ext cx="5486400" cy="1284513"/>
+          </a:xfrm>
+          <a:prstGeom prst="rect">
+            <a:avLst/>
+          </a:prstGeom>
+          <a:noFill/>
+          <a:ln>
+            <a:noFill/>
+          </a:ln>
+        </p:spPr>
+        <p:txBody>
+          <a:bodyPr spcFirstLastPara="1" wrap="square" lIns="91425" tIns="91425" rIns="91425" bIns="91425" anchor="t" anchorCtr="0">
+            <a:noAutofit/>
+          </a:bodyPr>
+          <a:lstStyle>
+            <a:defPPr marR="0" lvl="0" algn="l" rtl="0">
+              <a:lnSpc>
+                <a:spcPct val="100000"/>
+              </a:lnSpc>
+              <a:spcBef>
+                <a:spcPts val="0"/>
+              </a:spcBef>
+              <a:spcAft>
+                <a:spcPts val="0"/>
+              </a:spcAft>
+            </a:defPPr>
+            <a:lvl1pPr marL="609585" marR="0" lvl="0" indent="-558786" algn="l" rtl="0" eaLnBrk="1" hangingPunct="1">
+              <a:lnSpc>
+                <a:spcPct val="100000"/>
+              </a:lnSpc>
+              <a:spcBef>
+                <a:spcPts val="800"/>
+              </a:spcBef>
+              <a:spcAft>
+                <a:spcPts val="0"/>
+              </a:spcAft>
+              <a:buClr>
+                <a:schemeClr val="dk1"/>
+              </a:buClr>
+              <a:buSzPts val="3000"/>
+              <a:buFont typeface="Arial"/>
+              <a:buChar char="●"/>
+              <a:defRPr sz="3000" b="0" i="0" u="none" strike="noStrike" cap="none">
+                <a:solidFill>
+                  <a:schemeClr val="dk1"/>
+                </a:solidFill>
+                <a:latin typeface="Arial"/>
+                <a:ea typeface="Arial"/>
+                <a:cs typeface="Arial"/>
+                <a:sym typeface="Arial"/>
+              </a:defRPr>
+            </a:lvl1pPr>
+            <a:lvl2pPr marL="1219170" marR="0" lvl="1" indent="-507987" algn="l" rtl="0" eaLnBrk="1" hangingPunct="1">
+              <a:lnSpc>
+                <a:spcPct val="100000"/>
+              </a:lnSpc>
+              <a:spcBef>
+                <a:spcPts val="0"/>
+              </a:spcBef>
+              <a:spcAft>
+                <a:spcPts val="0"/>
+              </a:spcAft>
+              <a:buClr>
+                <a:schemeClr val="dk1"/>
+              </a:buClr>
+              <a:buSzPts val="2400"/>
+              <a:buFont typeface="Arial"/>
+              <a:buChar char="○"/>
+              <a:defRPr sz="2400" b="0" i="0" u="none" strike="noStrike" cap="none">
+                <a:solidFill>
+                  <a:schemeClr val="dk1"/>
+                </a:solidFill>
+                <a:latin typeface="Arial"/>
+                <a:ea typeface="Arial"/>
+                <a:cs typeface="Arial"/>
+                <a:sym typeface="Arial"/>
+              </a:defRPr>
+            </a:lvl2pPr>
+            <a:lvl3pPr marL="1828754" marR="0" lvl="2" indent="-507987" algn="l" rtl="0" eaLnBrk="1" hangingPunct="1">
+              <a:lnSpc>
+                <a:spcPct val="100000"/>
+              </a:lnSpc>
+              <a:spcBef>
+                <a:spcPts val="0"/>
+              </a:spcBef>
+              <a:spcAft>
+                <a:spcPts val="0"/>
+              </a:spcAft>
+              <a:buClr>
+                <a:schemeClr val="dk1"/>
+              </a:buClr>
+              <a:buSzPts val="2400"/>
+              <a:buFont typeface="Arial"/>
+              <a:buChar char="■"/>
+              <a:defRPr sz="2400" b="0" i="0" u="none" strike="noStrike" cap="none">
+                <a:solidFill>
+                  <a:schemeClr val="dk1"/>
+                </a:solidFill>
+                <a:latin typeface="Arial"/>
+                <a:ea typeface="Arial"/>
+                <a:cs typeface="Arial"/>
+                <a:sym typeface="Arial"/>
+              </a:defRPr>
+            </a:lvl3pPr>
+            <a:lvl4pPr marL="2438339" marR="0" lvl="3" indent="-457189" algn="l" rtl="0" eaLnBrk="1" hangingPunct="1">
+              <a:lnSpc>
+                <a:spcPct val="100000"/>
+              </a:lnSpc>
+              <a:spcBef>
+                <a:spcPts val="0"/>
+              </a:spcBef>
+              <a:spcAft>
+                <a:spcPts val="0"/>
+              </a:spcAft>
+              <a:buClr>
+                <a:schemeClr val="dk1"/>
+              </a:buClr>
+              <a:buSzPts val="1800"/>
+              <a:buFont typeface="Arial"/>
+              <a:buChar char="●"/>
+              <a:defRPr sz="1800" b="0" i="0" u="none" strike="noStrike" cap="none">
+                <a:solidFill>
+                  <a:schemeClr val="dk1"/>
+                </a:solidFill>
+                <a:latin typeface="Arial"/>
+                <a:ea typeface="Arial"/>
+                <a:cs typeface="Arial"/>
+                <a:sym typeface="Arial"/>
+              </a:defRPr>
+            </a:lvl4pPr>
+            <a:lvl5pPr marL="3047924" marR="0" lvl="4" indent="-457189" algn="l" rtl="0" eaLnBrk="1" hangingPunct="1">
+              <a:lnSpc>
+                <a:spcPct val="100000"/>
+              </a:lnSpc>
+              <a:spcBef>
+                <a:spcPts val="0"/>
+              </a:spcBef>
+              <a:spcAft>
+                <a:spcPts val="0"/>
+              </a:spcAft>
+              <a:buClr>
+                <a:schemeClr val="dk1"/>
+              </a:buClr>
+              <a:buSzPts val="1800"/>
+              <a:buFont typeface="Arial"/>
+              <a:buChar char="○"/>
+              <a:defRPr sz="1800" b="0" i="0" u="none" strike="noStrike" cap="none">
+                <a:solidFill>
+                  <a:schemeClr val="dk1"/>
+                </a:solidFill>
+                <a:latin typeface="Arial"/>
+                <a:ea typeface="Arial"/>
+                <a:cs typeface="Arial"/>
+                <a:sym typeface="Arial"/>
+              </a:defRPr>
+            </a:lvl5pPr>
+            <a:lvl6pPr marL="3657509" marR="0" lvl="5" indent="-457189" algn="l" rtl="0" eaLnBrk="1" hangingPunct="1">
+              <a:lnSpc>
+                <a:spcPct val="100000"/>
+              </a:lnSpc>
+              <a:spcBef>
+                <a:spcPts val="0"/>
+              </a:spcBef>
+              <a:spcAft>
+                <a:spcPts val="0"/>
+              </a:spcAft>
+              <a:buClr>
+                <a:schemeClr val="dk1"/>
+              </a:buClr>
+              <a:buSzPts val="1800"/>
+              <a:buFont typeface="Arial"/>
+              <a:buChar char="■"/>
+              <a:defRPr sz="1800" b="0" i="0" u="none" strike="noStrike" cap="none">
+                <a:solidFill>
+                  <a:schemeClr val="dk1"/>
+                </a:solidFill>
+                <a:latin typeface="Arial"/>
+                <a:ea typeface="Arial"/>
+                <a:cs typeface="Arial"/>
+                <a:sym typeface="Arial"/>
+              </a:defRPr>
+            </a:lvl6pPr>
+            <a:lvl7pPr marL="4267093" marR="0" lvl="6" indent="-457189" algn="l" rtl="0" eaLnBrk="1" hangingPunct="1">
+              <a:lnSpc>
+                <a:spcPct val="100000"/>
+              </a:lnSpc>
+              <a:spcBef>
+                <a:spcPts val="0"/>
+              </a:spcBef>
+              <a:spcAft>
+                <a:spcPts val="0"/>
+              </a:spcAft>
+              <a:buClr>
+                <a:schemeClr val="dk1"/>
+              </a:buClr>
+              <a:buSzPts val="1800"/>
+              <a:buFont typeface="Arial"/>
+              <a:buChar char="●"/>
+              <a:defRPr sz="1800" b="0" i="0" u="none" strike="noStrike" cap="none">
+                <a:solidFill>
+                  <a:schemeClr val="dk1"/>
+                </a:solidFill>
+                <a:latin typeface="Arial"/>
+                <a:ea typeface="Arial"/>
+                <a:cs typeface="Arial"/>
+                <a:sym typeface="Arial"/>
+              </a:defRPr>
+            </a:lvl7pPr>
+            <a:lvl8pPr marL="4876678" marR="0" lvl="7" indent="-457189" algn="l" rtl="0" eaLnBrk="1" hangingPunct="1">
+              <a:lnSpc>
+                <a:spcPct val="100000"/>
+              </a:lnSpc>
+              <a:spcBef>
+                <a:spcPts val="0"/>
+              </a:spcBef>
+              <a:spcAft>
+                <a:spcPts val="0"/>
+              </a:spcAft>
+              <a:buClr>
+                <a:schemeClr val="dk1"/>
+              </a:buClr>
+              <a:buSzPts val="1800"/>
+              <a:buFont typeface="Arial"/>
+              <a:buChar char="○"/>
+              <a:defRPr sz="1800" b="0" i="0" u="none" strike="noStrike" cap="none">
+                <a:solidFill>
+                  <a:schemeClr val="dk1"/>
+                </a:solidFill>
+                <a:latin typeface="Arial"/>
+                <a:ea typeface="Arial"/>
+                <a:cs typeface="Arial"/>
+                <a:sym typeface="Arial"/>
+              </a:defRPr>
+            </a:lvl8pPr>
+            <a:lvl9pPr marL="5486263" marR="0" lvl="8" indent="-457189" algn="l" rtl="0" eaLnBrk="1" hangingPunct="1">
+              <a:lnSpc>
+                <a:spcPct val="100000"/>
+              </a:lnSpc>
+              <a:spcBef>
+                <a:spcPts val="0"/>
+              </a:spcBef>
+              <a:spcAft>
+                <a:spcPts val="0"/>
+              </a:spcAft>
+              <a:buClr>
+                <a:schemeClr val="dk1"/>
+              </a:buClr>
+              <a:buSzPts val="1800"/>
+              <a:buFont typeface="Arial"/>
+              <a:buChar char="■"/>
+              <a:defRPr sz="1800" b="0" i="0" u="none" strike="noStrike" cap="none">
+                <a:solidFill>
+                  <a:schemeClr val="dk1"/>
+                </a:solidFill>
+                <a:latin typeface="Arial"/>
+                <a:ea typeface="Arial"/>
+                <a:cs typeface="Arial"/>
+                <a:sym typeface="Arial"/>
+              </a:defRPr>
+            </a:lvl9pPr>
+          </a:lstStyle>
+          <a:p>
+            <a:r>
+              <a:rPr lang="en-US" sz="2000" dirty="0">
+                <a:latin typeface="+mn-lt"/>
+              </a:rPr>
+              <a:t>Use acronyms properly</a:t>
+            </a:r>
+          </a:p>
+          <a:p>
+            <a:r>
+              <a:rPr lang="en-US" sz="2000" dirty="0">
+                <a:latin typeface="+mn-lt"/>
+              </a:rPr>
+              <a:t>Disambiguate pronouns</a:t>
+            </a:r>
           </a:p>
         </p:txBody>
       </p:sp>
     </p:spTree>
     <p:extLst>
       <p:ext uri="{BB962C8B-B14F-4D97-AF65-F5344CB8AC3E}">
-        <p14:creationId xmlns:p14="http://schemas.microsoft.com/office/powerpoint/2010/main" val="4169196528"/>
+        <p14:creationId xmlns:p14="http://schemas.microsoft.com/office/powerpoint/2010/main" val="636551529"/>
       </p:ext>
     </p:extLst>
   </p:cSld>
   <p:clrMapOvr>
     <a:masterClrMapping/>
   </p:clrMapOvr>
+  <p:timing>
+    <p:tnLst>
+      <p:par>
+        <p:cTn id="1" dur="indefinite" restart="never" nodeType="tmRoot">
+          <p:childTnLst>
+            <p:seq concurrent="1" nextAc="seek">
+              <p:cTn id="2" dur="indefinite" nodeType="mainSeq">
+                <p:childTnLst>
+                  <p:par>
+                    <p:cTn id="3" fill="hold">
+                      <p:stCondLst>
+                        <p:cond delay="indefinite"/>
+                      </p:stCondLst>
+                      <p:childTnLst>
+                        <p:par>
+                          <p:cTn id="4" fill="hold">
+                            <p:stCondLst>
+                              <p:cond delay="0"/>
+                            </p:stCondLst>
+                            <p:childTnLst>
+                              <p:par>
+                                <p:cTn id="5" presetID="1" presetClass="entr" presetSubtype="0" fill="hold" grpId="0" nodeType="clickEffect">
+                                  <p:stCondLst>
+                                    <p:cond delay="0"/>
+                                  </p:stCondLst>
+                                  <p:childTnLst>
+                                    <p:set>
+                                      <p:cBhvr>
+                                        <p:cTn id="6" dur="1" fill="hold">
+                                          <p:stCondLst>
+                                            <p:cond delay="0"/>
+                                          </p:stCondLst>
+                                        </p:cTn>
+                                        <p:tgtEl>
+                                          <p:spTgt spid="8"/>
+                                        </p:tgtEl>
+                                        <p:attrNameLst>
+                                          <p:attrName>style.visibility</p:attrName>
+                                        </p:attrNameLst>
+                                      </p:cBhvr>
+                                      <p:to>
+                                        <p:strVal val="visible"/>
+                                      </p:to>
+                                    </p:set>
+                                  </p:childTnLst>
+                                </p:cTn>
+                              </p:par>
+                            </p:childTnLst>
+                          </p:cTn>
+                        </p:par>
+                      </p:childTnLst>
+                    </p:cTn>
+                  </p:par>
+                </p:childTnLst>
+              </p:cTn>
+              <p:prevCondLst>
+                <p:cond evt="onPrev" delay="0">
+                  <p:tgtEl>
+                    <p:sldTgt/>
+                  </p:tgtEl>
+                </p:cond>
+              </p:prevCondLst>
+              <p:nextCondLst>
+                <p:cond evt="onNext" delay="0">
+                  <p:tgtEl>
+                    <p:sldTgt/>
+                  </p:tgtEl>
+                </p:cond>
+              </p:nextCondLst>
+            </p:seq>
+          </p:childTnLst>
+        </p:cTn>
+      </p:par>
+    </p:tnLst>
+    <p:bldLst>
+      <p:bldP spid="8" grpId="0" animBg="1"/>
+    </p:bldLst>
+  </p:timing>
 </p:sld>
 </file>
 
@@ -4799,7 +8827,7 @@
           <p:cNvPr id="2" name="Title 1">
             <a:extLst>
               <a:ext uri="{FF2B5EF4-FFF2-40B4-BE49-F238E27FC236}">
-                <a16:creationId xmlns:a16="http://schemas.microsoft.com/office/drawing/2014/main" id="{D398BFED-2F7F-49BD-B480-56FC297B15A8}"/>
+                <a16:creationId xmlns:a16="http://schemas.microsoft.com/office/drawing/2014/main" id="{E355E0FD-58C5-49E7-AB2A-46560FD288CA}"/>
               </a:ext>
             </a:extLst>
           </p:cNvPr>
@@ -4812,12 +8840,12 @@
         </p:nvSpPr>
         <p:spPr>
           <a:xfrm>
-            <a:off x="609600" y="2857500"/>
-            <a:ext cx="10972800" cy="1143000"/>
+            <a:off x="609600" y="290224"/>
+            <a:ext cx="10972800" cy="722890"/>
           </a:xfrm>
         </p:spPr>
         <p:txBody>
-          <a:bodyPr anchor="ctr"/>
+          <a:bodyPr/>
           <a:lstStyle/>
           <a:p>
             <a:pPr algn="ctr"/>
@@ -4828,15 +8856,55 @@
                 </a:solidFill>
                 <a:latin typeface="+mj-lt"/>
               </a:rPr>
-              <a:t>Q&amp;A</a:t>
+              <a:t>Active voice</a:t>
             </a:r>
+            <a:endParaRPr lang="en-US" dirty="0"/>
           </a:p>
         </p:txBody>
       </p:sp>
+      <p:pic>
+        <p:nvPicPr>
+          <p:cNvPr id="12" name="Graphic 11">
+            <a:extLst>
+              <a:ext uri="{FF2B5EF4-FFF2-40B4-BE49-F238E27FC236}">
+                <a16:creationId xmlns:a16="http://schemas.microsoft.com/office/drawing/2014/main" id="{CA1728BE-46EA-4ECA-98A1-60CE5B78B2A7}"/>
+              </a:ext>
+            </a:extLst>
+          </p:cNvPr>
+          <p:cNvPicPr>
+            <a:picLocks noChangeAspect="1"/>
+          </p:cNvPicPr>
+          <p:nvPr/>
+        </p:nvPicPr>
+        <p:blipFill>
+          <a:blip r:embed="rId2">
+            <a:extLst>
+              <a:ext uri="{28A0092B-C50C-407E-A947-70E740481C1C}">
+                <a14:useLocalDpi xmlns:a14="http://schemas.microsoft.com/office/drawing/2010/main" val="0"/>
+              </a:ext>
+              <a:ext uri="{96DAC541-7B7A-43D3-8B79-37D633B846F1}">
+                <asvg:svgBlip xmlns:asvg="http://schemas.microsoft.com/office/drawing/2016/SVG/main" r:embed="rId3"/>
+              </a:ext>
+            </a:extLst>
+          </a:blip>
+          <a:stretch>
+            <a:fillRect/>
+          </a:stretch>
+        </p:blipFill>
+        <p:spPr>
+          <a:xfrm>
+            <a:off x="1457921" y="2245499"/>
+            <a:ext cx="10734079" cy="2367002"/>
+          </a:xfrm>
+          <a:prstGeom prst="rect">
+            <a:avLst/>
+          </a:prstGeom>
+        </p:spPr>
+      </p:pic>
     </p:spTree>
     <p:extLst>
       <p:ext uri="{BB962C8B-B14F-4D97-AF65-F5344CB8AC3E}">
-        <p14:creationId xmlns:p14="http://schemas.microsoft.com/office/powerpoint/2010/main" val="1333271734"/>
+        <p14:creationId xmlns:p14="http://schemas.microsoft.com/office/powerpoint/2010/main" val="2646715787"/>
       </p:ext>
     </p:extLst>
   </p:cSld>

--- a/presentation/tech-writing/tech-writing-azure-static-web-apps.pptx
+++ b/presentation/tech-writing/tech-writing-azure-static-web-apps.pptx
@@ -5,10 +5,10 @@
     <p:sldMasterId id="2147483672" r:id="rId1"/>
   </p:sldMasterIdLst>
   <p:notesMasterIdLst>
-    <p:notesMasterId r:id="rId15"/>
+    <p:notesMasterId r:id="rId24"/>
   </p:notesMasterIdLst>
   <p:handoutMasterIdLst>
-    <p:handoutMasterId r:id="rId16"/>
+    <p:handoutMasterId r:id="rId25"/>
   </p:handoutMasterIdLst>
   <p:sldIdLst>
     <p:sldId id="256" r:id="rId2"/>
@@ -21,9 +21,18 @@
     <p:sldId id="303" r:id="rId9"/>
     <p:sldId id="304" r:id="rId10"/>
     <p:sldId id="305" r:id="rId11"/>
-    <p:sldId id="296" r:id="rId12"/>
-    <p:sldId id="280" r:id="rId13"/>
-    <p:sldId id="272" r:id="rId14"/>
+    <p:sldId id="306" r:id="rId12"/>
+    <p:sldId id="307" r:id="rId13"/>
+    <p:sldId id="308" r:id="rId14"/>
+    <p:sldId id="309" r:id="rId15"/>
+    <p:sldId id="310" r:id="rId16"/>
+    <p:sldId id="311" r:id="rId17"/>
+    <p:sldId id="312" r:id="rId18"/>
+    <p:sldId id="296" r:id="rId19"/>
+    <p:sldId id="313" r:id="rId20"/>
+    <p:sldId id="315" r:id="rId21"/>
+    <p:sldId id="314" r:id="rId22"/>
+    <p:sldId id="272" r:id="rId23"/>
   </p:sldIdLst>
   <p:sldSz cx="12192000" cy="6858000"/>
   <p:notesSz cx="6858000" cy="9144000"/>
@@ -4766,7 +4775,7 @@
           <p:cNvPr id="2" name="Title 1">
             <a:extLst>
               <a:ext uri="{FF2B5EF4-FFF2-40B4-BE49-F238E27FC236}">
-                <a16:creationId xmlns:a16="http://schemas.microsoft.com/office/drawing/2014/main" id="{D398BFED-2F7F-49BD-B480-56FC297B15A8}"/>
+                <a16:creationId xmlns:a16="http://schemas.microsoft.com/office/drawing/2014/main" id="{E355E0FD-58C5-49E7-AB2A-46560FD288CA}"/>
               </a:ext>
             </a:extLst>
           </p:cNvPr>
@@ -4779,12 +4788,12 @@
         </p:nvSpPr>
         <p:spPr>
           <a:xfrm>
-            <a:off x="609600" y="2857500"/>
-            <a:ext cx="10972800" cy="1143000"/>
+            <a:off x="609600" y="290224"/>
+            <a:ext cx="10972800" cy="722890"/>
           </a:xfrm>
         </p:spPr>
         <p:txBody>
-          <a:bodyPr anchor="ctr"/>
+          <a:bodyPr/>
           <a:lstStyle/>
           <a:p>
             <a:pPr algn="ctr"/>
@@ -4795,7 +4804,350 @@
                 </a:solidFill>
                 <a:latin typeface="+mj-lt"/>
               </a:rPr>
-              <a:t>DEMO</a:t>
+              <a:t>Clear sentences</a:t>
+            </a:r>
+            <a:endParaRPr lang="en-US" dirty="0"/>
+          </a:p>
+        </p:txBody>
+      </p:sp>
+      <p:sp>
+        <p:nvSpPr>
+          <p:cNvPr id="3" name="Text Placeholder 2">
+            <a:extLst>
+              <a:ext uri="{FF2B5EF4-FFF2-40B4-BE49-F238E27FC236}">
+                <a16:creationId xmlns:a16="http://schemas.microsoft.com/office/drawing/2014/main" id="{43AFD2A3-EAC6-41C7-ADB2-686CA9A4F95C}"/>
+              </a:ext>
+            </a:extLst>
+          </p:cNvPr>
+          <p:cNvSpPr>
+            <a:spLocks noGrp="1"/>
+          </p:cNvSpPr>
+          <p:nvPr>
+            <p:ph type="body" idx="1"/>
+          </p:nvPr>
+        </p:nvSpPr>
+        <p:spPr>
+          <a:xfrm>
+            <a:off x="609600" y="1230829"/>
+            <a:ext cx="10972800" cy="1284513"/>
+          </a:xfrm>
+        </p:spPr>
+        <p:txBody>
+          <a:bodyPr/>
+          <a:lstStyle/>
+          <a:p>
+            <a:pPr marL="50799" indent="0">
+              <a:buNone/>
+            </a:pPr>
+            <a:r>
+              <a:rPr lang="en-US" dirty="0">
+                <a:latin typeface="+mn-lt"/>
+              </a:rPr>
+              <a:t>Unit suggests a few ways to make your sentences beautifully clear.</a:t>
+            </a:r>
+          </a:p>
+        </p:txBody>
+      </p:sp>
+      <p:sp>
+        <p:nvSpPr>
+          <p:cNvPr id="9" name="Text Placeholder 2">
+            <a:extLst>
+              <a:ext uri="{FF2B5EF4-FFF2-40B4-BE49-F238E27FC236}">
+                <a16:creationId xmlns:a16="http://schemas.microsoft.com/office/drawing/2014/main" id="{94AF8CE0-EC0F-45CE-9A87-520EA6857B6E}"/>
+              </a:ext>
+            </a:extLst>
+          </p:cNvPr>
+          <p:cNvSpPr txBox="1">
+            <a:spLocks/>
+          </p:cNvSpPr>
+          <p:nvPr/>
+        </p:nvSpPr>
+        <p:spPr>
+          <a:xfrm>
+            <a:off x="609600" y="3346987"/>
+            <a:ext cx="5486400" cy="1991343"/>
+          </a:xfrm>
+          <a:prstGeom prst="rect">
+            <a:avLst/>
+          </a:prstGeom>
+          <a:noFill/>
+          <a:ln>
+            <a:noFill/>
+          </a:ln>
+        </p:spPr>
+        <p:txBody>
+          <a:bodyPr spcFirstLastPara="1" wrap="square" lIns="91425" tIns="91425" rIns="91425" bIns="91425" anchor="t" anchorCtr="0">
+            <a:noAutofit/>
+          </a:bodyPr>
+          <a:lstStyle>
+            <a:defPPr marR="0" lvl="0" algn="l" rtl="0">
+              <a:lnSpc>
+                <a:spcPct val="100000"/>
+              </a:lnSpc>
+              <a:spcBef>
+                <a:spcPts val="0"/>
+              </a:spcBef>
+              <a:spcAft>
+                <a:spcPts val="0"/>
+              </a:spcAft>
+            </a:defPPr>
+            <a:lvl1pPr marL="609585" marR="0" lvl="0" indent="-558786" algn="l" rtl="0" eaLnBrk="1" hangingPunct="1">
+              <a:lnSpc>
+                <a:spcPct val="100000"/>
+              </a:lnSpc>
+              <a:spcBef>
+                <a:spcPts val="800"/>
+              </a:spcBef>
+              <a:spcAft>
+                <a:spcPts val="0"/>
+              </a:spcAft>
+              <a:buClr>
+                <a:schemeClr val="dk1"/>
+              </a:buClr>
+              <a:buSzPts val="3000"/>
+              <a:buFont typeface="Arial"/>
+              <a:buChar char="●"/>
+              <a:defRPr sz="3000" b="0" i="0" u="none" strike="noStrike" cap="none">
+                <a:solidFill>
+                  <a:schemeClr val="dk1"/>
+                </a:solidFill>
+                <a:latin typeface="Arial"/>
+                <a:ea typeface="Arial"/>
+                <a:cs typeface="Arial"/>
+                <a:sym typeface="Arial"/>
+              </a:defRPr>
+            </a:lvl1pPr>
+            <a:lvl2pPr marL="1219170" marR="0" lvl="1" indent="-507987" algn="l" rtl="0" eaLnBrk="1" hangingPunct="1">
+              <a:lnSpc>
+                <a:spcPct val="100000"/>
+              </a:lnSpc>
+              <a:spcBef>
+                <a:spcPts val="0"/>
+              </a:spcBef>
+              <a:spcAft>
+                <a:spcPts val="0"/>
+              </a:spcAft>
+              <a:buClr>
+                <a:schemeClr val="dk1"/>
+              </a:buClr>
+              <a:buSzPts val="2400"/>
+              <a:buFont typeface="Arial"/>
+              <a:buChar char="○"/>
+              <a:defRPr sz="2400" b="0" i="0" u="none" strike="noStrike" cap="none">
+                <a:solidFill>
+                  <a:schemeClr val="dk1"/>
+                </a:solidFill>
+                <a:latin typeface="Arial"/>
+                <a:ea typeface="Arial"/>
+                <a:cs typeface="Arial"/>
+                <a:sym typeface="Arial"/>
+              </a:defRPr>
+            </a:lvl2pPr>
+            <a:lvl3pPr marL="1828754" marR="0" lvl="2" indent="-507987" algn="l" rtl="0" eaLnBrk="1" hangingPunct="1">
+              <a:lnSpc>
+                <a:spcPct val="100000"/>
+              </a:lnSpc>
+              <a:spcBef>
+                <a:spcPts val="0"/>
+              </a:spcBef>
+              <a:spcAft>
+                <a:spcPts val="0"/>
+              </a:spcAft>
+              <a:buClr>
+                <a:schemeClr val="dk1"/>
+              </a:buClr>
+              <a:buSzPts val="2400"/>
+              <a:buFont typeface="Arial"/>
+              <a:buChar char="■"/>
+              <a:defRPr sz="2400" b="0" i="0" u="none" strike="noStrike" cap="none">
+                <a:solidFill>
+                  <a:schemeClr val="dk1"/>
+                </a:solidFill>
+                <a:latin typeface="Arial"/>
+                <a:ea typeface="Arial"/>
+                <a:cs typeface="Arial"/>
+                <a:sym typeface="Arial"/>
+              </a:defRPr>
+            </a:lvl3pPr>
+            <a:lvl4pPr marL="2438339" marR="0" lvl="3" indent="-457189" algn="l" rtl="0" eaLnBrk="1" hangingPunct="1">
+              <a:lnSpc>
+                <a:spcPct val="100000"/>
+              </a:lnSpc>
+              <a:spcBef>
+                <a:spcPts val="0"/>
+              </a:spcBef>
+              <a:spcAft>
+                <a:spcPts val="0"/>
+              </a:spcAft>
+              <a:buClr>
+                <a:schemeClr val="dk1"/>
+              </a:buClr>
+              <a:buSzPts val="1800"/>
+              <a:buFont typeface="Arial"/>
+              <a:buChar char="●"/>
+              <a:defRPr sz="1800" b="0" i="0" u="none" strike="noStrike" cap="none">
+                <a:solidFill>
+                  <a:schemeClr val="dk1"/>
+                </a:solidFill>
+                <a:latin typeface="Arial"/>
+                <a:ea typeface="Arial"/>
+                <a:cs typeface="Arial"/>
+                <a:sym typeface="Arial"/>
+              </a:defRPr>
+            </a:lvl4pPr>
+            <a:lvl5pPr marL="3047924" marR="0" lvl="4" indent="-457189" algn="l" rtl="0" eaLnBrk="1" hangingPunct="1">
+              <a:lnSpc>
+                <a:spcPct val="100000"/>
+              </a:lnSpc>
+              <a:spcBef>
+                <a:spcPts val="0"/>
+              </a:spcBef>
+              <a:spcAft>
+                <a:spcPts val="0"/>
+              </a:spcAft>
+              <a:buClr>
+                <a:schemeClr val="dk1"/>
+              </a:buClr>
+              <a:buSzPts val="1800"/>
+              <a:buFont typeface="Arial"/>
+              <a:buChar char="○"/>
+              <a:defRPr sz="1800" b="0" i="0" u="none" strike="noStrike" cap="none">
+                <a:solidFill>
+                  <a:schemeClr val="dk1"/>
+                </a:solidFill>
+                <a:latin typeface="Arial"/>
+                <a:ea typeface="Arial"/>
+                <a:cs typeface="Arial"/>
+                <a:sym typeface="Arial"/>
+              </a:defRPr>
+            </a:lvl5pPr>
+            <a:lvl6pPr marL="3657509" marR="0" lvl="5" indent="-457189" algn="l" rtl="0" eaLnBrk="1" hangingPunct="1">
+              <a:lnSpc>
+                <a:spcPct val="100000"/>
+              </a:lnSpc>
+              <a:spcBef>
+                <a:spcPts val="0"/>
+              </a:spcBef>
+              <a:spcAft>
+                <a:spcPts val="0"/>
+              </a:spcAft>
+              <a:buClr>
+                <a:schemeClr val="dk1"/>
+              </a:buClr>
+              <a:buSzPts val="1800"/>
+              <a:buFont typeface="Arial"/>
+              <a:buChar char="■"/>
+              <a:defRPr sz="1800" b="0" i="0" u="none" strike="noStrike" cap="none">
+                <a:solidFill>
+                  <a:schemeClr val="dk1"/>
+                </a:solidFill>
+                <a:latin typeface="Arial"/>
+                <a:ea typeface="Arial"/>
+                <a:cs typeface="Arial"/>
+                <a:sym typeface="Arial"/>
+              </a:defRPr>
+            </a:lvl6pPr>
+            <a:lvl7pPr marL="4267093" marR="0" lvl="6" indent="-457189" algn="l" rtl="0" eaLnBrk="1" hangingPunct="1">
+              <a:lnSpc>
+                <a:spcPct val="100000"/>
+              </a:lnSpc>
+              <a:spcBef>
+                <a:spcPts val="0"/>
+              </a:spcBef>
+              <a:spcAft>
+                <a:spcPts val="0"/>
+              </a:spcAft>
+              <a:buClr>
+                <a:schemeClr val="dk1"/>
+              </a:buClr>
+              <a:buSzPts val="1800"/>
+              <a:buFont typeface="Arial"/>
+              <a:buChar char="●"/>
+              <a:defRPr sz="1800" b="0" i="0" u="none" strike="noStrike" cap="none">
+                <a:solidFill>
+                  <a:schemeClr val="dk1"/>
+                </a:solidFill>
+                <a:latin typeface="Arial"/>
+                <a:ea typeface="Arial"/>
+                <a:cs typeface="Arial"/>
+                <a:sym typeface="Arial"/>
+              </a:defRPr>
+            </a:lvl7pPr>
+            <a:lvl8pPr marL="4876678" marR="0" lvl="7" indent="-457189" algn="l" rtl="0" eaLnBrk="1" hangingPunct="1">
+              <a:lnSpc>
+                <a:spcPct val="100000"/>
+              </a:lnSpc>
+              <a:spcBef>
+                <a:spcPts val="0"/>
+              </a:spcBef>
+              <a:spcAft>
+                <a:spcPts val="0"/>
+              </a:spcAft>
+              <a:buClr>
+                <a:schemeClr val="dk1"/>
+              </a:buClr>
+              <a:buSzPts val="1800"/>
+              <a:buFont typeface="Arial"/>
+              <a:buChar char="○"/>
+              <a:defRPr sz="1800" b="0" i="0" u="none" strike="noStrike" cap="none">
+                <a:solidFill>
+                  <a:schemeClr val="dk1"/>
+                </a:solidFill>
+                <a:latin typeface="Arial"/>
+                <a:ea typeface="Arial"/>
+                <a:cs typeface="Arial"/>
+                <a:sym typeface="Arial"/>
+              </a:defRPr>
+            </a:lvl8pPr>
+            <a:lvl9pPr marL="5486263" marR="0" lvl="8" indent="-457189" algn="l" rtl="0" eaLnBrk="1" hangingPunct="1">
+              <a:lnSpc>
+                <a:spcPct val="100000"/>
+              </a:lnSpc>
+              <a:spcBef>
+                <a:spcPts val="0"/>
+              </a:spcBef>
+              <a:spcAft>
+                <a:spcPts val="0"/>
+              </a:spcAft>
+              <a:buClr>
+                <a:schemeClr val="dk1"/>
+              </a:buClr>
+              <a:buSzPts val="1800"/>
+              <a:buFont typeface="Arial"/>
+              <a:buChar char="■"/>
+              <a:defRPr sz="1800" b="0" i="0" u="none" strike="noStrike" cap="none">
+                <a:solidFill>
+                  <a:schemeClr val="dk1"/>
+                </a:solidFill>
+                <a:latin typeface="Arial"/>
+                <a:ea typeface="Arial"/>
+                <a:cs typeface="Arial"/>
+                <a:sym typeface="Arial"/>
+              </a:defRPr>
+            </a:lvl9pPr>
+          </a:lstStyle>
+          <a:p>
+            <a:r>
+              <a:rPr lang="en-US" sz="2000" dirty="0">
+                <a:latin typeface="+mn-lt"/>
+              </a:rPr>
+              <a:t>Choose strong verbs</a:t>
+            </a:r>
+          </a:p>
+          <a:p>
+            <a:r>
+              <a:rPr lang="en-US" sz="2000" dirty="0">
+                <a:latin typeface="+mn-lt"/>
+              </a:rPr>
+              <a:t>Reduce there is/there are</a:t>
+            </a:r>
+          </a:p>
+          <a:p>
+            <a:r>
+              <a:rPr lang="en-US" sz="2000" dirty="0">
+                <a:latin typeface="+mn-lt"/>
+              </a:rPr>
+              <a:t>Minimize certain adjectives and adverbs (optional)</a:t>
             </a:r>
           </a:p>
         </p:txBody>
@@ -4803,7 +5155,7 @@
     </p:spTree>
     <p:extLst>
       <p:ext uri="{BB962C8B-B14F-4D97-AF65-F5344CB8AC3E}">
-        <p14:creationId xmlns:p14="http://schemas.microsoft.com/office/powerpoint/2010/main" val="1463979579"/>
+        <p14:creationId xmlns:p14="http://schemas.microsoft.com/office/powerpoint/2010/main" val="1232627278"/>
       </p:ext>
     </p:extLst>
   </p:cSld>
@@ -4835,7 +5187,7 @@
           <p:cNvPr id="2" name="Title 1">
             <a:extLst>
               <a:ext uri="{FF2B5EF4-FFF2-40B4-BE49-F238E27FC236}">
-                <a16:creationId xmlns:a16="http://schemas.microsoft.com/office/drawing/2014/main" id="{D398BFED-2F7F-49BD-B480-56FC297B15A8}"/>
+                <a16:creationId xmlns:a16="http://schemas.microsoft.com/office/drawing/2014/main" id="{E355E0FD-58C5-49E7-AB2A-46560FD288CA}"/>
               </a:ext>
             </a:extLst>
           </p:cNvPr>
@@ -4848,12 +5200,12 @@
         </p:nvSpPr>
         <p:spPr>
           <a:xfrm>
-            <a:off x="609600" y="0"/>
-            <a:ext cx="10972800" cy="1143000"/>
+            <a:off x="609600" y="290224"/>
+            <a:ext cx="10972800" cy="722890"/>
           </a:xfrm>
         </p:spPr>
         <p:txBody>
-          <a:bodyPr anchor="ctr"/>
+          <a:bodyPr/>
           <a:lstStyle/>
           <a:p>
             <a:pPr algn="ctr"/>
@@ -4864,67 +5216,1439 @@
                 </a:solidFill>
                 <a:latin typeface="+mj-lt"/>
               </a:rPr>
-              <a:t>Links</a:t>
-            </a:r>
+              <a:t>Clear sentences</a:t>
+            </a:r>
+            <a:endParaRPr lang="en-US" dirty="0"/>
           </a:p>
         </p:txBody>
       </p:sp>
       <p:sp>
         <p:nvSpPr>
-          <p:cNvPr id="3" name="TextBox 2">
+          <p:cNvPr id="4" name="Text Placeholder 2">
             <a:extLst>
               <a:ext uri="{FF2B5EF4-FFF2-40B4-BE49-F238E27FC236}">
-                <a16:creationId xmlns:a16="http://schemas.microsoft.com/office/drawing/2014/main" id="{152EED49-F37E-453A-9CB2-5DB8C63E8280}"/>
+                <a16:creationId xmlns:a16="http://schemas.microsoft.com/office/drawing/2014/main" id="{B8AD014B-AF53-4C8E-8088-EF45C0C66DBD}"/>
               </a:ext>
             </a:extLst>
           </p:cNvPr>
-          <p:cNvSpPr txBox="1"/>
+          <p:cNvSpPr txBox="1">
+            <a:spLocks/>
+          </p:cNvSpPr>
           <p:nvPr/>
         </p:nvSpPr>
         <p:spPr>
           <a:xfrm>
-            <a:off x="702260" y="1143000"/>
-            <a:ext cx="10787480" cy="1323439"/>
+            <a:off x="707571" y="1120490"/>
+            <a:ext cx="10972800" cy="1883967"/>
           </a:xfrm>
           <a:prstGeom prst="rect">
             <a:avLst/>
           </a:prstGeom>
           <a:noFill/>
+          <a:ln>
+            <a:noFill/>
+          </a:ln>
         </p:spPr>
         <p:txBody>
-          <a:bodyPr wrap="square" rtlCol="0">
-            <a:spAutoFit/>
+          <a:bodyPr spcFirstLastPara="1" wrap="square" lIns="91425" tIns="91425" rIns="91425" bIns="91425" anchor="t" anchorCtr="0">
+            <a:noAutofit/>
           </a:bodyPr>
-          <a:lstStyle/>
-          <a:p>
-            <a:endParaRPr lang="en-US" sz="2000" dirty="0">
-              <a:latin typeface="+mn-lt"/>
-              <a:hlinkClick r:id="rId2"/>
-            </a:endParaRPr>
-          </a:p>
-          <a:p>
-            <a:endParaRPr lang="en-US" sz="2000" dirty="0">
-              <a:latin typeface="+mn-lt"/>
-              <a:hlinkClick r:id="rId2"/>
-            </a:endParaRPr>
-          </a:p>
-          <a:p>
-            <a:endParaRPr lang="en-US" sz="2000" dirty="0">
-              <a:latin typeface="+mn-lt"/>
-              <a:hlinkClick r:id="rId2"/>
-            </a:endParaRPr>
-          </a:p>
-          <a:p>
-            <a:endParaRPr lang="en-US" sz="2000" dirty="0">
-              <a:latin typeface="+mn-lt"/>
-            </a:endParaRPr>
+          <a:lstStyle>
+            <a:defPPr marR="0" lvl="0" algn="l" rtl="0">
+              <a:lnSpc>
+                <a:spcPct val="100000"/>
+              </a:lnSpc>
+              <a:spcBef>
+                <a:spcPts val="0"/>
+              </a:spcBef>
+              <a:spcAft>
+                <a:spcPts val="0"/>
+              </a:spcAft>
+            </a:defPPr>
+            <a:lvl1pPr marL="609585" marR="0" lvl="0" indent="-558786" algn="l" rtl="0" eaLnBrk="1" hangingPunct="1">
+              <a:lnSpc>
+                <a:spcPct val="100000"/>
+              </a:lnSpc>
+              <a:spcBef>
+                <a:spcPts val="800"/>
+              </a:spcBef>
+              <a:spcAft>
+                <a:spcPts val="0"/>
+              </a:spcAft>
+              <a:buClr>
+                <a:schemeClr val="dk1"/>
+              </a:buClr>
+              <a:buSzPts val="3000"/>
+              <a:buFont typeface="Arial"/>
+              <a:buChar char="●"/>
+              <a:defRPr sz="3000" b="0" i="0" u="none" strike="noStrike" cap="none">
+                <a:solidFill>
+                  <a:schemeClr val="dk1"/>
+                </a:solidFill>
+                <a:latin typeface="Arial"/>
+                <a:ea typeface="Arial"/>
+                <a:cs typeface="Arial"/>
+                <a:sym typeface="Arial"/>
+              </a:defRPr>
+            </a:lvl1pPr>
+            <a:lvl2pPr marL="1219170" marR="0" lvl="1" indent="-507987" algn="l" rtl="0" eaLnBrk="1" hangingPunct="1">
+              <a:lnSpc>
+                <a:spcPct val="100000"/>
+              </a:lnSpc>
+              <a:spcBef>
+                <a:spcPts val="0"/>
+              </a:spcBef>
+              <a:spcAft>
+                <a:spcPts val="0"/>
+              </a:spcAft>
+              <a:buClr>
+                <a:schemeClr val="dk1"/>
+              </a:buClr>
+              <a:buSzPts val="2400"/>
+              <a:buFont typeface="Arial"/>
+              <a:buChar char="○"/>
+              <a:defRPr sz="2400" b="0" i="0" u="none" strike="noStrike" cap="none">
+                <a:solidFill>
+                  <a:schemeClr val="dk1"/>
+                </a:solidFill>
+                <a:latin typeface="Arial"/>
+                <a:ea typeface="Arial"/>
+                <a:cs typeface="Arial"/>
+                <a:sym typeface="Arial"/>
+              </a:defRPr>
+            </a:lvl2pPr>
+            <a:lvl3pPr marL="1828754" marR="0" lvl="2" indent="-507987" algn="l" rtl="0" eaLnBrk="1" hangingPunct="1">
+              <a:lnSpc>
+                <a:spcPct val="100000"/>
+              </a:lnSpc>
+              <a:spcBef>
+                <a:spcPts val="0"/>
+              </a:spcBef>
+              <a:spcAft>
+                <a:spcPts val="0"/>
+              </a:spcAft>
+              <a:buClr>
+                <a:schemeClr val="dk1"/>
+              </a:buClr>
+              <a:buSzPts val="2400"/>
+              <a:buFont typeface="Arial"/>
+              <a:buChar char="■"/>
+              <a:defRPr sz="2400" b="0" i="0" u="none" strike="noStrike" cap="none">
+                <a:solidFill>
+                  <a:schemeClr val="dk1"/>
+                </a:solidFill>
+                <a:latin typeface="Arial"/>
+                <a:ea typeface="Arial"/>
+                <a:cs typeface="Arial"/>
+                <a:sym typeface="Arial"/>
+              </a:defRPr>
+            </a:lvl3pPr>
+            <a:lvl4pPr marL="2438339" marR="0" lvl="3" indent="-457189" algn="l" rtl="0" eaLnBrk="1" hangingPunct="1">
+              <a:lnSpc>
+                <a:spcPct val="100000"/>
+              </a:lnSpc>
+              <a:spcBef>
+                <a:spcPts val="0"/>
+              </a:spcBef>
+              <a:spcAft>
+                <a:spcPts val="0"/>
+              </a:spcAft>
+              <a:buClr>
+                <a:schemeClr val="dk1"/>
+              </a:buClr>
+              <a:buSzPts val="1800"/>
+              <a:buFont typeface="Arial"/>
+              <a:buChar char="●"/>
+              <a:defRPr sz="1800" b="0" i="0" u="none" strike="noStrike" cap="none">
+                <a:solidFill>
+                  <a:schemeClr val="dk1"/>
+                </a:solidFill>
+                <a:latin typeface="Arial"/>
+                <a:ea typeface="Arial"/>
+                <a:cs typeface="Arial"/>
+                <a:sym typeface="Arial"/>
+              </a:defRPr>
+            </a:lvl4pPr>
+            <a:lvl5pPr marL="3047924" marR="0" lvl="4" indent="-457189" algn="l" rtl="0" eaLnBrk="1" hangingPunct="1">
+              <a:lnSpc>
+                <a:spcPct val="100000"/>
+              </a:lnSpc>
+              <a:spcBef>
+                <a:spcPts val="0"/>
+              </a:spcBef>
+              <a:spcAft>
+                <a:spcPts val="0"/>
+              </a:spcAft>
+              <a:buClr>
+                <a:schemeClr val="dk1"/>
+              </a:buClr>
+              <a:buSzPts val="1800"/>
+              <a:buFont typeface="Arial"/>
+              <a:buChar char="○"/>
+              <a:defRPr sz="1800" b="0" i="0" u="none" strike="noStrike" cap="none">
+                <a:solidFill>
+                  <a:schemeClr val="dk1"/>
+                </a:solidFill>
+                <a:latin typeface="Arial"/>
+                <a:ea typeface="Arial"/>
+                <a:cs typeface="Arial"/>
+                <a:sym typeface="Arial"/>
+              </a:defRPr>
+            </a:lvl5pPr>
+            <a:lvl6pPr marL="3657509" marR="0" lvl="5" indent="-457189" algn="l" rtl="0" eaLnBrk="1" hangingPunct="1">
+              <a:lnSpc>
+                <a:spcPct val="100000"/>
+              </a:lnSpc>
+              <a:spcBef>
+                <a:spcPts val="0"/>
+              </a:spcBef>
+              <a:spcAft>
+                <a:spcPts val="0"/>
+              </a:spcAft>
+              <a:buClr>
+                <a:schemeClr val="dk1"/>
+              </a:buClr>
+              <a:buSzPts val="1800"/>
+              <a:buFont typeface="Arial"/>
+              <a:buChar char="■"/>
+              <a:defRPr sz="1800" b="0" i="0" u="none" strike="noStrike" cap="none">
+                <a:solidFill>
+                  <a:schemeClr val="dk1"/>
+                </a:solidFill>
+                <a:latin typeface="Arial"/>
+                <a:ea typeface="Arial"/>
+                <a:cs typeface="Arial"/>
+                <a:sym typeface="Arial"/>
+              </a:defRPr>
+            </a:lvl6pPr>
+            <a:lvl7pPr marL="4267093" marR="0" lvl="6" indent="-457189" algn="l" rtl="0" eaLnBrk="1" hangingPunct="1">
+              <a:lnSpc>
+                <a:spcPct val="100000"/>
+              </a:lnSpc>
+              <a:spcBef>
+                <a:spcPts val="0"/>
+              </a:spcBef>
+              <a:spcAft>
+                <a:spcPts val="0"/>
+              </a:spcAft>
+              <a:buClr>
+                <a:schemeClr val="dk1"/>
+              </a:buClr>
+              <a:buSzPts val="1800"/>
+              <a:buFont typeface="Arial"/>
+              <a:buChar char="●"/>
+              <a:defRPr sz="1800" b="0" i="0" u="none" strike="noStrike" cap="none">
+                <a:solidFill>
+                  <a:schemeClr val="dk1"/>
+                </a:solidFill>
+                <a:latin typeface="Arial"/>
+                <a:ea typeface="Arial"/>
+                <a:cs typeface="Arial"/>
+                <a:sym typeface="Arial"/>
+              </a:defRPr>
+            </a:lvl7pPr>
+            <a:lvl8pPr marL="4876678" marR="0" lvl="7" indent="-457189" algn="l" rtl="0" eaLnBrk="1" hangingPunct="1">
+              <a:lnSpc>
+                <a:spcPct val="100000"/>
+              </a:lnSpc>
+              <a:spcBef>
+                <a:spcPts val="0"/>
+              </a:spcBef>
+              <a:spcAft>
+                <a:spcPts val="0"/>
+              </a:spcAft>
+              <a:buClr>
+                <a:schemeClr val="dk1"/>
+              </a:buClr>
+              <a:buSzPts val="1800"/>
+              <a:buFont typeface="Arial"/>
+              <a:buChar char="○"/>
+              <a:defRPr sz="1800" b="0" i="0" u="none" strike="noStrike" cap="none">
+                <a:solidFill>
+                  <a:schemeClr val="dk1"/>
+                </a:solidFill>
+                <a:latin typeface="Arial"/>
+                <a:ea typeface="Arial"/>
+                <a:cs typeface="Arial"/>
+                <a:sym typeface="Arial"/>
+              </a:defRPr>
+            </a:lvl8pPr>
+            <a:lvl9pPr marL="5486263" marR="0" lvl="8" indent="-457189" algn="l" rtl="0" eaLnBrk="1" hangingPunct="1">
+              <a:lnSpc>
+                <a:spcPct val="100000"/>
+              </a:lnSpc>
+              <a:spcBef>
+                <a:spcPts val="0"/>
+              </a:spcBef>
+              <a:spcAft>
+                <a:spcPts val="0"/>
+              </a:spcAft>
+              <a:buClr>
+                <a:schemeClr val="dk1"/>
+              </a:buClr>
+              <a:buSzPts val="1800"/>
+              <a:buFont typeface="Arial"/>
+              <a:buChar char="■"/>
+              <a:defRPr sz="1800" b="0" i="0" u="none" strike="noStrike" cap="none">
+                <a:solidFill>
+                  <a:schemeClr val="dk1"/>
+                </a:solidFill>
+                <a:latin typeface="Arial"/>
+                <a:ea typeface="Arial"/>
+                <a:cs typeface="Arial"/>
+                <a:sym typeface="Arial"/>
+              </a:defRPr>
+            </a:lvl9pPr>
+          </a:lstStyle>
+          <a:p>
+            <a:pPr marL="50799" indent="0">
+              <a:buFont typeface="Arial"/>
+              <a:buNone/>
+            </a:pPr>
+            <a:r>
+              <a:rPr lang="en-US" sz="2400" u="sng" dirty="0">
+                <a:latin typeface="+mn-lt"/>
+              </a:rPr>
+              <a:t>Exercise:</a:t>
+            </a:r>
+          </a:p>
+          <a:p>
+            <a:pPr marL="50799" indent="0">
+              <a:buFont typeface="Arial"/>
+              <a:buNone/>
+            </a:pPr>
+            <a:r>
+              <a:rPr lang="en-US" sz="2400" dirty="0">
+                <a:latin typeface="+mn-lt"/>
+              </a:rPr>
+              <a:t>Clarify the following sentences by removing </a:t>
+            </a:r>
+            <a:r>
+              <a:rPr lang="en-US" sz="2400" b="1" dirty="0">
+                <a:latin typeface="+mn-lt"/>
+              </a:rPr>
+              <a:t>There is</a:t>
+            </a:r>
+            <a:r>
+              <a:rPr lang="en-US" sz="2400" dirty="0">
+                <a:latin typeface="+mn-lt"/>
+              </a:rPr>
+              <a:t>:</a:t>
+            </a:r>
+          </a:p>
+        </p:txBody>
+      </p:sp>
+      <p:sp>
+        <p:nvSpPr>
+          <p:cNvPr id="7" name="Text Placeholder 2">
+            <a:extLst>
+              <a:ext uri="{FF2B5EF4-FFF2-40B4-BE49-F238E27FC236}">
+                <a16:creationId xmlns:a16="http://schemas.microsoft.com/office/drawing/2014/main" id="{61061C07-19D4-4F1D-9DC7-00D86DAE9F78}"/>
+              </a:ext>
+            </a:extLst>
+          </p:cNvPr>
+          <p:cNvSpPr txBox="1">
+            <a:spLocks/>
+          </p:cNvSpPr>
+          <p:nvPr/>
+        </p:nvSpPr>
+        <p:spPr>
+          <a:xfrm>
+            <a:off x="707571" y="3429001"/>
+            <a:ext cx="10972800" cy="696686"/>
+          </a:xfrm>
+          <a:prstGeom prst="rect">
+            <a:avLst/>
+          </a:prstGeom>
+          <a:solidFill>
+            <a:schemeClr val="bg1">
+              <a:lumMod val="40000"/>
+              <a:lumOff val="60000"/>
+            </a:schemeClr>
+          </a:solidFill>
+          <a:ln>
+            <a:noFill/>
+          </a:ln>
+        </p:spPr>
+        <p:txBody>
+          <a:bodyPr spcFirstLastPara="1" wrap="square" lIns="91425" tIns="91425" rIns="91425" bIns="91425" anchor="t" anchorCtr="0">
+            <a:noAutofit/>
+          </a:bodyPr>
+          <a:lstStyle>
+            <a:defPPr marR="0" lvl="0" algn="l" rtl="0">
+              <a:lnSpc>
+                <a:spcPct val="100000"/>
+              </a:lnSpc>
+              <a:spcBef>
+                <a:spcPts val="0"/>
+              </a:spcBef>
+              <a:spcAft>
+                <a:spcPts val="0"/>
+              </a:spcAft>
+            </a:defPPr>
+            <a:lvl1pPr marL="609585" marR="0" lvl="0" indent="-558786" algn="l" rtl="0" eaLnBrk="1" hangingPunct="1">
+              <a:lnSpc>
+                <a:spcPct val="100000"/>
+              </a:lnSpc>
+              <a:spcBef>
+                <a:spcPts val="800"/>
+              </a:spcBef>
+              <a:spcAft>
+                <a:spcPts val="0"/>
+              </a:spcAft>
+              <a:buClr>
+                <a:schemeClr val="dk1"/>
+              </a:buClr>
+              <a:buSzPts val="3000"/>
+              <a:buFont typeface="Arial"/>
+              <a:buChar char="●"/>
+              <a:defRPr sz="3000" b="0" i="0" u="none" strike="noStrike" cap="none">
+                <a:solidFill>
+                  <a:schemeClr val="dk1"/>
+                </a:solidFill>
+                <a:latin typeface="Arial"/>
+                <a:ea typeface="Arial"/>
+                <a:cs typeface="Arial"/>
+                <a:sym typeface="Arial"/>
+              </a:defRPr>
+            </a:lvl1pPr>
+            <a:lvl2pPr marL="1219170" marR="0" lvl="1" indent="-507987" algn="l" rtl="0" eaLnBrk="1" hangingPunct="1">
+              <a:lnSpc>
+                <a:spcPct val="100000"/>
+              </a:lnSpc>
+              <a:spcBef>
+                <a:spcPts val="0"/>
+              </a:spcBef>
+              <a:spcAft>
+                <a:spcPts val="0"/>
+              </a:spcAft>
+              <a:buClr>
+                <a:schemeClr val="dk1"/>
+              </a:buClr>
+              <a:buSzPts val="2400"/>
+              <a:buFont typeface="Arial"/>
+              <a:buChar char="○"/>
+              <a:defRPr sz="2400" b="0" i="0" u="none" strike="noStrike" cap="none">
+                <a:solidFill>
+                  <a:schemeClr val="dk1"/>
+                </a:solidFill>
+                <a:latin typeface="Arial"/>
+                <a:ea typeface="Arial"/>
+                <a:cs typeface="Arial"/>
+                <a:sym typeface="Arial"/>
+              </a:defRPr>
+            </a:lvl2pPr>
+            <a:lvl3pPr marL="1828754" marR="0" lvl="2" indent="-507987" algn="l" rtl="0" eaLnBrk="1" hangingPunct="1">
+              <a:lnSpc>
+                <a:spcPct val="100000"/>
+              </a:lnSpc>
+              <a:spcBef>
+                <a:spcPts val="0"/>
+              </a:spcBef>
+              <a:spcAft>
+                <a:spcPts val="0"/>
+              </a:spcAft>
+              <a:buClr>
+                <a:schemeClr val="dk1"/>
+              </a:buClr>
+              <a:buSzPts val="2400"/>
+              <a:buFont typeface="Arial"/>
+              <a:buChar char="■"/>
+              <a:defRPr sz="2400" b="0" i="0" u="none" strike="noStrike" cap="none">
+                <a:solidFill>
+                  <a:schemeClr val="dk1"/>
+                </a:solidFill>
+                <a:latin typeface="Arial"/>
+                <a:ea typeface="Arial"/>
+                <a:cs typeface="Arial"/>
+                <a:sym typeface="Arial"/>
+              </a:defRPr>
+            </a:lvl3pPr>
+            <a:lvl4pPr marL="2438339" marR="0" lvl="3" indent="-457189" algn="l" rtl="0" eaLnBrk="1" hangingPunct="1">
+              <a:lnSpc>
+                <a:spcPct val="100000"/>
+              </a:lnSpc>
+              <a:spcBef>
+                <a:spcPts val="0"/>
+              </a:spcBef>
+              <a:spcAft>
+                <a:spcPts val="0"/>
+              </a:spcAft>
+              <a:buClr>
+                <a:schemeClr val="dk1"/>
+              </a:buClr>
+              <a:buSzPts val="1800"/>
+              <a:buFont typeface="Arial"/>
+              <a:buChar char="●"/>
+              <a:defRPr sz="1800" b="0" i="0" u="none" strike="noStrike" cap="none">
+                <a:solidFill>
+                  <a:schemeClr val="dk1"/>
+                </a:solidFill>
+                <a:latin typeface="Arial"/>
+                <a:ea typeface="Arial"/>
+                <a:cs typeface="Arial"/>
+                <a:sym typeface="Arial"/>
+              </a:defRPr>
+            </a:lvl4pPr>
+            <a:lvl5pPr marL="3047924" marR="0" lvl="4" indent="-457189" algn="l" rtl="0" eaLnBrk="1" hangingPunct="1">
+              <a:lnSpc>
+                <a:spcPct val="100000"/>
+              </a:lnSpc>
+              <a:spcBef>
+                <a:spcPts val="0"/>
+              </a:spcBef>
+              <a:spcAft>
+                <a:spcPts val="0"/>
+              </a:spcAft>
+              <a:buClr>
+                <a:schemeClr val="dk1"/>
+              </a:buClr>
+              <a:buSzPts val="1800"/>
+              <a:buFont typeface="Arial"/>
+              <a:buChar char="○"/>
+              <a:defRPr sz="1800" b="0" i="0" u="none" strike="noStrike" cap="none">
+                <a:solidFill>
+                  <a:schemeClr val="dk1"/>
+                </a:solidFill>
+                <a:latin typeface="Arial"/>
+                <a:ea typeface="Arial"/>
+                <a:cs typeface="Arial"/>
+                <a:sym typeface="Arial"/>
+              </a:defRPr>
+            </a:lvl5pPr>
+            <a:lvl6pPr marL="3657509" marR="0" lvl="5" indent="-457189" algn="l" rtl="0" eaLnBrk="1" hangingPunct="1">
+              <a:lnSpc>
+                <a:spcPct val="100000"/>
+              </a:lnSpc>
+              <a:spcBef>
+                <a:spcPts val="0"/>
+              </a:spcBef>
+              <a:spcAft>
+                <a:spcPts val="0"/>
+              </a:spcAft>
+              <a:buClr>
+                <a:schemeClr val="dk1"/>
+              </a:buClr>
+              <a:buSzPts val="1800"/>
+              <a:buFont typeface="Arial"/>
+              <a:buChar char="■"/>
+              <a:defRPr sz="1800" b="0" i="0" u="none" strike="noStrike" cap="none">
+                <a:solidFill>
+                  <a:schemeClr val="dk1"/>
+                </a:solidFill>
+                <a:latin typeface="Arial"/>
+                <a:ea typeface="Arial"/>
+                <a:cs typeface="Arial"/>
+                <a:sym typeface="Arial"/>
+              </a:defRPr>
+            </a:lvl6pPr>
+            <a:lvl7pPr marL="4267093" marR="0" lvl="6" indent="-457189" algn="l" rtl="0" eaLnBrk="1" hangingPunct="1">
+              <a:lnSpc>
+                <a:spcPct val="100000"/>
+              </a:lnSpc>
+              <a:spcBef>
+                <a:spcPts val="0"/>
+              </a:spcBef>
+              <a:spcAft>
+                <a:spcPts val="0"/>
+              </a:spcAft>
+              <a:buClr>
+                <a:schemeClr val="dk1"/>
+              </a:buClr>
+              <a:buSzPts val="1800"/>
+              <a:buFont typeface="Arial"/>
+              <a:buChar char="●"/>
+              <a:defRPr sz="1800" b="0" i="0" u="none" strike="noStrike" cap="none">
+                <a:solidFill>
+                  <a:schemeClr val="dk1"/>
+                </a:solidFill>
+                <a:latin typeface="Arial"/>
+                <a:ea typeface="Arial"/>
+                <a:cs typeface="Arial"/>
+                <a:sym typeface="Arial"/>
+              </a:defRPr>
+            </a:lvl7pPr>
+            <a:lvl8pPr marL="4876678" marR="0" lvl="7" indent="-457189" algn="l" rtl="0" eaLnBrk="1" hangingPunct="1">
+              <a:lnSpc>
+                <a:spcPct val="100000"/>
+              </a:lnSpc>
+              <a:spcBef>
+                <a:spcPts val="0"/>
+              </a:spcBef>
+              <a:spcAft>
+                <a:spcPts val="0"/>
+              </a:spcAft>
+              <a:buClr>
+                <a:schemeClr val="dk1"/>
+              </a:buClr>
+              <a:buSzPts val="1800"/>
+              <a:buFont typeface="Arial"/>
+              <a:buChar char="○"/>
+              <a:defRPr sz="1800" b="0" i="0" u="none" strike="noStrike" cap="none">
+                <a:solidFill>
+                  <a:schemeClr val="dk1"/>
+                </a:solidFill>
+                <a:latin typeface="Arial"/>
+                <a:ea typeface="Arial"/>
+                <a:cs typeface="Arial"/>
+                <a:sym typeface="Arial"/>
+              </a:defRPr>
+            </a:lvl8pPr>
+            <a:lvl9pPr marL="5486263" marR="0" lvl="8" indent="-457189" algn="l" rtl="0" eaLnBrk="1" hangingPunct="1">
+              <a:lnSpc>
+                <a:spcPct val="100000"/>
+              </a:lnSpc>
+              <a:spcBef>
+                <a:spcPts val="0"/>
+              </a:spcBef>
+              <a:spcAft>
+                <a:spcPts val="0"/>
+              </a:spcAft>
+              <a:buClr>
+                <a:schemeClr val="dk1"/>
+              </a:buClr>
+              <a:buSzPts val="1800"/>
+              <a:buFont typeface="Arial"/>
+              <a:buChar char="■"/>
+              <a:defRPr sz="1800" b="0" i="0" u="none" strike="noStrike" cap="none">
+                <a:solidFill>
+                  <a:schemeClr val="dk1"/>
+                </a:solidFill>
+                <a:latin typeface="Arial"/>
+                <a:ea typeface="Arial"/>
+                <a:cs typeface="Arial"/>
+                <a:sym typeface="Arial"/>
+              </a:defRPr>
+            </a:lvl9pPr>
+          </a:lstStyle>
+          <a:p>
+            <a:pPr marL="50799" indent="0">
+              <a:buFont typeface="Arial"/>
+              <a:buNone/>
+            </a:pPr>
+            <a:r>
+              <a:rPr lang="en-US" sz="1800" dirty="0">
+                <a:latin typeface="+mn-lt"/>
+              </a:rPr>
+              <a:t>There is a low-level, TensorFlow, Python interface to load a saved model.</a:t>
+            </a:r>
+          </a:p>
+        </p:txBody>
+      </p:sp>
+      <p:sp>
+        <p:nvSpPr>
+          <p:cNvPr id="8" name="Text Placeholder 2">
+            <a:extLst>
+              <a:ext uri="{FF2B5EF4-FFF2-40B4-BE49-F238E27FC236}">
+                <a16:creationId xmlns:a16="http://schemas.microsoft.com/office/drawing/2014/main" id="{3431D547-3EAD-49CB-B483-E64707FA8B26}"/>
+              </a:ext>
+            </a:extLst>
+          </p:cNvPr>
+          <p:cNvSpPr txBox="1">
+            <a:spLocks/>
+          </p:cNvSpPr>
+          <p:nvPr/>
+        </p:nvSpPr>
+        <p:spPr>
+          <a:xfrm>
+            <a:off x="707571" y="4788972"/>
+            <a:ext cx="10972800" cy="696686"/>
+          </a:xfrm>
+          <a:prstGeom prst="rect">
+            <a:avLst/>
+          </a:prstGeom>
+          <a:solidFill>
+            <a:schemeClr val="bg1">
+              <a:lumMod val="40000"/>
+              <a:lumOff val="60000"/>
+            </a:schemeClr>
+          </a:solidFill>
+          <a:ln>
+            <a:noFill/>
+          </a:ln>
+        </p:spPr>
+        <p:txBody>
+          <a:bodyPr spcFirstLastPara="1" wrap="square" lIns="91425" tIns="91425" rIns="91425" bIns="91425" anchor="t" anchorCtr="0">
+            <a:noAutofit/>
+          </a:bodyPr>
+          <a:lstStyle>
+            <a:defPPr marR="0" lvl="0" algn="l" rtl="0">
+              <a:lnSpc>
+                <a:spcPct val="100000"/>
+              </a:lnSpc>
+              <a:spcBef>
+                <a:spcPts val="0"/>
+              </a:spcBef>
+              <a:spcAft>
+                <a:spcPts val="0"/>
+              </a:spcAft>
+            </a:defPPr>
+            <a:lvl1pPr marL="609585" marR="0" lvl="0" indent="-558786" algn="l" rtl="0" eaLnBrk="1" hangingPunct="1">
+              <a:lnSpc>
+                <a:spcPct val="100000"/>
+              </a:lnSpc>
+              <a:spcBef>
+                <a:spcPts val="800"/>
+              </a:spcBef>
+              <a:spcAft>
+                <a:spcPts val="0"/>
+              </a:spcAft>
+              <a:buClr>
+                <a:schemeClr val="dk1"/>
+              </a:buClr>
+              <a:buSzPts val="3000"/>
+              <a:buFont typeface="Arial"/>
+              <a:buChar char="●"/>
+              <a:defRPr sz="3000" b="0" i="0" u="none" strike="noStrike" cap="none">
+                <a:solidFill>
+                  <a:schemeClr val="dk1"/>
+                </a:solidFill>
+                <a:latin typeface="Arial"/>
+                <a:ea typeface="Arial"/>
+                <a:cs typeface="Arial"/>
+                <a:sym typeface="Arial"/>
+              </a:defRPr>
+            </a:lvl1pPr>
+            <a:lvl2pPr marL="1219170" marR="0" lvl="1" indent="-507987" algn="l" rtl="0" eaLnBrk="1" hangingPunct="1">
+              <a:lnSpc>
+                <a:spcPct val="100000"/>
+              </a:lnSpc>
+              <a:spcBef>
+                <a:spcPts val="0"/>
+              </a:spcBef>
+              <a:spcAft>
+                <a:spcPts val="0"/>
+              </a:spcAft>
+              <a:buClr>
+                <a:schemeClr val="dk1"/>
+              </a:buClr>
+              <a:buSzPts val="2400"/>
+              <a:buFont typeface="Arial"/>
+              <a:buChar char="○"/>
+              <a:defRPr sz="2400" b="0" i="0" u="none" strike="noStrike" cap="none">
+                <a:solidFill>
+                  <a:schemeClr val="dk1"/>
+                </a:solidFill>
+                <a:latin typeface="Arial"/>
+                <a:ea typeface="Arial"/>
+                <a:cs typeface="Arial"/>
+                <a:sym typeface="Arial"/>
+              </a:defRPr>
+            </a:lvl2pPr>
+            <a:lvl3pPr marL="1828754" marR="0" lvl="2" indent="-507987" algn="l" rtl="0" eaLnBrk="1" hangingPunct="1">
+              <a:lnSpc>
+                <a:spcPct val="100000"/>
+              </a:lnSpc>
+              <a:spcBef>
+                <a:spcPts val="0"/>
+              </a:spcBef>
+              <a:spcAft>
+                <a:spcPts val="0"/>
+              </a:spcAft>
+              <a:buClr>
+                <a:schemeClr val="dk1"/>
+              </a:buClr>
+              <a:buSzPts val="2400"/>
+              <a:buFont typeface="Arial"/>
+              <a:buChar char="■"/>
+              <a:defRPr sz="2400" b="0" i="0" u="none" strike="noStrike" cap="none">
+                <a:solidFill>
+                  <a:schemeClr val="dk1"/>
+                </a:solidFill>
+                <a:latin typeface="Arial"/>
+                <a:ea typeface="Arial"/>
+                <a:cs typeface="Arial"/>
+                <a:sym typeface="Arial"/>
+              </a:defRPr>
+            </a:lvl3pPr>
+            <a:lvl4pPr marL="2438339" marR="0" lvl="3" indent="-457189" algn="l" rtl="0" eaLnBrk="1" hangingPunct="1">
+              <a:lnSpc>
+                <a:spcPct val="100000"/>
+              </a:lnSpc>
+              <a:spcBef>
+                <a:spcPts val="0"/>
+              </a:spcBef>
+              <a:spcAft>
+                <a:spcPts val="0"/>
+              </a:spcAft>
+              <a:buClr>
+                <a:schemeClr val="dk1"/>
+              </a:buClr>
+              <a:buSzPts val="1800"/>
+              <a:buFont typeface="Arial"/>
+              <a:buChar char="●"/>
+              <a:defRPr sz="1800" b="0" i="0" u="none" strike="noStrike" cap="none">
+                <a:solidFill>
+                  <a:schemeClr val="dk1"/>
+                </a:solidFill>
+                <a:latin typeface="Arial"/>
+                <a:ea typeface="Arial"/>
+                <a:cs typeface="Arial"/>
+                <a:sym typeface="Arial"/>
+              </a:defRPr>
+            </a:lvl4pPr>
+            <a:lvl5pPr marL="3047924" marR="0" lvl="4" indent="-457189" algn="l" rtl="0" eaLnBrk="1" hangingPunct="1">
+              <a:lnSpc>
+                <a:spcPct val="100000"/>
+              </a:lnSpc>
+              <a:spcBef>
+                <a:spcPts val="0"/>
+              </a:spcBef>
+              <a:spcAft>
+                <a:spcPts val="0"/>
+              </a:spcAft>
+              <a:buClr>
+                <a:schemeClr val="dk1"/>
+              </a:buClr>
+              <a:buSzPts val="1800"/>
+              <a:buFont typeface="Arial"/>
+              <a:buChar char="○"/>
+              <a:defRPr sz="1800" b="0" i="0" u="none" strike="noStrike" cap="none">
+                <a:solidFill>
+                  <a:schemeClr val="dk1"/>
+                </a:solidFill>
+                <a:latin typeface="Arial"/>
+                <a:ea typeface="Arial"/>
+                <a:cs typeface="Arial"/>
+                <a:sym typeface="Arial"/>
+              </a:defRPr>
+            </a:lvl5pPr>
+            <a:lvl6pPr marL="3657509" marR="0" lvl="5" indent="-457189" algn="l" rtl="0" eaLnBrk="1" hangingPunct="1">
+              <a:lnSpc>
+                <a:spcPct val="100000"/>
+              </a:lnSpc>
+              <a:spcBef>
+                <a:spcPts val="0"/>
+              </a:spcBef>
+              <a:spcAft>
+                <a:spcPts val="0"/>
+              </a:spcAft>
+              <a:buClr>
+                <a:schemeClr val="dk1"/>
+              </a:buClr>
+              <a:buSzPts val="1800"/>
+              <a:buFont typeface="Arial"/>
+              <a:buChar char="■"/>
+              <a:defRPr sz="1800" b="0" i="0" u="none" strike="noStrike" cap="none">
+                <a:solidFill>
+                  <a:schemeClr val="dk1"/>
+                </a:solidFill>
+                <a:latin typeface="Arial"/>
+                <a:ea typeface="Arial"/>
+                <a:cs typeface="Arial"/>
+                <a:sym typeface="Arial"/>
+              </a:defRPr>
+            </a:lvl6pPr>
+            <a:lvl7pPr marL="4267093" marR="0" lvl="6" indent="-457189" algn="l" rtl="0" eaLnBrk="1" hangingPunct="1">
+              <a:lnSpc>
+                <a:spcPct val="100000"/>
+              </a:lnSpc>
+              <a:spcBef>
+                <a:spcPts val="0"/>
+              </a:spcBef>
+              <a:spcAft>
+                <a:spcPts val="0"/>
+              </a:spcAft>
+              <a:buClr>
+                <a:schemeClr val="dk1"/>
+              </a:buClr>
+              <a:buSzPts val="1800"/>
+              <a:buFont typeface="Arial"/>
+              <a:buChar char="●"/>
+              <a:defRPr sz="1800" b="0" i="0" u="none" strike="noStrike" cap="none">
+                <a:solidFill>
+                  <a:schemeClr val="dk1"/>
+                </a:solidFill>
+                <a:latin typeface="Arial"/>
+                <a:ea typeface="Arial"/>
+                <a:cs typeface="Arial"/>
+                <a:sym typeface="Arial"/>
+              </a:defRPr>
+            </a:lvl7pPr>
+            <a:lvl8pPr marL="4876678" marR="0" lvl="7" indent="-457189" algn="l" rtl="0" eaLnBrk="1" hangingPunct="1">
+              <a:lnSpc>
+                <a:spcPct val="100000"/>
+              </a:lnSpc>
+              <a:spcBef>
+                <a:spcPts val="0"/>
+              </a:spcBef>
+              <a:spcAft>
+                <a:spcPts val="0"/>
+              </a:spcAft>
+              <a:buClr>
+                <a:schemeClr val="dk1"/>
+              </a:buClr>
+              <a:buSzPts val="1800"/>
+              <a:buFont typeface="Arial"/>
+              <a:buChar char="○"/>
+              <a:defRPr sz="1800" b="0" i="0" u="none" strike="noStrike" cap="none">
+                <a:solidFill>
+                  <a:schemeClr val="dk1"/>
+                </a:solidFill>
+                <a:latin typeface="Arial"/>
+                <a:ea typeface="Arial"/>
+                <a:cs typeface="Arial"/>
+                <a:sym typeface="Arial"/>
+              </a:defRPr>
+            </a:lvl8pPr>
+            <a:lvl9pPr marL="5486263" marR="0" lvl="8" indent="-457189" algn="l" rtl="0" eaLnBrk="1" hangingPunct="1">
+              <a:lnSpc>
+                <a:spcPct val="100000"/>
+              </a:lnSpc>
+              <a:spcBef>
+                <a:spcPts val="0"/>
+              </a:spcBef>
+              <a:spcAft>
+                <a:spcPts val="0"/>
+              </a:spcAft>
+              <a:buClr>
+                <a:schemeClr val="dk1"/>
+              </a:buClr>
+              <a:buSzPts val="1800"/>
+              <a:buFont typeface="Arial"/>
+              <a:buChar char="■"/>
+              <a:defRPr sz="1800" b="0" i="0" u="none" strike="noStrike" cap="none">
+                <a:solidFill>
+                  <a:schemeClr val="dk1"/>
+                </a:solidFill>
+                <a:latin typeface="Arial"/>
+                <a:ea typeface="Arial"/>
+                <a:cs typeface="Arial"/>
+                <a:sym typeface="Arial"/>
+              </a:defRPr>
+            </a:lvl9pPr>
+          </a:lstStyle>
+          <a:p>
+            <a:pPr marL="50799" indent="0">
+              <a:buNone/>
+            </a:pPr>
+            <a:r>
+              <a:rPr lang="en-US" sz="1800" dirty="0">
+                <a:latin typeface="+mn-lt"/>
+              </a:rPr>
+              <a:t>TensorFlow provides a low-level Python interface to load a saved model.</a:t>
+            </a:r>
           </a:p>
         </p:txBody>
       </p:sp>
     </p:spTree>
     <p:extLst>
       <p:ext uri="{BB962C8B-B14F-4D97-AF65-F5344CB8AC3E}">
-        <p14:creationId xmlns:p14="http://schemas.microsoft.com/office/powerpoint/2010/main" val="4169196528"/>
+        <p14:creationId xmlns:p14="http://schemas.microsoft.com/office/powerpoint/2010/main" val="1809175130"/>
+      </p:ext>
+    </p:extLst>
+  </p:cSld>
+  <p:clrMapOvr>
+    <a:masterClrMapping/>
+  </p:clrMapOvr>
+  <p:timing>
+    <p:tnLst>
+      <p:par>
+        <p:cTn id="1" dur="indefinite" restart="never" nodeType="tmRoot">
+          <p:childTnLst>
+            <p:seq concurrent="1" nextAc="seek">
+              <p:cTn id="2" dur="indefinite" nodeType="mainSeq">
+                <p:childTnLst>
+                  <p:par>
+                    <p:cTn id="3" fill="hold">
+                      <p:stCondLst>
+                        <p:cond delay="indefinite"/>
+                      </p:stCondLst>
+                      <p:childTnLst>
+                        <p:par>
+                          <p:cTn id="4" fill="hold">
+                            <p:stCondLst>
+                              <p:cond delay="0"/>
+                            </p:stCondLst>
+                            <p:childTnLst>
+                              <p:par>
+                                <p:cTn id="5" presetID="1" presetClass="entr" presetSubtype="0" fill="hold" grpId="0" nodeType="clickEffect">
+                                  <p:stCondLst>
+                                    <p:cond delay="0"/>
+                                  </p:stCondLst>
+                                  <p:childTnLst>
+                                    <p:set>
+                                      <p:cBhvr>
+                                        <p:cTn id="6" dur="1" fill="hold">
+                                          <p:stCondLst>
+                                            <p:cond delay="0"/>
+                                          </p:stCondLst>
+                                        </p:cTn>
+                                        <p:tgtEl>
+                                          <p:spTgt spid="8"/>
+                                        </p:tgtEl>
+                                        <p:attrNameLst>
+                                          <p:attrName>style.visibility</p:attrName>
+                                        </p:attrNameLst>
+                                      </p:cBhvr>
+                                      <p:to>
+                                        <p:strVal val="visible"/>
+                                      </p:to>
+                                    </p:set>
+                                  </p:childTnLst>
+                                </p:cTn>
+                              </p:par>
+                            </p:childTnLst>
+                          </p:cTn>
+                        </p:par>
+                      </p:childTnLst>
+                    </p:cTn>
+                  </p:par>
+                </p:childTnLst>
+              </p:cTn>
+              <p:prevCondLst>
+                <p:cond evt="onPrev" delay="0">
+                  <p:tgtEl>
+                    <p:sldTgt/>
+                  </p:tgtEl>
+                </p:cond>
+              </p:prevCondLst>
+              <p:nextCondLst>
+                <p:cond evt="onNext" delay="0">
+                  <p:tgtEl>
+                    <p:sldTgt/>
+                  </p:tgtEl>
+                </p:cond>
+              </p:nextCondLst>
+            </p:seq>
+          </p:childTnLst>
+        </p:cTn>
+      </p:par>
+    </p:tnLst>
+    <p:bldLst>
+      <p:bldP spid="8" grpId="0" animBg="1"/>
+    </p:bldLst>
+  </p:timing>
+</p:sld>
+</file>
+
+<file path=ppt/slides/slide13.xml><?xml version="1.0" encoding="utf-8"?>
+<p:sld xmlns:a="http://schemas.openxmlformats.org/drawingml/2006/main" xmlns:r="http://schemas.openxmlformats.org/officeDocument/2006/relationships" xmlns:p="http://schemas.openxmlformats.org/presentationml/2006/main">
+  <p:cSld>
+    <p:spTree>
+      <p:nvGrpSpPr>
+        <p:cNvPr id="1" name=""/>
+        <p:cNvGrpSpPr/>
+        <p:nvPr/>
+      </p:nvGrpSpPr>
+      <p:grpSpPr>
+        <a:xfrm>
+          <a:off x="0" y="0"/>
+          <a:ext cx="0" cy="0"/>
+          <a:chOff x="0" y="0"/>
+          <a:chExt cx="0" cy="0"/>
+        </a:xfrm>
+      </p:grpSpPr>
+      <p:sp>
+        <p:nvSpPr>
+          <p:cNvPr id="2" name="Title 1">
+            <a:extLst>
+              <a:ext uri="{FF2B5EF4-FFF2-40B4-BE49-F238E27FC236}">
+                <a16:creationId xmlns:a16="http://schemas.microsoft.com/office/drawing/2014/main" id="{E355E0FD-58C5-49E7-AB2A-46560FD288CA}"/>
+              </a:ext>
+            </a:extLst>
+          </p:cNvPr>
+          <p:cNvSpPr>
+            <a:spLocks noGrp="1"/>
+          </p:cNvSpPr>
+          <p:nvPr>
+            <p:ph type="title"/>
+          </p:nvPr>
+        </p:nvSpPr>
+        <p:spPr>
+          <a:xfrm>
+            <a:off x="609600" y="290224"/>
+            <a:ext cx="10972800" cy="722890"/>
+          </a:xfrm>
+        </p:spPr>
+        <p:txBody>
+          <a:bodyPr/>
+          <a:lstStyle/>
+          <a:p>
+            <a:pPr algn="ctr"/>
+            <a:r>
+              <a:rPr lang="en-US" dirty="0">
+                <a:solidFill>
+                  <a:schemeClr val="tx1"/>
+                </a:solidFill>
+                <a:latin typeface="+mj-lt"/>
+              </a:rPr>
+              <a:t>Lists and tables</a:t>
+            </a:r>
+            <a:endParaRPr lang="en-US" dirty="0"/>
+          </a:p>
+        </p:txBody>
+      </p:sp>
+      <p:sp>
+        <p:nvSpPr>
+          <p:cNvPr id="3" name="Text Placeholder 2">
+            <a:extLst>
+              <a:ext uri="{FF2B5EF4-FFF2-40B4-BE49-F238E27FC236}">
+                <a16:creationId xmlns:a16="http://schemas.microsoft.com/office/drawing/2014/main" id="{43AFD2A3-EAC6-41C7-ADB2-686CA9A4F95C}"/>
+              </a:ext>
+            </a:extLst>
+          </p:cNvPr>
+          <p:cNvSpPr>
+            <a:spLocks noGrp="1"/>
+          </p:cNvSpPr>
+          <p:nvPr>
+            <p:ph type="body" idx="1"/>
+          </p:nvPr>
+        </p:nvSpPr>
+        <p:spPr>
+          <a:xfrm>
+            <a:off x="609600" y="1230829"/>
+            <a:ext cx="10972800" cy="1284513"/>
+          </a:xfrm>
+        </p:spPr>
+        <p:txBody>
+          <a:bodyPr/>
+          <a:lstStyle/>
+          <a:p>
+            <a:pPr marL="50799" indent="0">
+              <a:buNone/>
+            </a:pPr>
+            <a:r>
+              <a:rPr lang="en-US" dirty="0">
+                <a:latin typeface="+mn-lt"/>
+              </a:rPr>
+              <a:t>Good lists can transform technical chaos into something orderly.</a:t>
+            </a:r>
+          </a:p>
+        </p:txBody>
+      </p:sp>
+      <p:sp>
+        <p:nvSpPr>
+          <p:cNvPr id="9" name="Text Placeholder 2">
+            <a:extLst>
+              <a:ext uri="{FF2B5EF4-FFF2-40B4-BE49-F238E27FC236}">
+                <a16:creationId xmlns:a16="http://schemas.microsoft.com/office/drawing/2014/main" id="{94AF8CE0-EC0F-45CE-9A87-520EA6857B6E}"/>
+              </a:ext>
+            </a:extLst>
+          </p:cNvPr>
+          <p:cNvSpPr txBox="1">
+            <a:spLocks/>
+          </p:cNvSpPr>
+          <p:nvPr/>
+        </p:nvSpPr>
+        <p:spPr>
+          <a:xfrm>
+            <a:off x="609600" y="2911559"/>
+            <a:ext cx="9209314" cy="1991343"/>
+          </a:xfrm>
+          <a:prstGeom prst="rect">
+            <a:avLst/>
+          </a:prstGeom>
+          <a:noFill/>
+          <a:ln>
+            <a:noFill/>
+          </a:ln>
+        </p:spPr>
+        <p:txBody>
+          <a:bodyPr spcFirstLastPara="1" wrap="square" lIns="91425" tIns="91425" rIns="91425" bIns="91425" anchor="t" anchorCtr="0">
+            <a:noAutofit/>
+          </a:bodyPr>
+          <a:lstStyle>
+            <a:defPPr marR="0" lvl="0" algn="l" rtl="0">
+              <a:lnSpc>
+                <a:spcPct val="100000"/>
+              </a:lnSpc>
+              <a:spcBef>
+                <a:spcPts val="0"/>
+              </a:spcBef>
+              <a:spcAft>
+                <a:spcPts val="0"/>
+              </a:spcAft>
+            </a:defPPr>
+            <a:lvl1pPr marL="609585" marR="0" lvl="0" indent="-558786" algn="l" rtl="0" eaLnBrk="1" hangingPunct="1">
+              <a:lnSpc>
+                <a:spcPct val="100000"/>
+              </a:lnSpc>
+              <a:spcBef>
+                <a:spcPts val="800"/>
+              </a:spcBef>
+              <a:spcAft>
+                <a:spcPts val="0"/>
+              </a:spcAft>
+              <a:buClr>
+                <a:schemeClr val="dk1"/>
+              </a:buClr>
+              <a:buSzPts val="3000"/>
+              <a:buFont typeface="Arial"/>
+              <a:buChar char="●"/>
+              <a:defRPr sz="3000" b="0" i="0" u="none" strike="noStrike" cap="none">
+                <a:solidFill>
+                  <a:schemeClr val="dk1"/>
+                </a:solidFill>
+                <a:latin typeface="Arial"/>
+                <a:ea typeface="Arial"/>
+                <a:cs typeface="Arial"/>
+                <a:sym typeface="Arial"/>
+              </a:defRPr>
+            </a:lvl1pPr>
+            <a:lvl2pPr marL="1219170" marR="0" lvl="1" indent="-507987" algn="l" rtl="0" eaLnBrk="1" hangingPunct="1">
+              <a:lnSpc>
+                <a:spcPct val="100000"/>
+              </a:lnSpc>
+              <a:spcBef>
+                <a:spcPts val="0"/>
+              </a:spcBef>
+              <a:spcAft>
+                <a:spcPts val="0"/>
+              </a:spcAft>
+              <a:buClr>
+                <a:schemeClr val="dk1"/>
+              </a:buClr>
+              <a:buSzPts val="2400"/>
+              <a:buFont typeface="Arial"/>
+              <a:buChar char="○"/>
+              <a:defRPr sz="2400" b="0" i="0" u="none" strike="noStrike" cap="none">
+                <a:solidFill>
+                  <a:schemeClr val="dk1"/>
+                </a:solidFill>
+                <a:latin typeface="Arial"/>
+                <a:ea typeface="Arial"/>
+                <a:cs typeface="Arial"/>
+                <a:sym typeface="Arial"/>
+              </a:defRPr>
+            </a:lvl2pPr>
+            <a:lvl3pPr marL="1828754" marR="0" lvl="2" indent="-507987" algn="l" rtl="0" eaLnBrk="1" hangingPunct="1">
+              <a:lnSpc>
+                <a:spcPct val="100000"/>
+              </a:lnSpc>
+              <a:spcBef>
+                <a:spcPts val="0"/>
+              </a:spcBef>
+              <a:spcAft>
+                <a:spcPts val="0"/>
+              </a:spcAft>
+              <a:buClr>
+                <a:schemeClr val="dk1"/>
+              </a:buClr>
+              <a:buSzPts val="2400"/>
+              <a:buFont typeface="Arial"/>
+              <a:buChar char="■"/>
+              <a:defRPr sz="2400" b="0" i="0" u="none" strike="noStrike" cap="none">
+                <a:solidFill>
+                  <a:schemeClr val="dk1"/>
+                </a:solidFill>
+                <a:latin typeface="Arial"/>
+                <a:ea typeface="Arial"/>
+                <a:cs typeface="Arial"/>
+                <a:sym typeface="Arial"/>
+              </a:defRPr>
+            </a:lvl3pPr>
+            <a:lvl4pPr marL="2438339" marR="0" lvl="3" indent="-457189" algn="l" rtl="0" eaLnBrk="1" hangingPunct="1">
+              <a:lnSpc>
+                <a:spcPct val="100000"/>
+              </a:lnSpc>
+              <a:spcBef>
+                <a:spcPts val="0"/>
+              </a:spcBef>
+              <a:spcAft>
+                <a:spcPts val="0"/>
+              </a:spcAft>
+              <a:buClr>
+                <a:schemeClr val="dk1"/>
+              </a:buClr>
+              <a:buSzPts val="1800"/>
+              <a:buFont typeface="Arial"/>
+              <a:buChar char="●"/>
+              <a:defRPr sz="1800" b="0" i="0" u="none" strike="noStrike" cap="none">
+                <a:solidFill>
+                  <a:schemeClr val="dk1"/>
+                </a:solidFill>
+                <a:latin typeface="Arial"/>
+                <a:ea typeface="Arial"/>
+                <a:cs typeface="Arial"/>
+                <a:sym typeface="Arial"/>
+              </a:defRPr>
+            </a:lvl4pPr>
+            <a:lvl5pPr marL="3047924" marR="0" lvl="4" indent="-457189" algn="l" rtl="0" eaLnBrk="1" hangingPunct="1">
+              <a:lnSpc>
+                <a:spcPct val="100000"/>
+              </a:lnSpc>
+              <a:spcBef>
+                <a:spcPts val="0"/>
+              </a:spcBef>
+              <a:spcAft>
+                <a:spcPts val="0"/>
+              </a:spcAft>
+              <a:buClr>
+                <a:schemeClr val="dk1"/>
+              </a:buClr>
+              <a:buSzPts val="1800"/>
+              <a:buFont typeface="Arial"/>
+              <a:buChar char="○"/>
+              <a:defRPr sz="1800" b="0" i="0" u="none" strike="noStrike" cap="none">
+                <a:solidFill>
+                  <a:schemeClr val="dk1"/>
+                </a:solidFill>
+                <a:latin typeface="Arial"/>
+                <a:ea typeface="Arial"/>
+                <a:cs typeface="Arial"/>
+                <a:sym typeface="Arial"/>
+              </a:defRPr>
+            </a:lvl5pPr>
+            <a:lvl6pPr marL="3657509" marR="0" lvl="5" indent="-457189" algn="l" rtl="0" eaLnBrk="1" hangingPunct="1">
+              <a:lnSpc>
+                <a:spcPct val="100000"/>
+              </a:lnSpc>
+              <a:spcBef>
+                <a:spcPts val="0"/>
+              </a:spcBef>
+              <a:spcAft>
+                <a:spcPts val="0"/>
+              </a:spcAft>
+              <a:buClr>
+                <a:schemeClr val="dk1"/>
+              </a:buClr>
+              <a:buSzPts val="1800"/>
+              <a:buFont typeface="Arial"/>
+              <a:buChar char="■"/>
+              <a:defRPr sz="1800" b="0" i="0" u="none" strike="noStrike" cap="none">
+                <a:solidFill>
+                  <a:schemeClr val="dk1"/>
+                </a:solidFill>
+                <a:latin typeface="Arial"/>
+                <a:ea typeface="Arial"/>
+                <a:cs typeface="Arial"/>
+                <a:sym typeface="Arial"/>
+              </a:defRPr>
+            </a:lvl6pPr>
+            <a:lvl7pPr marL="4267093" marR="0" lvl="6" indent="-457189" algn="l" rtl="0" eaLnBrk="1" hangingPunct="1">
+              <a:lnSpc>
+                <a:spcPct val="100000"/>
+              </a:lnSpc>
+              <a:spcBef>
+                <a:spcPts val="0"/>
+              </a:spcBef>
+              <a:spcAft>
+                <a:spcPts val="0"/>
+              </a:spcAft>
+              <a:buClr>
+                <a:schemeClr val="dk1"/>
+              </a:buClr>
+              <a:buSzPts val="1800"/>
+              <a:buFont typeface="Arial"/>
+              <a:buChar char="●"/>
+              <a:defRPr sz="1800" b="0" i="0" u="none" strike="noStrike" cap="none">
+                <a:solidFill>
+                  <a:schemeClr val="dk1"/>
+                </a:solidFill>
+                <a:latin typeface="Arial"/>
+                <a:ea typeface="Arial"/>
+                <a:cs typeface="Arial"/>
+                <a:sym typeface="Arial"/>
+              </a:defRPr>
+            </a:lvl7pPr>
+            <a:lvl8pPr marL="4876678" marR="0" lvl="7" indent="-457189" algn="l" rtl="0" eaLnBrk="1" hangingPunct="1">
+              <a:lnSpc>
+                <a:spcPct val="100000"/>
+              </a:lnSpc>
+              <a:spcBef>
+                <a:spcPts val="0"/>
+              </a:spcBef>
+              <a:spcAft>
+                <a:spcPts val="0"/>
+              </a:spcAft>
+              <a:buClr>
+                <a:schemeClr val="dk1"/>
+              </a:buClr>
+              <a:buSzPts val="1800"/>
+              <a:buFont typeface="Arial"/>
+              <a:buChar char="○"/>
+              <a:defRPr sz="1800" b="0" i="0" u="none" strike="noStrike" cap="none">
+                <a:solidFill>
+                  <a:schemeClr val="dk1"/>
+                </a:solidFill>
+                <a:latin typeface="Arial"/>
+                <a:ea typeface="Arial"/>
+                <a:cs typeface="Arial"/>
+                <a:sym typeface="Arial"/>
+              </a:defRPr>
+            </a:lvl8pPr>
+            <a:lvl9pPr marL="5486263" marR="0" lvl="8" indent="-457189" algn="l" rtl="0" eaLnBrk="1" hangingPunct="1">
+              <a:lnSpc>
+                <a:spcPct val="100000"/>
+              </a:lnSpc>
+              <a:spcBef>
+                <a:spcPts val="0"/>
+              </a:spcBef>
+              <a:spcAft>
+                <a:spcPts val="0"/>
+              </a:spcAft>
+              <a:buClr>
+                <a:schemeClr val="dk1"/>
+              </a:buClr>
+              <a:buSzPts val="1800"/>
+              <a:buFont typeface="Arial"/>
+              <a:buChar char="■"/>
+              <a:defRPr sz="1800" b="0" i="0" u="none" strike="noStrike" cap="none">
+                <a:solidFill>
+                  <a:schemeClr val="dk1"/>
+                </a:solidFill>
+                <a:latin typeface="Arial"/>
+                <a:ea typeface="Arial"/>
+                <a:cs typeface="Arial"/>
+                <a:sym typeface="Arial"/>
+              </a:defRPr>
+            </a:lvl9pPr>
+          </a:lstStyle>
+          <a:p>
+            <a:r>
+              <a:rPr lang="en-US" sz="2000" dirty="0">
+                <a:latin typeface="+mn-lt"/>
+              </a:rPr>
+              <a:t>Choose the correct type of list</a:t>
+            </a:r>
+          </a:p>
+          <a:p>
+            <a:r>
+              <a:rPr lang="en-US" sz="2000" dirty="0">
+                <a:latin typeface="+mn-lt"/>
+              </a:rPr>
+              <a:t>Keep list items parallel</a:t>
+            </a:r>
+          </a:p>
+          <a:p>
+            <a:r>
+              <a:rPr lang="en-US" sz="2000" dirty="0">
+                <a:latin typeface="+mn-lt"/>
+              </a:rPr>
+              <a:t>Start numbered list items with imperative verbs</a:t>
+            </a:r>
+          </a:p>
+          <a:p>
+            <a:r>
+              <a:rPr lang="en-US" sz="2000" dirty="0">
+                <a:latin typeface="+mn-lt"/>
+              </a:rPr>
+              <a:t>Punctuate items appropriately</a:t>
+            </a:r>
+          </a:p>
+          <a:p>
+            <a:r>
+              <a:rPr lang="en-US" sz="2000" dirty="0">
+                <a:latin typeface="+mn-lt"/>
+              </a:rPr>
+              <a:t>Create helpful tables</a:t>
+            </a:r>
+          </a:p>
+          <a:p>
+            <a:r>
+              <a:rPr lang="en-US" sz="2000" dirty="0">
+                <a:latin typeface="+mn-lt"/>
+              </a:rPr>
+              <a:t>Introduce each list and table</a:t>
+            </a:r>
+          </a:p>
+        </p:txBody>
+      </p:sp>
+    </p:spTree>
+    <p:extLst>
+      <p:ext uri="{BB962C8B-B14F-4D97-AF65-F5344CB8AC3E}">
+        <p14:creationId xmlns:p14="http://schemas.microsoft.com/office/powerpoint/2010/main" val="637677161"/>
       </p:ext>
     </p:extLst>
   </p:cSld>
@@ -4934,7 +6658,3135 @@
 </p:sld>
 </file>
 
-<file path=ppt/slides/slide13.xml><?xml version="1.0" encoding="utf-8"?>
+<file path=ppt/slides/slide14.xml><?xml version="1.0" encoding="utf-8"?>
+<p:sld xmlns:a="http://schemas.openxmlformats.org/drawingml/2006/main" xmlns:r="http://schemas.openxmlformats.org/officeDocument/2006/relationships" xmlns:p="http://schemas.openxmlformats.org/presentationml/2006/main">
+  <p:cSld>
+    <p:spTree>
+      <p:nvGrpSpPr>
+        <p:cNvPr id="1" name=""/>
+        <p:cNvGrpSpPr/>
+        <p:nvPr/>
+      </p:nvGrpSpPr>
+      <p:grpSpPr>
+        <a:xfrm>
+          <a:off x="0" y="0"/>
+          <a:ext cx="0" cy="0"/>
+          <a:chOff x="0" y="0"/>
+          <a:chExt cx="0" cy="0"/>
+        </a:xfrm>
+      </p:grpSpPr>
+      <p:sp>
+        <p:nvSpPr>
+          <p:cNvPr id="2" name="Title 1">
+            <a:extLst>
+              <a:ext uri="{FF2B5EF4-FFF2-40B4-BE49-F238E27FC236}">
+                <a16:creationId xmlns:a16="http://schemas.microsoft.com/office/drawing/2014/main" id="{E355E0FD-58C5-49E7-AB2A-46560FD288CA}"/>
+              </a:ext>
+            </a:extLst>
+          </p:cNvPr>
+          <p:cNvSpPr>
+            <a:spLocks noGrp="1"/>
+          </p:cNvSpPr>
+          <p:nvPr>
+            <p:ph type="title"/>
+          </p:nvPr>
+        </p:nvSpPr>
+        <p:spPr>
+          <a:xfrm>
+            <a:off x="609600" y="290224"/>
+            <a:ext cx="10972800" cy="722890"/>
+          </a:xfrm>
+        </p:spPr>
+        <p:txBody>
+          <a:bodyPr/>
+          <a:lstStyle/>
+          <a:p>
+            <a:pPr algn="ctr"/>
+            <a:r>
+              <a:rPr lang="en-US" dirty="0">
+                <a:solidFill>
+                  <a:schemeClr val="tx1"/>
+                </a:solidFill>
+                <a:latin typeface="+mj-lt"/>
+              </a:rPr>
+              <a:t>Lists and tables</a:t>
+            </a:r>
+            <a:endParaRPr lang="en-US" dirty="0"/>
+          </a:p>
+        </p:txBody>
+      </p:sp>
+      <p:sp>
+        <p:nvSpPr>
+          <p:cNvPr id="4" name="Text Placeholder 2">
+            <a:extLst>
+              <a:ext uri="{FF2B5EF4-FFF2-40B4-BE49-F238E27FC236}">
+                <a16:creationId xmlns:a16="http://schemas.microsoft.com/office/drawing/2014/main" id="{B8AD014B-AF53-4C8E-8088-EF45C0C66DBD}"/>
+              </a:ext>
+            </a:extLst>
+          </p:cNvPr>
+          <p:cNvSpPr txBox="1">
+            <a:spLocks/>
+          </p:cNvSpPr>
+          <p:nvPr/>
+        </p:nvSpPr>
+        <p:spPr>
+          <a:xfrm>
+            <a:off x="707571" y="1120490"/>
+            <a:ext cx="10972800" cy="1883967"/>
+          </a:xfrm>
+          <a:prstGeom prst="rect">
+            <a:avLst/>
+          </a:prstGeom>
+          <a:noFill/>
+          <a:ln>
+            <a:noFill/>
+          </a:ln>
+        </p:spPr>
+        <p:txBody>
+          <a:bodyPr spcFirstLastPara="1" wrap="square" lIns="91425" tIns="91425" rIns="91425" bIns="91425" anchor="t" anchorCtr="0">
+            <a:noAutofit/>
+          </a:bodyPr>
+          <a:lstStyle>
+            <a:defPPr marR="0" lvl="0" algn="l" rtl="0">
+              <a:lnSpc>
+                <a:spcPct val="100000"/>
+              </a:lnSpc>
+              <a:spcBef>
+                <a:spcPts val="0"/>
+              </a:spcBef>
+              <a:spcAft>
+                <a:spcPts val="0"/>
+              </a:spcAft>
+            </a:defPPr>
+            <a:lvl1pPr marL="609585" marR="0" lvl="0" indent="-558786" algn="l" rtl="0" eaLnBrk="1" hangingPunct="1">
+              <a:lnSpc>
+                <a:spcPct val="100000"/>
+              </a:lnSpc>
+              <a:spcBef>
+                <a:spcPts val="800"/>
+              </a:spcBef>
+              <a:spcAft>
+                <a:spcPts val="0"/>
+              </a:spcAft>
+              <a:buClr>
+                <a:schemeClr val="dk1"/>
+              </a:buClr>
+              <a:buSzPts val="3000"/>
+              <a:buFont typeface="Arial"/>
+              <a:buChar char="●"/>
+              <a:defRPr sz="3000" b="0" i="0" u="none" strike="noStrike" cap="none">
+                <a:solidFill>
+                  <a:schemeClr val="dk1"/>
+                </a:solidFill>
+                <a:latin typeface="Arial"/>
+                <a:ea typeface="Arial"/>
+                <a:cs typeface="Arial"/>
+                <a:sym typeface="Arial"/>
+              </a:defRPr>
+            </a:lvl1pPr>
+            <a:lvl2pPr marL="1219170" marR="0" lvl="1" indent="-507987" algn="l" rtl="0" eaLnBrk="1" hangingPunct="1">
+              <a:lnSpc>
+                <a:spcPct val="100000"/>
+              </a:lnSpc>
+              <a:spcBef>
+                <a:spcPts val="0"/>
+              </a:spcBef>
+              <a:spcAft>
+                <a:spcPts val="0"/>
+              </a:spcAft>
+              <a:buClr>
+                <a:schemeClr val="dk1"/>
+              </a:buClr>
+              <a:buSzPts val="2400"/>
+              <a:buFont typeface="Arial"/>
+              <a:buChar char="○"/>
+              <a:defRPr sz="2400" b="0" i="0" u="none" strike="noStrike" cap="none">
+                <a:solidFill>
+                  <a:schemeClr val="dk1"/>
+                </a:solidFill>
+                <a:latin typeface="Arial"/>
+                <a:ea typeface="Arial"/>
+                <a:cs typeface="Arial"/>
+                <a:sym typeface="Arial"/>
+              </a:defRPr>
+            </a:lvl2pPr>
+            <a:lvl3pPr marL="1828754" marR="0" lvl="2" indent="-507987" algn="l" rtl="0" eaLnBrk="1" hangingPunct="1">
+              <a:lnSpc>
+                <a:spcPct val="100000"/>
+              </a:lnSpc>
+              <a:spcBef>
+                <a:spcPts val="0"/>
+              </a:spcBef>
+              <a:spcAft>
+                <a:spcPts val="0"/>
+              </a:spcAft>
+              <a:buClr>
+                <a:schemeClr val="dk1"/>
+              </a:buClr>
+              <a:buSzPts val="2400"/>
+              <a:buFont typeface="Arial"/>
+              <a:buChar char="■"/>
+              <a:defRPr sz="2400" b="0" i="0" u="none" strike="noStrike" cap="none">
+                <a:solidFill>
+                  <a:schemeClr val="dk1"/>
+                </a:solidFill>
+                <a:latin typeface="Arial"/>
+                <a:ea typeface="Arial"/>
+                <a:cs typeface="Arial"/>
+                <a:sym typeface="Arial"/>
+              </a:defRPr>
+            </a:lvl3pPr>
+            <a:lvl4pPr marL="2438339" marR="0" lvl="3" indent="-457189" algn="l" rtl="0" eaLnBrk="1" hangingPunct="1">
+              <a:lnSpc>
+                <a:spcPct val="100000"/>
+              </a:lnSpc>
+              <a:spcBef>
+                <a:spcPts val="0"/>
+              </a:spcBef>
+              <a:spcAft>
+                <a:spcPts val="0"/>
+              </a:spcAft>
+              <a:buClr>
+                <a:schemeClr val="dk1"/>
+              </a:buClr>
+              <a:buSzPts val="1800"/>
+              <a:buFont typeface="Arial"/>
+              <a:buChar char="●"/>
+              <a:defRPr sz="1800" b="0" i="0" u="none" strike="noStrike" cap="none">
+                <a:solidFill>
+                  <a:schemeClr val="dk1"/>
+                </a:solidFill>
+                <a:latin typeface="Arial"/>
+                <a:ea typeface="Arial"/>
+                <a:cs typeface="Arial"/>
+                <a:sym typeface="Arial"/>
+              </a:defRPr>
+            </a:lvl4pPr>
+            <a:lvl5pPr marL="3047924" marR="0" lvl="4" indent="-457189" algn="l" rtl="0" eaLnBrk="1" hangingPunct="1">
+              <a:lnSpc>
+                <a:spcPct val="100000"/>
+              </a:lnSpc>
+              <a:spcBef>
+                <a:spcPts val="0"/>
+              </a:spcBef>
+              <a:spcAft>
+                <a:spcPts val="0"/>
+              </a:spcAft>
+              <a:buClr>
+                <a:schemeClr val="dk1"/>
+              </a:buClr>
+              <a:buSzPts val="1800"/>
+              <a:buFont typeface="Arial"/>
+              <a:buChar char="○"/>
+              <a:defRPr sz="1800" b="0" i="0" u="none" strike="noStrike" cap="none">
+                <a:solidFill>
+                  <a:schemeClr val="dk1"/>
+                </a:solidFill>
+                <a:latin typeface="Arial"/>
+                <a:ea typeface="Arial"/>
+                <a:cs typeface="Arial"/>
+                <a:sym typeface="Arial"/>
+              </a:defRPr>
+            </a:lvl5pPr>
+            <a:lvl6pPr marL="3657509" marR="0" lvl="5" indent="-457189" algn="l" rtl="0" eaLnBrk="1" hangingPunct="1">
+              <a:lnSpc>
+                <a:spcPct val="100000"/>
+              </a:lnSpc>
+              <a:spcBef>
+                <a:spcPts val="0"/>
+              </a:spcBef>
+              <a:spcAft>
+                <a:spcPts val="0"/>
+              </a:spcAft>
+              <a:buClr>
+                <a:schemeClr val="dk1"/>
+              </a:buClr>
+              <a:buSzPts val="1800"/>
+              <a:buFont typeface="Arial"/>
+              <a:buChar char="■"/>
+              <a:defRPr sz="1800" b="0" i="0" u="none" strike="noStrike" cap="none">
+                <a:solidFill>
+                  <a:schemeClr val="dk1"/>
+                </a:solidFill>
+                <a:latin typeface="Arial"/>
+                <a:ea typeface="Arial"/>
+                <a:cs typeface="Arial"/>
+                <a:sym typeface="Arial"/>
+              </a:defRPr>
+            </a:lvl6pPr>
+            <a:lvl7pPr marL="4267093" marR="0" lvl="6" indent="-457189" algn="l" rtl="0" eaLnBrk="1" hangingPunct="1">
+              <a:lnSpc>
+                <a:spcPct val="100000"/>
+              </a:lnSpc>
+              <a:spcBef>
+                <a:spcPts val="0"/>
+              </a:spcBef>
+              <a:spcAft>
+                <a:spcPts val="0"/>
+              </a:spcAft>
+              <a:buClr>
+                <a:schemeClr val="dk1"/>
+              </a:buClr>
+              <a:buSzPts val="1800"/>
+              <a:buFont typeface="Arial"/>
+              <a:buChar char="●"/>
+              <a:defRPr sz="1800" b="0" i="0" u="none" strike="noStrike" cap="none">
+                <a:solidFill>
+                  <a:schemeClr val="dk1"/>
+                </a:solidFill>
+                <a:latin typeface="Arial"/>
+                <a:ea typeface="Arial"/>
+                <a:cs typeface="Arial"/>
+                <a:sym typeface="Arial"/>
+              </a:defRPr>
+            </a:lvl7pPr>
+            <a:lvl8pPr marL="4876678" marR="0" lvl="7" indent="-457189" algn="l" rtl="0" eaLnBrk="1" hangingPunct="1">
+              <a:lnSpc>
+                <a:spcPct val="100000"/>
+              </a:lnSpc>
+              <a:spcBef>
+                <a:spcPts val="0"/>
+              </a:spcBef>
+              <a:spcAft>
+                <a:spcPts val="0"/>
+              </a:spcAft>
+              <a:buClr>
+                <a:schemeClr val="dk1"/>
+              </a:buClr>
+              <a:buSzPts val="1800"/>
+              <a:buFont typeface="Arial"/>
+              <a:buChar char="○"/>
+              <a:defRPr sz="1800" b="0" i="0" u="none" strike="noStrike" cap="none">
+                <a:solidFill>
+                  <a:schemeClr val="dk1"/>
+                </a:solidFill>
+                <a:latin typeface="Arial"/>
+                <a:ea typeface="Arial"/>
+                <a:cs typeface="Arial"/>
+                <a:sym typeface="Arial"/>
+              </a:defRPr>
+            </a:lvl8pPr>
+            <a:lvl9pPr marL="5486263" marR="0" lvl="8" indent="-457189" algn="l" rtl="0" eaLnBrk="1" hangingPunct="1">
+              <a:lnSpc>
+                <a:spcPct val="100000"/>
+              </a:lnSpc>
+              <a:spcBef>
+                <a:spcPts val="0"/>
+              </a:spcBef>
+              <a:spcAft>
+                <a:spcPts val="0"/>
+              </a:spcAft>
+              <a:buClr>
+                <a:schemeClr val="dk1"/>
+              </a:buClr>
+              <a:buSzPts val="1800"/>
+              <a:buFont typeface="Arial"/>
+              <a:buChar char="■"/>
+              <a:defRPr sz="1800" b="0" i="0" u="none" strike="noStrike" cap="none">
+                <a:solidFill>
+                  <a:schemeClr val="dk1"/>
+                </a:solidFill>
+                <a:latin typeface="Arial"/>
+                <a:ea typeface="Arial"/>
+                <a:cs typeface="Arial"/>
+                <a:sym typeface="Arial"/>
+              </a:defRPr>
+            </a:lvl9pPr>
+          </a:lstStyle>
+          <a:p>
+            <a:pPr marL="50799" indent="0">
+              <a:buFont typeface="Arial"/>
+              <a:buNone/>
+            </a:pPr>
+            <a:r>
+              <a:rPr lang="en-US" sz="2400" u="sng" dirty="0">
+                <a:latin typeface="+mn-lt"/>
+              </a:rPr>
+              <a:t>Exercise:</a:t>
+            </a:r>
+          </a:p>
+          <a:p>
+            <a:pPr marL="50799" indent="0">
+              <a:buFont typeface="Arial"/>
+              <a:buNone/>
+            </a:pPr>
+            <a:r>
+              <a:rPr lang="en-US" sz="2400" dirty="0">
+                <a:latin typeface="+mn-lt"/>
+              </a:rPr>
+              <a:t>Is the following list parallel or nonparallel?</a:t>
+            </a:r>
+          </a:p>
+        </p:txBody>
+      </p:sp>
+      <p:sp>
+        <p:nvSpPr>
+          <p:cNvPr id="7" name="Text Placeholder 2">
+            <a:extLst>
+              <a:ext uri="{FF2B5EF4-FFF2-40B4-BE49-F238E27FC236}">
+                <a16:creationId xmlns:a16="http://schemas.microsoft.com/office/drawing/2014/main" id="{61061C07-19D4-4F1D-9DC7-00D86DAE9F78}"/>
+              </a:ext>
+            </a:extLst>
+          </p:cNvPr>
+          <p:cNvSpPr txBox="1">
+            <a:spLocks/>
+          </p:cNvSpPr>
+          <p:nvPr/>
+        </p:nvSpPr>
+        <p:spPr>
+          <a:xfrm>
+            <a:off x="707571" y="3429000"/>
+            <a:ext cx="10972800" cy="1447799"/>
+          </a:xfrm>
+          <a:prstGeom prst="rect">
+            <a:avLst/>
+          </a:prstGeom>
+          <a:solidFill>
+            <a:schemeClr val="bg1">
+              <a:lumMod val="40000"/>
+              <a:lumOff val="60000"/>
+            </a:schemeClr>
+          </a:solidFill>
+          <a:ln>
+            <a:noFill/>
+          </a:ln>
+        </p:spPr>
+        <p:txBody>
+          <a:bodyPr spcFirstLastPara="1" wrap="square" lIns="91425" tIns="91425" rIns="91425" bIns="91425" anchor="t" anchorCtr="0">
+            <a:noAutofit/>
+          </a:bodyPr>
+          <a:lstStyle>
+            <a:defPPr marR="0" lvl="0" algn="l" rtl="0">
+              <a:lnSpc>
+                <a:spcPct val="100000"/>
+              </a:lnSpc>
+              <a:spcBef>
+                <a:spcPts val="0"/>
+              </a:spcBef>
+              <a:spcAft>
+                <a:spcPts val="0"/>
+              </a:spcAft>
+            </a:defPPr>
+            <a:lvl1pPr marL="609585" marR="0" lvl="0" indent="-558786" algn="l" rtl="0" eaLnBrk="1" hangingPunct="1">
+              <a:lnSpc>
+                <a:spcPct val="100000"/>
+              </a:lnSpc>
+              <a:spcBef>
+                <a:spcPts val="800"/>
+              </a:spcBef>
+              <a:spcAft>
+                <a:spcPts val="0"/>
+              </a:spcAft>
+              <a:buClr>
+                <a:schemeClr val="dk1"/>
+              </a:buClr>
+              <a:buSzPts val="3000"/>
+              <a:buFont typeface="Arial"/>
+              <a:buChar char="●"/>
+              <a:defRPr sz="3000" b="0" i="0" u="none" strike="noStrike" cap="none">
+                <a:solidFill>
+                  <a:schemeClr val="dk1"/>
+                </a:solidFill>
+                <a:latin typeface="Arial"/>
+                <a:ea typeface="Arial"/>
+                <a:cs typeface="Arial"/>
+                <a:sym typeface="Arial"/>
+              </a:defRPr>
+            </a:lvl1pPr>
+            <a:lvl2pPr marL="1219170" marR="0" lvl="1" indent="-507987" algn="l" rtl="0" eaLnBrk="1" hangingPunct="1">
+              <a:lnSpc>
+                <a:spcPct val="100000"/>
+              </a:lnSpc>
+              <a:spcBef>
+                <a:spcPts val="0"/>
+              </a:spcBef>
+              <a:spcAft>
+                <a:spcPts val="0"/>
+              </a:spcAft>
+              <a:buClr>
+                <a:schemeClr val="dk1"/>
+              </a:buClr>
+              <a:buSzPts val="2400"/>
+              <a:buFont typeface="Arial"/>
+              <a:buChar char="○"/>
+              <a:defRPr sz="2400" b="0" i="0" u="none" strike="noStrike" cap="none">
+                <a:solidFill>
+                  <a:schemeClr val="dk1"/>
+                </a:solidFill>
+                <a:latin typeface="Arial"/>
+                <a:ea typeface="Arial"/>
+                <a:cs typeface="Arial"/>
+                <a:sym typeface="Arial"/>
+              </a:defRPr>
+            </a:lvl2pPr>
+            <a:lvl3pPr marL="1828754" marR="0" lvl="2" indent="-507987" algn="l" rtl="0" eaLnBrk="1" hangingPunct="1">
+              <a:lnSpc>
+                <a:spcPct val="100000"/>
+              </a:lnSpc>
+              <a:spcBef>
+                <a:spcPts val="0"/>
+              </a:spcBef>
+              <a:spcAft>
+                <a:spcPts val="0"/>
+              </a:spcAft>
+              <a:buClr>
+                <a:schemeClr val="dk1"/>
+              </a:buClr>
+              <a:buSzPts val="2400"/>
+              <a:buFont typeface="Arial"/>
+              <a:buChar char="■"/>
+              <a:defRPr sz="2400" b="0" i="0" u="none" strike="noStrike" cap="none">
+                <a:solidFill>
+                  <a:schemeClr val="dk1"/>
+                </a:solidFill>
+                <a:latin typeface="Arial"/>
+                <a:ea typeface="Arial"/>
+                <a:cs typeface="Arial"/>
+                <a:sym typeface="Arial"/>
+              </a:defRPr>
+            </a:lvl3pPr>
+            <a:lvl4pPr marL="2438339" marR="0" lvl="3" indent="-457189" algn="l" rtl="0" eaLnBrk="1" hangingPunct="1">
+              <a:lnSpc>
+                <a:spcPct val="100000"/>
+              </a:lnSpc>
+              <a:spcBef>
+                <a:spcPts val="0"/>
+              </a:spcBef>
+              <a:spcAft>
+                <a:spcPts val="0"/>
+              </a:spcAft>
+              <a:buClr>
+                <a:schemeClr val="dk1"/>
+              </a:buClr>
+              <a:buSzPts val="1800"/>
+              <a:buFont typeface="Arial"/>
+              <a:buChar char="●"/>
+              <a:defRPr sz="1800" b="0" i="0" u="none" strike="noStrike" cap="none">
+                <a:solidFill>
+                  <a:schemeClr val="dk1"/>
+                </a:solidFill>
+                <a:latin typeface="Arial"/>
+                <a:ea typeface="Arial"/>
+                <a:cs typeface="Arial"/>
+                <a:sym typeface="Arial"/>
+              </a:defRPr>
+            </a:lvl4pPr>
+            <a:lvl5pPr marL="3047924" marR="0" lvl="4" indent="-457189" algn="l" rtl="0" eaLnBrk="1" hangingPunct="1">
+              <a:lnSpc>
+                <a:spcPct val="100000"/>
+              </a:lnSpc>
+              <a:spcBef>
+                <a:spcPts val="0"/>
+              </a:spcBef>
+              <a:spcAft>
+                <a:spcPts val="0"/>
+              </a:spcAft>
+              <a:buClr>
+                <a:schemeClr val="dk1"/>
+              </a:buClr>
+              <a:buSzPts val="1800"/>
+              <a:buFont typeface="Arial"/>
+              <a:buChar char="○"/>
+              <a:defRPr sz="1800" b="0" i="0" u="none" strike="noStrike" cap="none">
+                <a:solidFill>
+                  <a:schemeClr val="dk1"/>
+                </a:solidFill>
+                <a:latin typeface="Arial"/>
+                <a:ea typeface="Arial"/>
+                <a:cs typeface="Arial"/>
+                <a:sym typeface="Arial"/>
+              </a:defRPr>
+            </a:lvl5pPr>
+            <a:lvl6pPr marL="3657509" marR="0" lvl="5" indent="-457189" algn="l" rtl="0" eaLnBrk="1" hangingPunct="1">
+              <a:lnSpc>
+                <a:spcPct val="100000"/>
+              </a:lnSpc>
+              <a:spcBef>
+                <a:spcPts val="0"/>
+              </a:spcBef>
+              <a:spcAft>
+                <a:spcPts val="0"/>
+              </a:spcAft>
+              <a:buClr>
+                <a:schemeClr val="dk1"/>
+              </a:buClr>
+              <a:buSzPts val="1800"/>
+              <a:buFont typeface="Arial"/>
+              <a:buChar char="■"/>
+              <a:defRPr sz="1800" b="0" i="0" u="none" strike="noStrike" cap="none">
+                <a:solidFill>
+                  <a:schemeClr val="dk1"/>
+                </a:solidFill>
+                <a:latin typeface="Arial"/>
+                <a:ea typeface="Arial"/>
+                <a:cs typeface="Arial"/>
+                <a:sym typeface="Arial"/>
+              </a:defRPr>
+            </a:lvl6pPr>
+            <a:lvl7pPr marL="4267093" marR="0" lvl="6" indent="-457189" algn="l" rtl="0" eaLnBrk="1" hangingPunct="1">
+              <a:lnSpc>
+                <a:spcPct val="100000"/>
+              </a:lnSpc>
+              <a:spcBef>
+                <a:spcPts val="0"/>
+              </a:spcBef>
+              <a:spcAft>
+                <a:spcPts val="0"/>
+              </a:spcAft>
+              <a:buClr>
+                <a:schemeClr val="dk1"/>
+              </a:buClr>
+              <a:buSzPts val="1800"/>
+              <a:buFont typeface="Arial"/>
+              <a:buChar char="●"/>
+              <a:defRPr sz="1800" b="0" i="0" u="none" strike="noStrike" cap="none">
+                <a:solidFill>
+                  <a:schemeClr val="dk1"/>
+                </a:solidFill>
+                <a:latin typeface="Arial"/>
+                <a:ea typeface="Arial"/>
+                <a:cs typeface="Arial"/>
+                <a:sym typeface="Arial"/>
+              </a:defRPr>
+            </a:lvl7pPr>
+            <a:lvl8pPr marL="4876678" marR="0" lvl="7" indent="-457189" algn="l" rtl="0" eaLnBrk="1" hangingPunct="1">
+              <a:lnSpc>
+                <a:spcPct val="100000"/>
+              </a:lnSpc>
+              <a:spcBef>
+                <a:spcPts val="0"/>
+              </a:spcBef>
+              <a:spcAft>
+                <a:spcPts val="0"/>
+              </a:spcAft>
+              <a:buClr>
+                <a:schemeClr val="dk1"/>
+              </a:buClr>
+              <a:buSzPts val="1800"/>
+              <a:buFont typeface="Arial"/>
+              <a:buChar char="○"/>
+              <a:defRPr sz="1800" b="0" i="0" u="none" strike="noStrike" cap="none">
+                <a:solidFill>
+                  <a:schemeClr val="dk1"/>
+                </a:solidFill>
+                <a:latin typeface="Arial"/>
+                <a:ea typeface="Arial"/>
+                <a:cs typeface="Arial"/>
+                <a:sym typeface="Arial"/>
+              </a:defRPr>
+            </a:lvl8pPr>
+            <a:lvl9pPr marL="5486263" marR="0" lvl="8" indent="-457189" algn="l" rtl="0" eaLnBrk="1" hangingPunct="1">
+              <a:lnSpc>
+                <a:spcPct val="100000"/>
+              </a:lnSpc>
+              <a:spcBef>
+                <a:spcPts val="0"/>
+              </a:spcBef>
+              <a:spcAft>
+                <a:spcPts val="0"/>
+              </a:spcAft>
+              <a:buClr>
+                <a:schemeClr val="dk1"/>
+              </a:buClr>
+              <a:buSzPts val="1800"/>
+              <a:buFont typeface="Arial"/>
+              <a:buChar char="■"/>
+              <a:defRPr sz="1800" b="0" i="0" u="none" strike="noStrike" cap="none">
+                <a:solidFill>
+                  <a:schemeClr val="dk1"/>
+                </a:solidFill>
+                <a:latin typeface="Arial"/>
+                <a:ea typeface="Arial"/>
+                <a:cs typeface="Arial"/>
+                <a:sym typeface="Arial"/>
+              </a:defRPr>
+            </a:lvl9pPr>
+          </a:lstStyle>
+          <a:p>
+            <a:r>
+              <a:rPr lang="en-US" sz="1800" dirty="0">
+                <a:latin typeface="+mn-lt"/>
+              </a:rPr>
+              <a:t>Broccoli inspires feelings of love or hate.</a:t>
+            </a:r>
+          </a:p>
+          <a:p>
+            <a:r>
+              <a:rPr lang="en-US" sz="1800" dirty="0">
+                <a:latin typeface="+mn-lt"/>
+              </a:rPr>
+              <a:t>Potatoes taste delicious.</a:t>
+            </a:r>
+          </a:p>
+          <a:p>
+            <a:r>
+              <a:rPr lang="en-US" sz="1800" dirty="0">
+                <a:latin typeface="+mn-lt"/>
+              </a:rPr>
+              <a:t>Cabbages.</a:t>
+            </a:r>
+          </a:p>
+        </p:txBody>
+      </p:sp>
+    </p:spTree>
+    <p:extLst>
+      <p:ext uri="{BB962C8B-B14F-4D97-AF65-F5344CB8AC3E}">
+        <p14:creationId xmlns:p14="http://schemas.microsoft.com/office/powerpoint/2010/main" val="2332585384"/>
+      </p:ext>
+    </p:extLst>
+  </p:cSld>
+  <p:clrMapOvr>
+    <a:masterClrMapping/>
+  </p:clrMapOvr>
+</p:sld>
+</file>
+
+<file path=ppt/slides/slide15.xml><?xml version="1.0" encoding="utf-8"?>
+<p:sld xmlns:a="http://schemas.openxmlformats.org/drawingml/2006/main" xmlns:r="http://schemas.openxmlformats.org/officeDocument/2006/relationships" xmlns:p="http://schemas.openxmlformats.org/presentationml/2006/main">
+  <p:cSld>
+    <p:spTree>
+      <p:nvGrpSpPr>
+        <p:cNvPr id="1" name=""/>
+        <p:cNvGrpSpPr/>
+        <p:nvPr/>
+      </p:nvGrpSpPr>
+      <p:grpSpPr>
+        <a:xfrm>
+          <a:off x="0" y="0"/>
+          <a:ext cx="0" cy="0"/>
+          <a:chOff x="0" y="0"/>
+          <a:chExt cx="0" cy="0"/>
+        </a:xfrm>
+      </p:grpSpPr>
+      <p:sp>
+        <p:nvSpPr>
+          <p:cNvPr id="2" name="Title 1">
+            <a:extLst>
+              <a:ext uri="{FF2B5EF4-FFF2-40B4-BE49-F238E27FC236}">
+                <a16:creationId xmlns:a16="http://schemas.microsoft.com/office/drawing/2014/main" id="{E355E0FD-58C5-49E7-AB2A-46560FD288CA}"/>
+              </a:ext>
+            </a:extLst>
+          </p:cNvPr>
+          <p:cNvSpPr>
+            <a:spLocks noGrp="1"/>
+          </p:cNvSpPr>
+          <p:nvPr>
+            <p:ph type="title"/>
+          </p:nvPr>
+        </p:nvSpPr>
+        <p:spPr>
+          <a:xfrm>
+            <a:off x="609600" y="290224"/>
+            <a:ext cx="10972800" cy="722890"/>
+          </a:xfrm>
+        </p:spPr>
+        <p:txBody>
+          <a:bodyPr/>
+          <a:lstStyle/>
+          <a:p>
+            <a:pPr algn="ctr"/>
+            <a:r>
+              <a:rPr lang="en-US" dirty="0">
+                <a:solidFill>
+                  <a:schemeClr val="tx1"/>
+                </a:solidFill>
+                <a:latin typeface="+mj-lt"/>
+              </a:rPr>
+              <a:t>Markdown</a:t>
+            </a:r>
+            <a:endParaRPr lang="en-US" dirty="0"/>
+          </a:p>
+        </p:txBody>
+      </p:sp>
+      <p:sp>
+        <p:nvSpPr>
+          <p:cNvPr id="4" name="Text Placeholder 2">
+            <a:extLst>
+              <a:ext uri="{FF2B5EF4-FFF2-40B4-BE49-F238E27FC236}">
+                <a16:creationId xmlns:a16="http://schemas.microsoft.com/office/drawing/2014/main" id="{B8AD014B-AF53-4C8E-8088-EF45C0C66DBD}"/>
+              </a:ext>
+            </a:extLst>
+          </p:cNvPr>
+          <p:cNvSpPr txBox="1">
+            <a:spLocks/>
+          </p:cNvSpPr>
+          <p:nvPr/>
+        </p:nvSpPr>
+        <p:spPr>
+          <a:xfrm>
+            <a:off x="707571" y="1120490"/>
+            <a:ext cx="10972800" cy="1883967"/>
+          </a:xfrm>
+          <a:prstGeom prst="rect">
+            <a:avLst/>
+          </a:prstGeom>
+          <a:noFill/>
+          <a:ln>
+            <a:noFill/>
+          </a:ln>
+        </p:spPr>
+        <p:txBody>
+          <a:bodyPr spcFirstLastPara="1" wrap="square" lIns="91425" tIns="91425" rIns="91425" bIns="91425" anchor="t" anchorCtr="0">
+            <a:noAutofit/>
+          </a:bodyPr>
+          <a:lstStyle>
+            <a:defPPr marR="0" lvl="0" algn="l" rtl="0">
+              <a:lnSpc>
+                <a:spcPct val="100000"/>
+              </a:lnSpc>
+              <a:spcBef>
+                <a:spcPts val="0"/>
+              </a:spcBef>
+              <a:spcAft>
+                <a:spcPts val="0"/>
+              </a:spcAft>
+            </a:defPPr>
+            <a:lvl1pPr marL="609585" marR="0" lvl="0" indent="-558786" algn="l" rtl="0" eaLnBrk="1" hangingPunct="1">
+              <a:lnSpc>
+                <a:spcPct val="100000"/>
+              </a:lnSpc>
+              <a:spcBef>
+                <a:spcPts val="800"/>
+              </a:spcBef>
+              <a:spcAft>
+                <a:spcPts val="0"/>
+              </a:spcAft>
+              <a:buClr>
+                <a:schemeClr val="dk1"/>
+              </a:buClr>
+              <a:buSzPts val="3000"/>
+              <a:buFont typeface="Arial"/>
+              <a:buChar char="●"/>
+              <a:defRPr sz="3000" b="0" i="0" u="none" strike="noStrike" cap="none">
+                <a:solidFill>
+                  <a:schemeClr val="dk1"/>
+                </a:solidFill>
+                <a:latin typeface="Arial"/>
+                <a:ea typeface="Arial"/>
+                <a:cs typeface="Arial"/>
+                <a:sym typeface="Arial"/>
+              </a:defRPr>
+            </a:lvl1pPr>
+            <a:lvl2pPr marL="1219170" marR="0" lvl="1" indent="-507987" algn="l" rtl="0" eaLnBrk="1" hangingPunct="1">
+              <a:lnSpc>
+                <a:spcPct val="100000"/>
+              </a:lnSpc>
+              <a:spcBef>
+                <a:spcPts val="0"/>
+              </a:spcBef>
+              <a:spcAft>
+                <a:spcPts val="0"/>
+              </a:spcAft>
+              <a:buClr>
+                <a:schemeClr val="dk1"/>
+              </a:buClr>
+              <a:buSzPts val="2400"/>
+              <a:buFont typeface="Arial"/>
+              <a:buChar char="○"/>
+              <a:defRPr sz="2400" b="0" i="0" u="none" strike="noStrike" cap="none">
+                <a:solidFill>
+                  <a:schemeClr val="dk1"/>
+                </a:solidFill>
+                <a:latin typeface="Arial"/>
+                <a:ea typeface="Arial"/>
+                <a:cs typeface="Arial"/>
+                <a:sym typeface="Arial"/>
+              </a:defRPr>
+            </a:lvl2pPr>
+            <a:lvl3pPr marL="1828754" marR="0" lvl="2" indent="-507987" algn="l" rtl="0" eaLnBrk="1" hangingPunct="1">
+              <a:lnSpc>
+                <a:spcPct val="100000"/>
+              </a:lnSpc>
+              <a:spcBef>
+                <a:spcPts val="0"/>
+              </a:spcBef>
+              <a:spcAft>
+                <a:spcPts val="0"/>
+              </a:spcAft>
+              <a:buClr>
+                <a:schemeClr val="dk1"/>
+              </a:buClr>
+              <a:buSzPts val="2400"/>
+              <a:buFont typeface="Arial"/>
+              <a:buChar char="■"/>
+              <a:defRPr sz="2400" b="0" i="0" u="none" strike="noStrike" cap="none">
+                <a:solidFill>
+                  <a:schemeClr val="dk1"/>
+                </a:solidFill>
+                <a:latin typeface="Arial"/>
+                <a:ea typeface="Arial"/>
+                <a:cs typeface="Arial"/>
+                <a:sym typeface="Arial"/>
+              </a:defRPr>
+            </a:lvl3pPr>
+            <a:lvl4pPr marL="2438339" marR="0" lvl="3" indent="-457189" algn="l" rtl="0" eaLnBrk="1" hangingPunct="1">
+              <a:lnSpc>
+                <a:spcPct val="100000"/>
+              </a:lnSpc>
+              <a:spcBef>
+                <a:spcPts val="0"/>
+              </a:spcBef>
+              <a:spcAft>
+                <a:spcPts val="0"/>
+              </a:spcAft>
+              <a:buClr>
+                <a:schemeClr val="dk1"/>
+              </a:buClr>
+              <a:buSzPts val="1800"/>
+              <a:buFont typeface="Arial"/>
+              <a:buChar char="●"/>
+              <a:defRPr sz="1800" b="0" i="0" u="none" strike="noStrike" cap="none">
+                <a:solidFill>
+                  <a:schemeClr val="dk1"/>
+                </a:solidFill>
+                <a:latin typeface="Arial"/>
+                <a:ea typeface="Arial"/>
+                <a:cs typeface="Arial"/>
+                <a:sym typeface="Arial"/>
+              </a:defRPr>
+            </a:lvl4pPr>
+            <a:lvl5pPr marL="3047924" marR="0" lvl="4" indent="-457189" algn="l" rtl="0" eaLnBrk="1" hangingPunct="1">
+              <a:lnSpc>
+                <a:spcPct val="100000"/>
+              </a:lnSpc>
+              <a:spcBef>
+                <a:spcPts val="0"/>
+              </a:spcBef>
+              <a:spcAft>
+                <a:spcPts val="0"/>
+              </a:spcAft>
+              <a:buClr>
+                <a:schemeClr val="dk1"/>
+              </a:buClr>
+              <a:buSzPts val="1800"/>
+              <a:buFont typeface="Arial"/>
+              <a:buChar char="○"/>
+              <a:defRPr sz="1800" b="0" i="0" u="none" strike="noStrike" cap="none">
+                <a:solidFill>
+                  <a:schemeClr val="dk1"/>
+                </a:solidFill>
+                <a:latin typeface="Arial"/>
+                <a:ea typeface="Arial"/>
+                <a:cs typeface="Arial"/>
+                <a:sym typeface="Arial"/>
+              </a:defRPr>
+            </a:lvl5pPr>
+            <a:lvl6pPr marL="3657509" marR="0" lvl="5" indent="-457189" algn="l" rtl="0" eaLnBrk="1" hangingPunct="1">
+              <a:lnSpc>
+                <a:spcPct val="100000"/>
+              </a:lnSpc>
+              <a:spcBef>
+                <a:spcPts val="0"/>
+              </a:spcBef>
+              <a:spcAft>
+                <a:spcPts val="0"/>
+              </a:spcAft>
+              <a:buClr>
+                <a:schemeClr val="dk1"/>
+              </a:buClr>
+              <a:buSzPts val="1800"/>
+              <a:buFont typeface="Arial"/>
+              <a:buChar char="■"/>
+              <a:defRPr sz="1800" b="0" i="0" u="none" strike="noStrike" cap="none">
+                <a:solidFill>
+                  <a:schemeClr val="dk1"/>
+                </a:solidFill>
+                <a:latin typeface="Arial"/>
+                <a:ea typeface="Arial"/>
+                <a:cs typeface="Arial"/>
+                <a:sym typeface="Arial"/>
+              </a:defRPr>
+            </a:lvl6pPr>
+            <a:lvl7pPr marL="4267093" marR="0" lvl="6" indent="-457189" algn="l" rtl="0" eaLnBrk="1" hangingPunct="1">
+              <a:lnSpc>
+                <a:spcPct val="100000"/>
+              </a:lnSpc>
+              <a:spcBef>
+                <a:spcPts val="0"/>
+              </a:spcBef>
+              <a:spcAft>
+                <a:spcPts val="0"/>
+              </a:spcAft>
+              <a:buClr>
+                <a:schemeClr val="dk1"/>
+              </a:buClr>
+              <a:buSzPts val="1800"/>
+              <a:buFont typeface="Arial"/>
+              <a:buChar char="●"/>
+              <a:defRPr sz="1800" b="0" i="0" u="none" strike="noStrike" cap="none">
+                <a:solidFill>
+                  <a:schemeClr val="dk1"/>
+                </a:solidFill>
+                <a:latin typeface="Arial"/>
+                <a:ea typeface="Arial"/>
+                <a:cs typeface="Arial"/>
+                <a:sym typeface="Arial"/>
+              </a:defRPr>
+            </a:lvl7pPr>
+            <a:lvl8pPr marL="4876678" marR="0" lvl="7" indent="-457189" algn="l" rtl="0" eaLnBrk="1" hangingPunct="1">
+              <a:lnSpc>
+                <a:spcPct val="100000"/>
+              </a:lnSpc>
+              <a:spcBef>
+                <a:spcPts val="0"/>
+              </a:spcBef>
+              <a:spcAft>
+                <a:spcPts val="0"/>
+              </a:spcAft>
+              <a:buClr>
+                <a:schemeClr val="dk1"/>
+              </a:buClr>
+              <a:buSzPts val="1800"/>
+              <a:buFont typeface="Arial"/>
+              <a:buChar char="○"/>
+              <a:defRPr sz="1800" b="0" i="0" u="none" strike="noStrike" cap="none">
+                <a:solidFill>
+                  <a:schemeClr val="dk1"/>
+                </a:solidFill>
+                <a:latin typeface="Arial"/>
+                <a:ea typeface="Arial"/>
+                <a:cs typeface="Arial"/>
+                <a:sym typeface="Arial"/>
+              </a:defRPr>
+            </a:lvl8pPr>
+            <a:lvl9pPr marL="5486263" marR="0" lvl="8" indent="-457189" algn="l" rtl="0" eaLnBrk="1" hangingPunct="1">
+              <a:lnSpc>
+                <a:spcPct val="100000"/>
+              </a:lnSpc>
+              <a:spcBef>
+                <a:spcPts val="0"/>
+              </a:spcBef>
+              <a:spcAft>
+                <a:spcPts val="0"/>
+              </a:spcAft>
+              <a:buClr>
+                <a:schemeClr val="dk1"/>
+              </a:buClr>
+              <a:buSzPts val="1800"/>
+              <a:buFont typeface="Arial"/>
+              <a:buChar char="■"/>
+              <a:defRPr sz="1800" b="0" i="0" u="none" strike="noStrike" cap="none">
+                <a:solidFill>
+                  <a:schemeClr val="dk1"/>
+                </a:solidFill>
+                <a:latin typeface="Arial"/>
+                <a:ea typeface="Arial"/>
+                <a:cs typeface="Arial"/>
+                <a:sym typeface="Arial"/>
+              </a:defRPr>
+            </a:lvl9pPr>
+          </a:lstStyle>
+          <a:p>
+            <a:pPr marL="50799" indent="0">
+              <a:buFont typeface="Arial"/>
+              <a:buNone/>
+            </a:pPr>
+            <a:r>
+              <a:rPr lang="en-US" sz="2400" b="1" dirty="0">
+                <a:latin typeface="+mn-lt"/>
+              </a:rPr>
+              <a:t>Markdown</a:t>
+            </a:r>
+            <a:r>
+              <a:rPr lang="en-US" sz="2400" dirty="0">
+                <a:latin typeface="+mn-lt"/>
+              </a:rPr>
+              <a:t> is a lightweight markup language that many technical professionals use to create and edit technical documents.</a:t>
+            </a:r>
+          </a:p>
+        </p:txBody>
+      </p:sp>
+      <p:sp>
+        <p:nvSpPr>
+          <p:cNvPr id="7" name="Text Placeholder 2">
+            <a:extLst>
+              <a:ext uri="{FF2B5EF4-FFF2-40B4-BE49-F238E27FC236}">
+                <a16:creationId xmlns:a16="http://schemas.microsoft.com/office/drawing/2014/main" id="{61061C07-19D4-4F1D-9DC7-00D86DAE9F78}"/>
+              </a:ext>
+            </a:extLst>
+          </p:cNvPr>
+          <p:cNvSpPr txBox="1">
+            <a:spLocks/>
+          </p:cNvSpPr>
+          <p:nvPr/>
+        </p:nvSpPr>
+        <p:spPr>
+          <a:xfrm>
+            <a:off x="707571" y="2863681"/>
+            <a:ext cx="10972800" cy="2873829"/>
+          </a:xfrm>
+          <a:prstGeom prst="rect">
+            <a:avLst/>
+          </a:prstGeom>
+          <a:solidFill>
+            <a:schemeClr val="bg1">
+              <a:lumMod val="40000"/>
+              <a:lumOff val="60000"/>
+            </a:schemeClr>
+          </a:solidFill>
+          <a:ln>
+            <a:noFill/>
+          </a:ln>
+        </p:spPr>
+        <p:txBody>
+          <a:bodyPr spcFirstLastPara="1" wrap="square" lIns="91425" tIns="91425" rIns="91425" bIns="91425" anchor="t" anchorCtr="0">
+            <a:noAutofit/>
+          </a:bodyPr>
+          <a:lstStyle>
+            <a:defPPr marR="0" lvl="0" algn="l" rtl="0">
+              <a:lnSpc>
+                <a:spcPct val="100000"/>
+              </a:lnSpc>
+              <a:spcBef>
+                <a:spcPts val="0"/>
+              </a:spcBef>
+              <a:spcAft>
+                <a:spcPts val="0"/>
+              </a:spcAft>
+            </a:defPPr>
+            <a:lvl1pPr marL="609585" marR="0" lvl="0" indent="-558786" algn="l" rtl="0" eaLnBrk="1" hangingPunct="1">
+              <a:lnSpc>
+                <a:spcPct val="100000"/>
+              </a:lnSpc>
+              <a:spcBef>
+                <a:spcPts val="800"/>
+              </a:spcBef>
+              <a:spcAft>
+                <a:spcPts val="0"/>
+              </a:spcAft>
+              <a:buClr>
+                <a:schemeClr val="dk1"/>
+              </a:buClr>
+              <a:buSzPts val="3000"/>
+              <a:buFont typeface="Arial"/>
+              <a:buChar char="●"/>
+              <a:defRPr sz="3000" b="0" i="0" u="none" strike="noStrike" cap="none">
+                <a:solidFill>
+                  <a:schemeClr val="dk1"/>
+                </a:solidFill>
+                <a:latin typeface="Arial"/>
+                <a:ea typeface="Arial"/>
+                <a:cs typeface="Arial"/>
+                <a:sym typeface="Arial"/>
+              </a:defRPr>
+            </a:lvl1pPr>
+            <a:lvl2pPr marL="1219170" marR="0" lvl="1" indent="-507987" algn="l" rtl="0" eaLnBrk="1" hangingPunct="1">
+              <a:lnSpc>
+                <a:spcPct val="100000"/>
+              </a:lnSpc>
+              <a:spcBef>
+                <a:spcPts val="0"/>
+              </a:spcBef>
+              <a:spcAft>
+                <a:spcPts val="0"/>
+              </a:spcAft>
+              <a:buClr>
+                <a:schemeClr val="dk1"/>
+              </a:buClr>
+              <a:buSzPts val="2400"/>
+              <a:buFont typeface="Arial"/>
+              <a:buChar char="○"/>
+              <a:defRPr sz="2400" b="0" i="0" u="none" strike="noStrike" cap="none">
+                <a:solidFill>
+                  <a:schemeClr val="dk1"/>
+                </a:solidFill>
+                <a:latin typeface="Arial"/>
+                <a:ea typeface="Arial"/>
+                <a:cs typeface="Arial"/>
+                <a:sym typeface="Arial"/>
+              </a:defRPr>
+            </a:lvl2pPr>
+            <a:lvl3pPr marL="1828754" marR="0" lvl="2" indent="-507987" algn="l" rtl="0" eaLnBrk="1" hangingPunct="1">
+              <a:lnSpc>
+                <a:spcPct val="100000"/>
+              </a:lnSpc>
+              <a:spcBef>
+                <a:spcPts val="0"/>
+              </a:spcBef>
+              <a:spcAft>
+                <a:spcPts val="0"/>
+              </a:spcAft>
+              <a:buClr>
+                <a:schemeClr val="dk1"/>
+              </a:buClr>
+              <a:buSzPts val="2400"/>
+              <a:buFont typeface="Arial"/>
+              <a:buChar char="■"/>
+              <a:defRPr sz="2400" b="0" i="0" u="none" strike="noStrike" cap="none">
+                <a:solidFill>
+                  <a:schemeClr val="dk1"/>
+                </a:solidFill>
+                <a:latin typeface="Arial"/>
+                <a:ea typeface="Arial"/>
+                <a:cs typeface="Arial"/>
+                <a:sym typeface="Arial"/>
+              </a:defRPr>
+            </a:lvl3pPr>
+            <a:lvl4pPr marL="2438339" marR="0" lvl="3" indent="-457189" algn="l" rtl="0" eaLnBrk="1" hangingPunct="1">
+              <a:lnSpc>
+                <a:spcPct val="100000"/>
+              </a:lnSpc>
+              <a:spcBef>
+                <a:spcPts val="0"/>
+              </a:spcBef>
+              <a:spcAft>
+                <a:spcPts val="0"/>
+              </a:spcAft>
+              <a:buClr>
+                <a:schemeClr val="dk1"/>
+              </a:buClr>
+              <a:buSzPts val="1800"/>
+              <a:buFont typeface="Arial"/>
+              <a:buChar char="●"/>
+              <a:defRPr sz="1800" b="0" i="0" u="none" strike="noStrike" cap="none">
+                <a:solidFill>
+                  <a:schemeClr val="dk1"/>
+                </a:solidFill>
+                <a:latin typeface="Arial"/>
+                <a:ea typeface="Arial"/>
+                <a:cs typeface="Arial"/>
+                <a:sym typeface="Arial"/>
+              </a:defRPr>
+            </a:lvl4pPr>
+            <a:lvl5pPr marL="3047924" marR="0" lvl="4" indent="-457189" algn="l" rtl="0" eaLnBrk="1" hangingPunct="1">
+              <a:lnSpc>
+                <a:spcPct val="100000"/>
+              </a:lnSpc>
+              <a:spcBef>
+                <a:spcPts val="0"/>
+              </a:spcBef>
+              <a:spcAft>
+                <a:spcPts val="0"/>
+              </a:spcAft>
+              <a:buClr>
+                <a:schemeClr val="dk1"/>
+              </a:buClr>
+              <a:buSzPts val="1800"/>
+              <a:buFont typeface="Arial"/>
+              <a:buChar char="○"/>
+              <a:defRPr sz="1800" b="0" i="0" u="none" strike="noStrike" cap="none">
+                <a:solidFill>
+                  <a:schemeClr val="dk1"/>
+                </a:solidFill>
+                <a:latin typeface="Arial"/>
+                <a:ea typeface="Arial"/>
+                <a:cs typeface="Arial"/>
+                <a:sym typeface="Arial"/>
+              </a:defRPr>
+            </a:lvl5pPr>
+            <a:lvl6pPr marL="3657509" marR="0" lvl="5" indent="-457189" algn="l" rtl="0" eaLnBrk="1" hangingPunct="1">
+              <a:lnSpc>
+                <a:spcPct val="100000"/>
+              </a:lnSpc>
+              <a:spcBef>
+                <a:spcPts val="0"/>
+              </a:spcBef>
+              <a:spcAft>
+                <a:spcPts val="0"/>
+              </a:spcAft>
+              <a:buClr>
+                <a:schemeClr val="dk1"/>
+              </a:buClr>
+              <a:buSzPts val="1800"/>
+              <a:buFont typeface="Arial"/>
+              <a:buChar char="■"/>
+              <a:defRPr sz="1800" b="0" i="0" u="none" strike="noStrike" cap="none">
+                <a:solidFill>
+                  <a:schemeClr val="dk1"/>
+                </a:solidFill>
+                <a:latin typeface="Arial"/>
+                <a:ea typeface="Arial"/>
+                <a:cs typeface="Arial"/>
+                <a:sym typeface="Arial"/>
+              </a:defRPr>
+            </a:lvl6pPr>
+            <a:lvl7pPr marL="4267093" marR="0" lvl="6" indent="-457189" algn="l" rtl="0" eaLnBrk="1" hangingPunct="1">
+              <a:lnSpc>
+                <a:spcPct val="100000"/>
+              </a:lnSpc>
+              <a:spcBef>
+                <a:spcPts val="0"/>
+              </a:spcBef>
+              <a:spcAft>
+                <a:spcPts val="0"/>
+              </a:spcAft>
+              <a:buClr>
+                <a:schemeClr val="dk1"/>
+              </a:buClr>
+              <a:buSzPts val="1800"/>
+              <a:buFont typeface="Arial"/>
+              <a:buChar char="●"/>
+              <a:defRPr sz="1800" b="0" i="0" u="none" strike="noStrike" cap="none">
+                <a:solidFill>
+                  <a:schemeClr val="dk1"/>
+                </a:solidFill>
+                <a:latin typeface="Arial"/>
+                <a:ea typeface="Arial"/>
+                <a:cs typeface="Arial"/>
+                <a:sym typeface="Arial"/>
+              </a:defRPr>
+            </a:lvl7pPr>
+            <a:lvl8pPr marL="4876678" marR="0" lvl="7" indent="-457189" algn="l" rtl="0" eaLnBrk="1" hangingPunct="1">
+              <a:lnSpc>
+                <a:spcPct val="100000"/>
+              </a:lnSpc>
+              <a:spcBef>
+                <a:spcPts val="0"/>
+              </a:spcBef>
+              <a:spcAft>
+                <a:spcPts val="0"/>
+              </a:spcAft>
+              <a:buClr>
+                <a:schemeClr val="dk1"/>
+              </a:buClr>
+              <a:buSzPts val="1800"/>
+              <a:buFont typeface="Arial"/>
+              <a:buChar char="○"/>
+              <a:defRPr sz="1800" b="0" i="0" u="none" strike="noStrike" cap="none">
+                <a:solidFill>
+                  <a:schemeClr val="dk1"/>
+                </a:solidFill>
+                <a:latin typeface="Arial"/>
+                <a:ea typeface="Arial"/>
+                <a:cs typeface="Arial"/>
+                <a:sym typeface="Arial"/>
+              </a:defRPr>
+            </a:lvl8pPr>
+            <a:lvl9pPr marL="5486263" marR="0" lvl="8" indent="-457189" algn="l" rtl="0" eaLnBrk="1" hangingPunct="1">
+              <a:lnSpc>
+                <a:spcPct val="100000"/>
+              </a:lnSpc>
+              <a:spcBef>
+                <a:spcPts val="0"/>
+              </a:spcBef>
+              <a:spcAft>
+                <a:spcPts val="0"/>
+              </a:spcAft>
+              <a:buClr>
+                <a:schemeClr val="dk1"/>
+              </a:buClr>
+              <a:buSzPts val="1800"/>
+              <a:buFont typeface="Arial"/>
+              <a:buChar char="■"/>
+              <a:defRPr sz="1800" b="0" i="0" u="none" strike="noStrike" cap="none">
+                <a:solidFill>
+                  <a:schemeClr val="dk1"/>
+                </a:solidFill>
+                <a:latin typeface="Arial"/>
+                <a:ea typeface="Arial"/>
+                <a:cs typeface="Arial"/>
+                <a:sym typeface="Arial"/>
+              </a:defRPr>
+            </a:lvl9pPr>
+          </a:lstStyle>
+          <a:p>
+            <a:pPr marL="50799" indent="0">
+              <a:buNone/>
+            </a:pPr>
+            <a:r>
+              <a:rPr lang="en-US" sz="1800" dirty="0">
+                <a:latin typeface="+mn-lt"/>
+              </a:rPr>
+              <a:t>## bash and </a:t>
+            </a:r>
+            <a:r>
+              <a:rPr lang="en-US" sz="1800" dirty="0" err="1">
+                <a:latin typeface="+mn-lt"/>
+              </a:rPr>
+              <a:t>ksh</a:t>
+            </a:r>
+            <a:endParaRPr lang="en-US" sz="1800" dirty="0">
+              <a:latin typeface="+mn-lt"/>
+            </a:endParaRPr>
+          </a:p>
+          <a:p>
+            <a:pPr marL="50799" indent="0">
+              <a:buNone/>
+            </a:pPr>
+            <a:endParaRPr lang="en-US" sz="1800" dirty="0">
+              <a:latin typeface="+mn-lt"/>
+            </a:endParaRPr>
+          </a:p>
+          <a:p>
+            <a:pPr marL="50799" indent="0">
+              <a:buNone/>
+            </a:pPr>
+            <a:r>
+              <a:rPr lang="en-US" sz="1800" dirty="0">
+                <a:latin typeface="+mn-lt"/>
+              </a:rPr>
+              <a:t>**bash** closely resembles an older shell named **</a:t>
+            </a:r>
+            <a:r>
+              <a:rPr lang="en-US" sz="1800" dirty="0" err="1">
+                <a:latin typeface="+mn-lt"/>
+              </a:rPr>
+              <a:t>ksh</a:t>
+            </a:r>
+            <a:r>
+              <a:rPr lang="en-US" sz="1800" dirty="0">
+                <a:latin typeface="+mn-lt"/>
+              </a:rPr>
+              <a:t>**.  The key</a:t>
+            </a:r>
+          </a:p>
+          <a:p>
+            <a:pPr marL="50799" indent="0">
+              <a:buNone/>
+            </a:pPr>
+            <a:r>
+              <a:rPr lang="en-US" sz="1800" dirty="0">
+                <a:latin typeface="+mn-lt"/>
+              </a:rPr>
+              <a:t>*practical* difference between the two shells is as follows:</a:t>
+            </a:r>
+          </a:p>
+          <a:p>
+            <a:pPr marL="50799" indent="0">
+              <a:buNone/>
+            </a:pPr>
+            <a:endParaRPr lang="en-US" sz="1800" dirty="0">
+              <a:latin typeface="+mn-lt"/>
+            </a:endParaRPr>
+          </a:p>
+          <a:p>
+            <a:pPr marL="50799" indent="0">
+              <a:buNone/>
+            </a:pPr>
+            <a:r>
+              <a:rPr lang="en-US" sz="1800" dirty="0">
+                <a:latin typeface="+mn-lt"/>
+              </a:rPr>
+              <a:t>*  More people know bash than </a:t>
+            </a:r>
+            <a:r>
+              <a:rPr lang="en-US" sz="1800" dirty="0" err="1">
+                <a:latin typeface="+mn-lt"/>
+              </a:rPr>
+              <a:t>ksh</a:t>
+            </a:r>
+            <a:r>
+              <a:rPr lang="en-US" sz="1800" dirty="0">
+                <a:latin typeface="+mn-lt"/>
+              </a:rPr>
+              <a:t>, so it is easier to get help for bash</a:t>
+            </a:r>
+          </a:p>
+          <a:p>
+            <a:pPr marL="50799" indent="0">
+              <a:buNone/>
+            </a:pPr>
+            <a:r>
+              <a:rPr lang="en-US" sz="1800" dirty="0">
+                <a:latin typeface="+mn-lt"/>
+              </a:rPr>
+              <a:t>   problems than </a:t>
+            </a:r>
+            <a:r>
+              <a:rPr lang="en-US" sz="1800" dirty="0" err="1">
+                <a:latin typeface="+mn-lt"/>
+              </a:rPr>
+              <a:t>ksh</a:t>
+            </a:r>
+            <a:r>
+              <a:rPr lang="en-US" sz="1800" dirty="0">
+                <a:latin typeface="+mn-lt"/>
+              </a:rPr>
+              <a:t> problems.</a:t>
+            </a:r>
+          </a:p>
+        </p:txBody>
+      </p:sp>
+      <p:sp>
+        <p:nvSpPr>
+          <p:cNvPr id="5" name="TextBox 4">
+            <a:extLst>
+              <a:ext uri="{FF2B5EF4-FFF2-40B4-BE49-F238E27FC236}">
+                <a16:creationId xmlns:a16="http://schemas.microsoft.com/office/drawing/2014/main" id="{CDA26B61-9307-43E1-B492-BF8C82FCE5B4}"/>
+              </a:ext>
+            </a:extLst>
+          </p:cNvPr>
+          <p:cNvSpPr txBox="1"/>
+          <p:nvPr/>
+        </p:nvSpPr>
+        <p:spPr>
+          <a:xfrm>
+            <a:off x="10468451" y="6611779"/>
+            <a:ext cx="1723549" cy="246221"/>
+          </a:xfrm>
+          <a:prstGeom prst="rect">
+            <a:avLst/>
+          </a:prstGeom>
+          <a:noFill/>
+        </p:spPr>
+        <p:txBody>
+          <a:bodyPr wrap="none" rtlCol="0">
+            <a:spAutoFit/>
+          </a:bodyPr>
+          <a:lstStyle/>
+          <a:p>
+            <a:r>
+              <a:rPr lang="en-US" sz="1000" dirty="0">
+                <a:latin typeface="+mn-lt"/>
+                <a:hlinkClick r:id="rId2"/>
+              </a:rPr>
+              <a:t>markdowntutorial.com</a:t>
+            </a:r>
+            <a:endParaRPr lang="en-US" sz="1000" dirty="0">
+              <a:latin typeface="+mn-lt"/>
+            </a:endParaRPr>
+          </a:p>
+        </p:txBody>
+      </p:sp>
+    </p:spTree>
+    <p:extLst>
+      <p:ext uri="{BB962C8B-B14F-4D97-AF65-F5344CB8AC3E}">
+        <p14:creationId xmlns:p14="http://schemas.microsoft.com/office/powerpoint/2010/main" val="2920234346"/>
+      </p:ext>
+    </p:extLst>
+  </p:cSld>
+  <p:clrMapOvr>
+    <a:masterClrMapping/>
+  </p:clrMapOvr>
+</p:sld>
+</file>
+
+<file path=ppt/slides/slide16.xml><?xml version="1.0" encoding="utf-8"?>
+<p:sld xmlns:a="http://schemas.openxmlformats.org/drawingml/2006/main" xmlns:r="http://schemas.openxmlformats.org/officeDocument/2006/relationships" xmlns:p="http://schemas.openxmlformats.org/presentationml/2006/main">
+  <p:cSld>
+    <p:spTree>
+      <p:nvGrpSpPr>
+        <p:cNvPr id="1" name=""/>
+        <p:cNvGrpSpPr/>
+        <p:nvPr/>
+      </p:nvGrpSpPr>
+      <p:grpSpPr>
+        <a:xfrm>
+          <a:off x="0" y="0"/>
+          <a:ext cx="0" cy="0"/>
+          <a:chOff x="0" y="0"/>
+          <a:chExt cx="0" cy="0"/>
+        </a:xfrm>
+      </p:grpSpPr>
+      <p:sp>
+        <p:nvSpPr>
+          <p:cNvPr id="2" name="Title 1">
+            <a:extLst>
+              <a:ext uri="{FF2B5EF4-FFF2-40B4-BE49-F238E27FC236}">
+                <a16:creationId xmlns:a16="http://schemas.microsoft.com/office/drawing/2014/main" id="{E355E0FD-58C5-49E7-AB2A-46560FD288CA}"/>
+              </a:ext>
+            </a:extLst>
+          </p:cNvPr>
+          <p:cNvSpPr>
+            <a:spLocks noGrp="1"/>
+          </p:cNvSpPr>
+          <p:nvPr>
+            <p:ph type="title"/>
+          </p:nvPr>
+        </p:nvSpPr>
+        <p:spPr>
+          <a:xfrm>
+            <a:off x="609600" y="290224"/>
+            <a:ext cx="10972800" cy="722890"/>
+          </a:xfrm>
+        </p:spPr>
+        <p:txBody>
+          <a:bodyPr/>
+          <a:lstStyle/>
+          <a:p>
+            <a:pPr algn="ctr"/>
+            <a:r>
+              <a:rPr lang="en-US" dirty="0">
+                <a:solidFill>
+                  <a:schemeClr val="tx1"/>
+                </a:solidFill>
+                <a:latin typeface="+mj-lt"/>
+              </a:rPr>
+              <a:t>Creating sample code</a:t>
+            </a:r>
+            <a:endParaRPr lang="en-US" dirty="0"/>
+          </a:p>
+        </p:txBody>
+      </p:sp>
+      <p:sp>
+        <p:nvSpPr>
+          <p:cNvPr id="3" name="Text Placeholder 2">
+            <a:extLst>
+              <a:ext uri="{FF2B5EF4-FFF2-40B4-BE49-F238E27FC236}">
+                <a16:creationId xmlns:a16="http://schemas.microsoft.com/office/drawing/2014/main" id="{43AFD2A3-EAC6-41C7-ADB2-686CA9A4F95C}"/>
+              </a:ext>
+            </a:extLst>
+          </p:cNvPr>
+          <p:cNvSpPr>
+            <a:spLocks noGrp="1"/>
+          </p:cNvSpPr>
+          <p:nvPr>
+            <p:ph type="body" idx="1"/>
+          </p:nvPr>
+        </p:nvSpPr>
+        <p:spPr>
+          <a:xfrm>
+            <a:off x="609600" y="1230829"/>
+            <a:ext cx="10972800" cy="1284513"/>
+          </a:xfrm>
+        </p:spPr>
+        <p:txBody>
+          <a:bodyPr/>
+          <a:lstStyle/>
+          <a:p>
+            <a:pPr marL="50799" indent="0">
+              <a:buNone/>
+            </a:pPr>
+            <a:r>
+              <a:rPr lang="en-US" sz="2800" dirty="0">
+                <a:latin typeface="+mn-lt"/>
+              </a:rPr>
+              <a:t>Good sample code is often the best documentation.</a:t>
+            </a:r>
+          </a:p>
+        </p:txBody>
+      </p:sp>
+      <p:sp>
+        <p:nvSpPr>
+          <p:cNvPr id="9" name="Text Placeholder 2">
+            <a:extLst>
+              <a:ext uri="{FF2B5EF4-FFF2-40B4-BE49-F238E27FC236}">
+                <a16:creationId xmlns:a16="http://schemas.microsoft.com/office/drawing/2014/main" id="{94AF8CE0-EC0F-45CE-9A87-520EA6857B6E}"/>
+              </a:ext>
+            </a:extLst>
+          </p:cNvPr>
+          <p:cNvSpPr txBox="1">
+            <a:spLocks/>
+          </p:cNvSpPr>
+          <p:nvPr/>
+        </p:nvSpPr>
+        <p:spPr>
+          <a:xfrm>
+            <a:off x="609600" y="2911559"/>
+            <a:ext cx="10972800" cy="2476870"/>
+          </a:xfrm>
+          <a:prstGeom prst="rect">
+            <a:avLst/>
+          </a:prstGeom>
+          <a:noFill/>
+          <a:ln>
+            <a:noFill/>
+          </a:ln>
+        </p:spPr>
+        <p:txBody>
+          <a:bodyPr spcFirstLastPara="1" wrap="square" lIns="91425" tIns="91425" rIns="91425" bIns="91425" anchor="t" anchorCtr="0">
+            <a:noAutofit/>
+          </a:bodyPr>
+          <a:lstStyle>
+            <a:defPPr marR="0" lvl="0" algn="l" rtl="0">
+              <a:lnSpc>
+                <a:spcPct val="100000"/>
+              </a:lnSpc>
+              <a:spcBef>
+                <a:spcPts val="0"/>
+              </a:spcBef>
+              <a:spcAft>
+                <a:spcPts val="0"/>
+              </a:spcAft>
+            </a:defPPr>
+            <a:lvl1pPr marL="609585" marR="0" lvl="0" indent="-558786" algn="l" rtl="0" eaLnBrk="1" hangingPunct="1">
+              <a:lnSpc>
+                <a:spcPct val="100000"/>
+              </a:lnSpc>
+              <a:spcBef>
+                <a:spcPts val="800"/>
+              </a:spcBef>
+              <a:spcAft>
+                <a:spcPts val="0"/>
+              </a:spcAft>
+              <a:buClr>
+                <a:schemeClr val="dk1"/>
+              </a:buClr>
+              <a:buSzPts val="3000"/>
+              <a:buFont typeface="Arial"/>
+              <a:buChar char="●"/>
+              <a:defRPr sz="3000" b="0" i="0" u="none" strike="noStrike" cap="none">
+                <a:solidFill>
+                  <a:schemeClr val="dk1"/>
+                </a:solidFill>
+                <a:latin typeface="Arial"/>
+                <a:ea typeface="Arial"/>
+                <a:cs typeface="Arial"/>
+                <a:sym typeface="Arial"/>
+              </a:defRPr>
+            </a:lvl1pPr>
+            <a:lvl2pPr marL="1219170" marR="0" lvl="1" indent="-507987" algn="l" rtl="0" eaLnBrk="1" hangingPunct="1">
+              <a:lnSpc>
+                <a:spcPct val="100000"/>
+              </a:lnSpc>
+              <a:spcBef>
+                <a:spcPts val="0"/>
+              </a:spcBef>
+              <a:spcAft>
+                <a:spcPts val="0"/>
+              </a:spcAft>
+              <a:buClr>
+                <a:schemeClr val="dk1"/>
+              </a:buClr>
+              <a:buSzPts val="2400"/>
+              <a:buFont typeface="Arial"/>
+              <a:buChar char="○"/>
+              <a:defRPr sz="2400" b="0" i="0" u="none" strike="noStrike" cap="none">
+                <a:solidFill>
+                  <a:schemeClr val="dk1"/>
+                </a:solidFill>
+                <a:latin typeface="Arial"/>
+                <a:ea typeface="Arial"/>
+                <a:cs typeface="Arial"/>
+                <a:sym typeface="Arial"/>
+              </a:defRPr>
+            </a:lvl2pPr>
+            <a:lvl3pPr marL="1828754" marR="0" lvl="2" indent="-507987" algn="l" rtl="0" eaLnBrk="1" hangingPunct="1">
+              <a:lnSpc>
+                <a:spcPct val="100000"/>
+              </a:lnSpc>
+              <a:spcBef>
+                <a:spcPts val="0"/>
+              </a:spcBef>
+              <a:spcAft>
+                <a:spcPts val="0"/>
+              </a:spcAft>
+              <a:buClr>
+                <a:schemeClr val="dk1"/>
+              </a:buClr>
+              <a:buSzPts val="2400"/>
+              <a:buFont typeface="Arial"/>
+              <a:buChar char="■"/>
+              <a:defRPr sz="2400" b="0" i="0" u="none" strike="noStrike" cap="none">
+                <a:solidFill>
+                  <a:schemeClr val="dk1"/>
+                </a:solidFill>
+                <a:latin typeface="Arial"/>
+                <a:ea typeface="Arial"/>
+                <a:cs typeface="Arial"/>
+                <a:sym typeface="Arial"/>
+              </a:defRPr>
+            </a:lvl3pPr>
+            <a:lvl4pPr marL="2438339" marR="0" lvl="3" indent="-457189" algn="l" rtl="0" eaLnBrk="1" hangingPunct="1">
+              <a:lnSpc>
+                <a:spcPct val="100000"/>
+              </a:lnSpc>
+              <a:spcBef>
+                <a:spcPts val="0"/>
+              </a:spcBef>
+              <a:spcAft>
+                <a:spcPts val="0"/>
+              </a:spcAft>
+              <a:buClr>
+                <a:schemeClr val="dk1"/>
+              </a:buClr>
+              <a:buSzPts val="1800"/>
+              <a:buFont typeface="Arial"/>
+              <a:buChar char="●"/>
+              <a:defRPr sz="1800" b="0" i="0" u="none" strike="noStrike" cap="none">
+                <a:solidFill>
+                  <a:schemeClr val="dk1"/>
+                </a:solidFill>
+                <a:latin typeface="Arial"/>
+                <a:ea typeface="Arial"/>
+                <a:cs typeface="Arial"/>
+                <a:sym typeface="Arial"/>
+              </a:defRPr>
+            </a:lvl4pPr>
+            <a:lvl5pPr marL="3047924" marR="0" lvl="4" indent="-457189" algn="l" rtl="0" eaLnBrk="1" hangingPunct="1">
+              <a:lnSpc>
+                <a:spcPct val="100000"/>
+              </a:lnSpc>
+              <a:spcBef>
+                <a:spcPts val="0"/>
+              </a:spcBef>
+              <a:spcAft>
+                <a:spcPts val="0"/>
+              </a:spcAft>
+              <a:buClr>
+                <a:schemeClr val="dk1"/>
+              </a:buClr>
+              <a:buSzPts val="1800"/>
+              <a:buFont typeface="Arial"/>
+              <a:buChar char="○"/>
+              <a:defRPr sz="1800" b="0" i="0" u="none" strike="noStrike" cap="none">
+                <a:solidFill>
+                  <a:schemeClr val="dk1"/>
+                </a:solidFill>
+                <a:latin typeface="Arial"/>
+                <a:ea typeface="Arial"/>
+                <a:cs typeface="Arial"/>
+                <a:sym typeface="Arial"/>
+              </a:defRPr>
+            </a:lvl5pPr>
+            <a:lvl6pPr marL="3657509" marR="0" lvl="5" indent="-457189" algn="l" rtl="0" eaLnBrk="1" hangingPunct="1">
+              <a:lnSpc>
+                <a:spcPct val="100000"/>
+              </a:lnSpc>
+              <a:spcBef>
+                <a:spcPts val="0"/>
+              </a:spcBef>
+              <a:spcAft>
+                <a:spcPts val="0"/>
+              </a:spcAft>
+              <a:buClr>
+                <a:schemeClr val="dk1"/>
+              </a:buClr>
+              <a:buSzPts val="1800"/>
+              <a:buFont typeface="Arial"/>
+              <a:buChar char="■"/>
+              <a:defRPr sz="1800" b="0" i="0" u="none" strike="noStrike" cap="none">
+                <a:solidFill>
+                  <a:schemeClr val="dk1"/>
+                </a:solidFill>
+                <a:latin typeface="Arial"/>
+                <a:ea typeface="Arial"/>
+                <a:cs typeface="Arial"/>
+                <a:sym typeface="Arial"/>
+              </a:defRPr>
+            </a:lvl6pPr>
+            <a:lvl7pPr marL="4267093" marR="0" lvl="6" indent="-457189" algn="l" rtl="0" eaLnBrk="1" hangingPunct="1">
+              <a:lnSpc>
+                <a:spcPct val="100000"/>
+              </a:lnSpc>
+              <a:spcBef>
+                <a:spcPts val="0"/>
+              </a:spcBef>
+              <a:spcAft>
+                <a:spcPts val="0"/>
+              </a:spcAft>
+              <a:buClr>
+                <a:schemeClr val="dk1"/>
+              </a:buClr>
+              <a:buSzPts val="1800"/>
+              <a:buFont typeface="Arial"/>
+              <a:buChar char="●"/>
+              <a:defRPr sz="1800" b="0" i="0" u="none" strike="noStrike" cap="none">
+                <a:solidFill>
+                  <a:schemeClr val="dk1"/>
+                </a:solidFill>
+                <a:latin typeface="Arial"/>
+                <a:ea typeface="Arial"/>
+                <a:cs typeface="Arial"/>
+                <a:sym typeface="Arial"/>
+              </a:defRPr>
+            </a:lvl7pPr>
+            <a:lvl8pPr marL="4876678" marR="0" lvl="7" indent="-457189" algn="l" rtl="0" eaLnBrk="1" hangingPunct="1">
+              <a:lnSpc>
+                <a:spcPct val="100000"/>
+              </a:lnSpc>
+              <a:spcBef>
+                <a:spcPts val="0"/>
+              </a:spcBef>
+              <a:spcAft>
+                <a:spcPts val="0"/>
+              </a:spcAft>
+              <a:buClr>
+                <a:schemeClr val="dk1"/>
+              </a:buClr>
+              <a:buSzPts val="1800"/>
+              <a:buFont typeface="Arial"/>
+              <a:buChar char="○"/>
+              <a:defRPr sz="1800" b="0" i="0" u="none" strike="noStrike" cap="none">
+                <a:solidFill>
+                  <a:schemeClr val="dk1"/>
+                </a:solidFill>
+                <a:latin typeface="Arial"/>
+                <a:ea typeface="Arial"/>
+                <a:cs typeface="Arial"/>
+                <a:sym typeface="Arial"/>
+              </a:defRPr>
+            </a:lvl8pPr>
+            <a:lvl9pPr marL="5486263" marR="0" lvl="8" indent="-457189" algn="l" rtl="0" eaLnBrk="1" hangingPunct="1">
+              <a:lnSpc>
+                <a:spcPct val="100000"/>
+              </a:lnSpc>
+              <a:spcBef>
+                <a:spcPts val="0"/>
+              </a:spcBef>
+              <a:spcAft>
+                <a:spcPts val="0"/>
+              </a:spcAft>
+              <a:buClr>
+                <a:schemeClr val="dk1"/>
+              </a:buClr>
+              <a:buSzPts val="1800"/>
+              <a:buFont typeface="Arial"/>
+              <a:buChar char="■"/>
+              <a:defRPr sz="1800" b="0" i="0" u="none" strike="noStrike" cap="none">
+                <a:solidFill>
+                  <a:schemeClr val="dk1"/>
+                </a:solidFill>
+                <a:latin typeface="Arial"/>
+                <a:ea typeface="Arial"/>
+                <a:cs typeface="Arial"/>
+                <a:sym typeface="Arial"/>
+              </a:defRPr>
+            </a:lvl9pPr>
+          </a:lstStyle>
+          <a:p>
+            <a:pPr marL="50799" indent="0" algn="l">
+              <a:buNone/>
+            </a:pPr>
+            <a:r>
+              <a:rPr lang="en-US" sz="1800" b="0" i="0" dirty="0">
+                <a:solidFill>
+                  <a:srgbClr val="202124"/>
+                </a:solidFill>
+                <a:effectLst/>
+                <a:latin typeface="+mn-lt"/>
+              </a:rPr>
+              <a:t>Sample code should meet the following criteria:</a:t>
+            </a:r>
+          </a:p>
+          <a:p>
+            <a:pPr algn="l">
+              <a:buFont typeface="Arial" panose="020B0604020202020204" pitchFamily="34" charset="0"/>
+              <a:buChar char="•"/>
+            </a:pPr>
+            <a:r>
+              <a:rPr lang="en-US" sz="1800" b="0" i="0" dirty="0">
+                <a:solidFill>
+                  <a:srgbClr val="202124"/>
+                </a:solidFill>
+                <a:effectLst/>
+                <a:latin typeface="+mn-lt"/>
+              </a:rPr>
+              <a:t>Build without errors.</a:t>
+            </a:r>
+          </a:p>
+          <a:p>
+            <a:pPr algn="l">
+              <a:buFont typeface="Arial" panose="020B0604020202020204" pitchFamily="34" charset="0"/>
+              <a:buChar char="•"/>
+            </a:pPr>
+            <a:r>
+              <a:rPr lang="en-US" sz="1800" b="0" i="0" dirty="0">
+                <a:solidFill>
+                  <a:srgbClr val="202124"/>
+                </a:solidFill>
+                <a:effectLst/>
+                <a:latin typeface="+mn-lt"/>
+              </a:rPr>
+              <a:t>Perform the task it claims to perform.</a:t>
+            </a:r>
+          </a:p>
+          <a:p>
+            <a:pPr algn="l">
+              <a:buFont typeface="Arial" panose="020B0604020202020204" pitchFamily="34" charset="0"/>
+              <a:buChar char="•"/>
+            </a:pPr>
+            <a:r>
+              <a:rPr lang="en-US" sz="1800" b="0" i="0" dirty="0">
+                <a:solidFill>
+                  <a:srgbClr val="202124"/>
+                </a:solidFill>
+                <a:effectLst/>
+                <a:latin typeface="+mn-lt"/>
+              </a:rPr>
+              <a:t>Be as production-ready as possible. For example, the code shouldn't contain any security vulnerabilities.</a:t>
+            </a:r>
+          </a:p>
+          <a:p>
+            <a:pPr algn="l">
+              <a:buFont typeface="Arial" panose="020B0604020202020204" pitchFamily="34" charset="0"/>
+              <a:buChar char="•"/>
+            </a:pPr>
+            <a:r>
+              <a:rPr lang="en-US" sz="1800" b="0" i="0" dirty="0">
+                <a:solidFill>
+                  <a:srgbClr val="202124"/>
+                </a:solidFill>
+                <a:effectLst/>
+                <a:latin typeface="+mn-lt"/>
+              </a:rPr>
+              <a:t>Follow language-specific conventions.</a:t>
+            </a:r>
+          </a:p>
+        </p:txBody>
+      </p:sp>
+    </p:spTree>
+    <p:extLst>
+      <p:ext uri="{BB962C8B-B14F-4D97-AF65-F5344CB8AC3E}">
+        <p14:creationId xmlns:p14="http://schemas.microsoft.com/office/powerpoint/2010/main" val="3411794912"/>
+      </p:ext>
+    </p:extLst>
+  </p:cSld>
+  <p:clrMapOvr>
+    <a:masterClrMapping/>
+  </p:clrMapOvr>
+</p:sld>
+</file>
+
+<file path=ppt/slides/slide17.xml><?xml version="1.0" encoding="utf-8"?>
+<p:sld xmlns:a="http://schemas.openxmlformats.org/drawingml/2006/main" xmlns:r="http://schemas.openxmlformats.org/officeDocument/2006/relationships" xmlns:p="http://schemas.openxmlformats.org/presentationml/2006/main">
+  <p:cSld>
+    <p:spTree>
+      <p:nvGrpSpPr>
+        <p:cNvPr id="1" name=""/>
+        <p:cNvGrpSpPr/>
+        <p:nvPr/>
+      </p:nvGrpSpPr>
+      <p:grpSpPr>
+        <a:xfrm>
+          <a:off x="0" y="0"/>
+          <a:ext cx="0" cy="0"/>
+          <a:chOff x="0" y="0"/>
+          <a:chExt cx="0" cy="0"/>
+        </a:xfrm>
+      </p:grpSpPr>
+      <p:sp>
+        <p:nvSpPr>
+          <p:cNvPr id="2" name="Title 1">
+            <a:extLst>
+              <a:ext uri="{FF2B5EF4-FFF2-40B4-BE49-F238E27FC236}">
+                <a16:creationId xmlns:a16="http://schemas.microsoft.com/office/drawing/2014/main" id="{E355E0FD-58C5-49E7-AB2A-46560FD288CA}"/>
+              </a:ext>
+            </a:extLst>
+          </p:cNvPr>
+          <p:cNvSpPr>
+            <a:spLocks noGrp="1"/>
+          </p:cNvSpPr>
+          <p:nvPr>
+            <p:ph type="title"/>
+          </p:nvPr>
+        </p:nvSpPr>
+        <p:spPr>
+          <a:xfrm>
+            <a:off x="609600" y="290224"/>
+            <a:ext cx="10972800" cy="722890"/>
+          </a:xfrm>
+        </p:spPr>
+        <p:txBody>
+          <a:bodyPr/>
+          <a:lstStyle/>
+          <a:p>
+            <a:pPr algn="ctr"/>
+            <a:r>
+              <a:rPr lang="en-US" dirty="0">
+                <a:solidFill>
+                  <a:schemeClr val="tx1"/>
+                </a:solidFill>
+                <a:latin typeface="+mj-lt"/>
+              </a:rPr>
+              <a:t>Creating sample code</a:t>
+            </a:r>
+            <a:endParaRPr lang="en-US" dirty="0"/>
+          </a:p>
+        </p:txBody>
+      </p:sp>
+      <p:sp>
+        <p:nvSpPr>
+          <p:cNvPr id="4" name="Text Placeholder 2">
+            <a:extLst>
+              <a:ext uri="{FF2B5EF4-FFF2-40B4-BE49-F238E27FC236}">
+                <a16:creationId xmlns:a16="http://schemas.microsoft.com/office/drawing/2014/main" id="{B8AD014B-AF53-4C8E-8088-EF45C0C66DBD}"/>
+              </a:ext>
+            </a:extLst>
+          </p:cNvPr>
+          <p:cNvSpPr txBox="1">
+            <a:spLocks/>
+          </p:cNvSpPr>
+          <p:nvPr/>
+        </p:nvSpPr>
+        <p:spPr>
+          <a:xfrm>
+            <a:off x="707571" y="1120490"/>
+            <a:ext cx="10972800" cy="1883967"/>
+          </a:xfrm>
+          <a:prstGeom prst="rect">
+            <a:avLst/>
+          </a:prstGeom>
+          <a:noFill/>
+          <a:ln>
+            <a:noFill/>
+          </a:ln>
+        </p:spPr>
+        <p:txBody>
+          <a:bodyPr spcFirstLastPara="1" wrap="square" lIns="91425" tIns="91425" rIns="91425" bIns="91425" anchor="t" anchorCtr="0">
+            <a:noAutofit/>
+          </a:bodyPr>
+          <a:lstStyle>
+            <a:defPPr marR="0" lvl="0" algn="l" rtl="0">
+              <a:lnSpc>
+                <a:spcPct val="100000"/>
+              </a:lnSpc>
+              <a:spcBef>
+                <a:spcPts val="0"/>
+              </a:spcBef>
+              <a:spcAft>
+                <a:spcPts val="0"/>
+              </a:spcAft>
+            </a:defPPr>
+            <a:lvl1pPr marL="609585" marR="0" lvl="0" indent="-558786" algn="l" rtl="0" eaLnBrk="1" hangingPunct="1">
+              <a:lnSpc>
+                <a:spcPct val="100000"/>
+              </a:lnSpc>
+              <a:spcBef>
+                <a:spcPts val="800"/>
+              </a:spcBef>
+              <a:spcAft>
+                <a:spcPts val="0"/>
+              </a:spcAft>
+              <a:buClr>
+                <a:schemeClr val="dk1"/>
+              </a:buClr>
+              <a:buSzPts val="3000"/>
+              <a:buFont typeface="Arial"/>
+              <a:buChar char="●"/>
+              <a:defRPr sz="3000" b="0" i="0" u="none" strike="noStrike" cap="none">
+                <a:solidFill>
+                  <a:schemeClr val="dk1"/>
+                </a:solidFill>
+                <a:latin typeface="Arial"/>
+                <a:ea typeface="Arial"/>
+                <a:cs typeface="Arial"/>
+                <a:sym typeface="Arial"/>
+              </a:defRPr>
+            </a:lvl1pPr>
+            <a:lvl2pPr marL="1219170" marR="0" lvl="1" indent="-507987" algn="l" rtl="0" eaLnBrk="1" hangingPunct="1">
+              <a:lnSpc>
+                <a:spcPct val="100000"/>
+              </a:lnSpc>
+              <a:spcBef>
+                <a:spcPts val="0"/>
+              </a:spcBef>
+              <a:spcAft>
+                <a:spcPts val="0"/>
+              </a:spcAft>
+              <a:buClr>
+                <a:schemeClr val="dk1"/>
+              </a:buClr>
+              <a:buSzPts val="2400"/>
+              <a:buFont typeface="Arial"/>
+              <a:buChar char="○"/>
+              <a:defRPr sz="2400" b="0" i="0" u="none" strike="noStrike" cap="none">
+                <a:solidFill>
+                  <a:schemeClr val="dk1"/>
+                </a:solidFill>
+                <a:latin typeface="Arial"/>
+                <a:ea typeface="Arial"/>
+                <a:cs typeface="Arial"/>
+                <a:sym typeface="Arial"/>
+              </a:defRPr>
+            </a:lvl2pPr>
+            <a:lvl3pPr marL="1828754" marR="0" lvl="2" indent="-507987" algn="l" rtl="0" eaLnBrk="1" hangingPunct="1">
+              <a:lnSpc>
+                <a:spcPct val="100000"/>
+              </a:lnSpc>
+              <a:spcBef>
+                <a:spcPts val="0"/>
+              </a:spcBef>
+              <a:spcAft>
+                <a:spcPts val="0"/>
+              </a:spcAft>
+              <a:buClr>
+                <a:schemeClr val="dk1"/>
+              </a:buClr>
+              <a:buSzPts val="2400"/>
+              <a:buFont typeface="Arial"/>
+              <a:buChar char="■"/>
+              <a:defRPr sz="2400" b="0" i="0" u="none" strike="noStrike" cap="none">
+                <a:solidFill>
+                  <a:schemeClr val="dk1"/>
+                </a:solidFill>
+                <a:latin typeface="Arial"/>
+                <a:ea typeface="Arial"/>
+                <a:cs typeface="Arial"/>
+                <a:sym typeface="Arial"/>
+              </a:defRPr>
+            </a:lvl3pPr>
+            <a:lvl4pPr marL="2438339" marR="0" lvl="3" indent="-457189" algn="l" rtl="0" eaLnBrk="1" hangingPunct="1">
+              <a:lnSpc>
+                <a:spcPct val="100000"/>
+              </a:lnSpc>
+              <a:spcBef>
+                <a:spcPts val="0"/>
+              </a:spcBef>
+              <a:spcAft>
+                <a:spcPts val="0"/>
+              </a:spcAft>
+              <a:buClr>
+                <a:schemeClr val="dk1"/>
+              </a:buClr>
+              <a:buSzPts val="1800"/>
+              <a:buFont typeface="Arial"/>
+              <a:buChar char="●"/>
+              <a:defRPr sz="1800" b="0" i="0" u="none" strike="noStrike" cap="none">
+                <a:solidFill>
+                  <a:schemeClr val="dk1"/>
+                </a:solidFill>
+                <a:latin typeface="Arial"/>
+                <a:ea typeface="Arial"/>
+                <a:cs typeface="Arial"/>
+                <a:sym typeface="Arial"/>
+              </a:defRPr>
+            </a:lvl4pPr>
+            <a:lvl5pPr marL="3047924" marR="0" lvl="4" indent="-457189" algn="l" rtl="0" eaLnBrk="1" hangingPunct="1">
+              <a:lnSpc>
+                <a:spcPct val="100000"/>
+              </a:lnSpc>
+              <a:spcBef>
+                <a:spcPts val="0"/>
+              </a:spcBef>
+              <a:spcAft>
+                <a:spcPts val="0"/>
+              </a:spcAft>
+              <a:buClr>
+                <a:schemeClr val="dk1"/>
+              </a:buClr>
+              <a:buSzPts val="1800"/>
+              <a:buFont typeface="Arial"/>
+              <a:buChar char="○"/>
+              <a:defRPr sz="1800" b="0" i="0" u="none" strike="noStrike" cap="none">
+                <a:solidFill>
+                  <a:schemeClr val="dk1"/>
+                </a:solidFill>
+                <a:latin typeface="Arial"/>
+                <a:ea typeface="Arial"/>
+                <a:cs typeface="Arial"/>
+                <a:sym typeface="Arial"/>
+              </a:defRPr>
+            </a:lvl5pPr>
+            <a:lvl6pPr marL="3657509" marR="0" lvl="5" indent="-457189" algn="l" rtl="0" eaLnBrk="1" hangingPunct="1">
+              <a:lnSpc>
+                <a:spcPct val="100000"/>
+              </a:lnSpc>
+              <a:spcBef>
+                <a:spcPts val="0"/>
+              </a:spcBef>
+              <a:spcAft>
+                <a:spcPts val="0"/>
+              </a:spcAft>
+              <a:buClr>
+                <a:schemeClr val="dk1"/>
+              </a:buClr>
+              <a:buSzPts val="1800"/>
+              <a:buFont typeface="Arial"/>
+              <a:buChar char="■"/>
+              <a:defRPr sz="1800" b="0" i="0" u="none" strike="noStrike" cap="none">
+                <a:solidFill>
+                  <a:schemeClr val="dk1"/>
+                </a:solidFill>
+                <a:latin typeface="Arial"/>
+                <a:ea typeface="Arial"/>
+                <a:cs typeface="Arial"/>
+                <a:sym typeface="Arial"/>
+              </a:defRPr>
+            </a:lvl6pPr>
+            <a:lvl7pPr marL="4267093" marR="0" lvl="6" indent="-457189" algn="l" rtl="0" eaLnBrk="1" hangingPunct="1">
+              <a:lnSpc>
+                <a:spcPct val="100000"/>
+              </a:lnSpc>
+              <a:spcBef>
+                <a:spcPts val="0"/>
+              </a:spcBef>
+              <a:spcAft>
+                <a:spcPts val="0"/>
+              </a:spcAft>
+              <a:buClr>
+                <a:schemeClr val="dk1"/>
+              </a:buClr>
+              <a:buSzPts val="1800"/>
+              <a:buFont typeface="Arial"/>
+              <a:buChar char="●"/>
+              <a:defRPr sz="1800" b="0" i="0" u="none" strike="noStrike" cap="none">
+                <a:solidFill>
+                  <a:schemeClr val="dk1"/>
+                </a:solidFill>
+                <a:latin typeface="Arial"/>
+                <a:ea typeface="Arial"/>
+                <a:cs typeface="Arial"/>
+                <a:sym typeface="Arial"/>
+              </a:defRPr>
+            </a:lvl7pPr>
+            <a:lvl8pPr marL="4876678" marR="0" lvl="7" indent="-457189" algn="l" rtl="0" eaLnBrk="1" hangingPunct="1">
+              <a:lnSpc>
+                <a:spcPct val="100000"/>
+              </a:lnSpc>
+              <a:spcBef>
+                <a:spcPts val="0"/>
+              </a:spcBef>
+              <a:spcAft>
+                <a:spcPts val="0"/>
+              </a:spcAft>
+              <a:buClr>
+                <a:schemeClr val="dk1"/>
+              </a:buClr>
+              <a:buSzPts val="1800"/>
+              <a:buFont typeface="Arial"/>
+              <a:buChar char="○"/>
+              <a:defRPr sz="1800" b="0" i="0" u="none" strike="noStrike" cap="none">
+                <a:solidFill>
+                  <a:schemeClr val="dk1"/>
+                </a:solidFill>
+                <a:latin typeface="Arial"/>
+                <a:ea typeface="Arial"/>
+                <a:cs typeface="Arial"/>
+                <a:sym typeface="Arial"/>
+              </a:defRPr>
+            </a:lvl8pPr>
+            <a:lvl9pPr marL="5486263" marR="0" lvl="8" indent="-457189" algn="l" rtl="0" eaLnBrk="1" hangingPunct="1">
+              <a:lnSpc>
+                <a:spcPct val="100000"/>
+              </a:lnSpc>
+              <a:spcBef>
+                <a:spcPts val="0"/>
+              </a:spcBef>
+              <a:spcAft>
+                <a:spcPts val="0"/>
+              </a:spcAft>
+              <a:buClr>
+                <a:schemeClr val="dk1"/>
+              </a:buClr>
+              <a:buSzPts val="1800"/>
+              <a:buFont typeface="Arial"/>
+              <a:buChar char="■"/>
+              <a:defRPr sz="1800" b="0" i="0" u="none" strike="noStrike" cap="none">
+                <a:solidFill>
+                  <a:schemeClr val="dk1"/>
+                </a:solidFill>
+                <a:latin typeface="Arial"/>
+                <a:ea typeface="Arial"/>
+                <a:cs typeface="Arial"/>
+                <a:sym typeface="Arial"/>
+              </a:defRPr>
+            </a:lvl9pPr>
+          </a:lstStyle>
+          <a:p>
+            <a:pPr marL="50799" indent="0">
+              <a:buFont typeface="Arial"/>
+              <a:buNone/>
+            </a:pPr>
+            <a:r>
+              <a:rPr lang="en-US" sz="2400" u="sng" dirty="0">
+                <a:latin typeface="+mn-lt"/>
+              </a:rPr>
+              <a:t>Exercise:</a:t>
+            </a:r>
+          </a:p>
+          <a:p>
+            <a:pPr marL="50799" indent="0">
+              <a:buFont typeface="Arial"/>
+              <a:buNone/>
+            </a:pPr>
+            <a:r>
+              <a:rPr lang="en-US" sz="2400" dirty="0">
+                <a:latin typeface="+mn-lt"/>
+              </a:rPr>
+              <a:t>What problems do you see in the comments within the following snippet?</a:t>
+            </a:r>
+          </a:p>
+        </p:txBody>
+      </p:sp>
+      <p:sp>
+        <p:nvSpPr>
+          <p:cNvPr id="7" name="Text Placeholder 2">
+            <a:extLst>
+              <a:ext uri="{FF2B5EF4-FFF2-40B4-BE49-F238E27FC236}">
+                <a16:creationId xmlns:a16="http://schemas.microsoft.com/office/drawing/2014/main" id="{61061C07-19D4-4F1D-9DC7-00D86DAE9F78}"/>
+              </a:ext>
+            </a:extLst>
+          </p:cNvPr>
+          <p:cNvSpPr txBox="1">
+            <a:spLocks/>
+          </p:cNvSpPr>
+          <p:nvPr/>
+        </p:nvSpPr>
+        <p:spPr>
+          <a:xfrm>
+            <a:off x="707571" y="3111833"/>
+            <a:ext cx="10972800" cy="1186543"/>
+          </a:xfrm>
+          <a:prstGeom prst="rect">
+            <a:avLst/>
+          </a:prstGeom>
+          <a:solidFill>
+            <a:schemeClr val="bg1">
+              <a:lumMod val="40000"/>
+              <a:lumOff val="60000"/>
+            </a:schemeClr>
+          </a:solidFill>
+          <a:ln>
+            <a:noFill/>
+          </a:ln>
+        </p:spPr>
+        <p:txBody>
+          <a:bodyPr spcFirstLastPara="1" wrap="square" lIns="91425" tIns="91425" rIns="91425" bIns="91425" anchor="t" anchorCtr="0">
+            <a:noAutofit/>
+          </a:bodyPr>
+          <a:lstStyle>
+            <a:defPPr marR="0" lvl="0" algn="l" rtl="0">
+              <a:lnSpc>
+                <a:spcPct val="100000"/>
+              </a:lnSpc>
+              <a:spcBef>
+                <a:spcPts val="0"/>
+              </a:spcBef>
+              <a:spcAft>
+                <a:spcPts val="0"/>
+              </a:spcAft>
+            </a:defPPr>
+            <a:lvl1pPr marL="609585" marR="0" lvl="0" indent="-558786" algn="l" rtl="0" eaLnBrk="1" hangingPunct="1">
+              <a:lnSpc>
+                <a:spcPct val="100000"/>
+              </a:lnSpc>
+              <a:spcBef>
+                <a:spcPts val="800"/>
+              </a:spcBef>
+              <a:spcAft>
+                <a:spcPts val="0"/>
+              </a:spcAft>
+              <a:buClr>
+                <a:schemeClr val="dk1"/>
+              </a:buClr>
+              <a:buSzPts val="3000"/>
+              <a:buFont typeface="Arial"/>
+              <a:buChar char="●"/>
+              <a:defRPr sz="3000" b="0" i="0" u="none" strike="noStrike" cap="none">
+                <a:solidFill>
+                  <a:schemeClr val="dk1"/>
+                </a:solidFill>
+                <a:latin typeface="Arial"/>
+                <a:ea typeface="Arial"/>
+                <a:cs typeface="Arial"/>
+                <a:sym typeface="Arial"/>
+              </a:defRPr>
+            </a:lvl1pPr>
+            <a:lvl2pPr marL="1219170" marR="0" lvl="1" indent="-507987" algn="l" rtl="0" eaLnBrk="1" hangingPunct="1">
+              <a:lnSpc>
+                <a:spcPct val="100000"/>
+              </a:lnSpc>
+              <a:spcBef>
+                <a:spcPts val="0"/>
+              </a:spcBef>
+              <a:spcAft>
+                <a:spcPts val="0"/>
+              </a:spcAft>
+              <a:buClr>
+                <a:schemeClr val="dk1"/>
+              </a:buClr>
+              <a:buSzPts val="2400"/>
+              <a:buFont typeface="Arial"/>
+              <a:buChar char="○"/>
+              <a:defRPr sz="2400" b="0" i="0" u="none" strike="noStrike" cap="none">
+                <a:solidFill>
+                  <a:schemeClr val="dk1"/>
+                </a:solidFill>
+                <a:latin typeface="Arial"/>
+                <a:ea typeface="Arial"/>
+                <a:cs typeface="Arial"/>
+                <a:sym typeface="Arial"/>
+              </a:defRPr>
+            </a:lvl2pPr>
+            <a:lvl3pPr marL="1828754" marR="0" lvl="2" indent="-507987" algn="l" rtl="0" eaLnBrk="1" hangingPunct="1">
+              <a:lnSpc>
+                <a:spcPct val="100000"/>
+              </a:lnSpc>
+              <a:spcBef>
+                <a:spcPts val="0"/>
+              </a:spcBef>
+              <a:spcAft>
+                <a:spcPts val="0"/>
+              </a:spcAft>
+              <a:buClr>
+                <a:schemeClr val="dk1"/>
+              </a:buClr>
+              <a:buSzPts val="2400"/>
+              <a:buFont typeface="Arial"/>
+              <a:buChar char="■"/>
+              <a:defRPr sz="2400" b="0" i="0" u="none" strike="noStrike" cap="none">
+                <a:solidFill>
+                  <a:schemeClr val="dk1"/>
+                </a:solidFill>
+                <a:latin typeface="Arial"/>
+                <a:ea typeface="Arial"/>
+                <a:cs typeface="Arial"/>
+                <a:sym typeface="Arial"/>
+              </a:defRPr>
+            </a:lvl3pPr>
+            <a:lvl4pPr marL="2438339" marR="0" lvl="3" indent="-457189" algn="l" rtl="0" eaLnBrk="1" hangingPunct="1">
+              <a:lnSpc>
+                <a:spcPct val="100000"/>
+              </a:lnSpc>
+              <a:spcBef>
+                <a:spcPts val="0"/>
+              </a:spcBef>
+              <a:spcAft>
+                <a:spcPts val="0"/>
+              </a:spcAft>
+              <a:buClr>
+                <a:schemeClr val="dk1"/>
+              </a:buClr>
+              <a:buSzPts val="1800"/>
+              <a:buFont typeface="Arial"/>
+              <a:buChar char="●"/>
+              <a:defRPr sz="1800" b="0" i="0" u="none" strike="noStrike" cap="none">
+                <a:solidFill>
+                  <a:schemeClr val="dk1"/>
+                </a:solidFill>
+                <a:latin typeface="Arial"/>
+                <a:ea typeface="Arial"/>
+                <a:cs typeface="Arial"/>
+                <a:sym typeface="Arial"/>
+              </a:defRPr>
+            </a:lvl4pPr>
+            <a:lvl5pPr marL="3047924" marR="0" lvl="4" indent="-457189" algn="l" rtl="0" eaLnBrk="1" hangingPunct="1">
+              <a:lnSpc>
+                <a:spcPct val="100000"/>
+              </a:lnSpc>
+              <a:spcBef>
+                <a:spcPts val="0"/>
+              </a:spcBef>
+              <a:spcAft>
+                <a:spcPts val="0"/>
+              </a:spcAft>
+              <a:buClr>
+                <a:schemeClr val="dk1"/>
+              </a:buClr>
+              <a:buSzPts val="1800"/>
+              <a:buFont typeface="Arial"/>
+              <a:buChar char="○"/>
+              <a:defRPr sz="1800" b="0" i="0" u="none" strike="noStrike" cap="none">
+                <a:solidFill>
+                  <a:schemeClr val="dk1"/>
+                </a:solidFill>
+                <a:latin typeface="Arial"/>
+                <a:ea typeface="Arial"/>
+                <a:cs typeface="Arial"/>
+                <a:sym typeface="Arial"/>
+              </a:defRPr>
+            </a:lvl5pPr>
+            <a:lvl6pPr marL="3657509" marR="0" lvl="5" indent="-457189" algn="l" rtl="0" eaLnBrk="1" hangingPunct="1">
+              <a:lnSpc>
+                <a:spcPct val="100000"/>
+              </a:lnSpc>
+              <a:spcBef>
+                <a:spcPts val="0"/>
+              </a:spcBef>
+              <a:spcAft>
+                <a:spcPts val="0"/>
+              </a:spcAft>
+              <a:buClr>
+                <a:schemeClr val="dk1"/>
+              </a:buClr>
+              <a:buSzPts val="1800"/>
+              <a:buFont typeface="Arial"/>
+              <a:buChar char="■"/>
+              <a:defRPr sz="1800" b="0" i="0" u="none" strike="noStrike" cap="none">
+                <a:solidFill>
+                  <a:schemeClr val="dk1"/>
+                </a:solidFill>
+                <a:latin typeface="Arial"/>
+                <a:ea typeface="Arial"/>
+                <a:cs typeface="Arial"/>
+                <a:sym typeface="Arial"/>
+              </a:defRPr>
+            </a:lvl6pPr>
+            <a:lvl7pPr marL="4267093" marR="0" lvl="6" indent="-457189" algn="l" rtl="0" eaLnBrk="1" hangingPunct="1">
+              <a:lnSpc>
+                <a:spcPct val="100000"/>
+              </a:lnSpc>
+              <a:spcBef>
+                <a:spcPts val="0"/>
+              </a:spcBef>
+              <a:spcAft>
+                <a:spcPts val="0"/>
+              </a:spcAft>
+              <a:buClr>
+                <a:schemeClr val="dk1"/>
+              </a:buClr>
+              <a:buSzPts val="1800"/>
+              <a:buFont typeface="Arial"/>
+              <a:buChar char="●"/>
+              <a:defRPr sz="1800" b="0" i="0" u="none" strike="noStrike" cap="none">
+                <a:solidFill>
+                  <a:schemeClr val="dk1"/>
+                </a:solidFill>
+                <a:latin typeface="Arial"/>
+                <a:ea typeface="Arial"/>
+                <a:cs typeface="Arial"/>
+                <a:sym typeface="Arial"/>
+              </a:defRPr>
+            </a:lvl7pPr>
+            <a:lvl8pPr marL="4876678" marR="0" lvl="7" indent="-457189" algn="l" rtl="0" eaLnBrk="1" hangingPunct="1">
+              <a:lnSpc>
+                <a:spcPct val="100000"/>
+              </a:lnSpc>
+              <a:spcBef>
+                <a:spcPts val="0"/>
+              </a:spcBef>
+              <a:spcAft>
+                <a:spcPts val="0"/>
+              </a:spcAft>
+              <a:buClr>
+                <a:schemeClr val="dk1"/>
+              </a:buClr>
+              <a:buSzPts val="1800"/>
+              <a:buFont typeface="Arial"/>
+              <a:buChar char="○"/>
+              <a:defRPr sz="1800" b="0" i="0" u="none" strike="noStrike" cap="none">
+                <a:solidFill>
+                  <a:schemeClr val="dk1"/>
+                </a:solidFill>
+                <a:latin typeface="Arial"/>
+                <a:ea typeface="Arial"/>
+                <a:cs typeface="Arial"/>
+                <a:sym typeface="Arial"/>
+              </a:defRPr>
+            </a:lvl8pPr>
+            <a:lvl9pPr marL="5486263" marR="0" lvl="8" indent="-457189" algn="l" rtl="0" eaLnBrk="1" hangingPunct="1">
+              <a:lnSpc>
+                <a:spcPct val="100000"/>
+              </a:lnSpc>
+              <a:spcBef>
+                <a:spcPts val="0"/>
+              </a:spcBef>
+              <a:spcAft>
+                <a:spcPts val="0"/>
+              </a:spcAft>
+              <a:buClr>
+                <a:schemeClr val="dk1"/>
+              </a:buClr>
+              <a:buSzPts val="1800"/>
+              <a:buFont typeface="Arial"/>
+              <a:buChar char="■"/>
+              <a:defRPr sz="1800" b="0" i="0" u="none" strike="noStrike" cap="none">
+                <a:solidFill>
+                  <a:schemeClr val="dk1"/>
+                </a:solidFill>
+                <a:latin typeface="Arial"/>
+                <a:ea typeface="Arial"/>
+                <a:cs typeface="Arial"/>
+                <a:sym typeface="Arial"/>
+              </a:defRPr>
+            </a:lvl9pPr>
+          </a:lstStyle>
+          <a:p>
+            <a:pPr marL="50799" indent="0">
+              <a:buNone/>
+            </a:pPr>
+            <a:r>
+              <a:rPr lang="en-US" sz="1800" dirty="0">
+                <a:latin typeface="+mn-lt"/>
+              </a:rPr>
+              <a:t>/* Create a stream from the text file at pathname /</a:t>
+            </a:r>
+            <a:r>
+              <a:rPr lang="en-US" sz="1800" dirty="0" err="1">
+                <a:latin typeface="+mn-lt"/>
+              </a:rPr>
+              <a:t>tmp</a:t>
+            </a:r>
+            <a:r>
+              <a:rPr lang="en-US" sz="1800" dirty="0">
+                <a:latin typeface="+mn-lt"/>
+              </a:rPr>
+              <a:t>/</a:t>
+            </a:r>
+            <a:r>
+              <a:rPr lang="en-US" sz="1800" dirty="0" err="1">
+                <a:latin typeface="+mn-lt"/>
+              </a:rPr>
+              <a:t>myfile</a:t>
+            </a:r>
+            <a:r>
+              <a:rPr lang="en-US" sz="1800" dirty="0">
+                <a:latin typeface="+mn-lt"/>
+              </a:rPr>
+              <a:t>. */</a:t>
+            </a:r>
+          </a:p>
+          <a:p>
+            <a:pPr marL="50799" indent="0">
+              <a:buNone/>
+            </a:pPr>
+            <a:r>
+              <a:rPr lang="en-US" sz="1800" dirty="0" err="1">
+                <a:latin typeface="+mn-lt"/>
+              </a:rPr>
+              <a:t>mystream</a:t>
+            </a:r>
+            <a:r>
+              <a:rPr lang="en-US" sz="1800" dirty="0">
+                <a:latin typeface="+mn-lt"/>
+              </a:rPr>
+              <a:t> = </a:t>
+            </a:r>
+            <a:r>
+              <a:rPr lang="en-US" sz="1800" dirty="0" err="1">
+                <a:latin typeface="+mn-lt"/>
+              </a:rPr>
+              <a:t>br.openstream</a:t>
+            </a:r>
+            <a:r>
+              <a:rPr lang="en-US" sz="1800" dirty="0">
+                <a:latin typeface="+mn-lt"/>
+              </a:rPr>
+              <a:t>(pathname=</a:t>
+            </a:r>
+            <a:r>
+              <a:rPr lang="en-US" sz="1800" dirty="0">
+                <a:solidFill>
+                  <a:srgbClr val="00B050"/>
+                </a:solidFill>
+                <a:latin typeface="+mn-lt"/>
+              </a:rPr>
+              <a:t>"/</a:t>
+            </a:r>
+            <a:r>
+              <a:rPr lang="en-US" sz="1800" dirty="0" err="1">
+                <a:solidFill>
+                  <a:srgbClr val="00B050"/>
+                </a:solidFill>
+                <a:latin typeface="+mn-lt"/>
+              </a:rPr>
+              <a:t>tmp</a:t>
+            </a:r>
+            <a:r>
+              <a:rPr lang="en-US" sz="1800" dirty="0">
+                <a:solidFill>
+                  <a:srgbClr val="00B050"/>
+                </a:solidFill>
+                <a:latin typeface="+mn-lt"/>
+              </a:rPr>
+              <a:t>/</a:t>
+            </a:r>
+            <a:r>
+              <a:rPr lang="en-US" sz="1800" dirty="0" err="1">
+                <a:solidFill>
+                  <a:srgbClr val="00B050"/>
+                </a:solidFill>
+                <a:latin typeface="+mn-lt"/>
+              </a:rPr>
+              <a:t>myfile</a:t>
+            </a:r>
+            <a:r>
+              <a:rPr lang="en-US" sz="1800" dirty="0">
+                <a:solidFill>
+                  <a:srgbClr val="00B050"/>
+                </a:solidFill>
+                <a:latin typeface="+mn-lt"/>
+              </a:rPr>
+              <a:t>", </a:t>
+            </a:r>
+            <a:r>
+              <a:rPr lang="en-US" sz="1800" dirty="0">
+                <a:latin typeface="+mn-lt"/>
+              </a:rPr>
+              <a:t>mode=</a:t>
+            </a:r>
+            <a:r>
+              <a:rPr lang="en-US" sz="1800" dirty="0">
+                <a:solidFill>
+                  <a:srgbClr val="00B050"/>
+                </a:solidFill>
+                <a:latin typeface="+mn-lt"/>
+              </a:rPr>
+              <a:t>"z"</a:t>
+            </a:r>
+            <a:r>
+              <a:rPr lang="en-US" sz="1800" dirty="0">
+                <a:latin typeface="+mn-lt"/>
+              </a:rPr>
+              <a:t>)</a:t>
+            </a:r>
+          </a:p>
+        </p:txBody>
+      </p:sp>
+      <p:sp>
+        <p:nvSpPr>
+          <p:cNvPr id="6" name="Text Placeholder 2">
+            <a:extLst>
+              <a:ext uri="{FF2B5EF4-FFF2-40B4-BE49-F238E27FC236}">
+                <a16:creationId xmlns:a16="http://schemas.microsoft.com/office/drawing/2014/main" id="{0A95558E-72E3-4B58-8682-1B8A83197D3A}"/>
+              </a:ext>
+            </a:extLst>
+          </p:cNvPr>
+          <p:cNvSpPr txBox="1">
+            <a:spLocks/>
+          </p:cNvSpPr>
+          <p:nvPr/>
+        </p:nvSpPr>
+        <p:spPr>
+          <a:xfrm>
+            <a:off x="707571" y="4529197"/>
+            <a:ext cx="10972800" cy="948538"/>
+          </a:xfrm>
+          <a:prstGeom prst="rect">
+            <a:avLst/>
+          </a:prstGeom>
+          <a:solidFill>
+            <a:schemeClr val="bg1">
+              <a:lumMod val="40000"/>
+              <a:lumOff val="60000"/>
+            </a:schemeClr>
+          </a:solidFill>
+          <a:ln>
+            <a:noFill/>
+          </a:ln>
+        </p:spPr>
+        <p:txBody>
+          <a:bodyPr spcFirstLastPara="1" wrap="square" lIns="91425" tIns="91425" rIns="91425" bIns="91425" anchor="t" anchorCtr="0">
+            <a:noAutofit/>
+          </a:bodyPr>
+          <a:lstStyle>
+            <a:defPPr marR="0" lvl="0" algn="l" rtl="0">
+              <a:lnSpc>
+                <a:spcPct val="100000"/>
+              </a:lnSpc>
+              <a:spcBef>
+                <a:spcPts val="0"/>
+              </a:spcBef>
+              <a:spcAft>
+                <a:spcPts val="0"/>
+              </a:spcAft>
+            </a:defPPr>
+            <a:lvl1pPr marL="609585" marR="0" lvl="0" indent="-558786" algn="l" rtl="0" eaLnBrk="1" hangingPunct="1">
+              <a:lnSpc>
+                <a:spcPct val="100000"/>
+              </a:lnSpc>
+              <a:spcBef>
+                <a:spcPts val="800"/>
+              </a:spcBef>
+              <a:spcAft>
+                <a:spcPts val="0"/>
+              </a:spcAft>
+              <a:buClr>
+                <a:schemeClr val="dk1"/>
+              </a:buClr>
+              <a:buSzPts val="3000"/>
+              <a:buFont typeface="Arial"/>
+              <a:buChar char="●"/>
+              <a:defRPr sz="3000" b="0" i="0" u="none" strike="noStrike" cap="none">
+                <a:solidFill>
+                  <a:schemeClr val="dk1"/>
+                </a:solidFill>
+                <a:latin typeface="Arial"/>
+                <a:ea typeface="Arial"/>
+                <a:cs typeface="Arial"/>
+                <a:sym typeface="Arial"/>
+              </a:defRPr>
+            </a:lvl1pPr>
+            <a:lvl2pPr marL="1219170" marR="0" lvl="1" indent="-507987" algn="l" rtl="0" eaLnBrk="1" hangingPunct="1">
+              <a:lnSpc>
+                <a:spcPct val="100000"/>
+              </a:lnSpc>
+              <a:spcBef>
+                <a:spcPts val="0"/>
+              </a:spcBef>
+              <a:spcAft>
+                <a:spcPts val="0"/>
+              </a:spcAft>
+              <a:buClr>
+                <a:schemeClr val="dk1"/>
+              </a:buClr>
+              <a:buSzPts val="2400"/>
+              <a:buFont typeface="Arial"/>
+              <a:buChar char="○"/>
+              <a:defRPr sz="2400" b="0" i="0" u="none" strike="noStrike" cap="none">
+                <a:solidFill>
+                  <a:schemeClr val="dk1"/>
+                </a:solidFill>
+                <a:latin typeface="Arial"/>
+                <a:ea typeface="Arial"/>
+                <a:cs typeface="Arial"/>
+                <a:sym typeface="Arial"/>
+              </a:defRPr>
+            </a:lvl2pPr>
+            <a:lvl3pPr marL="1828754" marR="0" lvl="2" indent="-507987" algn="l" rtl="0" eaLnBrk="1" hangingPunct="1">
+              <a:lnSpc>
+                <a:spcPct val="100000"/>
+              </a:lnSpc>
+              <a:spcBef>
+                <a:spcPts val="0"/>
+              </a:spcBef>
+              <a:spcAft>
+                <a:spcPts val="0"/>
+              </a:spcAft>
+              <a:buClr>
+                <a:schemeClr val="dk1"/>
+              </a:buClr>
+              <a:buSzPts val="2400"/>
+              <a:buFont typeface="Arial"/>
+              <a:buChar char="■"/>
+              <a:defRPr sz="2400" b="0" i="0" u="none" strike="noStrike" cap="none">
+                <a:solidFill>
+                  <a:schemeClr val="dk1"/>
+                </a:solidFill>
+                <a:latin typeface="Arial"/>
+                <a:ea typeface="Arial"/>
+                <a:cs typeface="Arial"/>
+                <a:sym typeface="Arial"/>
+              </a:defRPr>
+            </a:lvl3pPr>
+            <a:lvl4pPr marL="2438339" marR="0" lvl="3" indent="-457189" algn="l" rtl="0" eaLnBrk="1" hangingPunct="1">
+              <a:lnSpc>
+                <a:spcPct val="100000"/>
+              </a:lnSpc>
+              <a:spcBef>
+                <a:spcPts val="0"/>
+              </a:spcBef>
+              <a:spcAft>
+                <a:spcPts val="0"/>
+              </a:spcAft>
+              <a:buClr>
+                <a:schemeClr val="dk1"/>
+              </a:buClr>
+              <a:buSzPts val="1800"/>
+              <a:buFont typeface="Arial"/>
+              <a:buChar char="●"/>
+              <a:defRPr sz="1800" b="0" i="0" u="none" strike="noStrike" cap="none">
+                <a:solidFill>
+                  <a:schemeClr val="dk1"/>
+                </a:solidFill>
+                <a:latin typeface="Arial"/>
+                <a:ea typeface="Arial"/>
+                <a:cs typeface="Arial"/>
+                <a:sym typeface="Arial"/>
+              </a:defRPr>
+            </a:lvl4pPr>
+            <a:lvl5pPr marL="3047924" marR="0" lvl="4" indent="-457189" algn="l" rtl="0" eaLnBrk="1" hangingPunct="1">
+              <a:lnSpc>
+                <a:spcPct val="100000"/>
+              </a:lnSpc>
+              <a:spcBef>
+                <a:spcPts val="0"/>
+              </a:spcBef>
+              <a:spcAft>
+                <a:spcPts val="0"/>
+              </a:spcAft>
+              <a:buClr>
+                <a:schemeClr val="dk1"/>
+              </a:buClr>
+              <a:buSzPts val="1800"/>
+              <a:buFont typeface="Arial"/>
+              <a:buChar char="○"/>
+              <a:defRPr sz="1800" b="0" i="0" u="none" strike="noStrike" cap="none">
+                <a:solidFill>
+                  <a:schemeClr val="dk1"/>
+                </a:solidFill>
+                <a:latin typeface="Arial"/>
+                <a:ea typeface="Arial"/>
+                <a:cs typeface="Arial"/>
+                <a:sym typeface="Arial"/>
+              </a:defRPr>
+            </a:lvl5pPr>
+            <a:lvl6pPr marL="3657509" marR="0" lvl="5" indent="-457189" algn="l" rtl="0" eaLnBrk="1" hangingPunct="1">
+              <a:lnSpc>
+                <a:spcPct val="100000"/>
+              </a:lnSpc>
+              <a:spcBef>
+                <a:spcPts val="0"/>
+              </a:spcBef>
+              <a:spcAft>
+                <a:spcPts val="0"/>
+              </a:spcAft>
+              <a:buClr>
+                <a:schemeClr val="dk1"/>
+              </a:buClr>
+              <a:buSzPts val="1800"/>
+              <a:buFont typeface="Arial"/>
+              <a:buChar char="■"/>
+              <a:defRPr sz="1800" b="0" i="0" u="none" strike="noStrike" cap="none">
+                <a:solidFill>
+                  <a:schemeClr val="dk1"/>
+                </a:solidFill>
+                <a:latin typeface="Arial"/>
+                <a:ea typeface="Arial"/>
+                <a:cs typeface="Arial"/>
+                <a:sym typeface="Arial"/>
+              </a:defRPr>
+            </a:lvl6pPr>
+            <a:lvl7pPr marL="4267093" marR="0" lvl="6" indent="-457189" algn="l" rtl="0" eaLnBrk="1" hangingPunct="1">
+              <a:lnSpc>
+                <a:spcPct val="100000"/>
+              </a:lnSpc>
+              <a:spcBef>
+                <a:spcPts val="0"/>
+              </a:spcBef>
+              <a:spcAft>
+                <a:spcPts val="0"/>
+              </a:spcAft>
+              <a:buClr>
+                <a:schemeClr val="dk1"/>
+              </a:buClr>
+              <a:buSzPts val="1800"/>
+              <a:buFont typeface="Arial"/>
+              <a:buChar char="●"/>
+              <a:defRPr sz="1800" b="0" i="0" u="none" strike="noStrike" cap="none">
+                <a:solidFill>
+                  <a:schemeClr val="dk1"/>
+                </a:solidFill>
+                <a:latin typeface="Arial"/>
+                <a:ea typeface="Arial"/>
+                <a:cs typeface="Arial"/>
+                <a:sym typeface="Arial"/>
+              </a:defRPr>
+            </a:lvl7pPr>
+            <a:lvl8pPr marL="4876678" marR="0" lvl="7" indent="-457189" algn="l" rtl="0" eaLnBrk="1" hangingPunct="1">
+              <a:lnSpc>
+                <a:spcPct val="100000"/>
+              </a:lnSpc>
+              <a:spcBef>
+                <a:spcPts val="0"/>
+              </a:spcBef>
+              <a:spcAft>
+                <a:spcPts val="0"/>
+              </a:spcAft>
+              <a:buClr>
+                <a:schemeClr val="dk1"/>
+              </a:buClr>
+              <a:buSzPts val="1800"/>
+              <a:buFont typeface="Arial"/>
+              <a:buChar char="○"/>
+              <a:defRPr sz="1800" b="0" i="0" u="none" strike="noStrike" cap="none">
+                <a:solidFill>
+                  <a:schemeClr val="dk1"/>
+                </a:solidFill>
+                <a:latin typeface="Arial"/>
+                <a:ea typeface="Arial"/>
+                <a:cs typeface="Arial"/>
+                <a:sym typeface="Arial"/>
+              </a:defRPr>
+            </a:lvl8pPr>
+            <a:lvl9pPr marL="5486263" marR="0" lvl="8" indent="-457189" algn="l" rtl="0" eaLnBrk="1" hangingPunct="1">
+              <a:lnSpc>
+                <a:spcPct val="100000"/>
+              </a:lnSpc>
+              <a:spcBef>
+                <a:spcPts val="0"/>
+              </a:spcBef>
+              <a:spcAft>
+                <a:spcPts val="0"/>
+              </a:spcAft>
+              <a:buClr>
+                <a:schemeClr val="dk1"/>
+              </a:buClr>
+              <a:buSzPts val="1800"/>
+              <a:buFont typeface="Arial"/>
+              <a:buChar char="■"/>
+              <a:defRPr sz="1800" b="0" i="0" u="none" strike="noStrike" cap="none">
+                <a:solidFill>
+                  <a:schemeClr val="dk1"/>
+                </a:solidFill>
+                <a:latin typeface="Arial"/>
+                <a:ea typeface="Arial"/>
+                <a:cs typeface="Arial"/>
+                <a:sym typeface="Arial"/>
+              </a:defRPr>
+            </a:lvl9pPr>
+          </a:lstStyle>
+          <a:p>
+            <a:r>
+              <a:rPr lang="en-US" sz="1800" dirty="0">
+                <a:latin typeface="+mn-lt"/>
+              </a:rPr>
+              <a:t>The comment elaborates on a fairly obvious part of the code</a:t>
+            </a:r>
+          </a:p>
+          <a:p>
+            <a:r>
+              <a:rPr lang="en-US" sz="1800" dirty="0">
+                <a:latin typeface="+mn-lt"/>
+              </a:rPr>
+              <a:t>The snippet doesn't explain the non-obvious portion of the code. </a:t>
+            </a:r>
+          </a:p>
+        </p:txBody>
+      </p:sp>
+    </p:spTree>
+    <p:extLst>
+      <p:ext uri="{BB962C8B-B14F-4D97-AF65-F5344CB8AC3E}">
+        <p14:creationId xmlns:p14="http://schemas.microsoft.com/office/powerpoint/2010/main" val="4010594754"/>
+      </p:ext>
+    </p:extLst>
+  </p:cSld>
+  <p:clrMapOvr>
+    <a:masterClrMapping/>
+  </p:clrMapOvr>
+  <p:timing>
+    <p:tnLst>
+      <p:par>
+        <p:cTn id="1" dur="indefinite" restart="never" nodeType="tmRoot">
+          <p:childTnLst>
+            <p:seq concurrent="1" nextAc="seek">
+              <p:cTn id="2" dur="indefinite" nodeType="mainSeq">
+                <p:childTnLst>
+                  <p:par>
+                    <p:cTn id="3" fill="hold">
+                      <p:stCondLst>
+                        <p:cond delay="indefinite"/>
+                      </p:stCondLst>
+                      <p:childTnLst>
+                        <p:par>
+                          <p:cTn id="4" fill="hold">
+                            <p:stCondLst>
+                              <p:cond delay="0"/>
+                            </p:stCondLst>
+                            <p:childTnLst>
+                              <p:par>
+                                <p:cTn id="5" presetID="1" presetClass="entr" presetSubtype="0" fill="hold" grpId="0" nodeType="clickEffect">
+                                  <p:stCondLst>
+                                    <p:cond delay="0"/>
+                                  </p:stCondLst>
+                                  <p:childTnLst>
+                                    <p:set>
+                                      <p:cBhvr>
+                                        <p:cTn id="6" dur="1" fill="hold">
+                                          <p:stCondLst>
+                                            <p:cond delay="0"/>
+                                          </p:stCondLst>
+                                        </p:cTn>
+                                        <p:tgtEl>
+                                          <p:spTgt spid="6"/>
+                                        </p:tgtEl>
+                                        <p:attrNameLst>
+                                          <p:attrName>style.visibility</p:attrName>
+                                        </p:attrNameLst>
+                                      </p:cBhvr>
+                                      <p:to>
+                                        <p:strVal val="visible"/>
+                                      </p:to>
+                                    </p:set>
+                                  </p:childTnLst>
+                                </p:cTn>
+                              </p:par>
+                            </p:childTnLst>
+                          </p:cTn>
+                        </p:par>
+                      </p:childTnLst>
+                    </p:cTn>
+                  </p:par>
+                </p:childTnLst>
+              </p:cTn>
+              <p:prevCondLst>
+                <p:cond evt="onPrev" delay="0">
+                  <p:tgtEl>
+                    <p:sldTgt/>
+                  </p:tgtEl>
+                </p:cond>
+              </p:prevCondLst>
+              <p:nextCondLst>
+                <p:cond evt="onNext" delay="0">
+                  <p:tgtEl>
+                    <p:sldTgt/>
+                  </p:tgtEl>
+                </p:cond>
+              </p:nextCondLst>
+            </p:seq>
+          </p:childTnLst>
+        </p:cTn>
+      </p:par>
+    </p:tnLst>
+    <p:bldLst>
+      <p:bldP spid="6" grpId="0" animBg="1"/>
+    </p:bldLst>
+  </p:timing>
+</p:sld>
+</file>
+
+<file path=ppt/slides/slide18.xml><?xml version="1.0" encoding="utf-8"?>
 <p:sld xmlns:a="http://schemas.openxmlformats.org/drawingml/2006/main" xmlns:r="http://schemas.openxmlformats.org/officeDocument/2006/relationships" xmlns:p="http://schemas.openxmlformats.org/presentationml/2006/main">
   <p:cSld>
     <p:spTree>
@@ -4985,7 +9837,7 @@
                 </a:solidFill>
                 <a:latin typeface="+mj-lt"/>
               </a:rPr>
-              <a:t>Q&amp;A</a:t>
+              <a:t>DEMO</a:t>
             </a:r>
           </a:p>
         </p:txBody>
@@ -4993,7 +9845,139 @@
     </p:spTree>
     <p:extLst>
       <p:ext uri="{BB962C8B-B14F-4D97-AF65-F5344CB8AC3E}">
-        <p14:creationId xmlns:p14="http://schemas.microsoft.com/office/powerpoint/2010/main" val="1333271734"/>
+        <p14:creationId xmlns:p14="http://schemas.microsoft.com/office/powerpoint/2010/main" val="1463979579"/>
+      </p:ext>
+    </p:extLst>
+  </p:cSld>
+  <p:clrMapOvr>
+    <a:masterClrMapping/>
+  </p:clrMapOvr>
+</p:sld>
+</file>
+
+<file path=ppt/slides/slide19.xml><?xml version="1.0" encoding="utf-8"?>
+<p:sld xmlns:a="http://schemas.openxmlformats.org/drawingml/2006/main" xmlns:r="http://schemas.openxmlformats.org/officeDocument/2006/relationships" xmlns:p="http://schemas.openxmlformats.org/presentationml/2006/main">
+  <p:cSld>
+    <p:spTree>
+      <p:nvGrpSpPr>
+        <p:cNvPr id="1" name=""/>
+        <p:cNvGrpSpPr/>
+        <p:nvPr/>
+      </p:nvGrpSpPr>
+      <p:grpSpPr>
+        <a:xfrm>
+          <a:off x="0" y="0"/>
+          <a:ext cx="0" cy="0"/>
+          <a:chOff x="0" y="0"/>
+          <a:chExt cx="0" cy="0"/>
+        </a:xfrm>
+      </p:grpSpPr>
+      <p:sp>
+        <p:nvSpPr>
+          <p:cNvPr id="11" name="TextBox 10">
+            <a:extLst>
+              <a:ext uri="{FF2B5EF4-FFF2-40B4-BE49-F238E27FC236}">
+                <a16:creationId xmlns:a16="http://schemas.microsoft.com/office/drawing/2014/main" id="{6DE1B819-801D-4139-91A2-AB5D0A22A5C2}"/>
+              </a:ext>
+            </a:extLst>
+          </p:cNvPr>
+          <p:cNvSpPr txBox="1"/>
+          <p:nvPr/>
+        </p:nvSpPr>
+        <p:spPr>
+          <a:xfrm>
+            <a:off x="7929295" y="6611779"/>
+            <a:ext cx="4262705" cy="246221"/>
+          </a:xfrm>
+          <a:prstGeom prst="rect">
+            <a:avLst/>
+          </a:prstGeom>
+          <a:noFill/>
+        </p:spPr>
+        <p:txBody>
+          <a:bodyPr wrap="none" rtlCol="0">
+            <a:spAutoFit/>
+          </a:bodyPr>
+          <a:lstStyle/>
+          <a:p>
+            <a:r>
+              <a:rPr lang="en-US" sz="1000" dirty="0">
+                <a:latin typeface="+mn-lt"/>
+                <a:hlinkClick r:id="rId2"/>
+              </a:rPr>
+              <a:t>azure.microsoft.com/</a:t>
+            </a:r>
+            <a:r>
+              <a:rPr lang="en-US" sz="1000" dirty="0" err="1">
+                <a:latin typeface="+mn-lt"/>
+                <a:hlinkClick r:id="rId2"/>
+              </a:rPr>
+              <a:t>en</a:t>
+            </a:r>
+            <a:r>
+              <a:rPr lang="en-US" sz="1000" dirty="0">
+                <a:latin typeface="+mn-lt"/>
+                <a:hlinkClick r:id="rId2"/>
+              </a:rPr>
+              <a:t>-us/services/app-service/static</a:t>
+            </a:r>
+            <a:endParaRPr lang="en-US" sz="1000" dirty="0">
+              <a:latin typeface="+mn-lt"/>
+            </a:endParaRPr>
+          </a:p>
+        </p:txBody>
+      </p:sp>
+      <p:pic>
+        <p:nvPicPr>
+          <p:cNvPr id="8196" name="Picture 4">
+            <a:extLst>
+              <a:ext uri="{FF2B5EF4-FFF2-40B4-BE49-F238E27FC236}">
+                <a16:creationId xmlns:a16="http://schemas.microsoft.com/office/drawing/2014/main" id="{7FAC2305-31EF-4D3F-BCF6-A709BEDC8570}"/>
+              </a:ext>
+            </a:extLst>
+          </p:cNvPr>
+          <p:cNvPicPr>
+            <a:picLocks noChangeAspect="1" noChangeArrowheads="1"/>
+          </p:cNvPicPr>
+          <p:nvPr/>
+        </p:nvPicPr>
+        <p:blipFill>
+          <a:blip r:embed="rId3">
+            <a:extLst>
+              <a:ext uri="{28A0092B-C50C-407E-A947-70E740481C1C}">
+                <a14:useLocalDpi xmlns:a14="http://schemas.microsoft.com/office/drawing/2010/main" val="0"/>
+              </a:ext>
+            </a:extLst>
+          </a:blip>
+          <a:srcRect/>
+          <a:stretch>
+            <a:fillRect/>
+          </a:stretch>
+        </p:blipFill>
+        <p:spPr bwMode="auto">
+          <a:xfrm>
+            <a:off x="0" y="846138"/>
+            <a:ext cx="12192000" cy="5165725"/>
+          </a:xfrm>
+          <a:prstGeom prst="rect">
+            <a:avLst/>
+          </a:prstGeom>
+          <a:noFill/>
+          <a:extLst>
+            <a:ext uri="{909E8E84-426E-40DD-AFC4-6F175D3DCCD1}">
+              <a14:hiddenFill xmlns:a14="http://schemas.microsoft.com/office/drawing/2010/main">
+                <a:solidFill>
+                  <a:srgbClr val="FFFFFF"/>
+                </a:solidFill>
+              </a14:hiddenFill>
+            </a:ext>
+          </a:extLst>
+        </p:spPr>
+      </p:pic>
+    </p:spTree>
+    <p:extLst>
+      <p:ext uri="{BB962C8B-B14F-4D97-AF65-F5344CB8AC3E}">
+        <p14:creationId xmlns:p14="http://schemas.microsoft.com/office/powerpoint/2010/main" val="3808026483"/>
       </p:ext>
     </p:extLst>
   </p:cSld>
@@ -5213,6 +10197,328 @@
     <p:extLst>
       <p:ext uri="{BB962C8B-B14F-4D97-AF65-F5344CB8AC3E}">
         <p14:creationId xmlns:p14="http://schemas.microsoft.com/office/powerpoint/2010/main" val="736123667"/>
+      </p:ext>
+    </p:extLst>
+  </p:cSld>
+  <p:clrMapOvr>
+    <a:masterClrMapping/>
+  </p:clrMapOvr>
+</p:sld>
+</file>
+
+<file path=ppt/slides/slide20.xml><?xml version="1.0" encoding="utf-8"?>
+<p:sld xmlns:a="http://schemas.openxmlformats.org/drawingml/2006/main" xmlns:r="http://schemas.openxmlformats.org/officeDocument/2006/relationships" xmlns:p="http://schemas.openxmlformats.org/presentationml/2006/main">
+  <p:cSld>
+    <p:spTree>
+      <p:nvGrpSpPr>
+        <p:cNvPr id="1" name=""/>
+        <p:cNvGrpSpPr/>
+        <p:nvPr/>
+      </p:nvGrpSpPr>
+      <p:grpSpPr>
+        <a:xfrm>
+          <a:off x="0" y="0"/>
+          <a:ext cx="0" cy="0"/>
+          <a:chOff x="0" y="0"/>
+          <a:chExt cx="0" cy="0"/>
+        </a:xfrm>
+      </p:grpSpPr>
+      <p:pic>
+        <p:nvPicPr>
+          <p:cNvPr id="5" name="Graphic 4">
+            <a:extLst>
+              <a:ext uri="{FF2B5EF4-FFF2-40B4-BE49-F238E27FC236}">
+                <a16:creationId xmlns:a16="http://schemas.microsoft.com/office/drawing/2014/main" id="{0E66EA4D-BDD6-43FD-A573-C7ADC843E2C6}"/>
+              </a:ext>
+            </a:extLst>
+          </p:cNvPr>
+          <p:cNvPicPr>
+            <a:picLocks noChangeAspect="1"/>
+          </p:cNvPicPr>
+          <p:nvPr/>
+        </p:nvPicPr>
+        <p:blipFill>
+          <a:blip r:embed="rId2">
+            <a:extLst>
+              <a:ext uri="{28A0092B-C50C-407E-A947-70E740481C1C}">
+                <a14:useLocalDpi xmlns:a14="http://schemas.microsoft.com/office/drawing/2010/main" val="0"/>
+              </a:ext>
+              <a:ext uri="{96DAC541-7B7A-43D3-8B79-37D633B846F1}">
+                <asvg:svgBlip xmlns:asvg="http://schemas.microsoft.com/office/drawing/2016/SVG/main" r:embed="rId3"/>
+              </a:ext>
+            </a:extLst>
+          </a:blip>
+          <a:stretch>
+            <a:fillRect/>
+          </a:stretch>
+        </p:blipFill>
+        <p:spPr>
+          <a:xfrm>
+            <a:off x="5291137" y="1349201"/>
+            <a:ext cx="1609725" cy="323850"/>
+          </a:xfrm>
+          <a:prstGeom prst="rect">
+            <a:avLst/>
+          </a:prstGeom>
+        </p:spPr>
+      </p:pic>
+      <p:sp>
+        <p:nvSpPr>
+          <p:cNvPr id="7" name="TextBox 6">
+            <a:extLst>
+              <a:ext uri="{FF2B5EF4-FFF2-40B4-BE49-F238E27FC236}">
+                <a16:creationId xmlns:a16="http://schemas.microsoft.com/office/drawing/2014/main" id="{22520A1C-76C5-49BC-B8BC-C27EF824E2CD}"/>
+              </a:ext>
+            </a:extLst>
+          </p:cNvPr>
+          <p:cNvSpPr txBox="1"/>
+          <p:nvPr/>
+        </p:nvSpPr>
+        <p:spPr>
+          <a:xfrm>
+            <a:off x="3048838" y="4583909"/>
+            <a:ext cx="6094324" cy="307777"/>
+          </a:xfrm>
+          <a:prstGeom prst="rect">
+            <a:avLst/>
+          </a:prstGeom>
+          <a:noFill/>
+        </p:spPr>
+        <p:txBody>
+          <a:bodyPr wrap="square">
+            <a:spAutoFit/>
+          </a:bodyPr>
+          <a:lstStyle/>
+          <a:p>
+            <a:r>
+              <a:rPr lang="en-US" i="1" dirty="0">
+                <a:solidFill>
+                  <a:schemeClr val="tx1"/>
+                </a:solidFill>
+                <a:latin typeface="+mj-lt"/>
+              </a:rPr>
+              <a:t>Simple – just create repository </a:t>
+            </a:r>
+            <a:r>
+              <a:rPr lang="en-US" b="0" i="1" dirty="0">
+                <a:solidFill>
+                  <a:schemeClr val="tx1"/>
+                </a:solidFill>
+                <a:effectLst/>
+                <a:latin typeface="+mj-lt"/>
+              </a:rPr>
+              <a:t>username</a:t>
+            </a:r>
+            <a:r>
+              <a:rPr lang="en-US" b="0" i="0" dirty="0">
+                <a:solidFill>
+                  <a:schemeClr val="tx1"/>
+                </a:solidFill>
+                <a:effectLst/>
+                <a:latin typeface="+mj-lt"/>
+              </a:rPr>
+              <a:t>.github.io</a:t>
+            </a:r>
+            <a:endParaRPr lang="en-US" dirty="0">
+              <a:solidFill>
+                <a:schemeClr val="tx1"/>
+              </a:solidFill>
+              <a:latin typeface="+mj-lt"/>
+            </a:endParaRPr>
+          </a:p>
+        </p:txBody>
+      </p:sp>
+      <p:sp>
+        <p:nvSpPr>
+          <p:cNvPr id="10" name="TextBox 9">
+            <a:extLst>
+              <a:ext uri="{FF2B5EF4-FFF2-40B4-BE49-F238E27FC236}">
+                <a16:creationId xmlns:a16="http://schemas.microsoft.com/office/drawing/2014/main" id="{FAA5551A-6E95-4B22-ACA4-A6BCFB6C8A8E}"/>
+              </a:ext>
+            </a:extLst>
+          </p:cNvPr>
+          <p:cNvSpPr txBox="1"/>
+          <p:nvPr/>
+        </p:nvSpPr>
+        <p:spPr>
+          <a:xfrm>
+            <a:off x="1036654" y="2238833"/>
+            <a:ext cx="10118690" cy="830997"/>
+          </a:xfrm>
+          <a:prstGeom prst="rect">
+            <a:avLst/>
+          </a:prstGeom>
+          <a:noFill/>
+        </p:spPr>
+        <p:txBody>
+          <a:bodyPr wrap="square" rtlCol="0">
+            <a:spAutoFit/>
+          </a:bodyPr>
+          <a:lstStyle/>
+          <a:p>
+            <a:r>
+              <a:rPr lang="en-US" sz="1600" b="0" i="0" dirty="0">
+                <a:solidFill>
+                  <a:schemeClr val="tx1"/>
+                </a:solidFill>
+                <a:effectLst/>
+                <a:latin typeface="+mn-lt"/>
+              </a:rPr>
+              <a:t>Websites for you and your projects. Hosted directly from your GitHub repository. Just edit, push, and your changes are live.</a:t>
+            </a:r>
+          </a:p>
+          <a:p>
+            <a:endParaRPr lang="en-US" sz="1600" dirty="0">
+              <a:solidFill>
+                <a:schemeClr val="tx1"/>
+              </a:solidFill>
+              <a:latin typeface="+mn-lt"/>
+            </a:endParaRPr>
+          </a:p>
+        </p:txBody>
+      </p:sp>
+    </p:spTree>
+    <p:extLst>
+      <p:ext uri="{BB962C8B-B14F-4D97-AF65-F5344CB8AC3E}">
+        <p14:creationId xmlns:p14="http://schemas.microsoft.com/office/powerpoint/2010/main" val="581372375"/>
+      </p:ext>
+    </p:extLst>
+  </p:cSld>
+  <p:clrMapOvr>
+    <a:masterClrMapping/>
+  </p:clrMapOvr>
+</p:sld>
+</file>
+
+<file path=ppt/slides/slide21.xml><?xml version="1.0" encoding="utf-8"?>
+<p:sld xmlns:a="http://schemas.openxmlformats.org/drawingml/2006/main" xmlns:r="http://schemas.openxmlformats.org/officeDocument/2006/relationships" xmlns:p="http://schemas.openxmlformats.org/presentationml/2006/main">
+  <p:cSld>
+    <p:spTree>
+      <p:nvGrpSpPr>
+        <p:cNvPr id="1" name=""/>
+        <p:cNvGrpSpPr/>
+        <p:nvPr/>
+      </p:nvGrpSpPr>
+      <p:grpSpPr>
+        <a:xfrm>
+          <a:off x="0" y="0"/>
+          <a:ext cx="0" cy="0"/>
+          <a:chOff x="0" y="0"/>
+          <a:chExt cx="0" cy="0"/>
+        </a:xfrm>
+      </p:grpSpPr>
+      <p:sp>
+        <p:nvSpPr>
+          <p:cNvPr id="2" name="Title 1">
+            <a:extLst>
+              <a:ext uri="{FF2B5EF4-FFF2-40B4-BE49-F238E27FC236}">
+                <a16:creationId xmlns:a16="http://schemas.microsoft.com/office/drawing/2014/main" id="{D398BFED-2F7F-49BD-B480-56FC297B15A8}"/>
+              </a:ext>
+            </a:extLst>
+          </p:cNvPr>
+          <p:cNvSpPr>
+            <a:spLocks noGrp="1"/>
+          </p:cNvSpPr>
+          <p:nvPr>
+            <p:ph type="title"/>
+          </p:nvPr>
+        </p:nvSpPr>
+        <p:spPr>
+          <a:xfrm>
+            <a:off x="609600" y="2857500"/>
+            <a:ext cx="10972800" cy="1143000"/>
+          </a:xfrm>
+        </p:spPr>
+        <p:txBody>
+          <a:bodyPr anchor="ctr"/>
+          <a:lstStyle/>
+          <a:p>
+            <a:pPr algn="ctr"/>
+            <a:r>
+              <a:rPr lang="en-US" dirty="0">
+                <a:solidFill>
+                  <a:schemeClr val="tx1"/>
+                </a:solidFill>
+                <a:latin typeface="+mj-lt"/>
+              </a:rPr>
+              <a:t>DEMO</a:t>
+            </a:r>
+          </a:p>
+        </p:txBody>
+      </p:sp>
+    </p:spTree>
+    <p:extLst>
+      <p:ext uri="{BB962C8B-B14F-4D97-AF65-F5344CB8AC3E}">
+        <p14:creationId xmlns:p14="http://schemas.microsoft.com/office/powerpoint/2010/main" val="341228293"/>
+      </p:ext>
+    </p:extLst>
+  </p:cSld>
+  <p:clrMapOvr>
+    <a:masterClrMapping/>
+  </p:clrMapOvr>
+</p:sld>
+</file>
+
+<file path=ppt/slides/slide22.xml><?xml version="1.0" encoding="utf-8"?>
+<p:sld xmlns:a="http://schemas.openxmlformats.org/drawingml/2006/main" xmlns:r="http://schemas.openxmlformats.org/officeDocument/2006/relationships" xmlns:p="http://schemas.openxmlformats.org/presentationml/2006/main">
+  <p:cSld>
+    <p:spTree>
+      <p:nvGrpSpPr>
+        <p:cNvPr id="1" name=""/>
+        <p:cNvGrpSpPr/>
+        <p:nvPr/>
+      </p:nvGrpSpPr>
+      <p:grpSpPr>
+        <a:xfrm>
+          <a:off x="0" y="0"/>
+          <a:ext cx="0" cy="0"/>
+          <a:chOff x="0" y="0"/>
+          <a:chExt cx="0" cy="0"/>
+        </a:xfrm>
+      </p:grpSpPr>
+      <p:sp>
+        <p:nvSpPr>
+          <p:cNvPr id="2" name="Title 1">
+            <a:extLst>
+              <a:ext uri="{FF2B5EF4-FFF2-40B4-BE49-F238E27FC236}">
+                <a16:creationId xmlns:a16="http://schemas.microsoft.com/office/drawing/2014/main" id="{D398BFED-2F7F-49BD-B480-56FC297B15A8}"/>
+              </a:ext>
+            </a:extLst>
+          </p:cNvPr>
+          <p:cNvSpPr>
+            <a:spLocks noGrp="1"/>
+          </p:cNvSpPr>
+          <p:nvPr>
+            <p:ph type="title"/>
+          </p:nvPr>
+        </p:nvSpPr>
+        <p:spPr>
+          <a:xfrm>
+            <a:off x="609600" y="2857500"/>
+            <a:ext cx="10972800" cy="1143000"/>
+          </a:xfrm>
+        </p:spPr>
+        <p:txBody>
+          <a:bodyPr anchor="ctr"/>
+          <a:lstStyle/>
+          <a:p>
+            <a:pPr algn="ctr"/>
+            <a:r>
+              <a:rPr lang="en-US" dirty="0">
+                <a:solidFill>
+                  <a:schemeClr val="tx1"/>
+                </a:solidFill>
+                <a:latin typeface="+mj-lt"/>
+              </a:rPr>
+              <a:t>Q&amp;A</a:t>
+            </a:r>
+          </a:p>
+        </p:txBody>
+      </p:sp>
+    </p:spTree>
+    <p:extLst>
+      <p:ext uri="{BB962C8B-B14F-4D97-AF65-F5344CB8AC3E}">
+        <p14:creationId xmlns:p14="http://schemas.microsoft.com/office/powerpoint/2010/main" val="1333271734"/>
       </p:ext>
     </p:extLst>
   </p:cSld>
